--- a/RGBMusicPresentation.pptx
+++ b/RGBMusicPresentation.pptx
@@ -5,12 +5,20 @@
     <p:sldMasterId id="2147483660" r:id="rId1"/>
   </p:sldMasterIdLst>
   <p:notesMasterIdLst>
-    <p:notesMasterId r:id="rId5"/>
+    <p:notesMasterId r:id="rId13"/>
   </p:notesMasterIdLst>
   <p:sldIdLst>
     <p:sldId id="256" r:id="rId2"/>
     <p:sldId id="257" r:id="rId3"/>
     <p:sldId id="258" r:id="rId4"/>
+    <p:sldId id="260" r:id="rId5"/>
+    <p:sldId id="261" r:id="rId6"/>
+    <p:sldId id="262" r:id="rId7"/>
+    <p:sldId id="263" r:id="rId8"/>
+    <p:sldId id="264" r:id="rId9"/>
+    <p:sldId id="265" r:id="rId10"/>
+    <p:sldId id="259" r:id="rId11"/>
+    <p:sldId id="266" r:id="rId12"/>
   </p:sldIdLst>
   <p:sldSz cx="12192000" cy="6858000"/>
   <p:notesSz cx="6858000" cy="9144000"/>
@@ -109,6 +117,11 @@
       </a:defRPr>
     </a:lvl9pPr>
   </p:defaultTextStyle>
+  <p:extLst>
+    <p:ext uri="{EFAFB233-063F-42B5-8137-9DF3F51BA10A}">
+      <p15:sldGuideLst xmlns:p15="http://schemas.microsoft.com/office/powerpoint/2012/main"/>
+    </p:ext>
+  </p:extLst>
 </p:presentation>
 </file>
 
@@ -194,7 +207,7 @@
           <a:p>
             <a:fld id="{E915A3F3-128A-4D96-B02F-ECDB675C7CC8}" type="datetimeFigureOut">
               <a:rPr lang="en-US" smtClean="0"/>
-              <a:t>12/2/2018</a:t>
+              <a:t>12/3/2018</a:t>
             </a:fld>
             <a:endParaRPr lang="en-US"/>
           </a:p>
@@ -568,10 +581,9 @@
               <a:buChar char="•"/>
             </a:pPr>
             <a:r>
-              <a:rPr lang="en-US"/>
+              <a:rPr lang="en-US" dirty="0"/>
               <a:t>Very advanced</a:t>
             </a:r>
-            <a:endParaRPr lang="en-US" dirty="0"/>
           </a:p>
           <a:p>
             <a:r>
@@ -646,6 +658,90 @@
     <p:extLst>
       <p:ext uri="{BB962C8B-B14F-4D97-AF65-F5344CB8AC3E}">
         <p14:creationId xmlns:p14="http://schemas.microsoft.com/office/powerpoint/2010/main" val="1318761676"/>
+      </p:ext>
+    </p:extLst>
+  </p:cSld>
+  <p:clrMapOvr>
+    <a:masterClrMapping/>
+  </p:clrMapOvr>
+</p:notes>
+</file>
+
+<file path=ppt/notesSlides/notesSlide2.xml><?xml version="1.0" encoding="utf-8"?>
+<p:notes xmlns:a="http://schemas.openxmlformats.org/drawingml/2006/main" xmlns:r="http://schemas.openxmlformats.org/officeDocument/2006/relationships" xmlns:p="http://schemas.openxmlformats.org/presentationml/2006/main">
+  <p:cSld>
+    <p:spTree>
+      <p:nvGrpSpPr>
+        <p:cNvPr id="1" name=""/>
+        <p:cNvGrpSpPr/>
+        <p:nvPr/>
+      </p:nvGrpSpPr>
+      <p:grpSpPr>
+        <a:xfrm>
+          <a:off x="0" y="0"/>
+          <a:ext cx="0" cy="0"/>
+          <a:chOff x="0" y="0"/>
+          <a:chExt cx="0" cy="0"/>
+        </a:xfrm>
+      </p:grpSpPr>
+      <p:sp>
+        <p:nvSpPr>
+          <p:cNvPr id="2" name="Slide Image Placeholder 1"/>
+          <p:cNvSpPr>
+            <a:spLocks noGrp="1" noRot="1" noChangeAspect="1"/>
+          </p:cNvSpPr>
+          <p:nvPr>
+            <p:ph type="sldImg"/>
+          </p:nvPr>
+        </p:nvSpPr>
+        <p:spPr/>
+      </p:sp>
+      <p:sp>
+        <p:nvSpPr>
+          <p:cNvPr id="3" name="Notes Placeholder 2"/>
+          <p:cNvSpPr>
+            <a:spLocks noGrp="1"/>
+          </p:cNvSpPr>
+          <p:nvPr>
+            <p:ph type="body" idx="1"/>
+          </p:nvPr>
+        </p:nvSpPr>
+        <p:spPr/>
+        <p:txBody>
+          <a:bodyPr/>
+          <a:lstStyle/>
+          <a:p>
+            <a:endParaRPr lang="he-IL" dirty="0"/>
+          </a:p>
+        </p:txBody>
+      </p:sp>
+      <p:sp>
+        <p:nvSpPr>
+          <p:cNvPr id="4" name="Slide Number Placeholder 3"/>
+          <p:cNvSpPr>
+            <a:spLocks noGrp="1"/>
+          </p:cNvSpPr>
+          <p:nvPr>
+            <p:ph type="sldNum" sz="quarter" idx="10"/>
+          </p:nvPr>
+        </p:nvSpPr>
+        <p:spPr/>
+        <p:txBody>
+          <a:bodyPr/>
+          <a:lstStyle/>
+          <a:p>
+            <a:fld id="{AA9BED1A-8388-4503-8515-6BC02580799D}" type="slidenum">
+              <a:rPr lang="en-US" smtClean="0"/>
+              <a:t>9</a:t>
+            </a:fld>
+            <a:endParaRPr lang="en-US"/>
+          </a:p>
+        </p:txBody>
+      </p:sp>
+    </p:spTree>
+    <p:extLst>
+      <p:ext uri="{BB962C8B-B14F-4D97-AF65-F5344CB8AC3E}">
+        <p14:creationId xmlns:p14="http://schemas.microsoft.com/office/powerpoint/2010/main" val="2953944922"/>
       </p:ext>
     </p:extLst>
   </p:cSld>
@@ -1058,7 +1154,7 @@
           <a:p>
             <a:fld id="{318D53EE-AD22-4BCC-B47B-45E9D925B68F}" type="datetimeFigureOut">
               <a:rPr lang="en-US" smtClean="0"/>
-              <a:t>12/1/2018</a:t>
+              <a:t>12/3/2018</a:t>
             </a:fld>
             <a:endParaRPr lang="en-US"/>
           </a:p>
@@ -1237,7 +1333,7 @@
           <a:p>
             <a:fld id="{318D53EE-AD22-4BCC-B47B-45E9D925B68F}" type="datetimeFigureOut">
               <a:rPr lang="en-US" smtClean="0"/>
-              <a:t>12/1/2018</a:t>
+              <a:t>12/3/2018</a:t>
             </a:fld>
             <a:endParaRPr lang="en-US"/>
           </a:p>
@@ -1417,7 +1513,7 @@
           <a:p>
             <a:fld id="{318D53EE-AD22-4BCC-B47B-45E9D925B68F}" type="datetimeFigureOut">
               <a:rPr lang="en-US" smtClean="0"/>
-              <a:t>12/1/2018</a:t>
+              <a:t>12/3/2018</a:t>
             </a:fld>
             <a:endParaRPr lang="en-US"/>
           </a:p>
@@ -1587,7 +1683,7 @@
           <a:p>
             <a:fld id="{318D53EE-AD22-4BCC-B47B-45E9D925B68F}" type="datetimeFigureOut">
               <a:rPr lang="en-US" smtClean="0"/>
-              <a:t>12/1/2018</a:t>
+              <a:t>12/3/2018</a:t>
             </a:fld>
             <a:endParaRPr lang="en-US"/>
           </a:p>
@@ -1900,7 +1996,7 @@
           <a:p>
             <a:fld id="{318D53EE-AD22-4BCC-B47B-45E9D925B68F}" type="datetimeFigureOut">
               <a:rPr lang="en-US" smtClean="0"/>
-              <a:t>12/1/2018</a:t>
+              <a:t>12/3/2018</a:t>
             </a:fld>
             <a:endParaRPr lang="en-US"/>
           </a:p>
@@ -2286,7 +2382,7 @@
           <a:p>
             <a:fld id="{318D53EE-AD22-4BCC-B47B-45E9D925B68F}" type="datetimeFigureOut">
               <a:rPr lang="en-US" smtClean="0"/>
-              <a:t>12/1/2018</a:t>
+              <a:t>12/3/2018</a:t>
             </a:fld>
             <a:endParaRPr lang="en-US"/>
           </a:p>
@@ -2720,7 +2816,7 @@
           <a:p>
             <a:fld id="{318D53EE-AD22-4BCC-B47B-45E9D925B68F}" type="datetimeFigureOut">
               <a:rPr lang="en-US" smtClean="0"/>
-              <a:t>12/1/2018</a:t>
+              <a:t>12/3/2018</a:t>
             </a:fld>
             <a:endParaRPr lang="en-US"/>
           </a:p>
@@ -2838,7 +2934,7 @@
           <a:p>
             <a:fld id="{318D53EE-AD22-4BCC-B47B-45E9D925B68F}" type="datetimeFigureOut">
               <a:rPr lang="en-US" smtClean="0"/>
-              <a:t>12/1/2018</a:t>
+              <a:t>12/3/2018</a:t>
             </a:fld>
             <a:endParaRPr lang="en-US"/>
           </a:p>
@@ -2933,7 +3029,7 @@
           <a:p>
             <a:fld id="{318D53EE-AD22-4BCC-B47B-45E9D925B68F}" type="datetimeFigureOut">
               <a:rPr lang="en-US" smtClean="0"/>
-              <a:t>12/1/2018</a:t>
+              <a:t>12/3/2018</a:t>
             </a:fld>
             <a:endParaRPr lang="en-US"/>
           </a:p>
@@ -3283,7 +3379,7 @@
           <a:p>
             <a:fld id="{318D53EE-AD22-4BCC-B47B-45E9D925B68F}" type="datetimeFigureOut">
               <a:rPr lang="en-US" smtClean="0"/>
-              <a:t>12/1/2018</a:t>
+              <a:t>12/3/2018</a:t>
             </a:fld>
             <a:endParaRPr lang="en-US"/>
           </a:p>
@@ -3708,7 +3804,7 @@
           <a:p>
             <a:fld id="{318D53EE-AD22-4BCC-B47B-45E9D925B68F}" type="datetimeFigureOut">
               <a:rPr lang="en-US" smtClean="0"/>
-              <a:t>12/1/2018</a:t>
+              <a:t>12/3/2018</a:t>
             </a:fld>
             <a:endParaRPr lang="en-US"/>
           </a:p>
@@ -3989,7 +4085,7 @@
           <a:p>
             <a:fld id="{318D53EE-AD22-4BCC-B47B-45E9D925B68F}" type="datetimeFigureOut">
               <a:rPr lang="en-US" smtClean="0"/>
-              <a:t>12/1/2018</a:t>
+              <a:t>12/3/2018</a:t>
             </a:fld>
             <a:endParaRPr lang="en-US"/>
           </a:p>
@@ -4815,7 +4911,7 @@
           <p:nvPr/>
         </p:nvPicPr>
         <p:blipFill>
-          <a:blip r:embed="rId3">
+          <a:blip r:embed="rId3" cstate="hqprint">
             <a:extLst>
               <a:ext uri="{28A0092B-C50C-407E-A947-70E740481C1C}">
                 <a14:useLocalDpi xmlns:a14="http://schemas.microsoft.com/office/drawing/2010/main" val="0"/>
@@ -4860,6 +4956,262 @@
 </p:sld>
 </file>
 
+<file path=ppt/slides/slide10.xml><?xml version="1.0" encoding="utf-8"?>
+<p:sld xmlns:a="http://schemas.openxmlformats.org/drawingml/2006/main" xmlns:r="http://schemas.openxmlformats.org/officeDocument/2006/relationships" xmlns:p="http://schemas.openxmlformats.org/presentationml/2006/main">
+  <p:cSld>
+    <p:spTree>
+      <p:nvGrpSpPr>
+        <p:cNvPr id="1" name=""/>
+        <p:cNvGrpSpPr/>
+        <p:nvPr/>
+      </p:nvGrpSpPr>
+      <p:grpSpPr>
+        <a:xfrm>
+          <a:off x="0" y="0"/>
+          <a:ext cx="0" cy="0"/>
+          <a:chOff x="0" y="0"/>
+          <a:chExt cx="0" cy="0"/>
+        </a:xfrm>
+      </p:grpSpPr>
+      <p:sp>
+        <p:nvSpPr>
+          <p:cNvPr id="2" name="Title 1"/>
+          <p:cNvSpPr>
+            <a:spLocks noGrp="1"/>
+          </p:cNvSpPr>
+          <p:nvPr>
+            <p:ph type="title"/>
+          </p:nvPr>
+        </p:nvSpPr>
+        <p:spPr/>
+        <p:txBody>
+          <a:bodyPr/>
+          <a:lstStyle/>
+          <a:p>
+            <a:r>
+              <a:rPr lang="en-US" dirty="0" smtClean="0"/>
+              <a:t>Bibliography </a:t>
+            </a:r>
+            <a:endParaRPr lang="he-IL" dirty="0"/>
+          </a:p>
+        </p:txBody>
+      </p:sp>
+      <p:sp>
+        <p:nvSpPr>
+          <p:cNvPr id="3" name="Content Placeholder 2"/>
+          <p:cNvSpPr>
+            <a:spLocks noGrp="1"/>
+          </p:cNvSpPr>
+          <p:nvPr>
+            <p:ph idx="1"/>
+          </p:nvPr>
+        </p:nvSpPr>
+        <p:spPr/>
+        <p:txBody>
+          <a:bodyPr/>
+          <a:lstStyle/>
+          <a:p>
+            <a:endParaRPr lang="en-US" dirty="0" smtClean="0"/>
+          </a:p>
+          <a:p>
+            <a:r>
+              <a:rPr lang="en-US" dirty="0" smtClean="0"/>
+              <a:t>We </a:t>
+            </a:r>
+            <a:r>
+              <a:rPr lang="en-US" dirty="0"/>
+              <a:t>were inspired by the video presented in class of “Geo shred preview”</a:t>
+            </a:r>
+          </a:p>
+          <a:p>
+            <a:pPr marL="0" indent="0">
+              <a:buNone/>
+            </a:pPr>
+            <a:r>
+              <a:rPr lang="en-US" dirty="0">
+                <a:hlinkClick r:id="rId2"/>
+              </a:rPr>
+              <a:t>https://www.youtube.com/watch?v=CDLA8B8BkbQ</a:t>
+            </a:r>
+            <a:r>
+              <a:rPr lang="en-US" dirty="0"/>
+              <a:t> </a:t>
+            </a:r>
+          </a:p>
+          <a:p>
+            <a:pPr marL="0" indent="0">
+              <a:buNone/>
+            </a:pPr>
+            <a:r>
+              <a:rPr lang="en-US" dirty="0"/>
+              <a:t>Were you can see a musician play using a touch screen</a:t>
+            </a:r>
+          </a:p>
+          <a:p>
+            <a:endParaRPr lang="he-IL" dirty="0"/>
+          </a:p>
+        </p:txBody>
+      </p:sp>
+    </p:spTree>
+    <p:extLst>
+      <p:ext uri="{BB962C8B-B14F-4D97-AF65-F5344CB8AC3E}">
+        <p14:creationId xmlns:p14="http://schemas.microsoft.com/office/powerpoint/2010/main" val="1051116822"/>
+      </p:ext>
+    </p:extLst>
+  </p:cSld>
+  <p:clrMapOvr>
+    <a:masterClrMapping/>
+  </p:clrMapOvr>
+</p:sld>
+</file>
+
+<file path=ppt/slides/slide11.xml><?xml version="1.0" encoding="utf-8"?>
+<p:sld xmlns:a="http://schemas.openxmlformats.org/drawingml/2006/main" xmlns:r="http://schemas.openxmlformats.org/officeDocument/2006/relationships" xmlns:p="http://schemas.openxmlformats.org/presentationml/2006/main">
+  <p:cSld>
+    <p:spTree>
+      <p:nvGrpSpPr>
+        <p:cNvPr id="1" name=""/>
+        <p:cNvGrpSpPr/>
+        <p:nvPr/>
+      </p:nvGrpSpPr>
+      <p:grpSpPr>
+        <a:xfrm>
+          <a:off x="0" y="0"/>
+          <a:ext cx="0" cy="0"/>
+          <a:chOff x="0" y="0"/>
+          <a:chExt cx="0" cy="0"/>
+        </a:xfrm>
+      </p:grpSpPr>
+      <p:sp>
+        <p:nvSpPr>
+          <p:cNvPr id="2" name="Title 1"/>
+          <p:cNvSpPr>
+            <a:spLocks noGrp="1"/>
+          </p:cNvSpPr>
+          <p:nvPr>
+            <p:ph type="title"/>
+          </p:nvPr>
+        </p:nvSpPr>
+        <p:spPr/>
+        <p:txBody>
+          <a:bodyPr/>
+          <a:lstStyle/>
+          <a:p>
+            <a:r>
+              <a:rPr lang="he-IL" dirty="0" smtClean="0"/>
+              <a:t>חלוקת עבודה</a:t>
+            </a:r>
+            <a:endParaRPr lang="he-IL" dirty="0"/>
+          </a:p>
+        </p:txBody>
+      </p:sp>
+      <p:sp>
+        <p:nvSpPr>
+          <p:cNvPr id="3" name="Content Placeholder 2"/>
+          <p:cNvSpPr>
+            <a:spLocks noGrp="1"/>
+          </p:cNvSpPr>
+          <p:nvPr>
+            <p:ph idx="1"/>
+          </p:nvPr>
+        </p:nvSpPr>
+        <p:spPr/>
+        <p:txBody>
+          <a:bodyPr/>
+          <a:lstStyle/>
+          <a:p>
+            <a:pPr marL="0" indent="0">
+              <a:buNone/>
+            </a:pPr>
+            <a:r>
+              <a:rPr lang="en-US" dirty="0" smtClean="0"/>
+              <a:t>Related work  - Oran</a:t>
+            </a:r>
+          </a:p>
+          <a:p>
+            <a:pPr marL="0" indent="0">
+              <a:buNone/>
+            </a:pPr>
+            <a:r>
+              <a:rPr lang="en-US" dirty="0" smtClean="0"/>
+              <a:t>Articles – Zehavit</a:t>
+            </a:r>
+          </a:p>
+          <a:p>
+            <a:pPr marL="0" indent="0">
+              <a:buNone/>
+            </a:pPr>
+            <a:r>
+              <a:rPr lang="en-US" dirty="0" smtClean="0"/>
+              <a:t>The project – Zehavit</a:t>
+            </a:r>
+          </a:p>
+          <a:p>
+            <a:pPr marL="0" indent="0">
+              <a:buNone/>
+            </a:pPr>
+            <a:r>
+              <a:rPr lang="en-US" dirty="0" smtClean="0"/>
+              <a:t>Use case – Zehavit</a:t>
+            </a:r>
+          </a:p>
+          <a:p>
+            <a:pPr marL="0" indent="0">
+              <a:buNone/>
+            </a:pPr>
+            <a:r>
+              <a:rPr lang="en-US" dirty="0" smtClean="0"/>
+              <a:t>Cons – Oran </a:t>
+            </a:r>
+          </a:p>
+          <a:p>
+            <a:pPr marL="0" indent="0">
+              <a:buNone/>
+            </a:pPr>
+            <a:r>
+              <a:rPr lang="en-US" dirty="0" smtClean="0"/>
+              <a:t>Technical summary - Zehavit</a:t>
+            </a:r>
+          </a:p>
+          <a:p>
+            <a:pPr marL="0" indent="0">
+              <a:buNone/>
+            </a:pPr>
+            <a:r>
+              <a:rPr lang="en-US" dirty="0" smtClean="0"/>
+              <a:t>UI scheme – Oran </a:t>
+            </a:r>
+          </a:p>
+          <a:p>
+            <a:pPr marL="0" indent="0">
+              <a:buNone/>
+            </a:pPr>
+            <a:r>
+              <a:rPr lang="en-US" dirty="0" smtClean="0"/>
+              <a:t>Videos – Zehavit </a:t>
+            </a:r>
+          </a:p>
+          <a:p>
+            <a:pPr marL="0" indent="0">
+              <a:buNone/>
+            </a:pPr>
+            <a:endParaRPr lang="he-IL" dirty="0"/>
+          </a:p>
+        </p:txBody>
+      </p:sp>
+    </p:spTree>
+    <p:extLst>
+      <p:ext uri="{BB962C8B-B14F-4D97-AF65-F5344CB8AC3E}">
+        <p14:creationId xmlns:p14="http://schemas.microsoft.com/office/powerpoint/2010/main" val="3375786538"/>
+      </p:ext>
+    </p:extLst>
+  </p:cSld>
+  <p:clrMapOvr>
+    <a:masterClrMapping/>
+  </p:clrMapOvr>
+</p:sld>
+</file>
+
 <file path=ppt/slides/slide2.xml><?xml version="1.0" encoding="utf-8"?>
 <p:sld xmlns:a="http://schemas.openxmlformats.org/drawingml/2006/main" xmlns:r="http://schemas.openxmlformats.org/officeDocument/2006/relationships" xmlns:p="http://schemas.openxmlformats.org/presentationml/2006/main">
   <p:cSld>
@@ -4992,7 +5344,7 @@
           <p:nvPr/>
         </p:nvPicPr>
         <p:blipFill>
-          <a:blip r:embed="rId3">
+          <a:blip r:embed="rId3" cstate="hqprint">
             <a:extLst>
               <a:ext uri="{28A0092B-C50C-407E-A947-70E740481C1C}">
                 <a14:useLocalDpi xmlns:a14="http://schemas.microsoft.com/office/drawing/2010/main" val="0"/>
@@ -5077,8 +5429,13 @@
           <a:p>
             <a:r>
               <a:rPr lang="en-US" dirty="0"/>
-              <a:t>Related Works</a:t>
-            </a:r>
+              <a:t>Related </a:t>
+            </a:r>
+            <a:r>
+              <a:rPr lang="en-US" dirty="0" smtClean="0"/>
+              <a:t>Work</a:t>
+            </a:r>
+            <a:endParaRPr lang="en-US" dirty="0"/>
           </a:p>
         </p:txBody>
       </p:sp>
@@ -5103,7 +5460,7 @@
           <a:bodyPr/>
           <a:lstStyle/>
           <a:p>
-            <a:endParaRPr lang="en-US"/>
+            <a:endParaRPr lang="en-US" dirty="0"/>
           </a:p>
         </p:txBody>
       </p:sp>
@@ -5111,6 +5468,486 @@
     <p:extLst>
       <p:ext uri="{BB962C8B-B14F-4D97-AF65-F5344CB8AC3E}">
         <p14:creationId xmlns:p14="http://schemas.microsoft.com/office/powerpoint/2010/main" val="2901248084"/>
+      </p:ext>
+    </p:extLst>
+  </p:cSld>
+  <p:clrMapOvr>
+    <a:masterClrMapping/>
+  </p:clrMapOvr>
+</p:sld>
+</file>
+
+<file path=ppt/slides/slide4.xml><?xml version="1.0" encoding="utf-8"?>
+<p:sld xmlns:a="http://schemas.openxmlformats.org/drawingml/2006/main" xmlns:r="http://schemas.openxmlformats.org/officeDocument/2006/relationships" xmlns:p="http://schemas.openxmlformats.org/presentationml/2006/main">
+  <p:cSld>
+    <p:spTree>
+      <p:nvGrpSpPr>
+        <p:cNvPr id="1" name=""/>
+        <p:cNvGrpSpPr/>
+        <p:nvPr/>
+      </p:nvGrpSpPr>
+      <p:grpSpPr>
+        <a:xfrm>
+          <a:off x="0" y="0"/>
+          <a:ext cx="0" cy="0"/>
+          <a:chOff x="0" y="0"/>
+          <a:chExt cx="0" cy="0"/>
+        </a:xfrm>
+      </p:grpSpPr>
+      <p:sp>
+        <p:nvSpPr>
+          <p:cNvPr id="2" name="Title 1"/>
+          <p:cNvSpPr>
+            <a:spLocks noGrp="1"/>
+          </p:cNvSpPr>
+          <p:nvPr>
+            <p:ph type="title"/>
+          </p:nvPr>
+        </p:nvSpPr>
+        <p:spPr/>
+        <p:txBody>
+          <a:bodyPr/>
+          <a:lstStyle/>
+          <a:p>
+            <a:r>
+              <a:rPr lang="en-US" dirty="0" smtClean="0"/>
+              <a:t>The project </a:t>
+            </a:r>
+            <a:endParaRPr lang="he-IL" dirty="0"/>
+          </a:p>
+        </p:txBody>
+      </p:sp>
+      <p:sp>
+        <p:nvSpPr>
+          <p:cNvPr id="3" name="Content Placeholder 2"/>
+          <p:cNvSpPr>
+            <a:spLocks noGrp="1"/>
+          </p:cNvSpPr>
+          <p:nvPr>
+            <p:ph idx="1"/>
+          </p:nvPr>
+        </p:nvSpPr>
+        <p:spPr/>
+        <p:txBody>
+          <a:bodyPr/>
+          <a:lstStyle/>
+          <a:p>
+            <a:endParaRPr lang="he-IL"/>
+          </a:p>
+        </p:txBody>
+      </p:sp>
+    </p:spTree>
+    <p:extLst>
+      <p:ext uri="{BB962C8B-B14F-4D97-AF65-F5344CB8AC3E}">
+        <p14:creationId xmlns:p14="http://schemas.microsoft.com/office/powerpoint/2010/main" val="3145902105"/>
+      </p:ext>
+    </p:extLst>
+  </p:cSld>
+  <p:clrMapOvr>
+    <a:masterClrMapping/>
+  </p:clrMapOvr>
+</p:sld>
+</file>
+
+<file path=ppt/slides/slide5.xml><?xml version="1.0" encoding="utf-8"?>
+<p:sld xmlns:a="http://schemas.openxmlformats.org/drawingml/2006/main" xmlns:r="http://schemas.openxmlformats.org/officeDocument/2006/relationships" xmlns:p="http://schemas.openxmlformats.org/presentationml/2006/main">
+  <p:cSld>
+    <p:spTree>
+      <p:nvGrpSpPr>
+        <p:cNvPr id="1" name=""/>
+        <p:cNvGrpSpPr/>
+        <p:nvPr/>
+      </p:nvGrpSpPr>
+      <p:grpSpPr>
+        <a:xfrm>
+          <a:off x="0" y="0"/>
+          <a:ext cx="0" cy="0"/>
+          <a:chOff x="0" y="0"/>
+          <a:chExt cx="0" cy="0"/>
+        </a:xfrm>
+      </p:grpSpPr>
+      <p:sp>
+        <p:nvSpPr>
+          <p:cNvPr id="2" name="Title 1"/>
+          <p:cNvSpPr>
+            <a:spLocks noGrp="1"/>
+          </p:cNvSpPr>
+          <p:nvPr>
+            <p:ph type="title"/>
+          </p:nvPr>
+        </p:nvSpPr>
+        <p:spPr/>
+        <p:txBody>
+          <a:bodyPr/>
+          <a:lstStyle/>
+          <a:p>
+            <a:r>
+              <a:rPr lang="en-US" dirty="0" smtClean="0"/>
+              <a:t>Implementation notes &amp; use case</a:t>
+            </a:r>
+            <a:endParaRPr lang="he-IL" dirty="0"/>
+          </a:p>
+        </p:txBody>
+      </p:sp>
+      <p:sp>
+        <p:nvSpPr>
+          <p:cNvPr id="3" name="Content Placeholder 2"/>
+          <p:cNvSpPr>
+            <a:spLocks noGrp="1"/>
+          </p:cNvSpPr>
+          <p:nvPr>
+            <p:ph idx="1"/>
+          </p:nvPr>
+        </p:nvSpPr>
+        <p:spPr/>
+        <p:txBody>
+          <a:bodyPr/>
+          <a:lstStyle/>
+          <a:p>
+            <a:endParaRPr lang="he-IL"/>
+          </a:p>
+        </p:txBody>
+      </p:sp>
+    </p:spTree>
+    <p:extLst>
+      <p:ext uri="{BB962C8B-B14F-4D97-AF65-F5344CB8AC3E}">
+        <p14:creationId xmlns:p14="http://schemas.microsoft.com/office/powerpoint/2010/main" val="158362669"/>
+      </p:ext>
+    </p:extLst>
+  </p:cSld>
+  <p:clrMapOvr>
+    <a:masterClrMapping/>
+  </p:clrMapOvr>
+</p:sld>
+</file>
+
+<file path=ppt/slides/slide6.xml><?xml version="1.0" encoding="utf-8"?>
+<p:sld xmlns:a="http://schemas.openxmlformats.org/drawingml/2006/main" xmlns:r="http://schemas.openxmlformats.org/officeDocument/2006/relationships" xmlns:p="http://schemas.openxmlformats.org/presentationml/2006/main">
+  <p:cSld>
+    <p:spTree>
+      <p:nvGrpSpPr>
+        <p:cNvPr id="1" name=""/>
+        <p:cNvGrpSpPr/>
+        <p:nvPr/>
+      </p:nvGrpSpPr>
+      <p:grpSpPr>
+        <a:xfrm>
+          <a:off x="0" y="0"/>
+          <a:ext cx="0" cy="0"/>
+          <a:chOff x="0" y="0"/>
+          <a:chExt cx="0" cy="0"/>
+        </a:xfrm>
+      </p:grpSpPr>
+      <p:sp>
+        <p:nvSpPr>
+          <p:cNvPr id="2" name="Title 1"/>
+          <p:cNvSpPr>
+            <a:spLocks noGrp="1"/>
+          </p:cNvSpPr>
+          <p:nvPr>
+            <p:ph type="title"/>
+          </p:nvPr>
+        </p:nvSpPr>
+        <p:spPr/>
+        <p:txBody>
+          <a:bodyPr/>
+          <a:lstStyle/>
+          <a:p>
+            <a:r>
+              <a:rPr lang="en-US" dirty="0" smtClean="0"/>
+              <a:t>Cons over other products </a:t>
+            </a:r>
+            <a:endParaRPr lang="he-IL" dirty="0"/>
+          </a:p>
+        </p:txBody>
+      </p:sp>
+      <p:sp>
+        <p:nvSpPr>
+          <p:cNvPr id="3" name="Content Placeholder 2"/>
+          <p:cNvSpPr>
+            <a:spLocks noGrp="1"/>
+          </p:cNvSpPr>
+          <p:nvPr>
+            <p:ph idx="1"/>
+          </p:nvPr>
+        </p:nvSpPr>
+        <p:spPr/>
+        <p:txBody>
+          <a:bodyPr/>
+          <a:lstStyle/>
+          <a:p>
+            <a:endParaRPr lang="he-IL" dirty="0"/>
+          </a:p>
+        </p:txBody>
+      </p:sp>
+    </p:spTree>
+    <p:extLst>
+      <p:ext uri="{BB962C8B-B14F-4D97-AF65-F5344CB8AC3E}">
+        <p14:creationId xmlns:p14="http://schemas.microsoft.com/office/powerpoint/2010/main" val="3544669634"/>
+      </p:ext>
+    </p:extLst>
+  </p:cSld>
+  <p:clrMapOvr>
+    <a:masterClrMapping/>
+  </p:clrMapOvr>
+</p:sld>
+</file>
+
+<file path=ppt/slides/slide7.xml><?xml version="1.0" encoding="utf-8"?>
+<p:sld xmlns:a="http://schemas.openxmlformats.org/drawingml/2006/main" xmlns:r="http://schemas.openxmlformats.org/officeDocument/2006/relationships" xmlns:p="http://schemas.openxmlformats.org/presentationml/2006/main">
+  <p:cSld>
+    <p:spTree>
+      <p:nvGrpSpPr>
+        <p:cNvPr id="1" name=""/>
+        <p:cNvGrpSpPr/>
+        <p:nvPr/>
+      </p:nvGrpSpPr>
+      <p:grpSpPr>
+        <a:xfrm>
+          <a:off x="0" y="0"/>
+          <a:ext cx="0" cy="0"/>
+          <a:chOff x="0" y="0"/>
+          <a:chExt cx="0" cy="0"/>
+        </a:xfrm>
+      </p:grpSpPr>
+      <p:sp>
+        <p:nvSpPr>
+          <p:cNvPr id="2" name="Title 1"/>
+          <p:cNvSpPr>
+            <a:spLocks noGrp="1"/>
+          </p:cNvSpPr>
+          <p:nvPr>
+            <p:ph type="title"/>
+          </p:nvPr>
+        </p:nvSpPr>
+        <p:spPr/>
+        <p:txBody>
+          <a:bodyPr/>
+          <a:lstStyle/>
+          <a:p>
+            <a:r>
+              <a:rPr lang="en-US" dirty="0" smtClean="0"/>
+              <a:t>Technical and musical summary </a:t>
+            </a:r>
+            <a:endParaRPr lang="he-IL" dirty="0"/>
+          </a:p>
+        </p:txBody>
+      </p:sp>
+      <p:sp>
+        <p:nvSpPr>
+          <p:cNvPr id="3" name="Content Placeholder 2"/>
+          <p:cNvSpPr>
+            <a:spLocks noGrp="1"/>
+          </p:cNvSpPr>
+          <p:nvPr>
+            <p:ph idx="1"/>
+          </p:nvPr>
+        </p:nvSpPr>
+        <p:spPr/>
+        <p:txBody>
+          <a:bodyPr/>
+          <a:lstStyle/>
+          <a:p>
+            <a:endParaRPr lang="he-IL"/>
+          </a:p>
+        </p:txBody>
+      </p:sp>
+    </p:spTree>
+    <p:extLst>
+      <p:ext uri="{BB962C8B-B14F-4D97-AF65-F5344CB8AC3E}">
+        <p14:creationId xmlns:p14="http://schemas.microsoft.com/office/powerpoint/2010/main" val="1173866477"/>
+      </p:ext>
+    </p:extLst>
+  </p:cSld>
+  <p:clrMapOvr>
+    <a:masterClrMapping/>
+  </p:clrMapOvr>
+</p:sld>
+</file>
+
+<file path=ppt/slides/slide8.xml><?xml version="1.0" encoding="utf-8"?>
+<p:sld xmlns:a="http://schemas.openxmlformats.org/drawingml/2006/main" xmlns:r="http://schemas.openxmlformats.org/officeDocument/2006/relationships" xmlns:p="http://schemas.openxmlformats.org/presentationml/2006/main">
+  <p:cSld>
+    <p:spTree>
+      <p:nvGrpSpPr>
+        <p:cNvPr id="1" name=""/>
+        <p:cNvGrpSpPr/>
+        <p:nvPr/>
+      </p:nvGrpSpPr>
+      <p:grpSpPr>
+        <a:xfrm>
+          <a:off x="0" y="0"/>
+          <a:ext cx="0" cy="0"/>
+          <a:chOff x="0" y="0"/>
+          <a:chExt cx="0" cy="0"/>
+        </a:xfrm>
+      </p:grpSpPr>
+      <p:sp>
+        <p:nvSpPr>
+          <p:cNvPr id="2" name="Title 1"/>
+          <p:cNvSpPr>
+            <a:spLocks noGrp="1"/>
+          </p:cNvSpPr>
+          <p:nvPr>
+            <p:ph type="title"/>
+          </p:nvPr>
+        </p:nvSpPr>
+        <p:spPr/>
+        <p:txBody>
+          <a:bodyPr/>
+          <a:lstStyle/>
+          <a:p>
+            <a:r>
+              <a:rPr lang="en-US" dirty="0" smtClean="0"/>
+              <a:t>UI scheme</a:t>
+            </a:r>
+            <a:endParaRPr lang="he-IL" dirty="0"/>
+          </a:p>
+        </p:txBody>
+      </p:sp>
+      <p:sp>
+        <p:nvSpPr>
+          <p:cNvPr id="3" name="Content Placeholder 2"/>
+          <p:cNvSpPr>
+            <a:spLocks noGrp="1"/>
+          </p:cNvSpPr>
+          <p:nvPr>
+            <p:ph idx="1"/>
+          </p:nvPr>
+        </p:nvSpPr>
+        <p:spPr/>
+        <p:txBody>
+          <a:bodyPr/>
+          <a:lstStyle/>
+          <a:p>
+            <a:endParaRPr lang="he-IL"/>
+          </a:p>
+        </p:txBody>
+      </p:sp>
+    </p:spTree>
+    <p:extLst>
+      <p:ext uri="{BB962C8B-B14F-4D97-AF65-F5344CB8AC3E}">
+        <p14:creationId xmlns:p14="http://schemas.microsoft.com/office/powerpoint/2010/main" val="4019736552"/>
+      </p:ext>
+    </p:extLst>
+  </p:cSld>
+  <p:clrMapOvr>
+    <a:masterClrMapping/>
+  </p:clrMapOvr>
+</p:sld>
+</file>
+
+<file path=ppt/slides/slide9.xml><?xml version="1.0" encoding="utf-8"?>
+<p:sld xmlns:a="http://schemas.openxmlformats.org/drawingml/2006/main" xmlns:r="http://schemas.openxmlformats.org/officeDocument/2006/relationships" xmlns:p="http://schemas.openxmlformats.org/presentationml/2006/main">
+  <p:cSld>
+    <p:spTree>
+      <p:nvGrpSpPr>
+        <p:cNvPr id="1" name=""/>
+        <p:cNvGrpSpPr/>
+        <p:nvPr/>
+      </p:nvGrpSpPr>
+      <p:grpSpPr>
+        <a:xfrm>
+          <a:off x="0" y="0"/>
+          <a:ext cx="0" cy="0"/>
+          <a:chOff x="0" y="0"/>
+          <a:chExt cx="0" cy="0"/>
+        </a:xfrm>
+      </p:grpSpPr>
+      <p:sp>
+        <p:nvSpPr>
+          <p:cNvPr id="2" name="Title 1"/>
+          <p:cNvSpPr>
+            <a:spLocks noGrp="1"/>
+          </p:cNvSpPr>
+          <p:nvPr>
+            <p:ph type="title"/>
+          </p:nvPr>
+        </p:nvSpPr>
+        <p:spPr/>
+        <p:txBody>
+          <a:bodyPr/>
+          <a:lstStyle/>
+          <a:p>
+            <a:r>
+              <a:rPr lang="en-US" smtClean="0"/>
+              <a:t>Project timeline</a:t>
+            </a:r>
+            <a:endParaRPr lang="he-IL" dirty="0"/>
+          </a:p>
+        </p:txBody>
+      </p:sp>
+      <p:sp>
+        <p:nvSpPr>
+          <p:cNvPr id="3" name="Content Placeholder 2"/>
+          <p:cNvSpPr>
+            <a:spLocks noGrp="1"/>
+          </p:cNvSpPr>
+          <p:nvPr>
+            <p:ph idx="1"/>
+          </p:nvPr>
+        </p:nvSpPr>
+        <p:spPr/>
+        <p:txBody>
+          <a:bodyPr/>
+          <a:lstStyle/>
+          <a:p>
+            <a:r>
+              <a:rPr lang="en-US" dirty="0" smtClean="0"/>
+              <a:t>Phase 1:</a:t>
+            </a:r>
+          </a:p>
+          <a:p>
+            <a:pPr lvl="1"/>
+            <a:r>
+              <a:rPr lang="en-US" dirty="0" smtClean="0"/>
+              <a:t>Implement an engine that creates a sound based on the RGB of the current pixel (according to mouse location)</a:t>
+            </a:r>
+            <a:endParaRPr lang="en-US" dirty="0" smtClean="0"/>
+          </a:p>
+          <a:p>
+            <a:r>
+              <a:rPr lang="en-US" dirty="0" smtClean="0"/>
+              <a:t>Phase 2:</a:t>
+            </a:r>
+          </a:p>
+          <a:p>
+            <a:pPr lvl="1"/>
+            <a:r>
+              <a:rPr lang="en-US" dirty="0" smtClean="0"/>
+              <a:t>Add UI and logic for user input: Sliders, selection of instrument, etc. </a:t>
+            </a:r>
+          </a:p>
+          <a:p>
+            <a:pPr lvl="1"/>
+            <a:r>
+              <a:rPr lang="en-US" dirty="0" smtClean="0"/>
+              <a:t>Record the music created </a:t>
+            </a:r>
+          </a:p>
+          <a:p>
+            <a:r>
+              <a:rPr lang="en-US" dirty="0" smtClean="0"/>
+              <a:t>Phase 3:</a:t>
+            </a:r>
+          </a:p>
+          <a:p>
+            <a:pPr lvl="1"/>
+            <a:r>
+              <a:rPr lang="en-US" dirty="0" smtClean="0"/>
+              <a:t>Add support for creating a music using multiple pictures </a:t>
+            </a:r>
+          </a:p>
+          <a:p>
+            <a:pPr lvl="1"/>
+            <a:endParaRPr lang="he-IL" dirty="0"/>
+          </a:p>
+        </p:txBody>
+      </p:sp>
+    </p:spTree>
+    <p:extLst>
+      <p:ext uri="{BB962C8B-B14F-4D97-AF65-F5344CB8AC3E}">
+        <p14:creationId xmlns:p14="http://schemas.microsoft.com/office/powerpoint/2010/main" val="174399316"/>
       </p:ext>
     </p:extLst>
   </p:cSld>

--- a/RGBMusicPresentation.pptx
+++ b/RGBMusicPresentation.pptx
@@ -5,27 +5,35 @@
     <p:sldMasterId id="2147483660" r:id="rId26"/>
   </p:sldMasterIdLst>
   <p:notesMasterIdLst>
-    <p:notesMasterId r:id="rId45"/>
+    <p:notesMasterId r:id="rId53"/>
   </p:notesMasterIdLst>
   <p:sldIdLst>
     <p:sldId id="269" r:id="rId27"/>
     <p:sldId id="257" r:id="rId28"/>
-    <p:sldId id="270" r:id="rId29"/>
-    <p:sldId id="271" r:id="rId30"/>
-    <p:sldId id="276" r:id="rId31"/>
-    <p:sldId id="260" r:id="rId32"/>
-    <p:sldId id="261" r:id="rId33"/>
-    <p:sldId id="275" r:id="rId34"/>
-    <p:sldId id="272" r:id="rId35"/>
-    <p:sldId id="263" r:id="rId36"/>
-    <p:sldId id="268" r:id="rId37"/>
-    <p:sldId id="277" r:id="rId38"/>
-    <p:sldId id="278" r:id="rId39"/>
-    <p:sldId id="279" r:id="rId40"/>
-    <p:sldId id="280" r:id="rId41"/>
-    <p:sldId id="265" r:id="rId42"/>
-    <p:sldId id="259" r:id="rId43"/>
-    <p:sldId id="267" r:id="rId44"/>
+    <p:sldId id="282" r:id="rId29"/>
+    <p:sldId id="283" r:id="rId30"/>
+    <p:sldId id="284" r:id="rId31"/>
+    <p:sldId id="285" r:id="rId32"/>
+    <p:sldId id="286" r:id="rId33"/>
+    <p:sldId id="287" r:id="rId34"/>
+    <p:sldId id="289" r:id="rId35"/>
+    <p:sldId id="288" r:id="rId36"/>
+    <p:sldId id="260" r:id="rId37"/>
+    <p:sldId id="281" r:id="rId38"/>
+    <p:sldId id="270" r:id="rId39"/>
+    <p:sldId id="271" r:id="rId40"/>
+    <p:sldId id="261" r:id="rId41"/>
+    <p:sldId id="275" r:id="rId42"/>
+    <p:sldId id="272" r:id="rId43"/>
+    <p:sldId id="263" r:id="rId44"/>
+    <p:sldId id="268" r:id="rId45"/>
+    <p:sldId id="277" r:id="rId46"/>
+    <p:sldId id="278" r:id="rId47"/>
+    <p:sldId id="279" r:id="rId48"/>
+    <p:sldId id="280" r:id="rId49"/>
+    <p:sldId id="265" r:id="rId50"/>
+    <p:sldId id="259" r:id="rId51"/>
+    <p:sldId id="267" r:id="rId52"/>
   </p:sldIdLst>
   <p:sldSz cx="12192000" cy="6858000"/>
   <p:notesSz cx="6858000" cy="9144000"/>
@@ -3168,7 +3176,7 @@
           <a:p>
             <a:fld id="{E915A3F3-128A-4D96-B02F-ECDB675C7CC8}" type="datetimeFigureOut">
               <a:rPr lang="en-US" smtClean="0"/>
-              <a:t>12/5/2018</a:t>
+              <a:t>12/15/2018</a:t>
             </a:fld>
             <a:endParaRPr lang="en-US"/>
           </a:p>
@@ -3584,7 +3592,7 @@
           <a:p>
             <a:fld id="{AA9BED1A-8388-4503-8515-6BC02580799D}" type="slidenum">
               <a:rPr lang="en-US" smtClean="0"/>
-              <a:t>12</a:t>
+              <a:t>11</a:t>
             </a:fld>
             <a:endParaRPr lang="en-US"/>
           </a:p>
@@ -3593,7 +3601,7 @@
     </p:spTree>
     <p:extLst>
       <p:ext uri="{BB962C8B-B14F-4D97-AF65-F5344CB8AC3E}">
-        <p14:creationId xmlns:p14="http://schemas.microsoft.com/office/powerpoint/2010/main" val="293015316"/>
+        <p14:creationId xmlns:p14="http://schemas.microsoft.com/office/powerpoint/2010/main" val="1797094355"/>
       </p:ext>
     </p:extLst>
   </p:cSld>
@@ -3647,6 +3655,36 @@
           <a:bodyPr/>
           <a:lstStyle/>
           <a:p>
+            <a:r>
+              <a:rPr lang="he-IL" sz="1200" b="0" i="0" u="none" strike="noStrike" kern="1200" baseline="0" dirty="0">
+                <a:solidFill>
+                  <a:schemeClr val="tx1"/>
+                </a:solidFill>
+                <a:latin typeface="+mn-lt"/>
+                <a:ea typeface="+mn-ea"/>
+                <a:cs typeface="+mn-cs"/>
+              </a:rPr>
+              <a:t>תמצית עבודות דומות המתארת בצורה מדויקת את מה נעשה העבודות קודמות, מה הן</a:t>
+            </a:r>
+          </a:p>
+          <a:p>
+            <a:r>
+              <a:rPr lang="he-IL" sz="1200" b="0" i="0" u="none" strike="noStrike" kern="1200" baseline="0" dirty="0">
+                <a:solidFill>
+                  <a:schemeClr val="tx1"/>
+                </a:solidFill>
+                <a:latin typeface="+mn-lt"/>
+                <a:ea typeface="+mn-ea"/>
+                <a:cs typeface="+mn-cs"/>
+              </a:rPr>
+              <a:t>פתרו או הביעו, יתרונותיהן וחסרונותיהן.</a:t>
+            </a:r>
+          </a:p>
+          <a:p>
+            <a:pPr marL="171450" indent="-171450">
+              <a:buFont typeface="Arial" panose="020B0604020202020204" pitchFamily="34" charset="0"/>
+              <a:buChar char="•"/>
+            </a:pPr>
             <a:endParaRPr lang="he-IL" dirty="0"/>
           </a:p>
         </p:txBody>
@@ -3668,7 +3706,7 @@
           <a:p>
             <a:fld id="{AA9BED1A-8388-4503-8515-6BC02580799D}" type="slidenum">
               <a:rPr lang="en-US" smtClean="0"/>
-              <a:t>13</a:t>
+              <a:t>12</a:t>
             </a:fld>
             <a:endParaRPr lang="en-US"/>
           </a:p>
@@ -3677,7 +3715,7 @@
     </p:spTree>
     <p:extLst>
       <p:ext uri="{BB962C8B-B14F-4D97-AF65-F5344CB8AC3E}">
-        <p14:creationId xmlns:p14="http://schemas.microsoft.com/office/powerpoint/2010/main" val="1995724405"/>
+        <p14:creationId xmlns:p14="http://schemas.microsoft.com/office/powerpoint/2010/main" val="298110142"/>
       </p:ext>
     </p:extLst>
   </p:cSld>
@@ -3731,6 +3769,36 @@
           <a:bodyPr/>
           <a:lstStyle/>
           <a:p>
+            <a:r>
+              <a:rPr lang="he-IL" sz="1200" b="0" i="0" u="none" strike="noStrike" kern="1200" baseline="0" dirty="0">
+                <a:solidFill>
+                  <a:schemeClr val="tx1"/>
+                </a:solidFill>
+                <a:latin typeface="+mn-lt"/>
+                <a:ea typeface="+mn-ea"/>
+                <a:cs typeface="+mn-cs"/>
+              </a:rPr>
+              <a:t>תמצית עבודות דומות המתארת בצורה מדויקת את מה נעשה העבודות קודמות, מה הן</a:t>
+            </a:r>
+          </a:p>
+          <a:p>
+            <a:r>
+              <a:rPr lang="he-IL" sz="1200" b="0" i="0" u="none" strike="noStrike" kern="1200" baseline="0" dirty="0">
+                <a:solidFill>
+                  <a:schemeClr val="tx1"/>
+                </a:solidFill>
+                <a:latin typeface="+mn-lt"/>
+                <a:ea typeface="+mn-ea"/>
+                <a:cs typeface="+mn-cs"/>
+              </a:rPr>
+              <a:t>פתרו או הביעו, יתרונותיהן וחסרונותיהן.</a:t>
+            </a:r>
+          </a:p>
+          <a:p>
+            <a:pPr marL="171450" indent="-171450">
+              <a:buFont typeface="Arial" panose="020B0604020202020204" pitchFamily="34" charset="0"/>
+              <a:buChar char="•"/>
+            </a:pPr>
             <a:endParaRPr lang="he-IL" dirty="0"/>
           </a:p>
         </p:txBody>
@@ -3752,7 +3820,7 @@
           <a:p>
             <a:fld id="{AA9BED1A-8388-4503-8515-6BC02580799D}" type="slidenum">
               <a:rPr lang="en-US" smtClean="0"/>
-              <a:t>14</a:t>
+              <a:t>13</a:t>
             </a:fld>
             <a:endParaRPr lang="en-US"/>
           </a:p>
@@ -3761,7 +3829,7 @@
     </p:spTree>
     <p:extLst>
       <p:ext uri="{BB962C8B-B14F-4D97-AF65-F5344CB8AC3E}">
-        <p14:creationId xmlns:p14="http://schemas.microsoft.com/office/powerpoint/2010/main" val="3282002113"/>
+        <p14:creationId xmlns:p14="http://schemas.microsoft.com/office/powerpoint/2010/main" val="392647567"/>
       </p:ext>
     </p:extLst>
   </p:cSld>
@@ -3845,7 +3913,7 @@
     </p:spTree>
     <p:extLst>
       <p:ext uri="{BB962C8B-B14F-4D97-AF65-F5344CB8AC3E}">
-        <p14:creationId xmlns:p14="http://schemas.microsoft.com/office/powerpoint/2010/main" val="1656783475"/>
+        <p14:creationId xmlns:p14="http://schemas.microsoft.com/office/powerpoint/2010/main" val="2325970450"/>
       </p:ext>
     </p:extLst>
   </p:cSld>
@@ -3929,7 +3997,7 @@
     </p:spTree>
     <p:extLst>
       <p:ext uri="{BB962C8B-B14F-4D97-AF65-F5344CB8AC3E}">
-        <p14:creationId xmlns:p14="http://schemas.microsoft.com/office/powerpoint/2010/main" val="2953944922"/>
+        <p14:creationId xmlns:p14="http://schemas.microsoft.com/office/powerpoint/2010/main" val="2928336136"/>
       </p:ext>
     </p:extLst>
   </p:cSld>
@@ -3983,7 +4051,42 @@
           <a:bodyPr/>
           <a:lstStyle/>
           <a:p>
-            <a:endParaRPr lang="he-IL" dirty="0"/>
+            <a:r>
+              <a:rPr lang="he-IL" sz="1200" b="0" i="0" u="none" strike="noStrike" kern="1200" baseline="0" dirty="0">
+                <a:solidFill>
+                  <a:schemeClr val="tx1"/>
+                </a:solidFill>
+                <a:latin typeface="+mn-lt"/>
+                <a:ea typeface="+mn-ea"/>
+                <a:cs typeface="+mn-cs"/>
+              </a:rPr>
+              <a:t>יתרונות הפתרון על פני פתרונות אחרים, או הבדלים עיקריים.</a:t>
+            </a:r>
+            <a:endParaRPr lang="en-US" sz="1200" b="0" i="0" u="none" strike="noStrike" kern="1200" baseline="0" dirty="0">
+              <a:solidFill>
+                <a:schemeClr val="tx1"/>
+              </a:solidFill>
+              <a:latin typeface="+mn-lt"/>
+              <a:ea typeface="+mn-ea"/>
+              <a:cs typeface="+mn-cs"/>
+            </a:endParaRPr>
+          </a:p>
+          <a:p>
+            <a:endParaRPr lang="en-US" sz="1200" b="0" i="0" u="none" strike="noStrike" kern="1200" baseline="0" dirty="0">
+              <a:solidFill>
+                <a:schemeClr val="tx1"/>
+              </a:solidFill>
+              <a:latin typeface="+mn-lt"/>
+              <a:ea typeface="+mn-ea"/>
+              <a:cs typeface="+mn-cs"/>
+            </a:endParaRPr>
+          </a:p>
+          <a:p>
+            <a:r>
+              <a:rPr lang="he-IL" dirty="0"/>
+              <a:t>היתרון האחרון שהתוכנה שלנו באמת שונה מהקודמת, כלומר היא כן מחדשת מבחינת מה אפשר ליצור איתה ואילו אפשרויות היא מספקת למשתמש</a:t>
+            </a:r>
+            <a:endParaRPr lang="en-US" dirty="0"/>
           </a:p>
         </p:txBody>
       </p:sp>
@@ -4013,7 +4116,7 @@
     </p:spTree>
     <p:extLst>
       <p:ext uri="{BB962C8B-B14F-4D97-AF65-F5344CB8AC3E}">
-        <p14:creationId xmlns:p14="http://schemas.microsoft.com/office/powerpoint/2010/main" val="4157221038"/>
+        <p14:creationId xmlns:p14="http://schemas.microsoft.com/office/powerpoint/2010/main" val="724550080"/>
       </p:ext>
     </p:extLst>
   </p:cSld>
@@ -4097,7 +4200,259 @@
     </p:spTree>
     <p:extLst>
       <p:ext uri="{BB962C8B-B14F-4D97-AF65-F5344CB8AC3E}">
-        <p14:creationId xmlns:p14="http://schemas.microsoft.com/office/powerpoint/2010/main" val="148846294"/>
+        <p14:creationId xmlns:p14="http://schemas.microsoft.com/office/powerpoint/2010/main" val="2359959504"/>
+      </p:ext>
+    </p:extLst>
+  </p:cSld>
+  <p:clrMapOvr>
+    <a:masterClrMapping/>
+  </p:clrMapOvr>
+</p:notes>
+</file>
+
+<file path=ppt/notesSlides/notesSlide17.xml><?xml version="1.0" encoding="utf-8"?>
+<p:notes xmlns:a="http://schemas.openxmlformats.org/drawingml/2006/main" xmlns:r="http://schemas.openxmlformats.org/officeDocument/2006/relationships" xmlns:p="http://schemas.openxmlformats.org/presentationml/2006/main">
+  <p:cSld>
+    <p:spTree>
+      <p:nvGrpSpPr>
+        <p:cNvPr id="1" name=""/>
+        <p:cNvGrpSpPr/>
+        <p:nvPr/>
+      </p:nvGrpSpPr>
+      <p:grpSpPr>
+        <a:xfrm>
+          <a:off x="0" y="0"/>
+          <a:ext cx="0" cy="0"/>
+          <a:chOff x="0" y="0"/>
+          <a:chExt cx="0" cy="0"/>
+        </a:xfrm>
+      </p:grpSpPr>
+      <p:sp>
+        <p:nvSpPr>
+          <p:cNvPr id="2" name="Slide Image Placeholder 1"/>
+          <p:cNvSpPr>
+            <a:spLocks noGrp="1" noRot="1" noChangeAspect="1"/>
+          </p:cNvSpPr>
+          <p:nvPr>
+            <p:ph type="sldImg"/>
+          </p:nvPr>
+        </p:nvSpPr>
+        <p:spPr/>
+      </p:sp>
+      <p:sp>
+        <p:nvSpPr>
+          <p:cNvPr id="3" name="Notes Placeholder 2"/>
+          <p:cNvSpPr>
+            <a:spLocks noGrp="1"/>
+          </p:cNvSpPr>
+          <p:nvPr>
+            <p:ph type="body" idx="1"/>
+          </p:nvPr>
+        </p:nvSpPr>
+        <p:spPr/>
+        <p:txBody>
+          <a:bodyPr/>
+          <a:lstStyle/>
+          <a:p>
+            <a:endParaRPr lang="he-IL" dirty="0"/>
+          </a:p>
+        </p:txBody>
+      </p:sp>
+      <p:sp>
+        <p:nvSpPr>
+          <p:cNvPr id="4" name="Slide Number Placeholder 3"/>
+          <p:cNvSpPr>
+            <a:spLocks noGrp="1"/>
+          </p:cNvSpPr>
+          <p:nvPr>
+            <p:ph type="sldNum" sz="quarter" idx="10"/>
+          </p:nvPr>
+        </p:nvSpPr>
+        <p:spPr/>
+        <p:txBody>
+          <a:bodyPr/>
+          <a:lstStyle/>
+          <a:p>
+            <a:fld id="{AA9BED1A-8388-4503-8515-6BC02580799D}" type="slidenum">
+              <a:rPr lang="en-US" smtClean="0"/>
+              <a:t>19</a:t>
+            </a:fld>
+            <a:endParaRPr lang="en-US"/>
+          </a:p>
+        </p:txBody>
+      </p:sp>
+    </p:spTree>
+    <p:extLst>
+      <p:ext uri="{BB962C8B-B14F-4D97-AF65-F5344CB8AC3E}">
+        <p14:creationId xmlns:p14="http://schemas.microsoft.com/office/powerpoint/2010/main" val="2099752890"/>
+      </p:ext>
+    </p:extLst>
+  </p:cSld>
+  <p:clrMapOvr>
+    <a:masterClrMapping/>
+  </p:clrMapOvr>
+</p:notes>
+</file>
+
+<file path=ppt/notesSlides/notesSlide18.xml><?xml version="1.0" encoding="utf-8"?>
+<p:notes xmlns:a="http://schemas.openxmlformats.org/drawingml/2006/main" xmlns:r="http://schemas.openxmlformats.org/officeDocument/2006/relationships" xmlns:p="http://schemas.openxmlformats.org/presentationml/2006/main">
+  <p:cSld>
+    <p:spTree>
+      <p:nvGrpSpPr>
+        <p:cNvPr id="1" name=""/>
+        <p:cNvGrpSpPr/>
+        <p:nvPr/>
+      </p:nvGrpSpPr>
+      <p:grpSpPr>
+        <a:xfrm>
+          <a:off x="0" y="0"/>
+          <a:ext cx="0" cy="0"/>
+          <a:chOff x="0" y="0"/>
+          <a:chExt cx="0" cy="0"/>
+        </a:xfrm>
+      </p:grpSpPr>
+      <p:sp>
+        <p:nvSpPr>
+          <p:cNvPr id="2" name="Slide Image Placeholder 1"/>
+          <p:cNvSpPr>
+            <a:spLocks noGrp="1" noRot="1" noChangeAspect="1"/>
+          </p:cNvSpPr>
+          <p:nvPr>
+            <p:ph type="sldImg"/>
+          </p:nvPr>
+        </p:nvSpPr>
+        <p:spPr/>
+      </p:sp>
+      <p:sp>
+        <p:nvSpPr>
+          <p:cNvPr id="3" name="Notes Placeholder 2"/>
+          <p:cNvSpPr>
+            <a:spLocks noGrp="1"/>
+          </p:cNvSpPr>
+          <p:nvPr>
+            <p:ph type="body" idx="1"/>
+          </p:nvPr>
+        </p:nvSpPr>
+        <p:spPr/>
+        <p:txBody>
+          <a:bodyPr/>
+          <a:lstStyle/>
+          <a:p>
+            <a:endParaRPr lang="he-IL" dirty="0"/>
+          </a:p>
+        </p:txBody>
+      </p:sp>
+      <p:sp>
+        <p:nvSpPr>
+          <p:cNvPr id="4" name="Slide Number Placeholder 3"/>
+          <p:cNvSpPr>
+            <a:spLocks noGrp="1"/>
+          </p:cNvSpPr>
+          <p:nvPr>
+            <p:ph type="sldNum" sz="quarter" idx="10"/>
+          </p:nvPr>
+        </p:nvSpPr>
+        <p:spPr/>
+        <p:txBody>
+          <a:bodyPr/>
+          <a:lstStyle/>
+          <a:p>
+            <a:fld id="{AA9BED1A-8388-4503-8515-6BC02580799D}" type="slidenum">
+              <a:rPr lang="en-US" smtClean="0"/>
+              <a:t>20</a:t>
+            </a:fld>
+            <a:endParaRPr lang="en-US"/>
+          </a:p>
+        </p:txBody>
+      </p:sp>
+    </p:spTree>
+    <p:extLst>
+      <p:ext uri="{BB962C8B-B14F-4D97-AF65-F5344CB8AC3E}">
+        <p14:creationId xmlns:p14="http://schemas.microsoft.com/office/powerpoint/2010/main" val="293015316"/>
+      </p:ext>
+    </p:extLst>
+  </p:cSld>
+  <p:clrMapOvr>
+    <a:masterClrMapping/>
+  </p:clrMapOvr>
+</p:notes>
+</file>
+
+<file path=ppt/notesSlides/notesSlide19.xml><?xml version="1.0" encoding="utf-8"?>
+<p:notes xmlns:a="http://schemas.openxmlformats.org/drawingml/2006/main" xmlns:r="http://schemas.openxmlformats.org/officeDocument/2006/relationships" xmlns:p="http://schemas.openxmlformats.org/presentationml/2006/main">
+  <p:cSld>
+    <p:spTree>
+      <p:nvGrpSpPr>
+        <p:cNvPr id="1" name=""/>
+        <p:cNvGrpSpPr/>
+        <p:nvPr/>
+      </p:nvGrpSpPr>
+      <p:grpSpPr>
+        <a:xfrm>
+          <a:off x="0" y="0"/>
+          <a:ext cx="0" cy="0"/>
+          <a:chOff x="0" y="0"/>
+          <a:chExt cx="0" cy="0"/>
+        </a:xfrm>
+      </p:grpSpPr>
+      <p:sp>
+        <p:nvSpPr>
+          <p:cNvPr id="2" name="Slide Image Placeholder 1"/>
+          <p:cNvSpPr>
+            <a:spLocks noGrp="1" noRot="1" noChangeAspect="1"/>
+          </p:cNvSpPr>
+          <p:nvPr>
+            <p:ph type="sldImg"/>
+          </p:nvPr>
+        </p:nvSpPr>
+        <p:spPr/>
+      </p:sp>
+      <p:sp>
+        <p:nvSpPr>
+          <p:cNvPr id="3" name="Notes Placeholder 2"/>
+          <p:cNvSpPr>
+            <a:spLocks noGrp="1"/>
+          </p:cNvSpPr>
+          <p:nvPr>
+            <p:ph type="body" idx="1"/>
+          </p:nvPr>
+        </p:nvSpPr>
+        <p:spPr/>
+        <p:txBody>
+          <a:bodyPr/>
+          <a:lstStyle/>
+          <a:p>
+            <a:endParaRPr lang="he-IL" dirty="0"/>
+          </a:p>
+        </p:txBody>
+      </p:sp>
+      <p:sp>
+        <p:nvSpPr>
+          <p:cNvPr id="4" name="Slide Number Placeholder 3"/>
+          <p:cNvSpPr>
+            <a:spLocks noGrp="1"/>
+          </p:cNvSpPr>
+          <p:nvPr>
+            <p:ph type="sldNum" sz="quarter" idx="10"/>
+          </p:nvPr>
+        </p:nvSpPr>
+        <p:spPr/>
+        <p:txBody>
+          <a:bodyPr/>
+          <a:lstStyle/>
+          <a:p>
+            <a:fld id="{AA9BED1A-8388-4503-8515-6BC02580799D}" type="slidenum">
+              <a:rPr lang="en-US" smtClean="0"/>
+              <a:t>21</a:t>
+            </a:fld>
+            <a:endParaRPr lang="en-US"/>
+          </a:p>
+        </p:txBody>
+      </p:sp>
+    </p:spTree>
+    <p:extLst>
+      <p:ext uri="{BB962C8B-B14F-4D97-AF65-F5344CB8AC3E}">
+        <p14:creationId xmlns:p14="http://schemas.microsoft.com/office/powerpoint/2010/main" val="1995724405"/>
       </p:ext>
     </p:extLst>
   </p:cSld>
@@ -4151,32 +4506,6 @@
           <a:bodyPr/>
           <a:lstStyle/>
           <a:p>
-            <a:r>
-              <a:rPr lang="he-IL" sz="1200" b="0" i="0" u="none" strike="noStrike" kern="1200" baseline="0" dirty="0">
-                <a:solidFill>
-                  <a:schemeClr val="tx1"/>
-                </a:solidFill>
-                <a:latin typeface="+mn-lt"/>
-                <a:ea typeface="+mn-ea"/>
-                <a:cs typeface="+mn-cs"/>
-              </a:rPr>
-              <a:t>תמצית עבודות דומות המתארת בצורה מדויקת את מה נעשה העבודות קודמות, מה הן</a:t>
-            </a:r>
-          </a:p>
-          <a:p>
-            <a:r>
-              <a:rPr lang="he-IL" sz="1200" b="0" i="0" u="none" strike="noStrike" kern="1200" baseline="0" dirty="0">
-                <a:solidFill>
-                  <a:schemeClr val="tx1"/>
-                </a:solidFill>
-                <a:latin typeface="+mn-lt"/>
-                <a:ea typeface="+mn-ea"/>
-                <a:cs typeface="+mn-cs"/>
-              </a:rPr>
-              <a:t>פתרו או הביעו, יתרונותיהן וחסרונותיהן.</a:t>
-            </a:r>
-          </a:p>
-          <a:p>
             <a:pPr marL="171450" indent="-171450">
               <a:buFont typeface="Arial" panose="020B0604020202020204" pitchFamily="34" charset="0"/>
               <a:buChar char="•"/>
@@ -4211,7 +4540,427 @@
     </p:spTree>
     <p:extLst>
       <p:ext uri="{BB962C8B-B14F-4D97-AF65-F5344CB8AC3E}">
-        <p14:creationId xmlns:p14="http://schemas.microsoft.com/office/powerpoint/2010/main" val="392647567"/>
+        <p14:creationId xmlns:p14="http://schemas.microsoft.com/office/powerpoint/2010/main" val="2765687072"/>
+      </p:ext>
+    </p:extLst>
+  </p:cSld>
+  <p:clrMapOvr>
+    <a:masterClrMapping/>
+  </p:clrMapOvr>
+</p:notes>
+</file>
+
+<file path=ppt/notesSlides/notesSlide20.xml><?xml version="1.0" encoding="utf-8"?>
+<p:notes xmlns:a="http://schemas.openxmlformats.org/drawingml/2006/main" xmlns:r="http://schemas.openxmlformats.org/officeDocument/2006/relationships" xmlns:p="http://schemas.openxmlformats.org/presentationml/2006/main">
+  <p:cSld>
+    <p:spTree>
+      <p:nvGrpSpPr>
+        <p:cNvPr id="1" name=""/>
+        <p:cNvGrpSpPr/>
+        <p:nvPr/>
+      </p:nvGrpSpPr>
+      <p:grpSpPr>
+        <a:xfrm>
+          <a:off x="0" y="0"/>
+          <a:ext cx="0" cy="0"/>
+          <a:chOff x="0" y="0"/>
+          <a:chExt cx="0" cy="0"/>
+        </a:xfrm>
+      </p:grpSpPr>
+      <p:sp>
+        <p:nvSpPr>
+          <p:cNvPr id="2" name="Slide Image Placeholder 1"/>
+          <p:cNvSpPr>
+            <a:spLocks noGrp="1" noRot="1" noChangeAspect="1"/>
+          </p:cNvSpPr>
+          <p:nvPr>
+            <p:ph type="sldImg"/>
+          </p:nvPr>
+        </p:nvSpPr>
+        <p:spPr/>
+      </p:sp>
+      <p:sp>
+        <p:nvSpPr>
+          <p:cNvPr id="3" name="Notes Placeholder 2"/>
+          <p:cNvSpPr>
+            <a:spLocks noGrp="1"/>
+          </p:cNvSpPr>
+          <p:nvPr>
+            <p:ph type="body" idx="1"/>
+          </p:nvPr>
+        </p:nvSpPr>
+        <p:spPr/>
+        <p:txBody>
+          <a:bodyPr/>
+          <a:lstStyle/>
+          <a:p>
+            <a:endParaRPr lang="he-IL" dirty="0"/>
+          </a:p>
+        </p:txBody>
+      </p:sp>
+      <p:sp>
+        <p:nvSpPr>
+          <p:cNvPr id="4" name="Slide Number Placeholder 3"/>
+          <p:cNvSpPr>
+            <a:spLocks noGrp="1"/>
+          </p:cNvSpPr>
+          <p:nvPr>
+            <p:ph type="sldNum" sz="quarter" idx="10"/>
+          </p:nvPr>
+        </p:nvSpPr>
+        <p:spPr/>
+        <p:txBody>
+          <a:bodyPr/>
+          <a:lstStyle/>
+          <a:p>
+            <a:fld id="{AA9BED1A-8388-4503-8515-6BC02580799D}" type="slidenum">
+              <a:rPr lang="en-US" smtClean="0"/>
+              <a:t>22</a:t>
+            </a:fld>
+            <a:endParaRPr lang="en-US"/>
+          </a:p>
+        </p:txBody>
+      </p:sp>
+    </p:spTree>
+    <p:extLst>
+      <p:ext uri="{BB962C8B-B14F-4D97-AF65-F5344CB8AC3E}">
+        <p14:creationId xmlns:p14="http://schemas.microsoft.com/office/powerpoint/2010/main" val="3282002113"/>
+      </p:ext>
+    </p:extLst>
+  </p:cSld>
+  <p:clrMapOvr>
+    <a:masterClrMapping/>
+  </p:clrMapOvr>
+</p:notes>
+</file>
+
+<file path=ppt/notesSlides/notesSlide21.xml><?xml version="1.0" encoding="utf-8"?>
+<p:notes xmlns:a="http://schemas.openxmlformats.org/drawingml/2006/main" xmlns:r="http://schemas.openxmlformats.org/officeDocument/2006/relationships" xmlns:p="http://schemas.openxmlformats.org/presentationml/2006/main">
+  <p:cSld>
+    <p:spTree>
+      <p:nvGrpSpPr>
+        <p:cNvPr id="1" name=""/>
+        <p:cNvGrpSpPr/>
+        <p:nvPr/>
+      </p:nvGrpSpPr>
+      <p:grpSpPr>
+        <a:xfrm>
+          <a:off x="0" y="0"/>
+          <a:ext cx="0" cy="0"/>
+          <a:chOff x="0" y="0"/>
+          <a:chExt cx="0" cy="0"/>
+        </a:xfrm>
+      </p:grpSpPr>
+      <p:sp>
+        <p:nvSpPr>
+          <p:cNvPr id="2" name="Slide Image Placeholder 1"/>
+          <p:cNvSpPr>
+            <a:spLocks noGrp="1" noRot="1" noChangeAspect="1"/>
+          </p:cNvSpPr>
+          <p:nvPr>
+            <p:ph type="sldImg"/>
+          </p:nvPr>
+        </p:nvSpPr>
+        <p:spPr/>
+      </p:sp>
+      <p:sp>
+        <p:nvSpPr>
+          <p:cNvPr id="3" name="Notes Placeholder 2"/>
+          <p:cNvSpPr>
+            <a:spLocks noGrp="1"/>
+          </p:cNvSpPr>
+          <p:nvPr>
+            <p:ph type="body" idx="1"/>
+          </p:nvPr>
+        </p:nvSpPr>
+        <p:spPr/>
+        <p:txBody>
+          <a:bodyPr/>
+          <a:lstStyle/>
+          <a:p>
+            <a:endParaRPr lang="he-IL" dirty="0"/>
+          </a:p>
+        </p:txBody>
+      </p:sp>
+      <p:sp>
+        <p:nvSpPr>
+          <p:cNvPr id="4" name="Slide Number Placeholder 3"/>
+          <p:cNvSpPr>
+            <a:spLocks noGrp="1"/>
+          </p:cNvSpPr>
+          <p:nvPr>
+            <p:ph type="sldNum" sz="quarter" idx="10"/>
+          </p:nvPr>
+        </p:nvSpPr>
+        <p:spPr/>
+        <p:txBody>
+          <a:bodyPr/>
+          <a:lstStyle/>
+          <a:p>
+            <a:fld id="{AA9BED1A-8388-4503-8515-6BC02580799D}" type="slidenum">
+              <a:rPr lang="en-US" smtClean="0"/>
+              <a:t>23</a:t>
+            </a:fld>
+            <a:endParaRPr lang="en-US"/>
+          </a:p>
+        </p:txBody>
+      </p:sp>
+    </p:spTree>
+    <p:extLst>
+      <p:ext uri="{BB962C8B-B14F-4D97-AF65-F5344CB8AC3E}">
+        <p14:creationId xmlns:p14="http://schemas.microsoft.com/office/powerpoint/2010/main" val="1656783475"/>
+      </p:ext>
+    </p:extLst>
+  </p:cSld>
+  <p:clrMapOvr>
+    <a:masterClrMapping/>
+  </p:clrMapOvr>
+</p:notes>
+</file>
+
+<file path=ppt/notesSlides/notesSlide22.xml><?xml version="1.0" encoding="utf-8"?>
+<p:notes xmlns:a="http://schemas.openxmlformats.org/drawingml/2006/main" xmlns:r="http://schemas.openxmlformats.org/officeDocument/2006/relationships" xmlns:p="http://schemas.openxmlformats.org/presentationml/2006/main">
+  <p:cSld>
+    <p:spTree>
+      <p:nvGrpSpPr>
+        <p:cNvPr id="1" name=""/>
+        <p:cNvGrpSpPr/>
+        <p:nvPr/>
+      </p:nvGrpSpPr>
+      <p:grpSpPr>
+        <a:xfrm>
+          <a:off x="0" y="0"/>
+          <a:ext cx="0" cy="0"/>
+          <a:chOff x="0" y="0"/>
+          <a:chExt cx="0" cy="0"/>
+        </a:xfrm>
+      </p:grpSpPr>
+      <p:sp>
+        <p:nvSpPr>
+          <p:cNvPr id="2" name="Slide Image Placeholder 1"/>
+          <p:cNvSpPr>
+            <a:spLocks noGrp="1" noRot="1" noChangeAspect="1"/>
+          </p:cNvSpPr>
+          <p:nvPr>
+            <p:ph type="sldImg"/>
+          </p:nvPr>
+        </p:nvSpPr>
+        <p:spPr/>
+      </p:sp>
+      <p:sp>
+        <p:nvSpPr>
+          <p:cNvPr id="3" name="Notes Placeholder 2"/>
+          <p:cNvSpPr>
+            <a:spLocks noGrp="1"/>
+          </p:cNvSpPr>
+          <p:nvPr>
+            <p:ph type="body" idx="1"/>
+          </p:nvPr>
+        </p:nvSpPr>
+        <p:spPr/>
+        <p:txBody>
+          <a:bodyPr/>
+          <a:lstStyle/>
+          <a:p>
+            <a:endParaRPr lang="he-IL" dirty="0"/>
+          </a:p>
+        </p:txBody>
+      </p:sp>
+      <p:sp>
+        <p:nvSpPr>
+          <p:cNvPr id="4" name="Slide Number Placeholder 3"/>
+          <p:cNvSpPr>
+            <a:spLocks noGrp="1"/>
+          </p:cNvSpPr>
+          <p:nvPr>
+            <p:ph type="sldNum" sz="quarter" idx="10"/>
+          </p:nvPr>
+        </p:nvSpPr>
+        <p:spPr/>
+        <p:txBody>
+          <a:bodyPr/>
+          <a:lstStyle/>
+          <a:p>
+            <a:fld id="{AA9BED1A-8388-4503-8515-6BC02580799D}" type="slidenum">
+              <a:rPr lang="en-US" smtClean="0"/>
+              <a:t>24</a:t>
+            </a:fld>
+            <a:endParaRPr lang="en-US"/>
+          </a:p>
+        </p:txBody>
+      </p:sp>
+    </p:spTree>
+    <p:extLst>
+      <p:ext uri="{BB962C8B-B14F-4D97-AF65-F5344CB8AC3E}">
+        <p14:creationId xmlns:p14="http://schemas.microsoft.com/office/powerpoint/2010/main" val="2953944922"/>
+      </p:ext>
+    </p:extLst>
+  </p:cSld>
+  <p:clrMapOvr>
+    <a:masterClrMapping/>
+  </p:clrMapOvr>
+</p:notes>
+</file>
+
+<file path=ppt/notesSlides/notesSlide23.xml><?xml version="1.0" encoding="utf-8"?>
+<p:notes xmlns:a="http://schemas.openxmlformats.org/drawingml/2006/main" xmlns:r="http://schemas.openxmlformats.org/officeDocument/2006/relationships" xmlns:p="http://schemas.openxmlformats.org/presentationml/2006/main">
+  <p:cSld>
+    <p:spTree>
+      <p:nvGrpSpPr>
+        <p:cNvPr id="1" name=""/>
+        <p:cNvGrpSpPr/>
+        <p:nvPr/>
+      </p:nvGrpSpPr>
+      <p:grpSpPr>
+        <a:xfrm>
+          <a:off x="0" y="0"/>
+          <a:ext cx="0" cy="0"/>
+          <a:chOff x="0" y="0"/>
+          <a:chExt cx="0" cy="0"/>
+        </a:xfrm>
+      </p:grpSpPr>
+      <p:sp>
+        <p:nvSpPr>
+          <p:cNvPr id="2" name="Slide Image Placeholder 1"/>
+          <p:cNvSpPr>
+            <a:spLocks noGrp="1" noRot="1" noChangeAspect="1"/>
+          </p:cNvSpPr>
+          <p:nvPr>
+            <p:ph type="sldImg"/>
+          </p:nvPr>
+        </p:nvSpPr>
+        <p:spPr/>
+      </p:sp>
+      <p:sp>
+        <p:nvSpPr>
+          <p:cNvPr id="3" name="Notes Placeholder 2"/>
+          <p:cNvSpPr>
+            <a:spLocks noGrp="1"/>
+          </p:cNvSpPr>
+          <p:nvPr>
+            <p:ph type="body" idx="1"/>
+          </p:nvPr>
+        </p:nvSpPr>
+        <p:spPr/>
+        <p:txBody>
+          <a:bodyPr/>
+          <a:lstStyle/>
+          <a:p>
+            <a:endParaRPr lang="he-IL" dirty="0"/>
+          </a:p>
+        </p:txBody>
+      </p:sp>
+      <p:sp>
+        <p:nvSpPr>
+          <p:cNvPr id="4" name="Slide Number Placeholder 3"/>
+          <p:cNvSpPr>
+            <a:spLocks noGrp="1"/>
+          </p:cNvSpPr>
+          <p:nvPr>
+            <p:ph type="sldNum" sz="quarter" idx="10"/>
+          </p:nvPr>
+        </p:nvSpPr>
+        <p:spPr/>
+        <p:txBody>
+          <a:bodyPr/>
+          <a:lstStyle/>
+          <a:p>
+            <a:fld id="{AA9BED1A-8388-4503-8515-6BC02580799D}" type="slidenum">
+              <a:rPr lang="en-US" smtClean="0"/>
+              <a:t>25</a:t>
+            </a:fld>
+            <a:endParaRPr lang="en-US"/>
+          </a:p>
+        </p:txBody>
+      </p:sp>
+    </p:spTree>
+    <p:extLst>
+      <p:ext uri="{BB962C8B-B14F-4D97-AF65-F5344CB8AC3E}">
+        <p14:creationId xmlns:p14="http://schemas.microsoft.com/office/powerpoint/2010/main" val="4157221038"/>
+      </p:ext>
+    </p:extLst>
+  </p:cSld>
+  <p:clrMapOvr>
+    <a:masterClrMapping/>
+  </p:clrMapOvr>
+</p:notes>
+</file>
+
+<file path=ppt/notesSlides/notesSlide24.xml><?xml version="1.0" encoding="utf-8"?>
+<p:notes xmlns:a="http://schemas.openxmlformats.org/drawingml/2006/main" xmlns:r="http://schemas.openxmlformats.org/officeDocument/2006/relationships" xmlns:p="http://schemas.openxmlformats.org/presentationml/2006/main">
+  <p:cSld>
+    <p:spTree>
+      <p:nvGrpSpPr>
+        <p:cNvPr id="1" name=""/>
+        <p:cNvGrpSpPr/>
+        <p:nvPr/>
+      </p:nvGrpSpPr>
+      <p:grpSpPr>
+        <a:xfrm>
+          <a:off x="0" y="0"/>
+          <a:ext cx="0" cy="0"/>
+          <a:chOff x="0" y="0"/>
+          <a:chExt cx="0" cy="0"/>
+        </a:xfrm>
+      </p:grpSpPr>
+      <p:sp>
+        <p:nvSpPr>
+          <p:cNvPr id="2" name="Slide Image Placeholder 1"/>
+          <p:cNvSpPr>
+            <a:spLocks noGrp="1" noRot="1" noChangeAspect="1"/>
+          </p:cNvSpPr>
+          <p:nvPr>
+            <p:ph type="sldImg"/>
+          </p:nvPr>
+        </p:nvSpPr>
+        <p:spPr/>
+      </p:sp>
+      <p:sp>
+        <p:nvSpPr>
+          <p:cNvPr id="3" name="Notes Placeholder 2"/>
+          <p:cNvSpPr>
+            <a:spLocks noGrp="1"/>
+          </p:cNvSpPr>
+          <p:nvPr>
+            <p:ph type="body" idx="1"/>
+          </p:nvPr>
+        </p:nvSpPr>
+        <p:spPr/>
+        <p:txBody>
+          <a:bodyPr/>
+          <a:lstStyle/>
+          <a:p>
+            <a:endParaRPr lang="he-IL" dirty="0"/>
+          </a:p>
+        </p:txBody>
+      </p:sp>
+      <p:sp>
+        <p:nvSpPr>
+          <p:cNvPr id="4" name="Slide Number Placeholder 3"/>
+          <p:cNvSpPr>
+            <a:spLocks noGrp="1"/>
+          </p:cNvSpPr>
+          <p:nvPr>
+            <p:ph type="sldNum" sz="quarter" idx="10"/>
+          </p:nvPr>
+        </p:nvSpPr>
+        <p:spPr/>
+        <p:txBody>
+          <a:bodyPr/>
+          <a:lstStyle/>
+          <a:p>
+            <a:fld id="{AA9BED1A-8388-4503-8515-6BC02580799D}" type="slidenum">
+              <a:rPr lang="en-US" smtClean="0"/>
+              <a:t>26</a:t>
+            </a:fld>
+            <a:endParaRPr lang="en-US"/>
+          </a:p>
+        </p:txBody>
+      </p:sp>
+    </p:spTree>
+    <p:extLst>
+      <p:ext uri="{BB962C8B-B14F-4D97-AF65-F5344CB8AC3E}">
+        <p14:creationId xmlns:p14="http://schemas.microsoft.com/office/powerpoint/2010/main" val="148846294"/>
       </p:ext>
     </p:extLst>
   </p:cSld>
@@ -4266,35 +5015,47 @@
           <a:lstStyle/>
           <a:p>
             <a:r>
-              <a:rPr lang="he-IL" sz="1200" b="0" i="0" u="none" strike="noStrike" kern="1200" baseline="0" dirty="0">
-                <a:solidFill>
-                  <a:schemeClr val="tx1"/>
-                </a:solidFill>
-                <a:latin typeface="+mn-lt"/>
-                <a:ea typeface="+mn-ea"/>
-                <a:cs typeface="+mn-cs"/>
-              </a:rPr>
-              <a:t>תמצית עבודות דומות המתארת בצורה מדויקת את מה נעשה העבודות קודמות, מה הן</a:t>
-            </a:r>
-          </a:p>
-          <a:p>
-            <a:r>
-              <a:rPr lang="he-IL" sz="1200" b="0" i="0" u="none" strike="noStrike" kern="1200" baseline="0" dirty="0">
-                <a:solidFill>
-                  <a:schemeClr val="tx1"/>
-                </a:solidFill>
-                <a:latin typeface="+mn-lt"/>
-                <a:ea typeface="+mn-ea"/>
-                <a:cs typeface="+mn-cs"/>
-              </a:rPr>
-              <a:t>פתרו או הביעו, יתרונותיהן וחסרונותיהן.</a:t>
-            </a:r>
-          </a:p>
-          <a:p>
-            <a:pPr marL="171450" indent="-171450">
-              <a:buFont typeface="Arial" panose="020B0604020202020204" pitchFamily="34" charset="0"/>
-              <a:buChar char="•"/>
-            </a:pPr>
+              <a:rPr lang="he-IL" dirty="0" smtClean="0"/>
+              <a:t>להוסיף</a:t>
+            </a:r>
+            <a:r>
+              <a:rPr lang="he-IL" baseline="0" dirty="0" smtClean="0"/>
+              <a:t> בע"פ:</a:t>
+            </a:r>
+            <a:endParaRPr lang="en-US" baseline="0" dirty="0" smtClean="0"/>
+          </a:p>
+          <a:p>
+            <a:r>
+              <a:rPr lang="he-IL" baseline="0" dirty="0" smtClean="0"/>
+              <a:t>*אומן יכול "לראות" את המוזיקה שהוא יוצר</a:t>
+            </a:r>
+          </a:p>
+          <a:p>
+            <a:r>
+              <a:rPr lang="he-IL" baseline="0" dirty="0" smtClean="0"/>
+              <a:t>קהל יכול גם לראות את המוזיקה שהאומן מנגן</a:t>
+            </a:r>
+            <a:r>
+              <a:rPr lang="en-US" baseline="0" dirty="0" smtClean="0"/>
+              <a:t>*</a:t>
+            </a:r>
+            <a:endParaRPr lang="he-IL" baseline="0" dirty="0" smtClean="0"/>
+          </a:p>
+          <a:p>
+            <a:r>
+              <a:rPr lang="he-IL" dirty="0" smtClean="0"/>
+              <a:t>הנגשה</a:t>
+            </a:r>
+            <a:r>
+              <a:rPr lang="he-IL" baseline="0" dirty="0" smtClean="0"/>
+              <a:t> של יצירה והבנה של מוסיקה</a:t>
+            </a:r>
+            <a:r>
+              <a:rPr lang="en-US" baseline="0" dirty="0" smtClean="0"/>
+              <a:t>*</a:t>
+            </a:r>
+          </a:p>
+          <a:p>
             <a:endParaRPr lang="he-IL" dirty="0"/>
           </a:p>
         </p:txBody>
@@ -4316,7 +5077,7 @@
           <a:p>
             <a:fld id="{AA9BED1A-8388-4503-8515-6BC02580799D}" type="slidenum">
               <a:rPr lang="en-US" smtClean="0"/>
-              <a:t>5</a:t>
+              <a:t>4</a:t>
             </a:fld>
             <a:endParaRPr lang="en-US"/>
           </a:p>
@@ -4325,7 +5086,7 @@
     </p:spTree>
     <p:extLst>
       <p:ext uri="{BB962C8B-B14F-4D97-AF65-F5344CB8AC3E}">
-        <p14:creationId xmlns:p14="http://schemas.microsoft.com/office/powerpoint/2010/main" val="3670102595"/>
+        <p14:creationId xmlns:p14="http://schemas.microsoft.com/office/powerpoint/2010/main" val="3889358613"/>
       </p:ext>
     </p:extLst>
   </p:cSld>
@@ -4379,6 +5140,39 @@
           <a:bodyPr/>
           <a:lstStyle/>
           <a:p>
+            <a:pPr marL="171450" indent="-171450">
+              <a:buFont typeface="Arial" panose="020B0604020202020204" pitchFamily="34" charset="0"/>
+              <a:buChar char="•"/>
+            </a:pPr>
+            <a:r>
+              <a:rPr lang="he-IL" dirty="0" smtClean="0"/>
+              <a:t>לתת</a:t>
+            </a:r>
+            <a:r>
+              <a:rPr lang="he-IL" baseline="0" dirty="0" smtClean="0"/>
+              <a:t> דוגמה לגבי אורך הניגון – שנקבע רק עפ"י אורך הציור על ציר </a:t>
+            </a:r>
+            <a:r>
+              <a:rPr lang="en-US" baseline="0" dirty="0" smtClean="0"/>
+              <a:t>X</a:t>
+            </a:r>
+            <a:endParaRPr lang="he-IL" baseline="0" dirty="0" smtClean="0"/>
+          </a:p>
+          <a:p>
+            <a:pPr marL="0" indent="0">
+              <a:buFont typeface="Arial" panose="020B0604020202020204" pitchFamily="34" charset="0"/>
+              <a:buNone/>
+            </a:pPr>
+            <a:r>
+              <a:rPr lang="he-IL" baseline="0" dirty="0" smtClean="0"/>
+              <a:t>למשל – מעגל </a:t>
+            </a:r>
+          </a:p>
+          <a:p>
+            <a:pPr marL="0" indent="0">
+              <a:buFont typeface="Arial" panose="020B0604020202020204" pitchFamily="34" charset="0"/>
+              <a:buNone/>
+            </a:pPr>
             <a:endParaRPr lang="he-IL" dirty="0"/>
           </a:p>
         </p:txBody>
@@ -4400,7 +5194,7 @@
           <a:p>
             <a:fld id="{AA9BED1A-8388-4503-8515-6BC02580799D}" type="slidenum">
               <a:rPr lang="en-US" smtClean="0"/>
-              <a:t>6</a:t>
+              <a:t>5</a:t>
             </a:fld>
             <a:endParaRPr lang="en-US"/>
           </a:p>
@@ -4409,7 +5203,7 @@
     </p:spTree>
     <p:extLst>
       <p:ext uri="{BB962C8B-B14F-4D97-AF65-F5344CB8AC3E}">
-        <p14:creationId xmlns:p14="http://schemas.microsoft.com/office/powerpoint/2010/main" val="1797094355"/>
+        <p14:creationId xmlns:p14="http://schemas.microsoft.com/office/powerpoint/2010/main" val="4158613299"/>
       </p:ext>
     </p:extLst>
   </p:cSld>
@@ -4463,6 +5257,75 @@
           <a:bodyPr/>
           <a:lstStyle/>
           <a:p>
+            <a:pPr marL="171450" indent="-171450">
+              <a:buFont typeface="Arial" panose="020B0604020202020204" pitchFamily="34" charset="0"/>
+              <a:buChar char="•"/>
+            </a:pPr>
+            <a:r>
+              <a:rPr lang="en-US" dirty="0" smtClean="0"/>
+              <a:t>Hear the entire</a:t>
+            </a:r>
+            <a:r>
+              <a:rPr lang="en-US" baseline="0" dirty="0" smtClean="0"/>
+              <a:t> canvas – from left to right  + marks the currently played stroke </a:t>
+            </a:r>
+          </a:p>
+          <a:p>
+            <a:pPr marL="171450" indent="-171450">
+              <a:buFont typeface="Arial" panose="020B0604020202020204" pitchFamily="34" charset="0"/>
+              <a:buChar char="•"/>
+            </a:pPr>
+            <a:r>
+              <a:rPr lang="he-IL" baseline="0" dirty="0" smtClean="0"/>
+              <a:t>להסביר מתי כל שלב שימושי:</a:t>
+            </a:r>
+          </a:p>
+          <a:p>
+            <a:pPr marL="0" indent="0">
+              <a:buFont typeface="Arial" panose="020B0604020202020204" pitchFamily="34" charset="0"/>
+              <a:buNone/>
+            </a:pPr>
+            <a:r>
+              <a:rPr lang="he-IL" baseline="0" dirty="0" smtClean="0"/>
+              <a:t>הראשון כדי לייצר מוזיקה ולהבין אותה</a:t>
+            </a:r>
+          </a:p>
+          <a:p>
+            <a:pPr marL="0" indent="0">
+              <a:buFont typeface="Arial" panose="020B0604020202020204" pitchFamily="34" charset="0"/>
+              <a:buNone/>
+            </a:pPr>
+            <a:r>
+              <a:rPr lang="he-IL" baseline="0" dirty="0" smtClean="0"/>
+              <a:t>השני בהופעות בזמן אמת:</a:t>
+            </a:r>
+          </a:p>
+          <a:p>
+            <a:pPr marL="0" indent="0">
+              <a:buFont typeface="Arial" panose="020B0604020202020204" pitchFamily="34" charset="0"/>
+              <a:buNone/>
+            </a:pPr>
+            <a:r>
+              <a:rPr lang="he-IL" baseline="0" dirty="0" smtClean="0"/>
+              <a:t>או כדי להראות את המוסיקה שמתנגנת</a:t>
+            </a:r>
+          </a:p>
+          <a:p>
+            <a:pPr marL="0" indent="0">
+              <a:buFont typeface="Arial" panose="020B0604020202020204" pitchFamily="34" charset="0"/>
+              <a:buNone/>
+            </a:pPr>
+            <a:r>
+              <a:rPr lang="he-IL" baseline="0" dirty="0" smtClean="0"/>
+              <a:t>או במקום תווים, כהוראות לנגנים </a:t>
+            </a:r>
+            <a:endParaRPr lang="en-US" baseline="0" dirty="0" smtClean="0"/>
+          </a:p>
+          <a:p>
+            <a:pPr marL="171450" indent="-171450">
+              <a:buFont typeface="Arial" panose="020B0604020202020204" pitchFamily="34" charset="0"/>
+              <a:buChar char="•"/>
+            </a:pPr>
             <a:endParaRPr lang="he-IL" dirty="0"/>
           </a:p>
         </p:txBody>
@@ -4484,7 +5347,7 @@
           <a:p>
             <a:fld id="{AA9BED1A-8388-4503-8515-6BC02580799D}" type="slidenum">
               <a:rPr lang="en-US" smtClean="0"/>
-              <a:t>7</a:t>
+              <a:t>6</a:t>
             </a:fld>
             <a:endParaRPr lang="en-US"/>
           </a:p>
@@ -4493,7 +5356,7 @@
     </p:spTree>
     <p:extLst>
       <p:ext uri="{BB962C8B-B14F-4D97-AF65-F5344CB8AC3E}">
-        <p14:creationId xmlns:p14="http://schemas.microsoft.com/office/powerpoint/2010/main" val="2325970450"/>
+        <p14:creationId xmlns:p14="http://schemas.microsoft.com/office/powerpoint/2010/main" val="4290254130"/>
       </p:ext>
     </p:extLst>
   </p:cSld>
@@ -4547,6 +5410,75 @@
           <a:bodyPr/>
           <a:lstStyle/>
           <a:p>
+            <a:pPr marL="171450" indent="-171450">
+              <a:buFont typeface="Arial" panose="020B0604020202020204" pitchFamily="34" charset="0"/>
+              <a:buChar char="•"/>
+            </a:pPr>
+            <a:r>
+              <a:rPr lang="en-US" dirty="0" smtClean="0"/>
+              <a:t>Hear the entire</a:t>
+            </a:r>
+            <a:r>
+              <a:rPr lang="en-US" baseline="0" dirty="0" smtClean="0"/>
+              <a:t> canvas – from left to right  + marks the currently played stroke </a:t>
+            </a:r>
+          </a:p>
+          <a:p>
+            <a:pPr marL="171450" indent="-171450">
+              <a:buFont typeface="Arial" panose="020B0604020202020204" pitchFamily="34" charset="0"/>
+              <a:buChar char="•"/>
+            </a:pPr>
+            <a:r>
+              <a:rPr lang="he-IL" baseline="0" dirty="0" smtClean="0"/>
+              <a:t>להסביר מתי כל שלב שימושי:</a:t>
+            </a:r>
+          </a:p>
+          <a:p>
+            <a:pPr marL="0" indent="0">
+              <a:buFont typeface="Arial" panose="020B0604020202020204" pitchFamily="34" charset="0"/>
+              <a:buNone/>
+            </a:pPr>
+            <a:r>
+              <a:rPr lang="he-IL" baseline="0" dirty="0" smtClean="0"/>
+              <a:t>הראשון כדי לייצר מוזיקה ולהבין אותה</a:t>
+            </a:r>
+          </a:p>
+          <a:p>
+            <a:pPr marL="0" indent="0">
+              <a:buFont typeface="Arial" panose="020B0604020202020204" pitchFamily="34" charset="0"/>
+              <a:buNone/>
+            </a:pPr>
+            <a:r>
+              <a:rPr lang="he-IL" baseline="0" dirty="0" smtClean="0"/>
+              <a:t>השני בהופעות בזמן אמת:</a:t>
+            </a:r>
+          </a:p>
+          <a:p>
+            <a:pPr marL="0" indent="0">
+              <a:buFont typeface="Arial" panose="020B0604020202020204" pitchFamily="34" charset="0"/>
+              <a:buNone/>
+            </a:pPr>
+            <a:r>
+              <a:rPr lang="he-IL" baseline="0" dirty="0" smtClean="0"/>
+              <a:t>או כדי להראות את המוסיקה שמתנגנת</a:t>
+            </a:r>
+          </a:p>
+          <a:p>
+            <a:pPr marL="0" indent="0">
+              <a:buFont typeface="Arial" panose="020B0604020202020204" pitchFamily="34" charset="0"/>
+              <a:buNone/>
+            </a:pPr>
+            <a:r>
+              <a:rPr lang="he-IL" baseline="0" dirty="0" smtClean="0"/>
+              <a:t>או במקום תווים, כהוראות לנגנים </a:t>
+            </a:r>
+            <a:endParaRPr lang="en-US" baseline="0" dirty="0" smtClean="0"/>
+          </a:p>
+          <a:p>
+            <a:pPr marL="171450" indent="-171450">
+              <a:buFont typeface="Arial" panose="020B0604020202020204" pitchFamily="34" charset="0"/>
+              <a:buChar char="•"/>
+            </a:pPr>
             <a:endParaRPr lang="he-IL" dirty="0"/>
           </a:p>
         </p:txBody>
@@ -4568,7 +5500,7 @@
           <a:p>
             <a:fld id="{AA9BED1A-8388-4503-8515-6BC02580799D}" type="slidenum">
               <a:rPr lang="en-US" smtClean="0"/>
-              <a:t>8</a:t>
+              <a:t>7</a:t>
             </a:fld>
             <a:endParaRPr lang="en-US"/>
           </a:p>
@@ -4577,7 +5509,7 @@
     </p:spTree>
     <p:extLst>
       <p:ext uri="{BB962C8B-B14F-4D97-AF65-F5344CB8AC3E}">
-        <p14:creationId xmlns:p14="http://schemas.microsoft.com/office/powerpoint/2010/main" val="2928336136"/>
+        <p14:creationId xmlns:p14="http://schemas.microsoft.com/office/powerpoint/2010/main" val="1771789855"/>
       </p:ext>
     </p:extLst>
   </p:cSld>
@@ -4632,41 +5564,115 @@
           <a:lstStyle/>
           <a:p>
             <a:r>
-              <a:rPr lang="he-IL" sz="1200" b="0" i="0" u="none" strike="noStrike" kern="1200" baseline="0" dirty="0">
+              <a:rPr lang="he-IL" sz="1200" b="0" i="0" u="none" strike="noStrike" kern="1200" dirty="0" smtClean="0">
                 <a:solidFill>
                   <a:schemeClr val="tx1"/>
                 </a:solidFill>
+                <a:effectLst/>
                 <a:latin typeface="+mn-lt"/>
                 <a:ea typeface="+mn-ea"/>
                 <a:cs typeface="+mn-cs"/>
               </a:rPr>
-              <a:t>יתרונות הפתרון על פני פתרונות אחרים, או הבדלים עיקריים.</a:t>
-            </a:r>
-            <a:endParaRPr lang="en-US" sz="1200" b="0" i="0" u="none" strike="noStrike" kern="1200" baseline="0" dirty="0">
+              <a:t>הסבר</a:t>
+            </a:r>
+            <a:r>
+              <a:rPr lang="he-IL" sz="1200" b="0" i="0" u="none" strike="noStrike" kern="1200" baseline="0" dirty="0" smtClean="0">
+                <a:solidFill>
+                  <a:schemeClr val="tx1"/>
+                </a:solidFill>
+                <a:effectLst/>
+                <a:latin typeface="+mn-lt"/>
+                <a:ea typeface="+mn-ea"/>
+                <a:cs typeface="+mn-cs"/>
+              </a:rPr>
+              <a:t> על הוידיאו:</a:t>
+            </a:r>
+            <a:endParaRPr lang="en-US" sz="1200" b="0" i="0" u="none" strike="noStrike" kern="1200" dirty="0" smtClean="0">
               <a:solidFill>
                 <a:schemeClr val="tx1"/>
               </a:solidFill>
+              <a:effectLst/>
               <a:latin typeface="+mn-lt"/>
               <a:ea typeface="+mn-ea"/>
               <a:cs typeface="+mn-cs"/>
             </a:endParaRPr>
           </a:p>
           <a:p>
-            <a:endParaRPr lang="en-US" sz="1200" b="0" i="0" u="none" strike="noStrike" kern="1200" baseline="0" dirty="0">
-              <a:solidFill>
-                <a:schemeClr val="tx1"/>
-              </a:solidFill>
-              <a:latin typeface="+mn-lt"/>
-              <a:ea typeface="+mn-ea"/>
-              <a:cs typeface="+mn-cs"/>
-            </a:endParaRPr>
-          </a:p>
-          <a:p>
-            <a:r>
-              <a:rPr lang="he-IL" dirty="0"/>
-              <a:t>היתרון האחרון שהתוכנה שלנו באמת שונה מהקודמת, כלומר היא כן מחדשת מבחינת מה אפשר ליצור איתה ואילו אפשרויות היא מספקת למשתמש</a:t>
-            </a:r>
-            <a:endParaRPr lang="en-US" dirty="0"/>
+            <a:r>
+              <a:rPr lang="en-US" sz="1200" b="0" i="0" u="none" strike="noStrike" kern="1200" dirty="0" smtClean="0">
+                <a:solidFill>
+                  <a:schemeClr val="tx1"/>
+                </a:solidFill>
+                <a:effectLst/>
+                <a:latin typeface="+mn-lt"/>
+                <a:ea typeface="+mn-ea"/>
+                <a:cs typeface="+mn-cs"/>
+              </a:rPr>
+              <a:t>Intertwine is a three-movement piece entirely written using the Vuzik composing interface, specifically for an ensemble of </a:t>
+            </a:r>
+            <a:r>
+              <a:rPr lang="en-US" sz="1200" b="0" i="0" u="none" strike="noStrike" kern="1200" dirty="0" err="1" smtClean="0">
+                <a:solidFill>
+                  <a:schemeClr val="tx1"/>
+                </a:solidFill>
+                <a:effectLst/>
+                <a:latin typeface="+mn-lt"/>
+                <a:ea typeface="+mn-ea"/>
+                <a:cs typeface="+mn-cs"/>
+              </a:rPr>
+              <a:t>ChoirMob</a:t>
+            </a:r>
+            <a:r>
+              <a:rPr lang="en-US" sz="1200" b="0" i="0" u="none" strike="noStrike" kern="1200" dirty="0" smtClean="0">
+                <a:solidFill>
+                  <a:schemeClr val="tx1"/>
+                </a:solidFill>
+                <a:effectLst/>
+                <a:latin typeface="+mn-lt"/>
+                <a:ea typeface="+mn-ea"/>
+                <a:cs typeface="+mn-cs"/>
+              </a:rPr>
+              <a:t> performer</a:t>
+            </a:r>
+          </a:p>
+          <a:p>
+            <a:r>
+              <a:rPr lang="en-US" sz="1200" b="0" i="0" kern="1200" dirty="0" smtClean="0">
+                <a:solidFill>
+                  <a:schemeClr val="tx1"/>
+                </a:solidFill>
+                <a:effectLst/>
+                <a:latin typeface="+mn-lt"/>
+                <a:ea typeface="+mn-ea"/>
+                <a:cs typeface="+mn-cs"/>
+              </a:rPr>
+              <a:t>Choir Mob – </a:t>
+            </a:r>
+            <a:r>
+              <a:rPr lang="he-IL" sz="1200" b="0" i="0" kern="1200" dirty="0" smtClean="0">
+                <a:solidFill>
+                  <a:schemeClr val="tx1"/>
+                </a:solidFill>
+                <a:effectLst/>
+                <a:latin typeface="+mn-lt"/>
+                <a:ea typeface="+mn-ea"/>
+                <a:cs typeface="+mn-cs"/>
+              </a:rPr>
+              <a:t>אפליקציה לניגון</a:t>
+            </a:r>
+            <a:r>
+              <a:rPr lang="he-IL" sz="1200" b="0" i="0" kern="1200" baseline="0" dirty="0" smtClean="0">
+                <a:solidFill>
+                  <a:schemeClr val="tx1"/>
+                </a:solidFill>
+                <a:effectLst/>
+                <a:latin typeface="+mn-lt"/>
+                <a:ea typeface="+mn-ea"/>
+                <a:cs typeface="+mn-cs"/>
+              </a:rPr>
+              <a:t> כמקהלה, כל סמארטפון מייצר ניגון של כלי נגינה באמצעות טאץ'</a:t>
+            </a:r>
+            <a:endParaRPr lang="he-IL" dirty="0"/>
           </a:p>
         </p:txBody>
       </p:sp>
@@ -4687,7 +5693,7 @@
           <a:p>
             <a:fld id="{AA9BED1A-8388-4503-8515-6BC02580799D}" type="slidenum">
               <a:rPr lang="en-US" smtClean="0"/>
-              <a:t>9</a:t>
+              <a:t>8</a:t>
             </a:fld>
             <a:endParaRPr lang="en-US"/>
           </a:p>
@@ -4696,7 +5702,7 @@
     </p:spTree>
     <p:extLst>
       <p:ext uri="{BB962C8B-B14F-4D97-AF65-F5344CB8AC3E}">
-        <p14:creationId xmlns:p14="http://schemas.microsoft.com/office/powerpoint/2010/main" val="724550080"/>
+        <p14:creationId xmlns:p14="http://schemas.microsoft.com/office/powerpoint/2010/main" val="38115288"/>
       </p:ext>
     </p:extLst>
   </p:cSld>
@@ -4750,6 +5756,40 @@
           <a:bodyPr/>
           <a:lstStyle/>
           <a:p>
+            <a:r>
+              <a:rPr lang="he-IL" dirty="0" smtClean="0"/>
+              <a:t>להרחיב</a:t>
+            </a:r>
+            <a:r>
+              <a:rPr lang="he-IL" baseline="0" dirty="0" smtClean="0"/>
+              <a:t> בע"פ:</a:t>
+            </a:r>
+          </a:p>
+          <a:p>
+            <a:pPr marL="171450" indent="-171450">
+              <a:buFont typeface="Arial" panose="020B0604020202020204" pitchFamily="34" charset="0"/>
+              <a:buChar char="•"/>
+            </a:pPr>
+            <a:r>
+              <a:rPr lang="he-IL" baseline="0" dirty="0" smtClean="0"/>
+              <a:t>ככלי ללימוד ילדים:</a:t>
+            </a:r>
+          </a:p>
+          <a:p>
+            <a:pPr marL="0" indent="0">
+              <a:buFont typeface="Arial" panose="020B0604020202020204" pitchFamily="34" charset="0"/>
+              <a:buNone/>
+            </a:pPr>
+            <a:r>
+              <a:rPr lang="he-IL" baseline="0" dirty="0" smtClean="0"/>
+              <a:t>ממשיכים במחקר ומתייעצים עם מורים למוזיקה מה האתגרים של ילדים בתחום ואיך לפתור</a:t>
+            </a:r>
+          </a:p>
+          <a:p>
+            <a:pPr marL="0" indent="0">
+              <a:buFont typeface="Arial" panose="020B0604020202020204" pitchFamily="34" charset="0"/>
+              <a:buNone/>
+            </a:pPr>
             <a:endParaRPr lang="he-IL" dirty="0"/>
           </a:p>
         </p:txBody>
@@ -4771,7 +5811,7 @@
           <a:p>
             <a:fld id="{AA9BED1A-8388-4503-8515-6BC02580799D}" type="slidenum">
               <a:rPr lang="en-US" smtClean="0"/>
-              <a:t>10</a:t>
+              <a:t>9</a:t>
             </a:fld>
             <a:endParaRPr lang="en-US"/>
           </a:p>
@@ -4780,7 +5820,7 @@
     </p:spTree>
     <p:extLst>
       <p:ext uri="{BB962C8B-B14F-4D97-AF65-F5344CB8AC3E}">
-        <p14:creationId xmlns:p14="http://schemas.microsoft.com/office/powerpoint/2010/main" val="2359959504"/>
+        <p14:creationId xmlns:p14="http://schemas.microsoft.com/office/powerpoint/2010/main" val="1135265732"/>
       </p:ext>
     </p:extLst>
   </p:cSld>
@@ -4855,7 +5895,7 @@
           <a:p>
             <a:fld id="{AA9BED1A-8388-4503-8515-6BC02580799D}" type="slidenum">
               <a:rPr lang="en-US" smtClean="0"/>
-              <a:t>11</a:t>
+              <a:t>10</a:t>
             </a:fld>
             <a:endParaRPr lang="en-US"/>
           </a:p>
@@ -4864,7 +5904,7 @@
     </p:spTree>
     <p:extLst>
       <p:ext uri="{BB962C8B-B14F-4D97-AF65-F5344CB8AC3E}">
-        <p14:creationId xmlns:p14="http://schemas.microsoft.com/office/powerpoint/2010/main" val="2099752890"/>
+        <p14:creationId xmlns:p14="http://schemas.microsoft.com/office/powerpoint/2010/main" val="3071332509"/>
       </p:ext>
     </p:extLst>
   </p:cSld>
@@ -5277,7 +6317,7 @@
           <a:p>
             <a:fld id="{318D53EE-AD22-4BCC-B47B-45E9D925B68F}" type="datetimeFigureOut">
               <a:rPr lang="en-US" smtClean="0"/>
-              <a:t>12/5/2018</a:t>
+              <a:t>12/15/2018</a:t>
             </a:fld>
             <a:endParaRPr lang="en-US"/>
           </a:p>
@@ -5456,7 +6496,7 @@
           <a:p>
             <a:fld id="{318D53EE-AD22-4BCC-B47B-45E9D925B68F}" type="datetimeFigureOut">
               <a:rPr lang="en-US" smtClean="0"/>
-              <a:t>12/5/2018</a:t>
+              <a:t>12/15/2018</a:t>
             </a:fld>
             <a:endParaRPr lang="en-US"/>
           </a:p>
@@ -5636,7 +6676,7 @@
           <a:p>
             <a:fld id="{318D53EE-AD22-4BCC-B47B-45E9D925B68F}" type="datetimeFigureOut">
               <a:rPr lang="en-US" smtClean="0"/>
-              <a:t>12/5/2018</a:t>
+              <a:t>12/15/2018</a:t>
             </a:fld>
             <a:endParaRPr lang="en-US"/>
           </a:p>
@@ -5806,7 +6846,7 @@
           <a:p>
             <a:fld id="{318D53EE-AD22-4BCC-B47B-45E9D925B68F}" type="datetimeFigureOut">
               <a:rPr lang="en-US" smtClean="0"/>
-              <a:t>12/5/2018</a:t>
+              <a:t>12/15/2018</a:t>
             </a:fld>
             <a:endParaRPr lang="en-US"/>
           </a:p>
@@ -6119,7 +7159,7 @@
           <a:p>
             <a:fld id="{318D53EE-AD22-4BCC-B47B-45E9D925B68F}" type="datetimeFigureOut">
               <a:rPr lang="en-US" smtClean="0"/>
-              <a:t>12/5/2018</a:t>
+              <a:t>12/15/2018</a:t>
             </a:fld>
             <a:endParaRPr lang="en-US"/>
           </a:p>
@@ -6505,7 +7545,7 @@
           <a:p>
             <a:fld id="{318D53EE-AD22-4BCC-B47B-45E9D925B68F}" type="datetimeFigureOut">
               <a:rPr lang="en-US" smtClean="0"/>
-              <a:t>12/5/2018</a:t>
+              <a:t>12/15/2018</a:t>
             </a:fld>
             <a:endParaRPr lang="en-US"/>
           </a:p>
@@ -6939,7 +7979,7 @@
           <a:p>
             <a:fld id="{318D53EE-AD22-4BCC-B47B-45E9D925B68F}" type="datetimeFigureOut">
               <a:rPr lang="en-US" smtClean="0"/>
-              <a:t>12/5/2018</a:t>
+              <a:t>12/15/2018</a:t>
             </a:fld>
             <a:endParaRPr lang="en-US"/>
           </a:p>
@@ -7057,7 +8097,7 @@
           <a:p>
             <a:fld id="{318D53EE-AD22-4BCC-B47B-45E9D925B68F}" type="datetimeFigureOut">
               <a:rPr lang="en-US" smtClean="0"/>
-              <a:t>12/5/2018</a:t>
+              <a:t>12/15/2018</a:t>
             </a:fld>
             <a:endParaRPr lang="en-US"/>
           </a:p>
@@ -7152,7 +8192,7 @@
           <a:p>
             <a:fld id="{318D53EE-AD22-4BCC-B47B-45E9D925B68F}" type="datetimeFigureOut">
               <a:rPr lang="en-US" smtClean="0"/>
-              <a:t>12/5/2018</a:t>
+              <a:t>12/15/2018</a:t>
             </a:fld>
             <a:endParaRPr lang="en-US"/>
           </a:p>
@@ -7502,7 +8542,7 @@
           <a:p>
             <a:fld id="{318D53EE-AD22-4BCC-B47B-45E9D925B68F}" type="datetimeFigureOut">
               <a:rPr lang="en-US" smtClean="0"/>
-              <a:t>12/5/2018</a:t>
+              <a:t>12/15/2018</a:t>
             </a:fld>
             <a:endParaRPr lang="en-US"/>
           </a:p>
@@ -7927,7 +8967,7 @@
           <a:p>
             <a:fld id="{318D53EE-AD22-4BCC-B47B-45E9D925B68F}" type="datetimeFigureOut">
               <a:rPr lang="en-US" smtClean="0"/>
-              <a:t>12/5/2018</a:t>
+              <a:t>12/15/2018</a:t>
             </a:fld>
             <a:endParaRPr lang="en-US"/>
           </a:p>
@@ -8208,7 +9248,7 @@
           <a:p>
             <a:fld id="{318D53EE-AD22-4BCC-B47B-45E9D925B68F}" type="datetimeFigureOut">
               <a:rPr lang="en-US" smtClean="0"/>
-              <a:t>12/5/2018</a:t>
+              <a:t>12/15/2018</a:t>
             </a:fld>
             <a:endParaRPr lang="en-US"/>
           </a:p>
@@ -9070,83 +10110,120 @@
       </p:grpSpPr>
       <p:sp>
         <p:nvSpPr>
-          <p:cNvPr id="2" name="Title 1"/>
-          <p:cNvSpPr>
-            <a:spLocks noGrp="1"/>
-          </p:cNvSpPr>
-          <p:nvPr>
-            <p:ph type="title"/>
-          </p:nvPr>
+          <p:cNvPr id="4" name="TextBox 3">
+            <a:extLst>
+              <a:ext uri="{FF2B5EF4-FFF2-40B4-BE49-F238E27FC236}">
+                <a16:creationId xmlns:a16="http://schemas.microsoft.com/office/drawing/2014/main" id="{EA82BB0B-F4FE-4E3A-950F-688B5F349888}"/>
+              </a:ext>
+            </a:extLst>
+          </p:cNvPr>
+          <p:cNvSpPr txBox="1"/>
+          <p:nvPr/>
         </p:nvSpPr>
-        <p:spPr/>
+        <p:spPr>
+          <a:xfrm>
+            <a:off x="787234" y="2233944"/>
+            <a:ext cx="10105053" cy="1200329"/>
+          </a:xfrm>
+          <a:prstGeom prst="rect">
+            <a:avLst/>
+          </a:prstGeom>
+          <a:noFill/>
+        </p:spPr>
         <p:txBody>
-          <a:bodyPr/>
+          <a:bodyPr wrap="square" rtlCol="0">
+            <a:spAutoFit/>
+          </a:bodyPr>
           <a:lstStyle/>
           <a:p>
-            <a:r>
-              <a:rPr lang="en-US" dirty="0" smtClean="0"/>
-              <a:t>Technical and musical summary #1 </a:t>
-            </a:r>
-            <a:endParaRPr lang="he-IL" dirty="0"/>
-          </a:p>
-        </p:txBody>
-      </p:sp>
-      <p:sp>
-        <p:nvSpPr>
-          <p:cNvPr id="3" name="Content Placeholder 2"/>
-          <p:cNvSpPr>
-            <a:spLocks noGrp="1"/>
-          </p:cNvSpPr>
-          <p:nvPr>
-            <p:ph idx="1"/>
-          </p:nvPr>
-        </p:nvSpPr>
-        <p:spPr/>
-        <p:txBody>
-          <a:bodyPr/>
-          <a:lstStyle/>
-          <a:p>
-            <a:r>
-              <a:rPr lang="en-US" dirty="0" smtClean="0"/>
-              <a:t>System description</a:t>
-            </a:r>
-          </a:p>
-          <a:p>
-            <a:pPr marL="0" indent="0">
-              <a:buNone/>
-            </a:pPr>
-            <a:endParaRPr lang="he-IL" dirty="0"/>
+            <a:pPr algn="ctr"/>
+            <a:r>
+              <a:rPr lang="en-US" sz="7200" cap="all" dirty="0" smtClean="0">
+                <a:blipFill>
+                  <a:blip r:embed="rId3">
+                    <a:extLst>
+                      <a:ext uri="{28A0092B-C50C-407E-A947-70E740481C1C}">
+                        <a14:useLocalDpi xmlns:a14="http://schemas.microsoft.com/office/drawing/2010/main" val="0"/>
+                      </a:ext>
+                    </a:extLst>
+                  </a:blip>
+                  <a:tile tx="6350" ty="-127000" sx="65000" sy="64000" flip="none" algn="tl"/>
+                </a:blipFill>
+                <a:latin typeface="+mj-lt"/>
+                <a:ea typeface="+mj-ea"/>
+                <a:cs typeface="+mj-cs"/>
+              </a:rPr>
+              <a:t>Back to RGB music </a:t>
+            </a:r>
+            <a:endParaRPr lang="en-US" sz="7200" cap="all" dirty="0">
+              <a:blipFill>
+                <a:blip r:embed="rId3">
+                  <a:extLst>
+                    <a:ext uri="{28A0092B-C50C-407E-A947-70E740481C1C}">
+                      <a14:useLocalDpi xmlns:a14="http://schemas.microsoft.com/office/drawing/2010/main" val="0"/>
+                    </a:ext>
+                  </a:extLst>
+                </a:blip>
+                <a:tile tx="6350" ty="-127000" sx="65000" sy="64000" flip="none" algn="tl"/>
+              </a:blipFill>
+              <a:latin typeface="+mj-lt"/>
+              <a:ea typeface="+mj-ea"/>
+              <a:cs typeface="+mj-cs"/>
+            </a:endParaRPr>
           </a:p>
         </p:txBody>
       </p:sp>
       <p:pic>
         <p:nvPicPr>
-          <p:cNvPr id="4" name="Picture 3"/>
+          <p:cNvPr id="1026" name="Picture 2" descr="×ª××¦××ª ×ª××× × ×¢×××¨ âªmusic pixelâ¬â">
+            <a:extLst>
+              <a:ext uri="{FF2B5EF4-FFF2-40B4-BE49-F238E27FC236}">
+                <a16:creationId xmlns:a16="http://schemas.microsoft.com/office/drawing/2014/main" id="{6E043A9D-8C6E-412B-9610-EA3C9C02E538}"/>
+              </a:ext>
+            </a:extLst>
+          </p:cNvPr>
           <p:cNvPicPr>
-            <a:picLocks noChangeAspect="1"/>
+            <a:picLocks noChangeAspect="1" noChangeArrowheads="1"/>
           </p:cNvPicPr>
           <p:nvPr/>
         </p:nvPicPr>
         <p:blipFill>
-          <a:blip r:embed="rId3"/>
+          <a:blip r:embed="rId4" cstate="hqprint">
+            <a:extLst>
+              <a:ext uri="{28A0092B-C50C-407E-A947-70E740481C1C}">
+                <a14:useLocalDpi xmlns:a14="http://schemas.microsoft.com/office/drawing/2010/main" val="0"/>
+              </a:ext>
+            </a:extLst>
+          </a:blip>
+          <a:srcRect/>
           <a:stretch>
             <a:fillRect/>
           </a:stretch>
         </p:blipFill>
-        <p:spPr>
+        <p:spPr bwMode="auto">
           <a:xfrm>
-            <a:off x="1753849" y="2362199"/>
-            <a:ext cx="7450189" cy="4110449"/>
+            <a:off x="0" y="3938271"/>
+            <a:ext cx="1574469" cy="2478755"/>
           </a:xfrm>
           <a:prstGeom prst="rect">
             <a:avLst/>
           </a:prstGeom>
+          <a:noFill/>
+          <a:extLst>
+            <a:ext uri="{909E8E84-426E-40DD-AFC4-6F175D3DCCD1}">
+              <a14:hiddenFill xmlns:a14="http://schemas.microsoft.com/office/drawing/2010/main">
+                <a:solidFill>
+                  <a:srgbClr val="FFFFFF"/>
+                </a:solidFill>
+              </a14:hiddenFill>
+            </a:ext>
+          </a:extLst>
         </p:spPr>
       </p:pic>
     </p:spTree>
     <p:extLst>
       <p:ext uri="{BB962C8B-B14F-4D97-AF65-F5344CB8AC3E}">
-        <p14:creationId xmlns:p14="http://schemas.microsoft.com/office/powerpoint/2010/main" val="1173866477"/>
+        <p14:creationId xmlns:p14="http://schemas.microsoft.com/office/powerpoint/2010/main" val="3529495692"/>
       </p:ext>
     </p:extLst>
   </p:cSld>
@@ -9190,7 +10267,7 @@
           <a:p>
             <a:r>
               <a:rPr lang="en-US" dirty="0" smtClean="0"/>
-              <a:t>Technical and musical summary #2 </a:t>
+              <a:t>The project </a:t>
             </a:r>
             <a:endParaRPr lang="he-IL" dirty="0"/>
           </a:p>
@@ -9211,6 +10288,1181 @@
           <a:bodyPr/>
           <a:lstStyle/>
           <a:p>
+            <a:pPr marL="0" indent="0">
+              <a:buNone/>
+            </a:pPr>
+            <a:r>
+              <a:rPr lang="en-US" dirty="0" smtClean="0"/>
+              <a:t>RGB Music is a software interface for creating music from an image through clicking on the image. </a:t>
+            </a:r>
+          </a:p>
+          <a:p>
+            <a:pPr marL="0" indent="0">
+              <a:buNone/>
+            </a:pPr>
+            <a:r>
+              <a:rPr lang="en-US" dirty="0" smtClean="0"/>
+              <a:t>In this project we aim to map between visual elements to sound elements. For example:</a:t>
+            </a:r>
+          </a:p>
+          <a:p>
+            <a:r>
+              <a:rPr lang="en-US" dirty="0" smtClean="0"/>
+              <a:t>Map from the RGB value of a chosen pixel to </a:t>
+            </a:r>
+            <a:r>
+              <a:rPr lang="en-US" dirty="0"/>
+              <a:t>unique instrument </a:t>
+            </a:r>
+            <a:r>
+              <a:rPr lang="en-US" dirty="0" smtClean="0"/>
+              <a:t>tone</a:t>
+            </a:r>
+            <a:endParaRPr lang="en-US" dirty="0" smtClean="0"/>
+          </a:p>
+          <a:p>
+            <a:r>
+              <a:rPr lang="en-US" dirty="0" smtClean="0"/>
+              <a:t>Map from a set of pixels (</a:t>
+            </a:r>
+            <a:r>
+              <a:rPr lang="en-US" dirty="0" err="1" smtClean="0"/>
+              <a:t>i.e</a:t>
+            </a:r>
+            <a:r>
+              <a:rPr lang="en-US" dirty="0" smtClean="0"/>
+              <a:t> the surrounding pixels of the chosen pixel) to pitch or time duration</a:t>
+            </a:r>
+          </a:p>
+          <a:p>
+            <a:pPr marL="0" indent="0">
+              <a:buNone/>
+            </a:pPr>
+            <a:endParaRPr lang="en-US" dirty="0" smtClean="0"/>
+          </a:p>
+          <a:p>
+            <a:pPr marL="0" indent="0">
+              <a:buNone/>
+            </a:pPr>
+            <a:endParaRPr lang="en-US" dirty="0" smtClean="0"/>
+          </a:p>
+        </p:txBody>
+      </p:sp>
+    </p:spTree>
+    <p:extLst>
+      <p:ext uri="{BB962C8B-B14F-4D97-AF65-F5344CB8AC3E}">
+        <p14:creationId xmlns:p14="http://schemas.microsoft.com/office/powerpoint/2010/main" val="3145902105"/>
+      </p:ext>
+    </p:extLst>
+  </p:cSld>
+  <p:clrMapOvr>
+    <a:masterClrMapping/>
+  </p:clrMapOvr>
+</p:sld>
+</file>
+
+<file path=ppt/slides/slide12.xml><?xml version="1.0" encoding="utf-8"?>
+<p:sld xmlns:a="http://schemas.openxmlformats.org/drawingml/2006/main" xmlns:r="http://schemas.openxmlformats.org/officeDocument/2006/relationships" xmlns:p="http://schemas.openxmlformats.org/presentationml/2006/main">
+  <p:cSld>
+    <p:spTree>
+      <p:nvGrpSpPr>
+        <p:cNvPr id="1" name=""/>
+        <p:cNvGrpSpPr/>
+        <p:nvPr/>
+      </p:nvGrpSpPr>
+      <p:grpSpPr>
+        <a:xfrm>
+          <a:off x="0" y="0"/>
+          <a:ext cx="0" cy="0"/>
+          <a:chOff x="0" y="0"/>
+          <a:chExt cx="0" cy="0"/>
+        </a:xfrm>
+      </p:grpSpPr>
+      <p:sp>
+        <p:nvSpPr>
+          <p:cNvPr id="2" name="Title 1">
+            <a:extLst>
+              <a:ext uri="{FF2B5EF4-FFF2-40B4-BE49-F238E27FC236}">
+                <a16:creationId xmlns:a16="http://schemas.microsoft.com/office/drawing/2014/main" id="{49A14EDF-60EC-4ADD-BDED-53DD249324D2}"/>
+              </a:ext>
+            </a:extLst>
+          </p:cNvPr>
+          <p:cNvSpPr>
+            <a:spLocks noGrp="1"/>
+          </p:cNvSpPr>
+          <p:nvPr>
+            <p:ph type="title"/>
+          </p:nvPr>
+        </p:nvSpPr>
+        <p:spPr/>
+        <p:txBody>
+          <a:bodyPr/>
+          <a:lstStyle/>
+          <a:p>
+            <a:r>
+              <a:rPr lang="en-US" dirty="0"/>
+              <a:t>Related Work - </a:t>
+            </a:r>
+            <a:r>
+              <a:rPr lang="en-US" dirty="0" smtClean="0"/>
+              <a:t>VUZIK</a:t>
+            </a:r>
+            <a:endParaRPr lang="en-US" dirty="0"/>
+          </a:p>
+        </p:txBody>
+      </p:sp>
+      <p:sp>
+        <p:nvSpPr>
+          <p:cNvPr id="3" name="Content Placeholder 2">
+            <a:extLst>
+              <a:ext uri="{FF2B5EF4-FFF2-40B4-BE49-F238E27FC236}">
+                <a16:creationId xmlns:a16="http://schemas.microsoft.com/office/drawing/2014/main" id="{951EFB61-8E51-4B75-B6AB-6D8F6CA4978A}"/>
+              </a:ext>
+            </a:extLst>
+          </p:cNvPr>
+          <p:cNvSpPr>
+            <a:spLocks noGrp="1"/>
+          </p:cNvSpPr>
+          <p:nvPr>
+            <p:ph idx="1"/>
+          </p:nvPr>
+        </p:nvSpPr>
+        <p:spPr/>
+        <p:txBody>
+          <a:bodyPr/>
+          <a:lstStyle/>
+          <a:p>
+            <a:r>
+              <a:rPr lang="en-US" dirty="0" smtClean="0"/>
+              <a:t>Pros</a:t>
+            </a:r>
+            <a:r>
+              <a:rPr lang="en-US" dirty="0"/>
+              <a:t>:</a:t>
+            </a:r>
+          </a:p>
+          <a:p>
+            <a:pPr lvl="1"/>
+            <a:r>
+              <a:rPr lang="en-US" dirty="0" smtClean="0"/>
+              <a:t>Very interactive</a:t>
+            </a:r>
+          </a:p>
+          <a:p>
+            <a:pPr lvl="1"/>
+            <a:r>
+              <a:rPr lang="en-US" dirty="0" smtClean="0"/>
+              <a:t>Suitable even for children that can’t read</a:t>
+            </a:r>
+            <a:endParaRPr lang="en-US" dirty="0"/>
+          </a:p>
+          <a:p>
+            <a:r>
+              <a:rPr lang="en-US" dirty="0" smtClean="0"/>
+              <a:t>Cons</a:t>
+            </a:r>
+            <a:r>
+              <a:rPr lang="en-US" dirty="0"/>
+              <a:t>:</a:t>
+            </a:r>
+          </a:p>
+          <a:p>
+            <a:pPr lvl="1"/>
+            <a:r>
+              <a:rPr lang="en-US" dirty="0" smtClean="0"/>
+              <a:t>Not public</a:t>
+            </a:r>
+          </a:p>
+          <a:p>
+            <a:pPr lvl="1"/>
+            <a:r>
+              <a:rPr lang="en-US" dirty="0" smtClean="0"/>
+              <a:t>User needs to be very creative in order to produce fare music  </a:t>
+            </a:r>
+            <a:endParaRPr lang="en-US" dirty="0"/>
+          </a:p>
+          <a:p>
+            <a:endParaRPr lang="en-US" dirty="0"/>
+          </a:p>
+        </p:txBody>
+      </p:sp>
+      <p:pic>
+        <p:nvPicPr>
+          <p:cNvPr id="4" name="Picture 2" descr="×ª××¦××ª ×ª××× × ×¢×××¨ âªmusic pixelâ¬â">
+            <a:extLst>
+              <a:ext uri="{FF2B5EF4-FFF2-40B4-BE49-F238E27FC236}">
+                <a16:creationId xmlns:a16="http://schemas.microsoft.com/office/drawing/2014/main" id="{3580F6C7-1C19-4A57-8C0F-3A17CB1173FE}"/>
+              </a:ext>
+            </a:extLst>
+          </p:cNvPr>
+          <p:cNvPicPr>
+            <a:picLocks noChangeAspect="1" noChangeArrowheads="1"/>
+          </p:cNvPicPr>
+          <p:nvPr/>
+        </p:nvPicPr>
+        <p:blipFill>
+          <a:blip r:embed="rId3" cstate="hqprint">
+            <a:extLst>
+              <a:ext uri="{28A0092B-C50C-407E-A947-70E740481C1C}">
+                <a14:useLocalDpi xmlns:a14="http://schemas.microsoft.com/office/drawing/2010/main" val="0"/>
+              </a:ext>
+            </a:extLst>
+          </a:blip>
+          <a:srcRect/>
+          <a:stretch>
+            <a:fillRect/>
+          </a:stretch>
+        </p:blipFill>
+        <p:spPr bwMode="auto">
+          <a:xfrm>
+            <a:off x="11288324" y="5128341"/>
+            <a:ext cx="663044" cy="1043859"/>
+          </a:xfrm>
+          <a:prstGeom prst="rect">
+            <a:avLst/>
+          </a:prstGeom>
+          <a:noFill/>
+          <a:extLst>
+            <a:ext uri="{909E8E84-426E-40DD-AFC4-6F175D3DCCD1}">
+              <a14:hiddenFill xmlns:a14="http://schemas.microsoft.com/office/drawing/2010/main">
+                <a:solidFill>
+                  <a:srgbClr val="FFFFFF"/>
+                </a:solidFill>
+              </a14:hiddenFill>
+            </a:ext>
+          </a:extLst>
+        </p:spPr>
+      </p:pic>
+    </p:spTree>
+    <p:extLst>
+      <p:ext uri="{BB962C8B-B14F-4D97-AF65-F5344CB8AC3E}">
+        <p14:creationId xmlns:p14="http://schemas.microsoft.com/office/powerpoint/2010/main" val="2270268904"/>
+      </p:ext>
+    </p:extLst>
+  </p:cSld>
+  <p:clrMapOvr>
+    <a:masterClrMapping/>
+  </p:clrMapOvr>
+</p:sld>
+</file>
+
+<file path=ppt/slides/slide13.xml><?xml version="1.0" encoding="utf-8"?>
+<p:sld xmlns:a="http://schemas.openxmlformats.org/drawingml/2006/main" xmlns:r="http://schemas.openxmlformats.org/officeDocument/2006/relationships" xmlns:p="http://schemas.openxmlformats.org/presentationml/2006/main">
+  <p:cSld>
+    <p:spTree>
+      <p:nvGrpSpPr>
+        <p:cNvPr id="1" name=""/>
+        <p:cNvGrpSpPr/>
+        <p:nvPr/>
+      </p:nvGrpSpPr>
+      <p:grpSpPr>
+        <a:xfrm>
+          <a:off x="0" y="0"/>
+          <a:ext cx="0" cy="0"/>
+          <a:chOff x="0" y="0"/>
+          <a:chExt cx="0" cy="0"/>
+        </a:xfrm>
+      </p:grpSpPr>
+      <p:sp>
+        <p:nvSpPr>
+          <p:cNvPr id="2" name="Title 1">
+            <a:extLst>
+              <a:ext uri="{FF2B5EF4-FFF2-40B4-BE49-F238E27FC236}">
+                <a16:creationId xmlns:a16="http://schemas.microsoft.com/office/drawing/2014/main" id="{49A14EDF-60EC-4ADD-BDED-53DD249324D2}"/>
+              </a:ext>
+            </a:extLst>
+          </p:cNvPr>
+          <p:cNvSpPr>
+            <a:spLocks noGrp="1"/>
+          </p:cNvSpPr>
+          <p:nvPr>
+            <p:ph type="title"/>
+          </p:nvPr>
+        </p:nvSpPr>
+        <p:spPr/>
+        <p:txBody>
+          <a:bodyPr/>
+          <a:lstStyle/>
+          <a:p>
+            <a:r>
+              <a:rPr lang="en-US" dirty="0"/>
+              <a:t>Related Work - RGB Music Lab</a:t>
+            </a:r>
+          </a:p>
+        </p:txBody>
+      </p:sp>
+      <p:sp>
+        <p:nvSpPr>
+          <p:cNvPr id="3" name="Content Placeholder 2">
+            <a:extLst>
+              <a:ext uri="{FF2B5EF4-FFF2-40B4-BE49-F238E27FC236}">
+                <a16:creationId xmlns:a16="http://schemas.microsoft.com/office/drawing/2014/main" id="{951EFB61-8E51-4B75-B6AB-6D8F6CA4978A}"/>
+              </a:ext>
+            </a:extLst>
+          </p:cNvPr>
+          <p:cNvSpPr>
+            <a:spLocks noGrp="1"/>
+          </p:cNvSpPr>
+          <p:nvPr>
+            <p:ph idx="1"/>
+          </p:nvPr>
+        </p:nvSpPr>
+        <p:spPr/>
+        <p:txBody>
+          <a:bodyPr/>
+          <a:lstStyle/>
+          <a:p>
+            <a:r>
+              <a:rPr lang="en-US" dirty="0"/>
+              <a:t>Created by Kenji Kojima, a Japanese visual artist.</a:t>
+            </a:r>
+          </a:p>
+          <a:p>
+            <a:r>
+              <a:rPr lang="en-US" dirty="0">
+                <a:hlinkClick r:id="rId3"/>
+              </a:rPr>
+              <a:t>http://www.kenjikojima.com/rgbmusic</a:t>
+            </a:r>
+            <a:endParaRPr lang="en-US" dirty="0"/>
+          </a:p>
+          <a:p>
+            <a:r>
+              <a:rPr lang="en-US" dirty="0"/>
+              <a:t>Create a music from an image</a:t>
+            </a:r>
+          </a:p>
+          <a:p>
+            <a:pPr lvl="1"/>
+            <a:r>
+              <a:rPr lang="en-US" dirty="0"/>
+              <a:t>Reads RGB value of pixels from the top left to the bottom right of an image, then composes an music</a:t>
+            </a:r>
+          </a:p>
+          <a:p>
+            <a:r>
+              <a:rPr lang="en-US" dirty="0"/>
+              <a:t>Pros:</a:t>
+            </a:r>
+          </a:p>
+          <a:p>
+            <a:pPr lvl="1"/>
+            <a:r>
+              <a:rPr lang="en-US" dirty="0"/>
+              <a:t>Contains a lot of options for user input</a:t>
+            </a:r>
+          </a:p>
+          <a:p>
+            <a:pPr lvl="1"/>
+            <a:r>
+              <a:rPr lang="en-US" dirty="0"/>
+              <a:t>Very advanced</a:t>
+            </a:r>
+          </a:p>
+          <a:p>
+            <a:r>
+              <a:rPr lang="en-US" dirty="0"/>
+              <a:t>Cons:</a:t>
+            </a:r>
+          </a:p>
+          <a:p>
+            <a:pPr lvl="1"/>
+            <a:r>
+              <a:rPr lang="en-US" dirty="0"/>
+              <a:t>Not free</a:t>
+            </a:r>
+          </a:p>
+          <a:p>
+            <a:pPr lvl="1"/>
+            <a:r>
+              <a:rPr lang="en-US" dirty="0"/>
+              <a:t>Out dated - no support</a:t>
+            </a:r>
+          </a:p>
+          <a:p>
+            <a:endParaRPr lang="en-US" dirty="0"/>
+          </a:p>
+        </p:txBody>
+      </p:sp>
+      <p:pic>
+        <p:nvPicPr>
+          <p:cNvPr id="4" name="Picture 2" descr="×ª××¦××ª ×ª××× × ×¢×××¨ âªmusic pixelâ¬â">
+            <a:extLst>
+              <a:ext uri="{FF2B5EF4-FFF2-40B4-BE49-F238E27FC236}">
+                <a16:creationId xmlns:a16="http://schemas.microsoft.com/office/drawing/2014/main" id="{3580F6C7-1C19-4A57-8C0F-3A17CB1173FE}"/>
+              </a:ext>
+            </a:extLst>
+          </p:cNvPr>
+          <p:cNvPicPr>
+            <a:picLocks noChangeAspect="1" noChangeArrowheads="1"/>
+          </p:cNvPicPr>
+          <p:nvPr/>
+        </p:nvPicPr>
+        <p:blipFill>
+          <a:blip r:embed="rId4" cstate="hqprint">
+            <a:extLst>
+              <a:ext uri="{28A0092B-C50C-407E-A947-70E740481C1C}">
+                <a14:useLocalDpi xmlns:a14="http://schemas.microsoft.com/office/drawing/2010/main" val="0"/>
+              </a:ext>
+            </a:extLst>
+          </a:blip>
+          <a:srcRect/>
+          <a:stretch>
+            <a:fillRect/>
+          </a:stretch>
+        </p:blipFill>
+        <p:spPr bwMode="auto">
+          <a:xfrm>
+            <a:off x="11288324" y="5128341"/>
+            <a:ext cx="663044" cy="1043859"/>
+          </a:xfrm>
+          <a:prstGeom prst="rect">
+            <a:avLst/>
+          </a:prstGeom>
+          <a:noFill/>
+          <a:extLst>
+            <a:ext uri="{909E8E84-426E-40DD-AFC4-6F175D3DCCD1}">
+              <a14:hiddenFill xmlns:a14="http://schemas.microsoft.com/office/drawing/2010/main">
+                <a:solidFill>
+                  <a:srgbClr val="FFFFFF"/>
+                </a:solidFill>
+              </a14:hiddenFill>
+            </a:ext>
+          </a:extLst>
+        </p:spPr>
+      </p:pic>
+    </p:spTree>
+    <p:extLst>
+      <p:ext uri="{BB962C8B-B14F-4D97-AF65-F5344CB8AC3E}">
+        <p14:creationId xmlns:p14="http://schemas.microsoft.com/office/powerpoint/2010/main" val="139653830"/>
+      </p:ext>
+    </p:extLst>
+  </p:cSld>
+  <p:clrMapOvr>
+    <a:masterClrMapping/>
+  </p:clrMapOvr>
+</p:sld>
+</file>
+
+<file path=ppt/slides/slide14.xml><?xml version="1.0" encoding="utf-8"?>
+<p:sld xmlns:a="http://schemas.openxmlformats.org/drawingml/2006/main" xmlns:r="http://schemas.openxmlformats.org/officeDocument/2006/relationships" xmlns:p="http://schemas.openxmlformats.org/presentationml/2006/main">
+  <p:cSld>
+    <p:spTree>
+      <p:nvGrpSpPr>
+        <p:cNvPr id="1" name=""/>
+        <p:cNvGrpSpPr/>
+        <p:nvPr/>
+      </p:nvGrpSpPr>
+      <p:grpSpPr>
+        <a:xfrm>
+          <a:off x="0" y="0"/>
+          <a:ext cx="0" cy="0"/>
+          <a:chOff x="0" y="0"/>
+          <a:chExt cx="0" cy="0"/>
+        </a:xfrm>
+      </p:grpSpPr>
+      <p:sp>
+        <p:nvSpPr>
+          <p:cNvPr id="5" name="Title 1">
+            <a:extLst>
+              <a:ext uri="{FF2B5EF4-FFF2-40B4-BE49-F238E27FC236}">
+                <a16:creationId xmlns:a16="http://schemas.microsoft.com/office/drawing/2014/main" id="{21CFD2F0-6B15-4A12-8AA1-B11FF81A7B46}"/>
+              </a:ext>
+            </a:extLst>
+          </p:cNvPr>
+          <p:cNvSpPr>
+            <a:spLocks noGrp="1"/>
+          </p:cNvSpPr>
+          <p:nvPr>
+            <p:ph type="title"/>
+          </p:nvPr>
+        </p:nvSpPr>
+        <p:spPr>
+          <a:xfrm>
+            <a:off x="1069848" y="484632"/>
+            <a:ext cx="10058400" cy="1609344"/>
+          </a:xfrm>
+        </p:spPr>
+        <p:txBody>
+          <a:bodyPr/>
+          <a:lstStyle/>
+          <a:p>
+            <a:r>
+              <a:rPr lang="en-US" dirty="0"/>
+              <a:t>Related Work - RGB Music Lab</a:t>
+            </a:r>
+          </a:p>
+        </p:txBody>
+      </p:sp>
+      <p:pic>
+        <p:nvPicPr>
+          <p:cNvPr id="1028" name="Picture 4" descr="http://www.kenjikojima.com/rgbmusic/img/RGBMusicLab.jpg">
+            <a:extLst>
+              <a:ext uri="{FF2B5EF4-FFF2-40B4-BE49-F238E27FC236}">
+                <a16:creationId xmlns:a16="http://schemas.microsoft.com/office/drawing/2014/main" id="{D889E65C-0EAE-4D84-A76C-9525DA8388B9}"/>
+              </a:ext>
+            </a:extLst>
+          </p:cNvPr>
+          <p:cNvPicPr>
+            <a:picLocks noChangeAspect="1" noChangeArrowheads="1"/>
+          </p:cNvPicPr>
+          <p:nvPr/>
+        </p:nvPicPr>
+        <p:blipFill>
+          <a:blip r:embed="rId2">
+            <a:extLst>
+              <a:ext uri="{28A0092B-C50C-407E-A947-70E740481C1C}">
+                <a14:useLocalDpi xmlns:a14="http://schemas.microsoft.com/office/drawing/2010/main" val="0"/>
+              </a:ext>
+            </a:extLst>
+          </a:blip>
+          <a:srcRect/>
+          <a:stretch>
+            <a:fillRect/>
+          </a:stretch>
+        </p:blipFill>
+        <p:spPr bwMode="auto">
+          <a:xfrm>
+            <a:off x="2075949" y="1849855"/>
+            <a:ext cx="6859504" cy="4694949"/>
+          </a:xfrm>
+          <a:prstGeom prst="rect">
+            <a:avLst/>
+          </a:prstGeom>
+          <a:noFill/>
+          <a:extLst>
+            <a:ext uri="{909E8E84-426E-40DD-AFC4-6F175D3DCCD1}">
+              <a14:hiddenFill xmlns:a14="http://schemas.microsoft.com/office/drawing/2010/main">
+                <a:solidFill>
+                  <a:srgbClr val="FFFFFF"/>
+                </a:solidFill>
+              </a14:hiddenFill>
+            </a:ext>
+          </a:extLst>
+        </p:spPr>
+      </p:pic>
+      <p:pic>
+        <p:nvPicPr>
+          <p:cNvPr id="6" name="Picture 2" descr="×ª××¦××ª ×ª××× × ×¢×××¨ âªmusic pixelâ¬â">
+            <a:extLst>
+              <a:ext uri="{FF2B5EF4-FFF2-40B4-BE49-F238E27FC236}">
+                <a16:creationId xmlns:a16="http://schemas.microsoft.com/office/drawing/2014/main" id="{EC7F31A7-E3C3-4E42-9B79-D554A8E64CBD}"/>
+              </a:ext>
+            </a:extLst>
+          </p:cNvPr>
+          <p:cNvPicPr>
+            <a:picLocks noChangeAspect="1" noChangeArrowheads="1"/>
+          </p:cNvPicPr>
+          <p:nvPr/>
+        </p:nvPicPr>
+        <p:blipFill>
+          <a:blip r:embed="rId3" cstate="hqprint">
+            <a:extLst>
+              <a:ext uri="{28A0092B-C50C-407E-A947-70E740481C1C}">
+                <a14:useLocalDpi xmlns:a14="http://schemas.microsoft.com/office/drawing/2010/main" val="0"/>
+              </a:ext>
+            </a:extLst>
+          </a:blip>
+          <a:srcRect/>
+          <a:stretch>
+            <a:fillRect/>
+          </a:stretch>
+        </p:blipFill>
+        <p:spPr bwMode="auto">
+          <a:xfrm>
+            <a:off x="11288324" y="5128341"/>
+            <a:ext cx="663044" cy="1043859"/>
+          </a:xfrm>
+          <a:prstGeom prst="rect">
+            <a:avLst/>
+          </a:prstGeom>
+          <a:noFill/>
+          <a:extLst>
+            <a:ext uri="{909E8E84-426E-40DD-AFC4-6F175D3DCCD1}">
+              <a14:hiddenFill xmlns:a14="http://schemas.microsoft.com/office/drawing/2010/main">
+                <a:solidFill>
+                  <a:srgbClr val="FFFFFF"/>
+                </a:solidFill>
+              </a14:hiddenFill>
+            </a:ext>
+          </a:extLst>
+        </p:spPr>
+      </p:pic>
+    </p:spTree>
+    <p:extLst>
+      <p:ext uri="{BB962C8B-B14F-4D97-AF65-F5344CB8AC3E}">
+        <p14:creationId xmlns:p14="http://schemas.microsoft.com/office/powerpoint/2010/main" val="1963932940"/>
+      </p:ext>
+    </p:extLst>
+  </p:cSld>
+  <p:clrMapOvr>
+    <a:masterClrMapping/>
+  </p:clrMapOvr>
+</p:sld>
+</file>
+
+<file path=ppt/slides/slide15.xml><?xml version="1.0" encoding="utf-8"?>
+<p:sld xmlns:a="http://schemas.openxmlformats.org/drawingml/2006/main" xmlns:r="http://schemas.openxmlformats.org/officeDocument/2006/relationships" xmlns:p="http://schemas.openxmlformats.org/presentationml/2006/main">
+  <p:cSld>
+    <p:spTree>
+      <p:nvGrpSpPr>
+        <p:cNvPr id="1" name=""/>
+        <p:cNvGrpSpPr/>
+        <p:nvPr/>
+      </p:nvGrpSpPr>
+      <p:grpSpPr>
+        <a:xfrm>
+          <a:off x="0" y="0"/>
+          <a:ext cx="0" cy="0"/>
+          <a:chOff x="0" y="0"/>
+          <a:chExt cx="0" cy="0"/>
+        </a:xfrm>
+      </p:grpSpPr>
+      <p:sp>
+        <p:nvSpPr>
+          <p:cNvPr id="2" name="Title 1"/>
+          <p:cNvSpPr>
+            <a:spLocks noGrp="1"/>
+          </p:cNvSpPr>
+          <p:nvPr>
+            <p:ph type="title"/>
+          </p:nvPr>
+        </p:nvSpPr>
+        <p:spPr/>
+        <p:txBody>
+          <a:bodyPr/>
+          <a:lstStyle/>
+          <a:p>
+            <a:r>
+              <a:rPr lang="en-US" dirty="0" smtClean="0"/>
+              <a:t>Implementation</a:t>
+            </a:r>
+            <a:endParaRPr lang="he-IL" dirty="0"/>
+          </a:p>
+        </p:txBody>
+      </p:sp>
+      <p:sp>
+        <p:nvSpPr>
+          <p:cNvPr id="3" name="Content Placeholder 2"/>
+          <p:cNvSpPr>
+            <a:spLocks noGrp="1"/>
+          </p:cNvSpPr>
+          <p:nvPr>
+            <p:ph idx="1"/>
+          </p:nvPr>
+        </p:nvSpPr>
+        <p:spPr/>
+        <p:txBody>
+          <a:bodyPr/>
+          <a:lstStyle/>
+          <a:p>
+            <a:pPr marL="0" indent="0">
+              <a:buNone/>
+            </a:pPr>
+            <a:r>
+              <a:rPr lang="en-US" dirty="0" smtClean="0"/>
+              <a:t>The project will be implemented in Python using the following libraries:</a:t>
+            </a:r>
+          </a:p>
+          <a:p>
+            <a:r>
+              <a:rPr lang="en-US" dirty="0" err="1" smtClean="0"/>
+              <a:t>Tkinter</a:t>
+            </a:r>
+            <a:r>
+              <a:rPr lang="en-US" dirty="0" smtClean="0"/>
+              <a:t> – UI </a:t>
+            </a:r>
+          </a:p>
+          <a:p>
+            <a:r>
+              <a:rPr lang="en-US" dirty="0" smtClean="0"/>
+              <a:t>OSC – to interact with SC for creating music </a:t>
+            </a:r>
+            <a:endParaRPr lang="en-US" dirty="0" smtClean="0"/>
+          </a:p>
+          <a:p>
+            <a:r>
+              <a:rPr lang="en-US" dirty="0" err="1" smtClean="0"/>
+              <a:t>Pil</a:t>
+            </a:r>
+            <a:r>
+              <a:rPr lang="en-US" dirty="0" smtClean="0"/>
+              <a:t> - Image processing</a:t>
+            </a:r>
+          </a:p>
+        </p:txBody>
+      </p:sp>
+    </p:spTree>
+    <p:extLst>
+      <p:ext uri="{BB962C8B-B14F-4D97-AF65-F5344CB8AC3E}">
+        <p14:creationId xmlns:p14="http://schemas.microsoft.com/office/powerpoint/2010/main" val="158362669"/>
+      </p:ext>
+    </p:extLst>
+  </p:cSld>
+  <p:clrMapOvr>
+    <a:masterClrMapping/>
+  </p:clrMapOvr>
+</p:sld>
+</file>
+
+<file path=ppt/slides/slide16.xml><?xml version="1.0" encoding="utf-8"?>
+<p:sld xmlns:a="http://schemas.openxmlformats.org/drawingml/2006/main" xmlns:r="http://schemas.openxmlformats.org/officeDocument/2006/relationships" xmlns:p="http://schemas.openxmlformats.org/presentationml/2006/main">
+  <p:cSld>
+    <p:spTree>
+      <p:nvGrpSpPr>
+        <p:cNvPr id="1" name=""/>
+        <p:cNvGrpSpPr/>
+        <p:nvPr/>
+      </p:nvGrpSpPr>
+      <p:grpSpPr>
+        <a:xfrm>
+          <a:off x="0" y="0"/>
+          <a:ext cx="0" cy="0"/>
+          <a:chOff x="0" y="0"/>
+          <a:chExt cx="0" cy="0"/>
+        </a:xfrm>
+      </p:grpSpPr>
+      <p:graphicFrame>
+        <p:nvGraphicFramePr>
+          <p:cNvPr id="4" name="Diagram 3">
+            <a:extLst>
+              <a:ext uri="{FF2B5EF4-FFF2-40B4-BE49-F238E27FC236}">
+                <a16:creationId xmlns:a16="http://schemas.microsoft.com/office/drawing/2014/main" id="{86A063DA-B6C5-493D-8524-0B711F773EA1}"/>
+              </a:ext>
+            </a:extLst>
+          </p:cNvPr>
+          <p:cNvGraphicFramePr/>
+          <p:nvPr>
+            <p:extLst>
+              <p:ext uri="{D42A27DB-BD31-4B8C-83A1-F6EECF244321}">
+                <p14:modId xmlns:p14="http://schemas.microsoft.com/office/powerpoint/2010/main" val="4082406006"/>
+              </p:ext>
+            </p:extLst>
+          </p:nvPr>
+        </p:nvGraphicFramePr>
+        <p:xfrm>
+          <a:off x="6432772" y="1794172"/>
+          <a:ext cx="4679044" cy="3768066"/>
+        </p:xfrm>
+        <a:graphic>
+          <a:graphicData uri="http://schemas.openxmlformats.org/drawingml/2006/diagram">
+            <dgm:relIds xmlns:dgm="http://schemas.openxmlformats.org/drawingml/2006/diagram" xmlns:r="http://schemas.openxmlformats.org/officeDocument/2006/relationships" r:dm="rId3" r:lo="rId4" r:qs="rId5" r:cs="rId6"/>
+          </a:graphicData>
+        </a:graphic>
+      </p:graphicFrame>
+      <p:sp>
+        <p:nvSpPr>
+          <p:cNvPr id="3" name="Title 1"/>
+          <p:cNvSpPr>
+            <a:spLocks noGrp="1"/>
+          </p:cNvSpPr>
+          <p:nvPr>
+            <p:ph type="title"/>
+          </p:nvPr>
+        </p:nvSpPr>
+        <p:spPr>
+          <a:xfrm>
+            <a:off x="695094" y="184829"/>
+            <a:ext cx="10058400" cy="1609344"/>
+          </a:xfrm>
+        </p:spPr>
+        <p:txBody>
+          <a:bodyPr/>
+          <a:lstStyle/>
+          <a:p>
+            <a:r>
+              <a:rPr lang="en-US" dirty="0" smtClean="0"/>
+              <a:t>Main use case </a:t>
+            </a:r>
+            <a:endParaRPr lang="he-IL" dirty="0"/>
+          </a:p>
+        </p:txBody>
+      </p:sp>
+      <p:pic>
+        <p:nvPicPr>
+          <p:cNvPr id="2" name="Picture 1"/>
+          <p:cNvPicPr>
+            <a:picLocks noChangeAspect="1"/>
+          </p:cNvPicPr>
+          <p:nvPr/>
+        </p:nvPicPr>
+        <p:blipFill>
+          <a:blip r:embed="rId8"/>
+          <a:stretch>
+            <a:fillRect/>
+          </a:stretch>
+        </p:blipFill>
+        <p:spPr>
+          <a:xfrm>
+            <a:off x="1956808" y="2028146"/>
+            <a:ext cx="3214250" cy="4587521"/>
+          </a:xfrm>
+          <a:prstGeom prst="rect">
+            <a:avLst/>
+          </a:prstGeom>
+        </p:spPr>
+      </p:pic>
+      <p:sp>
+        <p:nvSpPr>
+          <p:cNvPr id="5" name="Rectangle 4"/>
+          <p:cNvSpPr/>
+          <p:nvPr/>
+        </p:nvSpPr>
+        <p:spPr>
+          <a:xfrm>
+            <a:off x="695094" y="1471007"/>
+            <a:ext cx="6096000" cy="646331"/>
+          </a:xfrm>
+          <a:prstGeom prst="rect">
+            <a:avLst/>
+          </a:prstGeom>
+        </p:spPr>
+        <p:txBody>
+          <a:bodyPr>
+            <a:spAutoFit/>
+          </a:bodyPr>
+          <a:lstStyle/>
+          <a:p>
+            <a:r>
+              <a:rPr lang="en-US" dirty="0"/>
+              <a:t>The main use case is very basic – just load the image and click on the image to create music </a:t>
+            </a:r>
+            <a:endParaRPr lang="he-IL" dirty="0"/>
+          </a:p>
+        </p:txBody>
+      </p:sp>
+    </p:spTree>
+    <p:extLst>
+      <p:ext uri="{BB962C8B-B14F-4D97-AF65-F5344CB8AC3E}">
+        <p14:creationId xmlns:p14="http://schemas.microsoft.com/office/powerpoint/2010/main" val="691253787"/>
+      </p:ext>
+    </p:extLst>
+  </p:cSld>
+  <p:clrMapOvr>
+    <a:masterClrMapping/>
+  </p:clrMapOvr>
+</p:sld>
+</file>
+
+<file path=ppt/slides/slide17.xml><?xml version="1.0" encoding="utf-8"?>
+<p:sld xmlns:a="http://schemas.openxmlformats.org/drawingml/2006/main" xmlns:r="http://schemas.openxmlformats.org/officeDocument/2006/relationships" xmlns:p="http://schemas.openxmlformats.org/presentationml/2006/main">
+  <p:cSld>
+    <p:spTree>
+      <p:nvGrpSpPr>
+        <p:cNvPr id="1" name=""/>
+        <p:cNvGrpSpPr/>
+        <p:nvPr/>
+      </p:nvGrpSpPr>
+      <p:grpSpPr>
+        <a:xfrm>
+          <a:off x="0" y="0"/>
+          <a:ext cx="0" cy="0"/>
+          <a:chOff x="0" y="0"/>
+          <a:chExt cx="0" cy="0"/>
+        </a:xfrm>
+      </p:grpSpPr>
+      <p:sp>
+        <p:nvSpPr>
+          <p:cNvPr id="2" name="Title 1"/>
+          <p:cNvSpPr>
+            <a:spLocks noGrp="1"/>
+          </p:cNvSpPr>
+          <p:nvPr>
+            <p:ph type="title"/>
+          </p:nvPr>
+        </p:nvSpPr>
+        <p:spPr/>
+        <p:txBody>
+          <a:bodyPr/>
+          <a:lstStyle/>
+          <a:p>
+            <a:r>
+              <a:rPr lang="en-US" dirty="0"/>
+              <a:t>PROS over other products </a:t>
+            </a:r>
+            <a:endParaRPr lang="he-IL" dirty="0"/>
+          </a:p>
+        </p:txBody>
+      </p:sp>
+      <p:sp>
+        <p:nvSpPr>
+          <p:cNvPr id="3" name="Content Placeholder 2"/>
+          <p:cNvSpPr>
+            <a:spLocks noGrp="1"/>
+          </p:cNvSpPr>
+          <p:nvPr>
+            <p:ph idx="1"/>
+          </p:nvPr>
+        </p:nvSpPr>
+        <p:spPr>
+          <a:xfrm>
+            <a:off x="1069848" y="2121408"/>
+            <a:ext cx="8940426" cy="4050792"/>
+          </a:xfrm>
+        </p:spPr>
+        <p:txBody>
+          <a:bodyPr>
+            <a:normAutofit/>
+          </a:bodyPr>
+          <a:lstStyle/>
+          <a:p>
+            <a:r>
+              <a:rPr lang="en-US" sz="2800" dirty="0"/>
+              <a:t>Our program let the user control which parts from the image will affect the final </a:t>
+            </a:r>
+            <a:r>
+              <a:rPr lang="en-US" sz="2800" dirty="0" smtClean="0"/>
+              <a:t>work</a:t>
+            </a:r>
+            <a:endParaRPr lang="en-US" sz="2800" dirty="0"/>
+          </a:p>
+          <a:p>
+            <a:r>
+              <a:rPr lang="en-US" sz="2800" dirty="0"/>
+              <a:t> The user can use multiple images for creating one </a:t>
+            </a:r>
+            <a:r>
+              <a:rPr lang="en-US" sz="2800" dirty="0" smtClean="0"/>
+              <a:t>work</a:t>
+            </a:r>
+          </a:p>
+          <a:p>
+            <a:r>
+              <a:rPr lang="en-US" sz="2800" dirty="0" smtClean="0"/>
+              <a:t> The user can use the visual elements of the picture as an auxiliary (not all the music is made up) </a:t>
+            </a:r>
+            <a:endParaRPr lang="en-US" sz="2800" dirty="0"/>
+          </a:p>
+          <a:p>
+            <a:r>
+              <a:rPr lang="en-US" sz="2800" dirty="0"/>
+              <a:t> Different purpose</a:t>
+            </a:r>
+            <a:endParaRPr lang="he-IL" sz="2800" dirty="0"/>
+          </a:p>
+        </p:txBody>
+      </p:sp>
+      <p:pic>
+        <p:nvPicPr>
+          <p:cNvPr id="4" name="Picture 2" descr="×ª××¦××ª ×ª××× × ×¢×××¨ âªmusic pixelâ¬â">
+            <a:extLst>
+              <a:ext uri="{FF2B5EF4-FFF2-40B4-BE49-F238E27FC236}">
+                <a16:creationId xmlns:a16="http://schemas.microsoft.com/office/drawing/2014/main" id="{036D1730-067B-4734-98A9-BB1287F13B9C}"/>
+              </a:ext>
+            </a:extLst>
+          </p:cNvPr>
+          <p:cNvPicPr>
+            <a:picLocks noChangeAspect="1" noChangeArrowheads="1"/>
+          </p:cNvPicPr>
+          <p:nvPr/>
+        </p:nvPicPr>
+        <p:blipFill>
+          <a:blip r:embed="rId3" cstate="hqprint">
+            <a:extLst>
+              <a:ext uri="{28A0092B-C50C-407E-A947-70E740481C1C}">
+                <a14:useLocalDpi xmlns:a14="http://schemas.microsoft.com/office/drawing/2010/main" val="0"/>
+              </a:ext>
+            </a:extLst>
+          </a:blip>
+          <a:srcRect/>
+          <a:stretch>
+            <a:fillRect/>
+          </a:stretch>
+        </p:blipFill>
+        <p:spPr bwMode="auto">
+          <a:xfrm>
+            <a:off x="11288324" y="5128341"/>
+            <a:ext cx="663044" cy="1043859"/>
+          </a:xfrm>
+          <a:prstGeom prst="rect">
+            <a:avLst/>
+          </a:prstGeom>
+          <a:noFill/>
+          <a:extLst>
+            <a:ext uri="{909E8E84-426E-40DD-AFC4-6F175D3DCCD1}">
+              <a14:hiddenFill xmlns:a14="http://schemas.microsoft.com/office/drawing/2010/main">
+                <a:solidFill>
+                  <a:srgbClr val="FFFFFF"/>
+                </a:solidFill>
+              </a14:hiddenFill>
+            </a:ext>
+          </a:extLst>
+        </p:spPr>
+      </p:pic>
+    </p:spTree>
+    <p:extLst>
+      <p:ext uri="{BB962C8B-B14F-4D97-AF65-F5344CB8AC3E}">
+        <p14:creationId xmlns:p14="http://schemas.microsoft.com/office/powerpoint/2010/main" val="2650767775"/>
+      </p:ext>
+    </p:extLst>
+  </p:cSld>
+  <p:clrMapOvr>
+    <a:masterClrMapping/>
+  </p:clrMapOvr>
+</p:sld>
+</file>
+
+<file path=ppt/slides/slide18.xml><?xml version="1.0" encoding="utf-8"?>
+<p:sld xmlns:a="http://schemas.openxmlformats.org/drawingml/2006/main" xmlns:r="http://schemas.openxmlformats.org/officeDocument/2006/relationships" xmlns:p="http://schemas.openxmlformats.org/presentationml/2006/main">
+  <p:cSld>
+    <p:spTree>
+      <p:nvGrpSpPr>
+        <p:cNvPr id="1" name=""/>
+        <p:cNvGrpSpPr/>
+        <p:nvPr/>
+      </p:nvGrpSpPr>
+      <p:grpSpPr>
+        <a:xfrm>
+          <a:off x="0" y="0"/>
+          <a:ext cx="0" cy="0"/>
+          <a:chOff x="0" y="0"/>
+          <a:chExt cx="0" cy="0"/>
+        </a:xfrm>
+      </p:grpSpPr>
+      <p:sp>
+        <p:nvSpPr>
+          <p:cNvPr id="2" name="Title 1"/>
+          <p:cNvSpPr>
+            <a:spLocks noGrp="1"/>
+          </p:cNvSpPr>
+          <p:nvPr>
+            <p:ph type="title"/>
+          </p:nvPr>
+        </p:nvSpPr>
+        <p:spPr/>
+        <p:txBody>
+          <a:bodyPr/>
+          <a:lstStyle/>
+          <a:p>
+            <a:r>
+              <a:rPr lang="en-US" dirty="0" smtClean="0"/>
+              <a:t>Technical and musical summary #1 </a:t>
+            </a:r>
+            <a:endParaRPr lang="he-IL" dirty="0"/>
+          </a:p>
+        </p:txBody>
+      </p:sp>
+      <p:sp>
+        <p:nvSpPr>
+          <p:cNvPr id="3" name="Content Placeholder 2"/>
+          <p:cNvSpPr>
+            <a:spLocks noGrp="1"/>
+          </p:cNvSpPr>
+          <p:nvPr>
+            <p:ph idx="1"/>
+          </p:nvPr>
+        </p:nvSpPr>
+        <p:spPr/>
+        <p:txBody>
+          <a:bodyPr/>
+          <a:lstStyle/>
+          <a:p>
+            <a:r>
+              <a:rPr lang="en-US" dirty="0" smtClean="0"/>
+              <a:t>System description</a:t>
+            </a:r>
+          </a:p>
+          <a:p>
+            <a:pPr marL="0" indent="0">
+              <a:buNone/>
+            </a:pPr>
+            <a:endParaRPr lang="he-IL" dirty="0"/>
+          </a:p>
+        </p:txBody>
+      </p:sp>
+      <p:pic>
+        <p:nvPicPr>
+          <p:cNvPr id="4" name="Picture 3"/>
+          <p:cNvPicPr>
+            <a:picLocks noChangeAspect="1"/>
+          </p:cNvPicPr>
+          <p:nvPr/>
+        </p:nvPicPr>
+        <p:blipFill>
+          <a:blip r:embed="rId3"/>
+          <a:stretch>
+            <a:fillRect/>
+          </a:stretch>
+        </p:blipFill>
+        <p:spPr>
+          <a:xfrm>
+            <a:off x="1753849" y="2362199"/>
+            <a:ext cx="7450189" cy="4110449"/>
+          </a:xfrm>
+          <a:prstGeom prst="rect">
+            <a:avLst/>
+          </a:prstGeom>
+        </p:spPr>
+      </p:pic>
+    </p:spTree>
+    <p:extLst>
+      <p:ext uri="{BB962C8B-B14F-4D97-AF65-F5344CB8AC3E}">
+        <p14:creationId xmlns:p14="http://schemas.microsoft.com/office/powerpoint/2010/main" val="1173866477"/>
+      </p:ext>
+    </p:extLst>
+  </p:cSld>
+  <p:clrMapOvr>
+    <a:masterClrMapping/>
+  </p:clrMapOvr>
+</p:sld>
+</file>
+
+<file path=ppt/slides/slide19.xml><?xml version="1.0" encoding="utf-8"?>
+<p:sld xmlns:a="http://schemas.openxmlformats.org/drawingml/2006/main" xmlns:r="http://schemas.openxmlformats.org/officeDocument/2006/relationships" xmlns:p="http://schemas.openxmlformats.org/presentationml/2006/main">
+  <p:cSld>
+    <p:spTree>
+      <p:nvGrpSpPr>
+        <p:cNvPr id="1" name=""/>
+        <p:cNvGrpSpPr/>
+        <p:nvPr/>
+      </p:nvGrpSpPr>
+      <p:grpSpPr>
+        <a:xfrm>
+          <a:off x="0" y="0"/>
+          <a:ext cx="0" cy="0"/>
+          <a:chOff x="0" y="0"/>
+          <a:chExt cx="0" cy="0"/>
+        </a:xfrm>
+      </p:grpSpPr>
+      <p:sp>
+        <p:nvSpPr>
+          <p:cNvPr id="2" name="Title 1"/>
+          <p:cNvSpPr>
+            <a:spLocks noGrp="1"/>
+          </p:cNvSpPr>
+          <p:nvPr>
+            <p:ph type="title"/>
+          </p:nvPr>
+        </p:nvSpPr>
+        <p:spPr/>
+        <p:txBody>
+          <a:bodyPr/>
+          <a:lstStyle/>
+          <a:p>
+            <a:r>
+              <a:rPr lang="en-US" dirty="0" smtClean="0"/>
+              <a:t>Technical and musical summary #2 </a:t>
+            </a:r>
+            <a:endParaRPr lang="he-IL" dirty="0"/>
+          </a:p>
+        </p:txBody>
+      </p:sp>
+      <p:sp>
+        <p:nvSpPr>
+          <p:cNvPr id="3" name="Content Placeholder 2"/>
+          <p:cNvSpPr>
+            <a:spLocks noGrp="1"/>
+          </p:cNvSpPr>
+          <p:nvPr>
+            <p:ph idx="1"/>
+          </p:nvPr>
+        </p:nvSpPr>
+        <p:spPr/>
+        <p:txBody>
+          <a:bodyPr/>
+          <a:lstStyle/>
+          <a:p>
             <a:r>
               <a:rPr lang="en-US" dirty="0" smtClean="0"/>
               <a:t>The technical and musical details of the engine are to be defined : basically we want to </a:t>
@@ -9288,7 +11540,184 @@
 </p:sld>
 </file>
 
-<file path=ppt/slides/slide12.xml><?xml version="1.0" encoding="utf-8"?>
+<file path=ppt/slides/slide2.xml><?xml version="1.0" encoding="utf-8"?>
+<p:sld xmlns:a="http://schemas.openxmlformats.org/drawingml/2006/main" xmlns:r="http://schemas.openxmlformats.org/officeDocument/2006/relationships" xmlns:p="http://schemas.openxmlformats.org/presentationml/2006/main">
+  <p:cSld>
+    <p:spTree>
+      <p:nvGrpSpPr>
+        <p:cNvPr id="1" name=""/>
+        <p:cNvGrpSpPr/>
+        <p:nvPr/>
+      </p:nvGrpSpPr>
+      <p:grpSpPr>
+        <a:xfrm>
+          <a:off x="0" y="0"/>
+          <a:ext cx="0" cy="0"/>
+          <a:chOff x="0" y="0"/>
+          <a:chExt cx="0" cy="0"/>
+        </a:xfrm>
+      </p:grpSpPr>
+      <p:sp>
+        <p:nvSpPr>
+          <p:cNvPr id="4" name="TextBox 3">
+            <a:extLst>
+              <a:ext uri="{FF2B5EF4-FFF2-40B4-BE49-F238E27FC236}">
+                <a16:creationId xmlns:a16="http://schemas.microsoft.com/office/drawing/2014/main" id="{EA82BB0B-F4FE-4E3A-950F-688B5F349888}"/>
+              </a:ext>
+            </a:extLst>
+          </p:cNvPr>
+          <p:cNvSpPr txBox="1"/>
+          <p:nvPr/>
+        </p:nvSpPr>
+        <p:spPr>
+          <a:xfrm>
+            <a:off x="970383" y="1559386"/>
+            <a:ext cx="10105053" cy="1200329"/>
+          </a:xfrm>
+          <a:prstGeom prst="rect">
+            <a:avLst/>
+          </a:prstGeom>
+          <a:noFill/>
+        </p:spPr>
+        <p:txBody>
+          <a:bodyPr wrap="square" rtlCol="0">
+            <a:spAutoFit/>
+          </a:bodyPr>
+          <a:lstStyle/>
+          <a:p>
+            <a:pPr algn="ctr"/>
+            <a:r>
+              <a:rPr lang="en-US" sz="7200" cap="all" dirty="0">
+                <a:blipFill>
+                  <a:blip r:embed="rId2">
+                    <a:extLst>
+                      <a:ext uri="{28A0092B-C50C-407E-A947-70E740481C1C}">
+                        <a14:useLocalDpi xmlns:a14="http://schemas.microsoft.com/office/drawing/2010/main" val="0"/>
+                      </a:ext>
+                    </a:extLst>
+                  </a:blip>
+                  <a:tile tx="6350" ty="-127000" sx="65000" sy="64000" flip="none" algn="tl"/>
+                </a:blipFill>
+                <a:latin typeface="+mj-lt"/>
+                <a:ea typeface="+mj-ea"/>
+                <a:cs typeface="+mj-cs"/>
+              </a:rPr>
+              <a:t>Basic Idea</a:t>
+            </a:r>
+          </a:p>
+        </p:txBody>
+      </p:sp>
+      <p:sp>
+        <p:nvSpPr>
+          <p:cNvPr id="5" name="TextBox 4">
+            <a:extLst>
+              <a:ext uri="{FF2B5EF4-FFF2-40B4-BE49-F238E27FC236}">
+                <a16:creationId xmlns:a16="http://schemas.microsoft.com/office/drawing/2014/main" id="{7024FD29-95EA-46C4-8545-505173B21007}"/>
+              </a:ext>
+            </a:extLst>
+          </p:cNvPr>
+          <p:cNvSpPr txBox="1"/>
+          <p:nvPr/>
+        </p:nvSpPr>
+        <p:spPr>
+          <a:xfrm>
+            <a:off x="1343606" y="2667382"/>
+            <a:ext cx="9358605" cy="1384995"/>
+          </a:xfrm>
+          <a:prstGeom prst="rect">
+            <a:avLst/>
+          </a:prstGeom>
+          <a:noFill/>
+        </p:spPr>
+        <p:txBody>
+          <a:bodyPr wrap="square" rtlCol="0">
+            <a:spAutoFit/>
+          </a:bodyPr>
+          <a:lstStyle/>
+          <a:p>
+            <a:pPr algn="ctr"/>
+            <a:r>
+              <a:rPr lang="en-US" sz="2800" dirty="0"/>
+              <a:t>Let the user “hear” an image</a:t>
+            </a:r>
+          </a:p>
+          <a:p>
+            <a:pPr algn="ctr"/>
+            <a:r>
+              <a:rPr lang="en-US" sz="2800" dirty="0"/>
+              <a:t>OR</a:t>
+            </a:r>
+          </a:p>
+          <a:p>
+            <a:pPr algn="ctr"/>
+            <a:r>
+              <a:rPr lang="en-US" sz="2800" dirty="0"/>
+              <a:t>Create music from an image</a:t>
+            </a:r>
+          </a:p>
+        </p:txBody>
+      </p:sp>
+      <p:pic>
+        <p:nvPicPr>
+          <p:cNvPr id="1026" name="Picture 2" descr="×ª××¦××ª ×ª××× × ×¢×××¨ âªmusic pixelâ¬â">
+            <a:extLst>
+              <a:ext uri="{FF2B5EF4-FFF2-40B4-BE49-F238E27FC236}">
+                <a16:creationId xmlns:a16="http://schemas.microsoft.com/office/drawing/2014/main" id="{6E043A9D-8C6E-412B-9610-EA3C9C02E538}"/>
+              </a:ext>
+            </a:extLst>
+          </p:cNvPr>
+          <p:cNvPicPr>
+            <a:picLocks noChangeAspect="1" noChangeArrowheads="1"/>
+          </p:cNvPicPr>
+          <p:nvPr/>
+        </p:nvPicPr>
+        <p:blipFill>
+          <a:blip r:embed="rId3" cstate="hqprint">
+            <a:extLst>
+              <a:ext uri="{28A0092B-C50C-407E-A947-70E740481C1C}">
+                <a14:useLocalDpi xmlns:a14="http://schemas.microsoft.com/office/drawing/2010/main" val="0"/>
+              </a:ext>
+            </a:extLst>
+          </a:blip>
+          <a:srcRect/>
+          <a:stretch>
+            <a:fillRect/>
+          </a:stretch>
+        </p:blipFill>
+        <p:spPr bwMode="auto">
+          <a:xfrm>
+            <a:off x="0" y="3938271"/>
+            <a:ext cx="1574469" cy="2478755"/>
+          </a:xfrm>
+          <a:prstGeom prst="rect">
+            <a:avLst/>
+          </a:prstGeom>
+          <a:noFill/>
+          <a:extLst>
+            <a:ext uri="{909E8E84-426E-40DD-AFC4-6F175D3DCCD1}">
+              <a14:hiddenFill xmlns:a14="http://schemas.microsoft.com/office/drawing/2010/main">
+                <a:solidFill>
+                  <a:srgbClr val="FFFFFF"/>
+                </a:solidFill>
+              </a14:hiddenFill>
+            </a:ext>
+          </a:extLst>
+        </p:spPr>
+      </p:pic>
+    </p:spTree>
+    <p:extLst>
+      <p:ext uri="{BB962C8B-B14F-4D97-AF65-F5344CB8AC3E}">
+        <p14:creationId xmlns:p14="http://schemas.microsoft.com/office/powerpoint/2010/main" val="4020522809"/>
+      </p:ext>
+    </p:extLst>
+  </p:cSld>
+  <p:clrMapOvr>
+    <a:masterClrMapping/>
+  </p:clrMapOvr>
+</p:sld>
+</file>
+
+<file path=ppt/slides/slide20.xml><?xml version="1.0" encoding="utf-8"?>
 <p:sld xmlns:a="http://schemas.openxmlformats.org/drawingml/2006/main" xmlns:r="http://schemas.openxmlformats.org/officeDocument/2006/relationships" xmlns:p="http://schemas.openxmlformats.org/presentationml/2006/main">
   <p:cSld>
     <p:spTree>
@@ -10374,7 +12803,7 @@
 </p:sld>
 </file>
 
-<file path=ppt/slides/slide13.xml><?xml version="1.0" encoding="utf-8"?>
+<file path=ppt/slides/slide21.xml><?xml version="1.0" encoding="utf-8"?>
 <p:sld xmlns:a="http://schemas.openxmlformats.org/drawingml/2006/main" xmlns:r="http://schemas.openxmlformats.org/officeDocument/2006/relationships" xmlns:p="http://schemas.openxmlformats.org/presentationml/2006/main">
   <p:cSld>
     <p:spTree>
@@ -11673,7 +14102,7 @@
 </p:sld>
 </file>
 
-<file path=ppt/slides/slide14.xml><?xml version="1.0" encoding="utf-8"?>
+<file path=ppt/slides/slide22.xml><?xml version="1.0" encoding="utf-8"?>
 <p:sld xmlns:a="http://schemas.openxmlformats.org/drawingml/2006/main" xmlns:r="http://schemas.openxmlformats.org/officeDocument/2006/relationships" xmlns:p="http://schemas.openxmlformats.org/presentationml/2006/main">
   <p:cSld>
     <p:spTree>
@@ -13036,7 +15465,7 @@
 </p:sld>
 </file>
 
-<file path=ppt/slides/slide15.xml><?xml version="1.0" encoding="utf-8"?>
+<file path=ppt/slides/slide23.xml><?xml version="1.0" encoding="utf-8"?>
 <p:sld xmlns:a="http://schemas.openxmlformats.org/drawingml/2006/main" xmlns:r="http://schemas.openxmlformats.org/officeDocument/2006/relationships" xmlns:p="http://schemas.openxmlformats.org/presentationml/2006/main">
   <p:cSld>
     <p:spTree>
@@ -16391,7 +18820,7 @@
 </p:sld>
 </file>
 
-<file path=ppt/slides/slide16.xml><?xml version="1.0" encoding="utf-8"?>
+<file path=ppt/slides/slide24.xml><?xml version="1.0" encoding="utf-8"?>
 <p:sld xmlns:a="http://schemas.openxmlformats.org/drawingml/2006/main" xmlns:r="http://schemas.openxmlformats.org/officeDocument/2006/relationships" xmlns:p="http://schemas.openxmlformats.org/presentationml/2006/main">
   <p:cSld>
     <p:spTree>
@@ -16510,7 +18939,7 @@
 </p:sld>
 </file>
 
-<file path=ppt/slides/slide17.xml><?xml version="1.0" encoding="utf-8"?>
+<file path=ppt/slides/slide25.xml><?xml version="1.0" encoding="utf-8"?>
 <p:sld xmlns:a="http://schemas.openxmlformats.org/drawingml/2006/main" xmlns:r="http://schemas.openxmlformats.org/officeDocument/2006/relationships" xmlns:p="http://schemas.openxmlformats.org/presentationml/2006/main">
   <p:cSld>
     <p:spTree>
@@ -16609,7 +19038,7 @@
           </a:p>
           <a:p>
             <a:r>
-              <a:rPr lang="en-US" dirty="0" err="1" smtClean="0"/>
+              <a:rPr lang="en-US" dirty="0" smtClean="0"/>
               <a:t>Vuzik</a:t>
             </a:r>
             <a:r>
@@ -16709,7 +19138,7 @@
 </p:sld>
 </file>
 
-<file path=ppt/slides/slide18.xml><?xml version="1.0" encoding="utf-8"?>
+<file path=ppt/slides/slide26.xml><?xml version="1.0" encoding="utf-8"?>
 <p:sld xmlns:a="http://schemas.openxmlformats.org/drawingml/2006/main" xmlns:r="http://schemas.openxmlformats.org/officeDocument/2006/relationships" xmlns:p="http://schemas.openxmlformats.org/presentationml/2006/main">
   <p:cSld>
     <p:spTree>
@@ -16867,183 +19296,6 @@
     <p:extLst>
       <p:ext uri="{BB962C8B-B14F-4D97-AF65-F5344CB8AC3E}">
         <p14:creationId xmlns:p14="http://schemas.microsoft.com/office/powerpoint/2010/main" val="2686498360"/>
-      </p:ext>
-    </p:extLst>
-  </p:cSld>
-  <p:clrMapOvr>
-    <a:masterClrMapping/>
-  </p:clrMapOvr>
-</p:sld>
-</file>
-
-<file path=ppt/slides/slide2.xml><?xml version="1.0" encoding="utf-8"?>
-<p:sld xmlns:a="http://schemas.openxmlformats.org/drawingml/2006/main" xmlns:r="http://schemas.openxmlformats.org/officeDocument/2006/relationships" xmlns:p="http://schemas.openxmlformats.org/presentationml/2006/main">
-  <p:cSld>
-    <p:spTree>
-      <p:nvGrpSpPr>
-        <p:cNvPr id="1" name=""/>
-        <p:cNvGrpSpPr/>
-        <p:nvPr/>
-      </p:nvGrpSpPr>
-      <p:grpSpPr>
-        <a:xfrm>
-          <a:off x="0" y="0"/>
-          <a:ext cx="0" cy="0"/>
-          <a:chOff x="0" y="0"/>
-          <a:chExt cx="0" cy="0"/>
-        </a:xfrm>
-      </p:grpSpPr>
-      <p:sp>
-        <p:nvSpPr>
-          <p:cNvPr id="4" name="TextBox 3">
-            <a:extLst>
-              <a:ext uri="{FF2B5EF4-FFF2-40B4-BE49-F238E27FC236}">
-                <a16:creationId xmlns:a16="http://schemas.microsoft.com/office/drawing/2014/main" id="{EA82BB0B-F4FE-4E3A-950F-688B5F349888}"/>
-              </a:ext>
-            </a:extLst>
-          </p:cNvPr>
-          <p:cNvSpPr txBox="1"/>
-          <p:nvPr/>
-        </p:nvSpPr>
-        <p:spPr>
-          <a:xfrm>
-            <a:off x="970383" y="1559386"/>
-            <a:ext cx="10105053" cy="1200329"/>
-          </a:xfrm>
-          <a:prstGeom prst="rect">
-            <a:avLst/>
-          </a:prstGeom>
-          <a:noFill/>
-        </p:spPr>
-        <p:txBody>
-          <a:bodyPr wrap="square" rtlCol="0">
-            <a:spAutoFit/>
-          </a:bodyPr>
-          <a:lstStyle/>
-          <a:p>
-            <a:pPr algn="ctr"/>
-            <a:r>
-              <a:rPr lang="en-US" sz="7200" cap="all" dirty="0">
-                <a:blipFill>
-                  <a:blip r:embed="rId2">
-                    <a:extLst>
-                      <a:ext uri="{28A0092B-C50C-407E-A947-70E740481C1C}">
-                        <a14:useLocalDpi xmlns:a14="http://schemas.microsoft.com/office/drawing/2010/main" val="0"/>
-                      </a:ext>
-                    </a:extLst>
-                  </a:blip>
-                  <a:tile tx="6350" ty="-127000" sx="65000" sy="64000" flip="none" algn="tl"/>
-                </a:blipFill>
-                <a:latin typeface="+mj-lt"/>
-                <a:ea typeface="+mj-ea"/>
-                <a:cs typeface="+mj-cs"/>
-              </a:rPr>
-              <a:t>Basic Idea</a:t>
-            </a:r>
-          </a:p>
-        </p:txBody>
-      </p:sp>
-      <p:sp>
-        <p:nvSpPr>
-          <p:cNvPr id="5" name="TextBox 4">
-            <a:extLst>
-              <a:ext uri="{FF2B5EF4-FFF2-40B4-BE49-F238E27FC236}">
-                <a16:creationId xmlns:a16="http://schemas.microsoft.com/office/drawing/2014/main" id="{7024FD29-95EA-46C4-8545-505173B21007}"/>
-              </a:ext>
-            </a:extLst>
-          </p:cNvPr>
-          <p:cNvSpPr txBox="1"/>
-          <p:nvPr/>
-        </p:nvSpPr>
-        <p:spPr>
-          <a:xfrm>
-            <a:off x="1343606" y="2667382"/>
-            <a:ext cx="9358605" cy="1384995"/>
-          </a:xfrm>
-          <a:prstGeom prst="rect">
-            <a:avLst/>
-          </a:prstGeom>
-          <a:noFill/>
-        </p:spPr>
-        <p:txBody>
-          <a:bodyPr wrap="square" rtlCol="0">
-            <a:spAutoFit/>
-          </a:bodyPr>
-          <a:lstStyle/>
-          <a:p>
-            <a:pPr algn="ctr"/>
-            <a:r>
-              <a:rPr lang="en-US" sz="2800" dirty="0"/>
-              <a:t>Let the user “hear” an image</a:t>
-            </a:r>
-          </a:p>
-          <a:p>
-            <a:pPr algn="ctr"/>
-            <a:r>
-              <a:rPr lang="en-US" sz="2800" dirty="0"/>
-              <a:t>OR</a:t>
-            </a:r>
-          </a:p>
-          <a:p>
-            <a:pPr algn="ctr"/>
-            <a:r>
-              <a:rPr lang="en-US" sz="2800" dirty="0"/>
-              <a:t>Create music from an image</a:t>
-            </a:r>
-          </a:p>
-        </p:txBody>
-      </p:sp>
-      <p:pic>
-        <p:nvPicPr>
-          <p:cNvPr id="1026" name="Picture 2" descr="×ª××¦××ª ×ª××× × ×¢×××¨ âªmusic pixelâ¬â">
-            <a:extLst>
-              <a:ext uri="{FF2B5EF4-FFF2-40B4-BE49-F238E27FC236}">
-                <a16:creationId xmlns:a16="http://schemas.microsoft.com/office/drawing/2014/main" id="{6E043A9D-8C6E-412B-9610-EA3C9C02E538}"/>
-              </a:ext>
-            </a:extLst>
-          </p:cNvPr>
-          <p:cNvPicPr>
-            <a:picLocks noChangeAspect="1" noChangeArrowheads="1"/>
-          </p:cNvPicPr>
-          <p:nvPr/>
-        </p:nvPicPr>
-        <p:blipFill>
-          <a:blip r:embed="rId3" cstate="hqprint">
-            <a:extLst>
-              <a:ext uri="{28A0092B-C50C-407E-A947-70E740481C1C}">
-                <a14:useLocalDpi xmlns:a14="http://schemas.microsoft.com/office/drawing/2010/main" val="0"/>
-              </a:ext>
-            </a:extLst>
-          </a:blip>
-          <a:srcRect/>
-          <a:stretch>
-            <a:fillRect/>
-          </a:stretch>
-        </p:blipFill>
-        <p:spPr bwMode="auto">
-          <a:xfrm>
-            <a:off x="0" y="3938271"/>
-            <a:ext cx="1574469" cy="2478755"/>
-          </a:xfrm>
-          <a:prstGeom prst="rect">
-            <a:avLst/>
-          </a:prstGeom>
-          <a:noFill/>
-          <a:extLst>
-            <a:ext uri="{909E8E84-426E-40DD-AFC4-6F175D3DCCD1}">
-              <a14:hiddenFill xmlns:a14="http://schemas.microsoft.com/office/drawing/2010/main">
-                <a:solidFill>
-                  <a:srgbClr val="FFFFFF"/>
-                </a:solidFill>
-              </a14:hiddenFill>
-            </a:ext>
-          </a:extLst>
-        </p:spPr>
-      </p:pic>
-    </p:spTree>
-    <p:extLst>
-      <p:ext uri="{BB962C8B-B14F-4D97-AF65-F5344CB8AC3E}">
-        <p14:creationId xmlns:p14="http://schemas.microsoft.com/office/powerpoint/2010/main" val="4020522809"/>
       </p:ext>
     </p:extLst>
   </p:cSld>
@@ -17092,9 +19344,10 @@
           <a:lstStyle/>
           <a:p>
             <a:r>
-              <a:rPr lang="en-US" dirty="0"/>
-              <a:t>Related Work - RGB Music Lab</a:t>
-            </a:r>
+              <a:rPr lang="en-US" dirty="0" smtClean="0"/>
+              <a:t>Related Paper - vuzik </a:t>
+            </a:r>
+            <a:endParaRPr lang="en-US" dirty="0"/>
           </a:p>
         </p:txBody>
       </p:sp>
@@ -17120,74 +19373,29 @@
           <a:lstStyle/>
           <a:p>
             <a:r>
-              <a:rPr lang="en-US" dirty="0"/>
-              <a:t>Created by Kenji Kojima, a Japanese visual artist.</a:t>
-            </a:r>
-          </a:p>
-          <a:p>
-            <a:r>
-              <a:rPr lang="en-US" dirty="0">
-                <a:hlinkClick r:id="rId3"/>
-              </a:rPr>
-              <a:t>http://www.kenjikojima.com/rgbmusic</a:t>
-            </a:r>
-            <a:endParaRPr lang="en-US" dirty="0"/>
-          </a:p>
-          <a:p>
-            <a:r>
-              <a:rPr lang="en-US" dirty="0"/>
-              <a:t>Create a music from an image</a:t>
-            </a:r>
-          </a:p>
-          <a:p>
-            <a:pPr lvl="1"/>
-            <a:r>
-              <a:rPr lang="en-US" dirty="0"/>
-              <a:t>Reads RGB value of pixels from the top left to the bottom right of an image, then composes an music</a:t>
-            </a:r>
-          </a:p>
-          <a:p>
-            <a:r>
-              <a:rPr lang="en-US" dirty="0"/>
-              <a:t>Pros:</a:t>
-            </a:r>
-          </a:p>
-          <a:p>
-            <a:pPr lvl="1"/>
-            <a:r>
-              <a:rPr lang="en-US" dirty="0"/>
-              <a:t>Contains a lot of options for user input</a:t>
-            </a:r>
-          </a:p>
-          <a:p>
-            <a:pPr lvl="1"/>
-            <a:r>
-              <a:rPr lang="en-US" dirty="0"/>
-              <a:t>Very advanced</a:t>
-            </a:r>
-          </a:p>
-          <a:p>
-            <a:r>
-              <a:rPr lang="en-US" dirty="0"/>
-              <a:t>Cons:</a:t>
-            </a:r>
-          </a:p>
-          <a:p>
-            <a:pPr lvl="1"/>
-            <a:r>
-              <a:rPr lang="en-US" dirty="0"/>
-              <a:t>Not free</a:t>
-            </a:r>
-          </a:p>
-          <a:p>
-            <a:pPr lvl="1"/>
-            <a:r>
-              <a:rPr lang="en-US" dirty="0"/>
-              <a:t>Out dated - no support</a:t>
-            </a:r>
-          </a:p>
-          <a:p>
-            <a:endParaRPr lang="en-US" dirty="0"/>
+              <a:rPr lang="en-US" b="1" dirty="0" smtClean="0"/>
+              <a:t>A </a:t>
+            </a:r>
+            <a:r>
+              <a:rPr lang="en-US" b="1" dirty="0"/>
+              <a:t>painting graphic score interface for composing and control of sound </a:t>
+            </a:r>
+            <a:r>
+              <a:rPr lang="en-US" b="1" dirty="0" smtClean="0"/>
+              <a:t>generation</a:t>
+            </a:r>
+          </a:p>
+          <a:p>
+            <a:r>
+              <a:rPr lang="en-US" b="1" dirty="0" smtClean="0"/>
+              <a:t>Authors:</a:t>
+            </a:r>
+          </a:p>
+          <a:p>
+            <a:endParaRPr lang="en-US" b="1" dirty="0" smtClean="0"/>
+          </a:p>
+          <a:p>
+            <a:endParaRPr lang="en-US" b="1" dirty="0"/>
           </a:p>
         </p:txBody>
       </p:sp>
@@ -17197,163 +19405,6 @@
             <a:extLst>
               <a:ext uri="{FF2B5EF4-FFF2-40B4-BE49-F238E27FC236}">
                 <a16:creationId xmlns:a16="http://schemas.microsoft.com/office/drawing/2014/main" id="{3580F6C7-1C19-4A57-8C0F-3A17CB1173FE}"/>
-              </a:ext>
-            </a:extLst>
-          </p:cNvPr>
-          <p:cNvPicPr>
-            <a:picLocks noChangeAspect="1" noChangeArrowheads="1"/>
-          </p:cNvPicPr>
-          <p:nvPr/>
-        </p:nvPicPr>
-        <p:blipFill>
-          <a:blip r:embed="rId4" cstate="hqprint">
-            <a:extLst>
-              <a:ext uri="{28A0092B-C50C-407E-A947-70E740481C1C}">
-                <a14:useLocalDpi xmlns:a14="http://schemas.microsoft.com/office/drawing/2010/main" val="0"/>
-              </a:ext>
-            </a:extLst>
-          </a:blip>
-          <a:srcRect/>
-          <a:stretch>
-            <a:fillRect/>
-          </a:stretch>
-        </p:blipFill>
-        <p:spPr bwMode="auto">
-          <a:xfrm>
-            <a:off x="11288324" y="5128341"/>
-            <a:ext cx="663044" cy="1043859"/>
-          </a:xfrm>
-          <a:prstGeom prst="rect">
-            <a:avLst/>
-          </a:prstGeom>
-          <a:noFill/>
-          <a:extLst>
-            <a:ext uri="{909E8E84-426E-40DD-AFC4-6F175D3DCCD1}">
-              <a14:hiddenFill xmlns:a14="http://schemas.microsoft.com/office/drawing/2010/main">
-                <a:solidFill>
-                  <a:srgbClr val="FFFFFF"/>
-                </a:solidFill>
-              </a14:hiddenFill>
-            </a:ext>
-          </a:extLst>
-        </p:spPr>
-      </p:pic>
-    </p:spTree>
-    <p:extLst>
-      <p:ext uri="{BB962C8B-B14F-4D97-AF65-F5344CB8AC3E}">
-        <p14:creationId xmlns:p14="http://schemas.microsoft.com/office/powerpoint/2010/main" val="139653830"/>
-      </p:ext>
-    </p:extLst>
-  </p:cSld>
-  <p:clrMapOvr>
-    <a:masterClrMapping/>
-  </p:clrMapOvr>
-</p:sld>
-</file>
-
-<file path=ppt/slides/slide4.xml><?xml version="1.0" encoding="utf-8"?>
-<p:sld xmlns:a="http://schemas.openxmlformats.org/drawingml/2006/main" xmlns:r="http://schemas.openxmlformats.org/officeDocument/2006/relationships" xmlns:p="http://schemas.openxmlformats.org/presentationml/2006/main">
-  <p:cSld>
-    <p:spTree>
-      <p:nvGrpSpPr>
-        <p:cNvPr id="1" name=""/>
-        <p:cNvGrpSpPr/>
-        <p:nvPr/>
-      </p:nvGrpSpPr>
-      <p:grpSpPr>
-        <a:xfrm>
-          <a:off x="0" y="0"/>
-          <a:ext cx="0" cy="0"/>
-          <a:chOff x="0" y="0"/>
-          <a:chExt cx="0" cy="0"/>
-        </a:xfrm>
-      </p:grpSpPr>
-      <p:sp>
-        <p:nvSpPr>
-          <p:cNvPr id="5" name="Title 1">
-            <a:extLst>
-              <a:ext uri="{FF2B5EF4-FFF2-40B4-BE49-F238E27FC236}">
-                <a16:creationId xmlns:a16="http://schemas.microsoft.com/office/drawing/2014/main" id="{21CFD2F0-6B15-4A12-8AA1-B11FF81A7B46}"/>
-              </a:ext>
-            </a:extLst>
-          </p:cNvPr>
-          <p:cNvSpPr>
-            <a:spLocks noGrp="1"/>
-          </p:cNvSpPr>
-          <p:nvPr>
-            <p:ph type="title"/>
-          </p:nvPr>
-        </p:nvSpPr>
-        <p:spPr>
-          <a:xfrm>
-            <a:off x="1069848" y="484632"/>
-            <a:ext cx="10058400" cy="1609344"/>
-          </a:xfrm>
-        </p:spPr>
-        <p:txBody>
-          <a:bodyPr/>
-          <a:lstStyle/>
-          <a:p>
-            <a:r>
-              <a:rPr lang="en-US" dirty="0"/>
-              <a:t>Related Work - RGB Music Lab</a:t>
-            </a:r>
-          </a:p>
-        </p:txBody>
-      </p:sp>
-      <p:pic>
-        <p:nvPicPr>
-          <p:cNvPr id="1028" name="Picture 4" descr="http://www.kenjikojima.com/rgbmusic/img/RGBMusicLab.jpg">
-            <a:extLst>
-              <a:ext uri="{FF2B5EF4-FFF2-40B4-BE49-F238E27FC236}">
-                <a16:creationId xmlns:a16="http://schemas.microsoft.com/office/drawing/2014/main" id="{D889E65C-0EAE-4D84-A76C-9525DA8388B9}"/>
-              </a:ext>
-            </a:extLst>
-          </p:cNvPr>
-          <p:cNvPicPr>
-            <a:picLocks noChangeAspect="1" noChangeArrowheads="1"/>
-          </p:cNvPicPr>
-          <p:nvPr/>
-        </p:nvPicPr>
-        <p:blipFill>
-          <a:blip r:embed="rId2">
-            <a:extLst>
-              <a:ext uri="{28A0092B-C50C-407E-A947-70E740481C1C}">
-                <a14:useLocalDpi xmlns:a14="http://schemas.microsoft.com/office/drawing/2010/main" val="0"/>
-              </a:ext>
-            </a:extLst>
-          </a:blip>
-          <a:srcRect/>
-          <a:stretch>
-            <a:fillRect/>
-          </a:stretch>
-        </p:blipFill>
-        <p:spPr bwMode="auto">
-          <a:xfrm>
-            <a:off x="2075949" y="1849855"/>
-            <a:ext cx="6859504" cy="4694949"/>
-          </a:xfrm>
-          <a:prstGeom prst="rect">
-            <a:avLst/>
-          </a:prstGeom>
-          <a:noFill/>
-          <a:extLst>
-            <a:ext uri="{909E8E84-426E-40DD-AFC4-6F175D3DCCD1}">
-              <a14:hiddenFill xmlns:a14="http://schemas.microsoft.com/office/drawing/2010/main">
-                <a:solidFill>
-                  <a:srgbClr val="FFFFFF"/>
-                </a:solidFill>
-              </a14:hiddenFill>
-            </a:ext>
-          </a:extLst>
-        </p:spPr>
-      </p:pic>
-      <p:pic>
-        <p:nvPicPr>
-          <p:cNvPr id="6" name="Picture 2" descr="×ª××¦××ª ×ª××× × ×¢×××¨ âªmusic pixelâ¬â">
-            <a:extLst>
-              <a:ext uri="{FF2B5EF4-FFF2-40B4-BE49-F238E27FC236}">
-                <a16:creationId xmlns:a16="http://schemas.microsoft.com/office/drawing/2014/main" id="{EC7F31A7-E3C3-4E42-9B79-D554A8E64CBD}"/>
               </a:ext>
             </a:extLst>
           </p:cNvPr>
@@ -17395,10 +19446,249 @@
           </a:extLst>
         </p:spPr>
       </p:pic>
+      <p:pic>
+        <p:nvPicPr>
+          <p:cNvPr id="5" name="Picture 4"/>
+          <p:cNvPicPr>
+            <a:picLocks noChangeAspect="1"/>
+          </p:cNvPicPr>
+          <p:nvPr/>
+        </p:nvPicPr>
+        <p:blipFill>
+          <a:blip r:embed="rId4"/>
+          <a:stretch>
+            <a:fillRect/>
+          </a:stretch>
+        </p:blipFill>
+        <p:spPr>
+          <a:xfrm>
+            <a:off x="2523894" y="2797222"/>
+            <a:ext cx="7984211" cy="3730994"/>
+          </a:xfrm>
+          <a:prstGeom prst="rect">
+            <a:avLst/>
+          </a:prstGeom>
+        </p:spPr>
+      </p:pic>
     </p:spTree>
     <p:extLst>
       <p:ext uri="{BB962C8B-B14F-4D97-AF65-F5344CB8AC3E}">
-        <p14:creationId xmlns:p14="http://schemas.microsoft.com/office/powerpoint/2010/main" val="1963932940"/>
+        <p14:creationId xmlns:p14="http://schemas.microsoft.com/office/powerpoint/2010/main" val="3258010372"/>
+      </p:ext>
+    </p:extLst>
+  </p:cSld>
+  <p:clrMapOvr>
+    <a:masterClrMapping/>
+  </p:clrMapOvr>
+</p:sld>
+</file>
+
+<file path=ppt/slides/slide4.xml><?xml version="1.0" encoding="utf-8"?>
+<p:sld xmlns:a="http://schemas.openxmlformats.org/drawingml/2006/main" xmlns:r="http://schemas.openxmlformats.org/officeDocument/2006/relationships" xmlns:p="http://schemas.openxmlformats.org/presentationml/2006/main">
+  <p:cSld>
+    <p:spTree>
+      <p:nvGrpSpPr>
+        <p:cNvPr id="1" name=""/>
+        <p:cNvGrpSpPr/>
+        <p:nvPr/>
+      </p:nvGrpSpPr>
+      <p:grpSpPr>
+        <a:xfrm>
+          <a:off x="0" y="0"/>
+          <a:ext cx="0" cy="0"/>
+          <a:chOff x="0" y="0"/>
+          <a:chExt cx="0" cy="0"/>
+        </a:xfrm>
+      </p:grpSpPr>
+      <p:sp>
+        <p:nvSpPr>
+          <p:cNvPr id="2" name="Title 1"/>
+          <p:cNvSpPr>
+            <a:spLocks noGrp="1"/>
+          </p:cNvSpPr>
+          <p:nvPr>
+            <p:ph type="title"/>
+          </p:nvPr>
+        </p:nvSpPr>
+        <p:spPr/>
+        <p:txBody>
+          <a:bodyPr/>
+          <a:lstStyle/>
+          <a:p>
+            <a:r>
+              <a:rPr lang="en-US" dirty="0" smtClean="0"/>
+              <a:t>What is Vuzik?</a:t>
+            </a:r>
+            <a:endParaRPr lang="he-IL" dirty="0"/>
+          </a:p>
+        </p:txBody>
+      </p:sp>
+      <p:sp>
+        <p:nvSpPr>
+          <p:cNvPr id="3" name="Content Placeholder 2"/>
+          <p:cNvSpPr>
+            <a:spLocks noGrp="1"/>
+          </p:cNvSpPr>
+          <p:nvPr>
+            <p:ph idx="1"/>
+          </p:nvPr>
+        </p:nvSpPr>
+        <p:spPr>
+          <a:xfrm>
+            <a:off x="1069848" y="1926536"/>
+            <a:ext cx="10058400" cy="4050792"/>
+          </a:xfrm>
+        </p:spPr>
+        <p:txBody>
+          <a:bodyPr/>
+          <a:lstStyle/>
+          <a:p>
+            <a:pPr marL="0" indent="0">
+              <a:buNone/>
+            </a:pPr>
+            <a:r>
+              <a:rPr lang="en-US" i="1" dirty="0"/>
+              <a:t>Vuzik </a:t>
+            </a:r>
+            <a:r>
+              <a:rPr lang="en-US" dirty="0"/>
+              <a:t>is an interface for creating and visualizing </a:t>
+            </a:r>
+            <a:r>
+              <a:rPr lang="en-US" dirty="0" smtClean="0"/>
+              <a:t>music through </a:t>
+            </a:r>
+            <a:r>
+              <a:rPr lang="en-US" dirty="0"/>
+              <a:t>painting gestures on a large interactive </a:t>
+            </a:r>
+            <a:r>
+              <a:rPr lang="en-US" dirty="0" smtClean="0"/>
+              <a:t>surface</a:t>
+            </a:r>
+            <a:endParaRPr lang="en-US" u="sng" dirty="0" smtClean="0"/>
+          </a:p>
+          <a:p>
+            <a:pPr marL="0" indent="0">
+              <a:buNone/>
+            </a:pPr>
+            <a:r>
+              <a:rPr lang="en-US" u="sng" dirty="0" smtClean="0"/>
+              <a:t>Motivation: </a:t>
+            </a:r>
+            <a:r>
+              <a:rPr lang="en-US" dirty="0"/>
+              <a:t>open up new ways to create </a:t>
+            </a:r>
+            <a:r>
+              <a:rPr lang="en-US" dirty="0" smtClean="0"/>
+              <a:t>and realize </a:t>
+            </a:r>
+            <a:r>
+              <a:rPr lang="en-US" dirty="0"/>
+              <a:t>musical </a:t>
+            </a:r>
+            <a:r>
+              <a:rPr lang="en-US" dirty="0" smtClean="0"/>
+              <a:t>ideas</a:t>
+            </a:r>
+            <a:endParaRPr lang="en-US" u="sng" dirty="0" smtClean="0"/>
+          </a:p>
+          <a:p>
+            <a:pPr marL="0" indent="0">
+              <a:buNone/>
+            </a:pPr>
+            <a:r>
+              <a:rPr lang="en-US" u="sng" dirty="0" smtClean="0"/>
+              <a:t>How?</a:t>
+            </a:r>
+          </a:p>
+          <a:p>
+            <a:pPr marL="0" indent="0">
+              <a:buNone/>
+            </a:pPr>
+            <a:r>
+              <a:rPr lang="en-US" dirty="0" smtClean="0"/>
+              <a:t>Using the understanding of basic </a:t>
+            </a:r>
+            <a:r>
+              <a:rPr lang="en-US" dirty="0"/>
+              <a:t>concepts about </a:t>
+            </a:r>
+            <a:r>
+              <a:rPr lang="en-US" dirty="0" smtClean="0"/>
+              <a:t>the physical world to build </a:t>
+            </a:r>
+            <a:r>
+              <a:rPr lang="en-US" dirty="0"/>
+              <a:t>a usable </a:t>
+            </a:r>
+            <a:r>
+              <a:rPr lang="en-US" dirty="0" smtClean="0"/>
+              <a:t>understanding of </a:t>
+            </a:r>
+            <a:r>
+              <a:rPr lang="en-US" dirty="0"/>
+              <a:t>music’s structure and </a:t>
+            </a:r>
+            <a:r>
+              <a:rPr lang="en-US" dirty="0" smtClean="0"/>
+              <a:t>encourage </a:t>
+            </a:r>
+            <a:r>
+              <a:rPr lang="en-US" dirty="0"/>
+              <a:t>more </a:t>
+            </a:r>
+            <a:r>
+              <a:rPr lang="en-US" dirty="0" smtClean="0"/>
+              <a:t>intuitive music </a:t>
+            </a:r>
+            <a:r>
+              <a:rPr lang="en-US" dirty="0"/>
+              <a:t>exploration and </a:t>
+            </a:r>
+            <a:r>
+              <a:rPr lang="en-US" dirty="0" smtClean="0"/>
+              <a:t>creation</a:t>
+            </a:r>
+          </a:p>
+          <a:p>
+            <a:pPr marL="0" indent="0">
+              <a:buNone/>
+            </a:pPr>
+            <a:endParaRPr lang="en-US" dirty="0"/>
+          </a:p>
+          <a:p>
+            <a:pPr marL="0" indent="0">
+              <a:buNone/>
+            </a:pPr>
+            <a:r>
+              <a:rPr lang="en-US" dirty="0"/>
+              <a:t>Video: </a:t>
+            </a:r>
+            <a:r>
+              <a:rPr lang="en-US" dirty="0">
+                <a:hlinkClick r:id="rId3"/>
+              </a:rPr>
+              <a:t>https://www.youtube.com/watch?v=Oq7c43mZYdY</a:t>
+            </a:r>
+            <a:r>
+              <a:rPr lang="en-US" dirty="0"/>
+              <a:t> </a:t>
+            </a:r>
+          </a:p>
+          <a:p>
+            <a:pPr marL="0" indent="0">
+              <a:buNone/>
+            </a:pPr>
+            <a:endParaRPr lang="he-IL" dirty="0"/>
+          </a:p>
+        </p:txBody>
+      </p:sp>
+    </p:spTree>
+    <p:extLst>
+      <p:ext uri="{BB962C8B-B14F-4D97-AF65-F5344CB8AC3E}">
+        <p14:creationId xmlns:p14="http://schemas.microsoft.com/office/powerpoint/2010/main" val="3144839219"/>
       </p:ext>
     </p:extLst>
   </p:cSld>
@@ -17427,13 +19717,7 @@
       </p:grpSpPr>
       <p:sp>
         <p:nvSpPr>
-          <p:cNvPr id="2" name="Title 1">
-            <a:extLst>
-              <a:ext uri="{FF2B5EF4-FFF2-40B4-BE49-F238E27FC236}">
-                <a16:creationId xmlns:a16="http://schemas.microsoft.com/office/drawing/2014/main" id="{49A14EDF-60EC-4ADD-BDED-53DD249324D2}"/>
-              </a:ext>
-            </a:extLst>
-          </p:cNvPr>
+          <p:cNvPr id="2" name="Title 1"/>
           <p:cNvSpPr>
             <a:spLocks noGrp="1"/>
           </p:cNvSpPr>
@@ -17447,189 +19731,364 @@
           <a:lstStyle/>
           <a:p>
             <a:r>
-              <a:rPr lang="en-US" dirty="0"/>
-              <a:t>Related Work - </a:t>
-            </a:r>
-            <a:r>
               <a:rPr lang="en-US" dirty="0" smtClean="0"/>
-              <a:t>VUZIK</a:t>
-            </a:r>
-            <a:endParaRPr lang="en-US" dirty="0"/>
+              <a:t>First step- sound visual mapping</a:t>
+            </a:r>
+            <a:endParaRPr lang="he-IL" dirty="0"/>
           </a:p>
         </p:txBody>
       </p:sp>
+      <p:cxnSp>
+        <p:nvCxnSpPr>
+          <p:cNvPr id="5" name="Straight Arrow Connector 4"/>
+          <p:cNvCxnSpPr/>
+          <p:nvPr/>
+        </p:nvCxnSpPr>
+        <p:spPr>
+          <a:xfrm flipV="1">
+            <a:off x="1394085" y="1978703"/>
+            <a:ext cx="14991" cy="3432746"/>
+          </a:xfrm>
+          <a:prstGeom prst="straightConnector1">
+            <a:avLst/>
+          </a:prstGeom>
+          <a:ln w="28575">
+            <a:tailEnd type="triangle"/>
+          </a:ln>
+        </p:spPr>
+        <p:style>
+          <a:lnRef idx="1">
+            <a:schemeClr val="dk1"/>
+          </a:lnRef>
+          <a:fillRef idx="0">
+            <a:schemeClr val="dk1"/>
+          </a:fillRef>
+          <a:effectRef idx="0">
+            <a:schemeClr val="dk1"/>
+          </a:effectRef>
+          <a:fontRef idx="minor">
+            <a:schemeClr val="tx1"/>
+          </a:fontRef>
+        </p:style>
+      </p:cxnSp>
+      <p:cxnSp>
+        <p:nvCxnSpPr>
+          <p:cNvPr id="11" name="Straight Arrow Connector 10"/>
+          <p:cNvCxnSpPr/>
+          <p:nvPr/>
+        </p:nvCxnSpPr>
+        <p:spPr>
+          <a:xfrm rot="5400000" flipV="1">
+            <a:off x="3102963" y="3702572"/>
+            <a:ext cx="14991" cy="3432746"/>
+          </a:xfrm>
+          <a:prstGeom prst="straightConnector1">
+            <a:avLst/>
+          </a:prstGeom>
+          <a:ln w="28575">
+            <a:tailEnd type="triangle"/>
+          </a:ln>
+        </p:spPr>
+        <p:style>
+          <a:lnRef idx="1">
+            <a:schemeClr val="dk1"/>
+          </a:lnRef>
+          <a:fillRef idx="0">
+            <a:schemeClr val="dk1"/>
+          </a:fillRef>
+          <a:effectRef idx="0">
+            <a:schemeClr val="dk1"/>
+          </a:effectRef>
+          <a:fontRef idx="minor">
+            <a:schemeClr val="tx1"/>
+          </a:fontRef>
+        </p:style>
+      </p:cxnSp>
       <p:sp>
         <p:nvSpPr>
-          <p:cNvPr id="3" name="Content Placeholder 2">
-            <a:extLst>
-              <a:ext uri="{FF2B5EF4-FFF2-40B4-BE49-F238E27FC236}">
-                <a16:creationId xmlns:a16="http://schemas.microsoft.com/office/drawing/2014/main" id="{951EFB61-8E51-4B75-B6AB-6D8F6CA4978A}"/>
-              </a:ext>
-            </a:extLst>
-          </p:cNvPr>
-          <p:cNvSpPr>
-            <a:spLocks noGrp="1"/>
-          </p:cNvSpPr>
-          <p:nvPr>
-            <p:ph idx="1"/>
-          </p:nvPr>
+          <p:cNvPr id="12" name="TextBox 11"/>
+          <p:cNvSpPr txBox="1"/>
+          <p:nvPr/>
         </p:nvSpPr>
-        <p:spPr/>
-        <p:txBody>
-          <a:bodyPr/>
-          <a:lstStyle/>
-          <a:p>
-            <a:pPr marL="0" indent="0">
-              <a:buNone/>
-            </a:pPr>
-            <a:r>
-              <a:rPr lang="en-US" dirty="0"/>
-              <a:t>Video: </a:t>
-            </a:r>
-            <a:r>
-              <a:rPr lang="en-US" dirty="0">
-                <a:hlinkClick r:id="rId3"/>
-              </a:rPr>
-              <a:t>https://www.youtube.com/watch?v=Oq7c43mZYdY</a:t>
-            </a:r>
-            <a:r>
-              <a:rPr lang="en-US" dirty="0"/>
-              <a:t> </a:t>
-            </a:r>
-          </a:p>
-          <a:p>
-            <a:r>
-              <a:rPr lang="en-US" dirty="0" smtClean="0"/>
-              <a:t>Create </a:t>
-            </a:r>
-            <a:r>
-              <a:rPr lang="en-US" dirty="0"/>
-              <a:t>a music </a:t>
-            </a:r>
-            <a:r>
-              <a:rPr lang="en-US" dirty="0" smtClean="0"/>
-              <a:t>while painting</a:t>
-            </a:r>
-            <a:endParaRPr lang="en-US" dirty="0"/>
-          </a:p>
-          <a:p>
-            <a:pPr lvl="1"/>
-            <a:r>
-              <a:rPr lang="en-US" dirty="0" smtClean="0"/>
-              <a:t>Maps visual elements and the user strokes to sound elements</a:t>
-            </a:r>
-            <a:endParaRPr lang="en-US" dirty="0"/>
-          </a:p>
-          <a:p>
-            <a:r>
-              <a:rPr lang="en-US" dirty="0"/>
-              <a:t>Pros:</a:t>
-            </a:r>
-          </a:p>
-          <a:p>
-            <a:pPr lvl="1"/>
-            <a:r>
-              <a:rPr lang="en-US" dirty="0" smtClean="0"/>
-              <a:t>Very interactive</a:t>
-            </a:r>
-          </a:p>
-          <a:p>
-            <a:pPr lvl="1"/>
-            <a:r>
-              <a:rPr lang="en-US" dirty="0" smtClean="0"/>
-              <a:t>Suitable even for children tha</a:t>
-            </a:r>
-            <a:r>
-              <a:rPr lang="en-US" dirty="0" smtClean="0"/>
-              <a:t>t can’t read</a:t>
-            </a:r>
-            <a:endParaRPr lang="en-US" dirty="0"/>
-          </a:p>
-          <a:p>
-            <a:r>
-              <a:rPr lang="en-US" dirty="0" smtClean="0"/>
-              <a:t>Cons</a:t>
-            </a:r>
-            <a:r>
-              <a:rPr lang="en-US" dirty="0"/>
-              <a:t>:</a:t>
-            </a:r>
-          </a:p>
-          <a:p>
-            <a:pPr lvl="1"/>
-            <a:r>
-              <a:rPr lang="en-US" dirty="0" smtClean="0"/>
-              <a:t>Not public</a:t>
-            </a:r>
-          </a:p>
-          <a:p>
-            <a:pPr lvl="1"/>
-            <a:r>
-              <a:rPr lang="en-US" dirty="0" smtClean="0"/>
-              <a:t>User needs to be very creative in order to produce fare music </a:t>
-            </a:r>
-            <a:r>
-              <a:rPr lang="en-US" dirty="0" smtClean="0"/>
-              <a:t> </a:t>
-            </a:r>
-            <a:endParaRPr lang="en-US" dirty="0"/>
-          </a:p>
-          <a:p>
-            <a:endParaRPr lang="en-US" dirty="0"/>
-          </a:p>
-        </p:txBody>
-      </p:sp>
-      <p:pic>
-        <p:nvPicPr>
-          <p:cNvPr id="4" name="Picture 2" descr="×ª××¦××ª ×ª××× × ×¢×××¨ âªmusic pixelâ¬â">
-            <a:extLst>
-              <a:ext uri="{FF2B5EF4-FFF2-40B4-BE49-F238E27FC236}">
-                <a16:creationId xmlns:a16="http://schemas.microsoft.com/office/drawing/2014/main" id="{3580F6C7-1C19-4A57-8C0F-3A17CB1173FE}"/>
-              </a:ext>
-            </a:extLst>
-          </p:cNvPr>
-          <p:cNvPicPr>
-            <a:picLocks noChangeAspect="1" noChangeArrowheads="1"/>
-          </p:cNvPicPr>
-          <p:nvPr/>
-        </p:nvPicPr>
-        <p:blipFill>
-          <a:blip r:embed="rId4" cstate="hqprint">
-            <a:extLst>
-              <a:ext uri="{28A0092B-C50C-407E-A947-70E740481C1C}">
-                <a14:useLocalDpi xmlns:a14="http://schemas.microsoft.com/office/drawing/2010/main" val="0"/>
-              </a:ext>
-            </a:extLst>
-          </a:blip>
-          <a:srcRect/>
-          <a:stretch>
-            <a:fillRect/>
-          </a:stretch>
-        </p:blipFill>
-        <p:spPr bwMode="auto">
+        <p:spPr>
           <a:xfrm>
-            <a:off x="11288324" y="5128341"/>
-            <a:ext cx="663044" cy="1043859"/>
+            <a:off x="1069848" y="1978703"/>
+            <a:ext cx="314510" cy="369332"/>
           </a:xfrm>
           <a:prstGeom prst="rect">
             <a:avLst/>
           </a:prstGeom>
           <a:noFill/>
-          <a:extLst>
-            <a:ext uri="{909E8E84-426E-40DD-AFC4-6F175D3DCCD1}">
-              <a14:hiddenFill xmlns:a14="http://schemas.microsoft.com/office/drawing/2010/main">
-                <a:solidFill>
-                  <a:srgbClr val="FFFFFF"/>
-                </a:solidFill>
-              </a14:hiddenFill>
-            </a:ext>
-          </a:extLst>
         </p:spPr>
-      </p:pic>
+        <p:txBody>
+          <a:bodyPr wrap="none" rtlCol="1">
+            <a:spAutoFit/>
+          </a:bodyPr>
+          <a:lstStyle/>
+          <a:p>
+            <a:r>
+              <a:rPr lang="en-US" dirty="0" smtClean="0"/>
+              <a:t>y</a:t>
+            </a:r>
+            <a:endParaRPr lang="he-IL" dirty="0"/>
+          </a:p>
+        </p:txBody>
+      </p:sp>
+      <p:sp>
+        <p:nvSpPr>
+          <p:cNvPr id="14" name="TextBox 13"/>
+          <p:cNvSpPr txBox="1"/>
+          <p:nvPr/>
+        </p:nvSpPr>
+        <p:spPr>
+          <a:xfrm>
+            <a:off x="4826832" y="5426441"/>
+            <a:ext cx="311304" cy="369332"/>
+          </a:xfrm>
+          <a:prstGeom prst="rect">
+            <a:avLst/>
+          </a:prstGeom>
+          <a:noFill/>
+        </p:spPr>
+        <p:txBody>
+          <a:bodyPr wrap="none" rtlCol="1">
+            <a:spAutoFit/>
+          </a:bodyPr>
+          <a:lstStyle/>
+          <a:p>
+            <a:r>
+              <a:rPr lang="en-US" dirty="0" smtClean="0"/>
+              <a:t>x</a:t>
+            </a:r>
+            <a:endParaRPr lang="he-IL" dirty="0"/>
+          </a:p>
+        </p:txBody>
+      </p:sp>
+      <p:sp>
+        <p:nvSpPr>
+          <p:cNvPr id="15" name="TextBox 14"/>
+          <p:cNvSpPr txBox="1"/>
+          <p:nvPr/>
+        </p:nvSpPr>
+        <p:spPr>
+          <a:xfrm>
+            <a:off x="578040" y="3518940"/>
+            <a:ext cx="806317" cy="369332"/>
+          </a:xfrm>
+          <a:prstGeom prst="rect">
+            <a:avLst/>
+          </a:prstGeom>
+          <a:noFill/>
+        </p:spPr>
+        <p:txBody>
+          <a:bodyPr wrap="square" rtlCol="1">
+            <a:spAutoFit/>
+          </a:bodyPr>
+          <a:lstStyle/>
+          <a:p>
+            <a:r>
+              <a:rPr lang="en-US" dirty="0" smtClean="0"/>
+              <a:t>pitch</a:t>
+            </a:r>
+            <a:endParaRPr lang="he-IL" dirty="0"/>
+          </a:p>
+        </p:txBody>
+      </p:sp>
+      <p:sp>
+        <p:nvSpPr>
+          <p:cNvPr id="16" name="TextBox 15"/>
+          <p:cNvSpPr txBox="1"/>
+          <p:nvPr/>
+        </p:nvSpPr>
+        <p:spPr>
+          <a:xfrm>
+            <a:off x="2278019" y="5426441"/>
+            <a:ext cx="1664879" cy="369332"/>
+          </a:xfrm>
+          <a:prstGeom prst="rect">
+            <a:avLst/>
+          </a:prstGeom>
+          <a:noFill/>
+        </p:spPr>
+        <p:txBody>
+          <a:bodyPr wrap="none" rtlCol="1">
+            <a:spAutoFit/>
+          </a:bodyPr>
+          <a:lstStyle/>
+          <a:p>
+            <a:r>
+              <a:rPr lang="en-US" dirty="0" smtClean="0"/>
+              <a:t>Time duration</a:t>
+            </a:r>
+            <a:endParaRPr lang="he-IL" dirty="0"/>
+          </a:p>
+        </p:txBody>
+      </p:sp>
+      <p:sp>
+        <p:nvSpPr>
+          <p:cNvPr id="17" name="Freeform 16"/>
+          <p:cNvSpPr/>
+          <p:nvPr/>
+        </p:nvSpPr>
+        <p:spPr>
+          <a:xfrm>
+            <a:off x="1790751" y="2845087"/>
+            <a:ext cx="2654406" cy="915121"/>
+          </a:xfrm>
+          <a:custGeom>
+            <a:avLst/>
+            <a:gdLst>
+              <a:gd name="connsiteX0" fmla="*/ 0 w 2654406"/>
+              <a:gd name="connsiteY0" fmla="*/ 915121 h 915121"/>
+              <a:gd name="connsiteX1" fmla="*/ 1079292 w 2654406"/>
+              <a:gd name="connsiteY1" fmla="*/ 120643 h 915121"/>
+              <a:gd name="connsiteX2" fmla="*/ 1663908 w 2654406"/>
+              <a:gd name="connsiteY2" fmla="*/ 420446 h 915121"/>
+              <a:gd name="connsiteX3" fmla="*/ 2308486 w 2654406"/>
+              <a:gd name="connsiteY3" fmla="*/ 721 h 915121"/>
+              <a:gd name="connsiteX4" fmla="*/ 2608289 w 2654406"/>
+              <a:gd name="connsiteY4" fmla="*/ 330505 h 915121"/>
+              <a:gd name="connsiteX5" fmla="*/ 2653259 w 2654406"/>
+              <a:gd name="connsiteY5" fmla="*/ 735240 h 915121"/>
+              <a:gd name="connsiteX6" fmla="*/ 2653259 w 2654406"/>
+              <a:gd name="connsiteY6" fmla="*/ 735240 h 915121"/>
+            </a:gdLst>
+            <a:ahLst/>
+            <a:cxnLst>
+              <a:cxn ang="0">
+                <a:pos x="connsiteX0" y="connsiteY0"/>
+              </a:cxn>
+              <a:cxn ang="0">
+                <a:pos x="connsiteX1" y="connsiteY1"/>
+              </a:cxn>
+              <a:cxn ang="0">
+                <a:pos x="connsiteX2" y="connsiteY2"/>
+              </a:cxn>
+              <a:cxn ang="0">
+                <a:pos x="connsiteX3" y="connsiteY3"/>
+              </a:cxn>
+              <a:cxn ang="0">
+                <a:pos x="connsiteX4" y="connsiteY4"/>
+              </a:cxn>
+              <a:cxn ang="0">
+                <a:pos x="connsiteX5" y="connsiteY5"/>
+              </a:cxn>
+              <a:cxn ang="0">
+                <a:pos x="connsiteX6" y="connsiteY6"/>
+              </a:cxn>
+            </a:cxnLst>
+            <a:rect l="l" t="t" r="r" b="b"/>
+            <a:pathLst>
+              <a:path w="2654406" h="915121">
+                <a:moveTo>
+                  <a:pt x="0" y="915121"/>
+                </a:moveTo>
+                <a:cubicBezTo>
+                  <a:pt x="400987" y="559105"/>
+                  <a:pt x="801974" y="203089"/>
+                  <a:pt x="1079292" y="120643"/>
+                </a:cubicBezTo>
+                <a:cubicBezTo>
+                  <a:pt x="1356610" y="38197"/>
+                  <a:pt x="1459042" y="440433"/>
+                  <a:pt x="1663908" y="420446"/>
+                </a:cubicBezTo>
+                <a:cubicBezTo>
+                  <a:pt x="1868774" y="400459"/>
+                  <a:pt x="2151089" y="15711"/>
+                  <a:pt x="2308486" y="721"/>
+                </a:cubicBezTo>
+                <a:cubicBezTo>
+                  <a:pt x="2465883" y="-14269"/>
+                  <a:pt x="2550827" y="208085"/>
+                  <a:pt x="2608289" y="330505"/>
+                </a:cubicBezTo>
+                <a:cubicBezTo>
+                  <a:pt x="2665751" y="452925"/>
+                  <a:pt x="2653259" y="735240"/>
+                  <a:pt x="2653259" y="735240"/>
+                </a:cubicBezTo>
+                <a:lnTo>
+                  <a:pt x="2653259" y="735240"/>
+                </a:lnTo>
+              </a:path>
+            </a:pathLst>
+          </a:custGeom>
+          <a:noFill/>
+        </p:spPr>
+        <p:style>
+          <a:lnRef idx="2">
+            <a:schemeClr val="accent1">
+              <a:shade val="50000"/>
+            </a:schemeClr>
+          </a:lnRef>
+          <a:fillRef idx="1">
+            <a:schemeClr val="accent1"/>
+          </a:fillRef>
+          <a:effectRef idx="0">
+            <a:schemeClr val="accent1"/>
+          </a:effectRef>
+          <a:fontRef idx="minor">
+            <a:schemeClr val="lt1"/>
+          </a:fontRef>
+        </p:style>
+        <p:txBody>
+          <a:bodyPr rtlCol="1" anchor="ctr"/>
+          <a:lstStyle/>
+          <a:p>
+            <a:pPr algn="ctr"/>
+            <a:endParaRPr lang="he-IL"/>
+          </a:p>
+        </p:txBody>
+      </p:sp>
+      <p:sp>
+        <p:nvSpPr>
+          <p:cNvPr id="18" name="TextBox 17"/>
+          <p:cNvSpPr txBox="1"/>
+          <p:nvPr/>
+        </p:nvSpPr>
+        <p:spPr>
+          <a:xfrm>
+            <a:off x="5274589" y="2933315"/>
+            <a:ext cx="6166240" cy="707886"/>
+          </a:xfrm>
+          <a:prstGeom prst="rect">
+            <a:avLst/>
+          </a:prstGeom>
+          <a:noFill/>
+        </p:spPr>
+        <p:txBody>
+          <a:bodyPr wrap="none" rtlCol="1">
+            <a:spAutoFit/>
+          </a:bodyPr>
+          <a:lstStyle/>
+          <a:p>
+            <a:pPr marL="285750" indent="-285750">
+              <a:buFont typeface="Arial" panose="020B0604020202020204" pitchFamily="34" charset="0"/>
+              <a:buChar char="•"/>
+            </a:pPr>
+            <a:r>
+              <a:rPr lang="en-US" sz="2000" dirty="0" smtClean="0"/>
+              <a:t>Each color is paired to a unique instrument tone </a:t>
+            </a:r>
+          </a:p>
+          <a:p>
+            <a:pPr marL="285750" indent="-285750">
+              <a:buFont typeface="Arial" panose="020B0604020202020204" pitchFamily="34" charset="0"/>
+              <a:buChar char="•"/>
+            </a:pPr>
+            <a:r>
+              <a:rPr lang="en-US" sz="2000" dirty="0" smtClean="0"/>
+              <a:t>Thickness of the line reflects the loudness </a:t>
+            </a:r>
+            <a:endParaRPr lang="he-IL" sz="2000" dirty="0"/>
+          </a:p>
+        </p:txBody>
+      </p:sp>
     </p:spTree>
     <p:extLst>
       <p:ext uri="{BB962C8B-B14F-4D97-AF65-F5344CB8AC3E}">
-        <p14:creationId xmlns:p14="http://schemas.microsoft.com/office/powerpoint/2010/main" val="526732222"/>
+        <p14:creationId xmlns:p14="http://schemas.microsoft.com/office/powerpoint/2010/main" val="2565811120"/>
       </p:ext>
     </p:extLst>
   </p:cSld>
@@ -17673,7 +20132,7 @@
           <a:p>
             <a:r>
               <a:rPr lang="en-US" dirty="0" smtClean="0"/>
-              <a:t>The project </a:t>
+              <a:t>Second step – hear the painting</a:t>
             </a:r>
             <a:endParaRPr lang="he-IL" dirty="0"/>
           </a:p>
@@ -17699,69 +20158,33 @@
             </a:pPr>
             <a:r>
               <a:rPr lang="en-US" dirty="0" smtClean="0"/>
-              <a:t>RGB Music is a software interface for creating music from an image through </a:t>
-            </a:r>
+              <a:t>Two modes of operation :</a:t>
+            </a:r>
+          </a:p>
+          <a:p>
+            <a:pPr marL="457200" indent="-457200">
+              <a:buAutoNum type="arabicPeriod"/>
+            </a:pPr>
             <a:r>
               <a:rPr lang="en-US" dirty="0" smtClean="0"/>
-              <a:t>clicking on the image. </a:t>
-            </a:r>
-            <a:endParaRPr lang="en-US" dirty="0" smtClean="0"/>
-          </a:p>
-          <a:p>
-            <a:pPr marL="0" indent="0">
-              <a:buNone/>
+              <a:t>Creation – “paint” music in real-time</a:t>
+            </a:r>
+          </a:p>
+          <a:p>
+            <a:pPr marL="457200" indent="-457200">
+              <a:buAutoNum type="arabicPeriod"/>
             </a:pPr>
             <a:r>
               <a:rPr lang="en-US" dirty="0" smtClean="0"/>
-              <a:t>In this project we aim to map between visual elements to sound elements. For example:</a:t>
-            </a:r>
-          </a:p>
-          <a:p>
-            <a:r>
-              <a:rPr lang="en-US" dirty="0" smtClean="0"/>
-              <a:t>Map from the RGB value of a chosen pixel to </a:t>
-            </a:r>
-            <a:r>
-              <a:rPr lang="en-US" dirty="0"/>
-              <a:t>unique instrument </a:t>
-            </a:r>
-            <a:r>
-              <a:rPr lang="en-US" dirty="0" smtClean="0"/>
-              <a:t>timbre</a:t>
-            </a:r>
-          </a:p>
-          <a:p>
-            <a:r>
-              <a:rPr lang="en-US" dirty="0" smtClean="0"/>
-              <a:t>Map from a set of pixels (</a:t>
-            </a:r>
-            <a:r>
-              <a:rPr lang="en-US" dirty="0" err="1" smtClean="0"/>
-              <a:t>i.e</a:t>
-            </a:r>
-            <a:r>
-              <a:rPr lang="en-US" dirty="0" smtClean="0"/>
-              <a:t> the surrounding pixels of the chosen pixel) to pitch or time duration</a:t>
-            </a:r>
-          </a:p>
-          <a:p>
-            <a:pPr marL="0" indent="0">
-              <a:buNone/>
-            </a:pPr>
-            <a:endParaRPr lang="en-US" dirty="0" smtClean="0"/>
-          </a:p>
-          <a:p>
-            <a:pPr marL="0" indent="0">
-              <a:buNone/>
-            </a:pPr>
-            <a:endParaRPr lang="en-US" dirty="0" smtClean="0"/>
+              <a:t>Playback – hear the entire canvas or a selected stroke</a:t>
+            </a:r>
           </a:p>
         </p:txBody>
       </p:sp>
     </p:spTree>
     <p:extLst>
       <p:ext uri="{BB962C8B-B14F-4D97-AF65-F5344CB8AC3E}">
-        <p14:creationId xmlns:p14="http://schemas.microsoft.com/office/powerpoint/2010/main" val="3145902105"/>
+        <p14:creationId xmlns:p14="http://schemas.microsoft.com/office/powerpoint/2010/main" val="3157320692"/>
       </p:ext>
     </p:extLst>
   </p:cSld>
@@ -17805,11 +20228,7 @@
           <a:p>
             <a:r>
               <a:rPr lang="en-US" dirty="0" smtClean="0"/>
-              <a:t>Implementation </a:t>
-            </a:r>
-            <a:r>
-              <a:rPr lang="en-US" dirty="0" smtClean="0"/>
-              <a:t>notes</a:t>
+              <a:t>Implementation and use case</a:t>
             </a:r>
             <a:endParaRPr lang="he-IL" dirty="0"/>
           </a:p>
@@ -17830,77 +20249,57 @@
           <a:bodyPr/>
           <a:lstStyle/>
           <a:p>
-            <a:pPr marL="0" indent="0">
-              <a:buNone/>
-            </a:pPr>
             <a:r>
               <a:rPr lang="en-US" dirty="0" smtClean="0"/>
-              <a:t>The project will be implemented in Python using the following libraries:</a:t>
-            </a:r>
-          </a:p>
-          <a:p>
-            <a:r>
-              <a:rPr lang="en-US" dirty="0" err="1" smtClean="0"/>
-              <a:t>Tkinter</a:t>
-            </a:r>
-            <a:r>
-              <a:rPr lang="en-US" dirty="0" smtClean="0"/>
-              <a:t> – UI </a:t>
-            </a:r>
-          </a:p>
-          <a:p>
-            <a:r>
-              <a:rPr lang="en-US" dirty="0" err="1" smtClean="0"/>
-              <a:t>Pyo</a:t>
-            </a:r>
-            <a:r>
-              <a:rPr lang="en-US" dirty="0" smtClean="0"/>
-              <a:t> </a:t>
-            </a:r>
-            <a:r>
-              <a:rPr lang="en-US" dirty="0"/>
-              <a:t>- </a:t>
-            </a:r>
-            <a:r>
-              <a:rPr lang="en-US" dirty="0" smtClean="0"/>
-              <a:t>Digital </a:t>
-            </a:r>
-            <a:r>
-              <a:rPr lang="en-US" dirty="0"/>
-              <a:t>signal </a:t>
-            </a:r>
-            <a:r>
-              <a:rPr lang="en-US" dirty="0" smtClean="0"/>
-              <a:t>processing</a:t>
-            </a:r>
-          </a:p>
-          <a:p>
-            <a:r>
-              <a:rPr lang="en-US" dirty="0" err="1" smtClean="0"/>
-              <a:t>Pil</a:t>
-            </a:r>
-            <a:r>
-              <a:rPr lang="en-US" dirty="0" smtClean="0"/>
-              <a:t> - Image </a:t>
-            </a:r>
-            <a:r>
-              <a:rPr lang="en-US" dirty="0" smtClean="0"/>
-              <a:t>processing</a:t>
-            </a:r>
+              <a:t>GUI is implemented in C# (WPF) and utilizes the open sound control protocol for messaging </a:t>
+            </a:r>
+          </a:p>
+          <a:p>
             <a:endParaRPr lang="en-US" dirty="0" smtClean="0"/>
           </a:p>
         </p:txBody>
       </p:sp>
+      <p:pic>
+        <p:nvPicPr>
+          <p:cNvPr id="4" name="Picture 3"/>
+          <p:cNvPicPr>
+            <a:picLocks noChangeAspect="1"/>
+          </p:cNvPicPr>
+          <p:nvPr/>
+        </p:nvPicPr>
+        <p:blipFill>
+          <a:blip r:embed="rId3"/>
+          <a:stretch>
+            <a:fillRect/>
+          </a:stretch>
+        </p:blipFill>
+        <p:spPr>
+          <a:xfrm>
+            <a:off x="2383437" y="2654458"/>
+            <a:ext cx="6827544" cy="3895870"/>
+          </a:xfrm>
+          <a:prstGeom prst="rect">
+            <a:avLst/>
+          </a:prstGeom>
+        </p:spPr>
+      </p:pic>
     </p:spTree>
     <p:extLst>
       <p:ext uri="{BB962C8B-B14F-4D97-AF65-F5344CB8AC3E}">
-        <p14:creationId xmlns:p14="http://schemas.microsoft.com/office/powerpoint/2010/main" val="158362669"/>
+        <p14:creationId xmlns:p14="http://schemas.microsoft.com/office/powerpoint/2010/main" val="4153556890"/>
       </p:ext>
     </p:extLst>
   </p:cSld>
   <p:clrMapOvr>
     <a:masterClrMapping/>
   </p:clrMapOvr>
+  <p:timing>
+    <p:tnLst>
+      <p:par>
+        <p:cTn id="1" dur="indefinite" restart="never" nodeType="tmRoot"/>
+      </p:par>
+    </p:tnLst>
+  </p:timing>
 </p:sld>
 </file>
 
@@ -17921,37 +20320,9 @@
           <a:chExt cx="0" cy="0"/>
         </a:xfrm>
       </p:grpSpPr>
-      <p:graphicFrame>
-        <p:nvGraphicFramePr>
-          <p:cNvPr id="4" name="Diagram 3">
-            <a:extLst>
-              <a:ext uri="{FF2B5EF4-FFF2-40B4-BE49-F238E27FC236}">
-                <a16:creationId xmlns:a16="http://schemas.microsoft.com/office/drawing/2014/main" id="{86A063DA-B6C5-493D-8524-0B711F773EA1}"/>
-              </a:ext>
-            </a:extLst>
-          </p:cNvPr>
-          <p:cNvGraphicFramePr/>
-          <p:nvPr>
-            <p:extLst>
-              <p:ext uri="{D42A27DB-BD31-4B8C-83A1-F6EECF244321}">
-                <p14:modId xmlns:p14="http://schemas.microsoft.com/office/powerpoint/2010/main" val="4082406006"/>
-              </p:ext>
-            </p:extLst>
-          </p:nvPr>
-        </p:nvGraphicFramePr>
-        <p:xfrm>
-          <a:off x="6432772" y="1794172"/>
-          <a:ext cx="4679044" cy="3768066"/>
-        </p:xfrm>
-        <a:graphic>
-          <a:graphicData uri="http://schemas.openxmlformats.org/drawingml/2006/diagram">
-            <dgm:relIds xmlns:dgm="http://schemas.openxmlformats.org/drawingml/2006/diagram" xmlns:r="http://schemas.openxmlformats.org/officeDocument/2006/relationships" r:dm="rId3" r:lo="rId4" r:qs="rId5" r:cs="rId6"/>
-          </a:graphicData>
-        </a:graphic>
-      </p:graphicFrame>
       <p:sp>
         <p:nvSpPr>
-          <p:cNvPr id="3" name="Title 1"/>
+          <p:cNvPr id="2" name="Title 1"/>
           <p:cNvSpPr>
             <a:spLocks noGrp="1"/>
           </p:cNvSpPr>
@@ -17959,72 +20330,64 @@
             <p:ph type="title"/>
           </p:nvPr>
         </p:nvSpPr>
-        <p:spPr>
-          <a:xfrm>
-            <a:off x="695094" y="184829"/>
-            <a:ext cx="10058400" cy="1609344"/>
-          </a:xfrm>
-        </p:spPr>
+        <p:spPr/>
         <p:txBody>
           <a:bodyPr/>
           <a:lstStyle/>
           <a:p>
             <a:r>
               <a:rPr lang="en-US" dirty="0" smtClean="0"/>
-              <a:t>Main use case </a:t>
+              <a:t>Applications </a:t>
             </a:r>
             <a:endParaRPr lang="he-IL" dirty="0"/>
           </a:p>
         </p:txBody>
       </p:sp>
-      <p:pic>
-        <p:nvPicPr>
-          <p:cNvPr id="2" name="Picture 1"/>
-          <p:cNvPicPr>
-            <a:picLocks noChangeAspect="1"/>
-          </p:cNvPicPr>
-          <p:nvPr/>
-        </p:nvPicPr>
-        <p:blipFill>
-          <a:blip r:embed="rId8"/>
-          <a:stretch>
-            <a:fillRect/>
-          </a:stretch>
-        </p:blipFill>
-        <p:spPr>
-          <a:xfrm>
-            <a:off x="1956808" y="2028146"/>
-            <a:ext cx="3214250" cy="4587521"/>
-          </a:xfrm>
-          <a:prstGeom prst="rect">
-            <a:avLst/>
-          </a:prstGeom>
-        </p:spPr>
-      </p:pic>
       <p:sp>
         <p:nvSpPr>
-          <p:cNvPr id="5" name="Rectangle 4"/>
-          <p:cNvSpPr/>
-          <p:nvPr/>
+          <p:cNvPr id="3" name="Content Placeholder 2"/>
+          <p:cNvSpPr>
+            <a:spLocks noGrp="1"/>
+          </p:cNvSpPr>
+          <p:nvPr>
+            <p:ph idx="1"/>
+          </p:nvPr>
         </p:nvSpPr>
-        <p:spPr>
-          <a:xfrm>
-            <a:off x="695094" y="1471007"/>
-            <a:ext cx="6096000" cy="646331"/>
-          </a:xfrm>
-          <a:prstGeom prst="rect">
-            <a:avLst/>
-          </a:prstGeom>
-        </p:spPr>
+        <p:spPr/>
         <p:txBody>
-          <a:bodyPr>
-            <a:spAutoFit/>
-          </a:bodyPr>
+          <a:bodyPr/>
           <a:lstStyle/>
           <a:p>
             <a:r>
-              <a:rPr lang="en-US" dirty="0"/>
-              <a:t>The main use case is very basic – just load the image and click on the image to create music </a:t>
+              <a:rPr lang="en-US" dirty="0" smtClean="0"/>
+              <a:t>Originally envisioned as a tool for children to explore music and sound</a:t>
+            </a:r>
+          </a:p>
+          <a:p>
+            <a:r>
+              <a:rPr lang="en-US" dirty="0" smtClean="0"/>
+              <a:t>Offering the capability for more advanced music composition </a:t>
+            </a:r>
+          </a:p>
+          <a:p>
+            <a:pPr marL="0" indent="0">
+              <a:buNone/>
+            </a:pPr>
+            <a:r>
+              <a:rPr lang="en-US" dirty="0">
+                <a:hlinkClick r:id="rId3"/>
+              </a:rPr>
+              <a:t>https://</a:t>
+            </a:r>
+            <a:r>
+              <a:rPr lang="en-US" dirty="0" smtClean="0">
+                <a:hlinkClick r:id="rId3"/>
+              </a:rPr>
+              <a:t>www.youtube.com/watch?v=BNzV7lvgJjI</a:t>
+            </a:r>
+            <a:r>
+              <a:rPr lang="en-US" dirty="0" smtClean="0"/>
+              <a:t> 0:57</a:t>
             </a:r>
             <a:endParaRPr lang="he-IL" dirty="0"/>
           </a:p>
@@ -18033,7 +20396,7 @@
     </p:spTree>
     <p:extLst>
       <p:ext uri="{BB962C8B-B14F-4D97-AF65-F5344CB8AC3E}">
-        <p14:creationId xmlns:p14="http://schemas.microsoft.com/office/powerpoint/2010/main" val="691253787"/>
+        <p14:creationId xmlns:p14="http://schemas.microsoft.com/office/powerpoint/2010/main" val="3944931231"/>
       </p:ext>
     </p:extLst>
   </p:cSld>
@@ -18076,8 +20439,8 @@
           <a:lstStyle/>
           <a:p>
             <a:r>
-              <a:rPr lang="en-US" dirty="0"/>
-              <a:t>PROS over other products </a:t>
+              <a:rPr lang="en-US" dirty="0" smtClean="0"/>
+              <a:t>Future work </a:t>
             </a:r>
             <a:endParaRPr lang="he-IL" dirty="0"/>
           </a:p>
@@ -18093,109 +20456,30 @@
             <p:ph idx="1"/>
           </p:nvPr>
         </p:nvSpPr>
-        <p:spPr>
-          <a:xfrm>
-            <a:off x="1069848" y="2121408"/>
-            <a:ext cx="8940426" cy="4050792"/>
-          </a:xfrm>
-        </p:spPr>
+        <p:spPr/>
         <p:txBody>
-          <a:bodyPr>
-            <a:normAutofit/>
-          </a:bodyPr>
+          <a:bodyPr/>
           <a:lstStyle/>
           <a:p>
             <a:r>
-              <a:rPr lang="en-US" sz="2800" dirty="0"/>
-              <a:t>Our program let the user control which parts from the image will affect the final </a:t>
-            </a:r>
-            <a:r>
-              <a:rPr lang="en-US" sz="2800" dirty="0" smtClean="0"/>
-              <a:t>work</a:t>
-            </a:r>
-            <a:endParaRPr lang="en-US" sz="2800" dirty="0"/>
-          </a:p>
-          <a:p>
-            <a:r>
-              <a:rPr lang="en-US" sz="2800" dirty="0"/>
-              <a:t> The user can use multiple images for creating one </a:t>
-            </a:r>
-            <a:r>
-              <a:rPr lang="en-US" sz="2800" dirty="0" smtClean="0"/>
-              <a:t>work</a:t>
-            </a:r>
-          </a:p>
-          <a:p>
-            <a:r>
-              <a:rPr lang="en-US" sz="2800" dirty="0" smtClean="0"/>
-              <a:t> Th</a:t>
-            </a:r>
-            <a:r>
-              <a:rPr lang="en-US" sz="2800" dirty="0" smtClean="0"/>
-              <a:t>e user can use the visual elements of the picture as an auxiliary (not all the music is made up) </a:t>
-            </a:r>
-            <a:endParaRPr lang="en-US" sz="2800" dirty="0"/>
-          </a:p>
-          <a:p>
-            <a:r>
-              <a:rPr lang="en-US" sz="2800" dirty="0"/>
-              <a:t> Different purpose</a:t>
-            </a:r>
-            <a:endParaRPr lang="he-IL" sz="2800" dirty="0"/>
+              <a:rPr lang="en-US" dirty="0" smtClean="0"/>
+              <a:t>Continue developing vuzik as an educational tool for elementary schools </a:t>
+            </a:r>
+            <a:endParaRPr lang="en-US" dirty="0"/>
+          </a:p>
+          <a:p>
+            <a:r>
+              <a:rPr lang="en-US" dirty="0" smtClean="0"/>
+              <a:t>Further validate it as composition tool by creating more music works </a:t>
+            </a:r>
+            <a:endParaRPr lang="he-IL" dirty="0"/>
           </a:p>
         </p:txBody>
       </p:sp>
-      <p:pic>
-        <p:nvPicPr>
-          <p:cNvPr id="4" name="Picture 2" descr="×ª××¦××ª ×ª××× × ×¢×××¨ âªmusic pixelâ¬â">
-            <a:extLst>
-              <a:ext uri="{FF2B5EF4-FFF2-40B4-BE49-F238E27FC236}">
-                <a16:creationId xmlns:a16="http://schemas.microsoft.com/office/drawing/2014/main" id="{036D1730-067B-4734-98A9-BB1287F13B9C}"/>
-              </a:ext>
-            </a:extLst>
-          </p:cNvPr>
-          <p:cNvPicPr>
-            <a:picLocks noChangeAspect="1" noChangeArrowheads="1"/>
-          </p:cNvPicPr>
-          <p:nvPr/>
-        </p:nvPicPr>
-        <p:blipFill>
-          <a:blip r:embed="rId3" cstate="hqprint">
-            <a:extLst>
-              <a:ext uri="{28A0092B-C50C-407E-A947-70E740481C1C}">
-                <a14:useLocalDpi xmlns:a14="http://schemas.microsoft.com/office/drawing/2010/main" val="0"/>
-              </a:ext>
-            </a:extLst>
-          </a:blip>
-          <a:srcRect/>
-          <a:stretch>
-            <a:fillRect/>
-          </a:stretch>
-        </p:blipFill>
-        <p:spPr bwMode="auto">
-          <a:xfrm>
-            <a:off x="11288324" y="5128341"/>
-            <a:ext cx="663044" cy="1043859"/>
-          </a:xfrm>
-          <a:prstGeom prst="rect">
-            <a:avLst/>
-          </a:prstGeom>
-          <a:noFill/>
-          <a:extLst>
-            <a:ext uri="{909E8E84-426E-40DD-AFC4-6F175D3DCCD1}">
-              <a14:hiddenFill xmlns:a14="http://schemas.microsoft.com/office/drawing/2010/main">
-                <a:solidFill>
-                  <a:srgbClr val="FFFFFF"/>
-                </a:solidFill>
-              </a14:hiddenFill>
-            </a:ext>
-          </a:extLst>
-        </p:spPr>
-      </p:pic>
     </p:spTree>
     <p:extLst>
       <p:ext uri="{BB962C8B-B14F-4D97-AF65-F5344CB8AC3E}">
-        <p14:creationId xmlns:p14="http://schemas.microsoft.com/office/powerpoint/2010/main" val="2650767775"/>
+        <p14:creationId xmlns:p14="http://schemas.microsoft.com/office/powerpoint/2010/main" val="2637954320"/>
       </p:ext>
     </p:extLst>
   </p:cSld>
@@ -18731,7 +21015,7 @@
 
 <file path=customXml/item1.xml><?xml version="1.0" encoding="utf-8"?>
 <Control xmlns="http://schemas.microsoft.com/VisualStudio/2011/storyboarding/control">
-  <Id Name="System.Storyboarding.Backgrounds.Window" Revision="1" Stencil="System.Storyboarding.Backgrounds" StencilVersion="0.1"/>
+  <Id Name="System.Storyboarding.WindowsDesktop.MenuBar" Revision="1" Stencil="System.Storyboarding.WindowsDesktop" StencilVersion="0.1"/>
 </Control>
 </file>
 
@@ -18743,13 +21027,13 @@
 
 <file path=customXml/item11.xml><?xml version="1.0" encoding="utf-8"?>
 <Control xmlns="http://schemas.microsoft.com/VisualStudio/2011/storyboarding/control">
-  <Id Name="System.Storyboarding.WindowsDesktop.FileMenu" Revision="1" Stencil="System.Storyboarding.WindowsDesktop" StencilVersion="0.1"/>
+  <Id Name="System.Storyboarding.Common.DragSelection" Revision="1" Stencil="System.Storyboarding.Common" StencilVersion="0.1"/>
 </Control>
 </file>
 
 <file path=customXml/item12.xml><?xml version="1.0" encoding="utf-8"?>
 <Control xmlns="http://schemas.microsoft.com/VisualStudio/2011/storyboarding/control">
-  <Id Name="System.Storyboarding.Common.DragSelection" Revision="1" Stencil="System.Storyboarding.Common" StencilVersion="0.1"/>
+  <Id Name="5e505f8e-b0aa-429a-bb4c-92ab0e8a8ee6" RevisionId="d2083f08-ba4f-4330-87aa-e4d23a4443d7" Stencil="172d6d98-e5c9-42e9-a209-79f7a94bbd38" StencilRevisionId="00000000-0000-0000-0000-000000000000" StencilVersion="0.0"/>
 </Control>
 </file>
 
@@ -18767,43 +21051,43 @@
 
 <file path=customXml/item14.xml><?xml version="1.0" encoding="utf-8"?>
 <Control xmlns="http://schemas.microsoft.com/VisualStudio/2011/storyboarding/control">
-  <Id Name="System.Storyboarding.WindowsDesktop.DialogBox" Revision="1" Stencil="System.Storyboarding.WindowsDesktop" StencilVersion="0.1"/>
+  <Id Name="System.Storyboarding.WindowsApps.WindowsAppsListBox" Revision="1" Stencil="System.Storyboarding.WindowsApps" StencilVersion="0.1"/>
 </Control>
 </file>
 
 <file path=customXml/item15.xml><?xml version="1.0" encoding="utf-8"?>
 <Control xmlns="http://schemas.microsoft.com/VisualStudio/2011/storyboarding/control">
-  <Id Name="System.Storyboarding.WindowsApps.WindowsAppsListBox" Revision="1" Stencil="System.Storyboarding.WindowsApps" StencilVersion="0.1"/>
+  <Id Name="System.Storyboarding.Backgrounds.Window" Revision="1" Stencil="System.Storyboarding.Backgrounds" StencilVersion="0.1"/>
 </Control>
 </file>
 
 <file path=customXml/item16.xml><?xml version="1.0" encoding="utf-8"?>
 <Control xmlns="http://schemas.microsoft.com/VisualStudio/2011/storyboarding/control">
-  <Id Name="5e505f8e-b0aa-429a-bb4c-92ab0e8a8ee6" RevisionId="d2083f08-ba4f-4330-87aa-e4d23a4443d7" Stencil="172d6d98-e5c9-42e9-a209-79f7a94bbd38" StencilRevisionId="00000000-0000-0000-0000-000000000000" StencilVersion="0.0"/>
+  <Id Name="System.Storyboarding.Common.CheckBoxUnchecked" Revision="1" Stencil="System.Storyboarding.Common" StencilVersion="0.1"/>
 </Control>
 </file>
 
 <file path=customXml/item17.xml><?xml version="1.0" encoding="utf-8"?>
 <Control xmlns="http://schemas.microsoft.com/VisualStudio/2011/storyboarding/control">
-  <Id Name="System.Storyboarding.Common.CheckBoxChecked" Revision="1" Stencil="System.Storyboarding.Common" StencilVersion="0.1"/>
+  <Id Name="System.Storyboarding.WindowsDesktop.FileMenu" Revision="1" Stencil="System.Storyboarding.WindowsDesktop" StencilVersion="0.1"/>
 </Control>
 </file>
 
 <file path=customXml/item18.xml><?xml version="1.0" encoding="utf-8"?>
 <Control xmlns="http://schemas.microsoft.com/VisualStudio/2011/storyboarding/control">
-  <Id Name="System.Storyboarding.Common.CheckBoxUnchecked" Revision="1" Stencil="System.Storyboarding.Common" StencilVersion="0.1"/>
+  <Id Name="System.Storyboarding.Backgrounds.Window" Revision="1" Stencil="System.Storyboarding.Backgrounds" StencilVersion="0.1"/>
 </Control>
 </file>
 
 <file path=customXml/item19.xml><?xml version="1.0" encoding="utf-8"?>
 <Control xmlns="http://schemas.microsoft.com/VisualStudio/2011/storyboarding/control">
-  <Id Name="System.Storyboarding.Common.CheckBoxUnchecked" Revision="1" Stencil="System.Storyboarding.Common" StencilVersion="0.1"/>
+  <Id Name="System.Storyboarding.WindowsDesktop.MenuBar" Revision="1" Stencil="System.Storyboarding.WindowsDesktop" StencilVersion="0.1"/>
 </Control>
 </file>
 
 <file path=customXml/item2.xml><?xml version="1.0" encoding="utf-8"?>
 <Control xmlns="http://schemas.microsoft.com/VisualStudio/2011/storyboarding/control">
-  <Id Name="System.Storyboarding.WindowsDesktop.MenuBar" Revision="1" Stencil="System.Storyboarding.WindowsDesktop" StencilVersion="0.1"/>
+  <Id Name="System.Storyboarding.Backgrounds.Window" Revision="1" Stencil="System.Storyboarding.Backgrounds" StencilVersion="0.1"/>
 </Control>
 </file>
 
@@ -18815,13 +21099,13 @@
 
 <file path=customXml/item21.xml><?xml version="1.0" encoding="utf-8"?>
 <Control xmlns="http://schemas.microsoft.com/VisualStudio/2011/storyboarding/control">
-  <Id Name="System.Storyboarding.Common.TextInput" Revision="1" Stencil="System.Storyboarding.Common" StencilVersion="0.1"/>
+  <Id Name="System.Storyboarding.Common.CheckBoxChecked" Revision="1" Stencil="System.Storyboarding.Common" StencilVersion="0.1"/>
 </Control>
 </file>
 
 <file path=customXml/item22.xml><?xml version="1.0" encoding="utf-8"?>
 <Control xmlns="http://schemas.microsoft.com/VisualStudio/2011/storyboarding/control">
-  <Id Name="System.Storyboarding.Common.TextInput" Revision="1" Stencil="System.Storyboarding.Common" StencilVersion="0.1"/>
+  <Id Name="System.Storyboarding.Common.Text" Revision="1" Stencil="System.Storyboarding.Common" StencilVersion="0.1"/>
 </Control>
 </file>
 
@@ -18833,60 +21117,60 @@
 
 <file path=customXml/item24.xml><?xml version="1.0" encoding="utf-8"?>
 <Control xmlns="http://schemas.microsoft.com/VisualStudio/2011/storyboarding/control">
-  <Id Name="System.Storyboarding.Common.Text" Revision="1" Stencil="System.Storyboarding.Common" StencilVersion="0.1"/>
+  <Id Name="System.Storyboarding.WindowsDesktop.DialogBox" Revision="1" Stencil="System.Storyboarding.WindowsDesktop" StencilVersion="0.1"/>
 </Control>
 </file>
 
 <file path=customXml/item25.xml><?xml version="1.0" encoding="utf-8"?>
 <Control xmlns="http://schemas.microsoft.com/VisualStudio/2011/storyboarding/control">
-  <Id Name="System.Storyboarding.Common.CheckBoxChecked" Revision="1" Stencil="System.Storyboarding.Common" StencilVersion="0.1"/>
+  <Id Name="System.Storyboarding.Backgrounds.Window" Revision="1" Stencil="System.Storyboarding.Backgrounds" StencilVersion="0.1"/>
 </Control>
 </file>
 
 <file path=customXml/item3.xml><?xml version="1.0" encoding="utf-8"?>
 <Control xmlns="http://schemas.microsoft.com/VisualStudio/2011/storyboarding/control">
-  <Id Name="System.Storyboarding.Backgrounds.Window" Revision="1" Stencil="System.Storyboarding.Backgrounds" StencilVersion="0.1"/>
+  <Id Name="System.Storyboarding.WindowsDesktop.MenuBar" Revision="1" Stencil="System.Storyboarding.WindowsDesktop" StencilVersion="0.1"/>
 </Control>
 </file>
 
 <file path=customXml/item4.xml><?xml version="1.0" encoding="utf-8"?>
 <Control xmlns="http://schemas.microsoft.com/VisualStudio/2011/storyboarding/control">
-  <Id Name="System.Storyboarding.WindowsDesktop.MenuBar" Revision="1" Stencil="System.Storyboarding.WindowsDesktop" StencilVersion="0.1"/>
+  <Id Name="System.Storyboarding.Common.MousePointer" Revision="1" Stencil="System.Storyboarding.Common" StencilVersion="0.1"/>
 </Control>
 </file>
 
 <file path=customXml/item5.xml><?xml version="1.0" encoding="utf-8"?>
 <Control xmlns="http://schemas.microsoft.com/VisualStudio/2011/storyboarding/control">
-  <Id Name="System.Storyboarding.Common.MousePointer" Revision="1" Stencil="System.Storyboarding.Common" StencilVersion="0.1"/>
+  <Id Name="System.Storyboarding.Common.CheckBoxChecked" Revision="1" Stencil="System.Storyboarding.Common" StencilVersion="0.1"/>
 </Control>
 </file>
 
 <file path=customXml/item6.xml><?xml version="1.0" encoding="utf-8"?>
 <Control xmlns="http://schemas.microsoft.com/VisualStudio/2011/storyboarding/control">
-  <Id Name="System.Storyboarding.Backgrounds.Window" Revision="1" Stencil="System.Storyboarding.Backgrounds" StencilVersion="0.1"/>
+  <Id Name="System.Storyboarding.Common.TextInput" Revision="1" Stencil="System.Storyboarding.Common" StencilVersion="0.1"/>
 </Control>
 </file>
 
 <file path=customXml/item7.xml><?xml version="1.0" encoding="utf-8"?>
 <Control xmlns="http://schemas.microsoft.com/VisualStudio/2011/storyboarding/control">
-  <Id Name="System.Storyboarding.WindowsDesktop.MenuBar" Revision="1" Stencil="System.Storyboarding.WindowsDesktop" StencilVersion="0.1"/>
+  <Id Name="System.Storyboarding.Common.TextInput" Revision="1" Stencil="System.Storyboarding.Common" StencilVersion="0.1"/>
 </Control>
 </file>
 
 <file path=customXml/item8.xml><?xml version="1.0" encoding="utf-8"?>
 <Control xmlns="http://schemas.microsoft.com/VisualStudio/2011/storyboarding/control">
-  <Id Name="System.Storyboarding.WindowsDesktop.FileMenu" Revision="1" Stencil="System.Storyboarding.WindowsDesktop" StencilVersion="0.1"/>
+  <Id Name="System.Storyboarding.Common.CheckBoxUnchecked" Revision="1" Stencil="System.Storyboarding.Common" StencilVersion="0.1"/>
 </Control>
 </file>
 
 <file path=customXml/item9.xml><?xml version="1.0" encoding="utf-8"?>
 <Control xmlns="http://schemas.microsoft.com/VisualStudio/2011/storyboarding/control">
-  <Id Name="System.Storyboarding.Backgrounds.Window" Revision="1" Stencil="System.Storyboarding.Backgrounds" StencilVersion="0.1"/>
+  <Id Name="System.Storyboarding.WindowsDesktop.FileMenu" Revision="1" Stencil="System.Storyboarding.WindowsDesktop" StencilVersion="0.1"/>
 </Control>
 </file>
 
 <file path=customXml/itemProps1.xml><?xml version="1.0" encoding="utf-8"?>
-<ds:datastoreItem xmlns:ds="http://schemas.openxmlformats.org/officeDocument/2006/customXml" ds:itemID="{08117E05-8279-40B2-8C98-17BD47CF047C}">
+<ds:datastoreItem xmlns:ds="http://schemas.openxmlformats.org/officeDocument/2006/customXml" ds:itemID="{D2F8A09A-65EA-406E-ACCF-200333A101C8}">
   <ds:schemaRefs>
     <ds:schemaRef ds:uri="http://schemas.microsoft.com/VisualStudio/2011/storyboarding/control"/>
   </ds:schemaRefs>
@@ -18902,7 +21186,7 @@
 </file>
 
 <file path=customXml/itemProps11.xml><?xml version="1.0" encoding="utf-8"?>
-<ds:datastoreItem xmlns:ds="http://schemas.openxmlformats.org/officeDocument/2006/customXml" ds:itemID="{271DBD6E-E2A5-48DB-9773-ABBFC6987ED4}">
+<ds:datastoreItem xmlns:ds="http://schemas.openxmlformats.org/officeDocument/2006/customXml" ds:itemID="{A0C0B854-DCE0-4777-A6A2-6AA42FCBDEF9}">
   <ds:schemaRefs>
     <ds:schemaRef ds:uri="http://schemas.microsoft.com/VisualStudio/2011/storyboarding/control"/>
   </ds:schemaRefs>
@@ -18910,7 +21194,7 @@
 </file>
 
 <file path=customXml/itemProps12.xml><?xml version="1.0" encoding="utf-8"?>
-<ds:datastoreItem xmlns:ds="http://schemas.openxmlformats.org/officeDocument/2006/customXml" ds:itemID="{A0C0B854-DCE0-4777-A6A2-6AA42FCBDEF9}">
+<ds:datastoreItem xmlns:ds="http://schemas.openxmlformats.org/officeDocument/2006/customXml" ds:itemID="{A41DB21A-AE9E-4B14-B182-EA560F7D74DA}">
   <ds:schemaRefs>
     <ds:schemaRef ds:uri="http://schemas.microsoft.com/VisualStudio/2011/storyboarding/control"/>
   </ds:schemaRefs>
@@ -18928,7 +21212,7 @@
 </file>
 
 <file path=customXml/itemProps14.xml><?xml version="1.0" encoding="utf-8"?>
-<ds:datastoreItem xmlns:ds="http://schemas.openxmlformats.org/officeDocument/2006/customXml" ds:itemID="{75AB1E6F-A2B5-45A3-9769-33069D11639B}">
+<ds:datastoreItem xmlns:ds="http://schemas.openxmlformats.org/officeDocument/2006/customXml" ds:itemID="{6AD7DCC7-FD22-482F-BE87-3EB39C4561D8}">
   <ds:schemaRefs>
     <ds:schemaRef ds:uri="http://schemas.microsoft.com/VisualStudio/2011/storyboarding/control"/>
   </ds:schemaRefs>
@@ -18936,7 +21220,7 @@
 </file>
 
 <file path=customXml/itemProps15.xml><?xml version="1.0" encoding="utf-8"?>
-<ds:datastoreItem xmlns:ds="http://schemas.openxmlformats.org/officeDocument/2006/customXml" ds:itemID="{6AD7DCC7-FD22-482F-BE87-3EB39C4561D8}">
+<ds:datastoreItem xmlns:ds="http://schemas.openxmlformats.org/officeDocument/2006/customXml" ds:itemID="{0C8D0A77-4BE1-44D5-AB76-099BA878F4AC}">
   <ds:schemaRefs>
     <ds:schemaRef ds:uri="http://schemas.microsoft.com/VisualStudio/2011/storyboarding/control"/>
   </ds:schemaRefs>
@@ -18944,7 +21228,7 @@
 </file>
 
 <file path=customXml/itemProps16.xml><?xml version="1.0" encoding="utf-8"?>
-<ds:datastoreItem xmlns:ds="http://schemas.openxmlformats.org/officeDocument/2006/customXml" ds:itemID="{A41DB21A-AE9E-4B14-B182-EA560F7D74DA}">
+<ds:datastoreItem xmlns:ds="http://schemas.openxmlformats.org/officeDocument/2006/customXml" ds:itemID="{6B61DC19-A233-4A2E-9FD7-A5620DB62F2D}">
   <ds:schemaRefs>
     <ds:schemaRef ds:uri="http://schemas.microsoft.com/VisualStudio/2011/storyboarding/control"/>
   </ds:schemaRefs>
@@ -18952,6 +21236,46 @@
 </file>
 
 <file path=customXml/itemProps17.xml><?xml version="1.0" encoding="utf-8"?>
+<ds:datastoreItem xmlns:ds="http://schemas.openxmlformats.org/officeDocument/2006/customXml" ds:itemID="{5BF3A0E7-D0DC-4EC6-A56C-9FBFB70B3E8F}">
+  <ds:schemaRefs>
+    <ds:schemaRef ds:uri="http://schemas.microsoft.com/VisualStudio/2011/storyboarding/control"/>
+  </ds:schemaRefs>
+</ds:datastoreItem>
+</file>
+
+<file path=customXml/itemProps18.xml><?xml version="1.0" encoding="utf-8"?>
+<ds:datastoreItem xmlns:ds="http://schemas.openxmlformats.org/officeDocument/2006/customXml" ds:itemID="{08117E05-8279-40B2-8C98-17BD47CF047C}">
+  <ds:schemaRefs>
+    <ds:schemaRef ds:uri="http://schemas.microsoft.com/VisualStudio/2011/storyboarding/control"/>
+  </ds:schemaRefs>
+</ds:datastoreItem>
+</file>
+
+<file path=customXml/itemProps19.xml><?xml version="1.0" encoding="utf-8"?>
+<ds:datastoreItem xmlns:ds="http://schemas.openxmlformats.org/officeDocument/2006/customXml" ds:itemID="{AADB52BB-F608-4EDE-9EE9-9CF85A7F98CA}">
+  <ds:schemaRefs>
+    <ds:schemaRef ds:uri="http://schemas.microsoft.com/VisualStudio/2011/storyboarding/control"/>
+  </ds:schemaRefs>
+</ds:datastoreItem>
+</file>
+
+<file path=customXml/itemProps2.xml><?xml version="1.0" encoding="utf-8"?>
+<ds:datastoreItem xmlns:ds="http://schemas.openxmlformats.org/officeDocument/2006/customXml" ds:itemID="{800D81F8-4BC0-4834-B187-464530346FCD}">
+  <ds:schemaRefs>
+    <ds:schemaRef ds:uri="http://schemas.microsoft.com/VisualStudio/2011/storyboarding/control"/>
+  </ds:schemaRefs>
+</ds:datastoreItem>
+</file>
+
+<file path=customXml/itemProps20.xml><?xml version="1.0" encoding="utf-8"?>
+<ds:datastoreItem xmlns:ds="http://schemas.openxmlformats.org/officeDocument/2006/customXml" ds:itemID="{B08AF36E-067A-4DBE-A512-235742A49236}">
+  <ds:schemaRefs>
+    <ds:schemaRef ds:uri="http://schemas.microsoft.com/VisualStudio/2011/storyboarding/control"/>
+  </ds:schemaRefs>
+</ds:datastoreItem>
+</file>
+
+<file path=customXml/itemProps21.xml><?xml version="1.0" encoding="utf-8"?>
 <ds:datastoreItem xmlns:ds="http://schemas.openxmlformats.org/officeDocument/2006/customXml" ds:itemID="{2CC5C6A2-55D6-45C9-B025-9707686F78B4}">
   <ds:schemaRefs>
     <ds:schemaRef ds:uri="http://schemas.microsoft.com/VisualStudio/2011/storyboarding/control"/>
@@ -18959,48 +21283,8 @@
 </ds:datastoreItem>
 </file>
 
-<file path=customXml/itemProps18.xml><?xml version="1.0" encoding="utf-8"?>
-<ds:datastoreItem xmlns:ds="http://schemas.openxmlformats.org/officeDocument/2006/customXml" ds:itemID="{135B7A6F-E387-4B16-9C6E-5C72ACF9A87B}">
-  <ds:schemaRefs>
-    <ds:schemaRef ds:uri="http://schemas.microsoft.com/VisualStudio/2011/storyboarding/control"/>
-  </ds:schemaRefs>
-</ds:datastoreItem>
-</file>
-
-<file path=customXml/itemProps19.xml><?xml version="1.0" encoding="utf-8"?>
-<ds:datastoreItem xmlns:ds="http://schemas.openxmlformats.org/officeDocument/2006/customXml" ds:itemID="{B08AF36E-067A-4DBE-A512-235742A49236}">
-  <ds:schemaRefs>
-    <ds:schemaRef ds:uri="http://schemas.microsoft.com/VisualStudio/2011/storyboarding/control"/>
-  </ds:schemaRefs>
-</ds:datastoreItem>
-</file>
-
-<file path=customXml/itemProps2.xml><?xml version="1.0" encoding="utf-8"?>
-<ds:datastoreItem xmlns:ds="http://schemas.openxmlformats.org/officeDocument/2006/customXml" ds:itemID="{D2F8A09A-65EA-406E-ACCF-200333A101C8}">
-  <ds:schemaRefs>
-    <ds:schemaRef ds:uri="http://schemas.microsoft.com/VisualStudio/2011/storyboarding/control"/>
-  </ds:schemaRefs>
-</ds:datastoreItem>
-</file>
-
-<file path=customXml/itemProps20.xml><?xml version="1.0" encoding="utf-8"?>
-<ds:datastoreItem xmlns:ds="http://schemas.openxmlformats.org/officeDocument/2006/customXml" ds:itemID="{6B61DC19-A233-4A2E-9FD7-A5620DB62F2D}">
-  <ds:schemaRefs>
-    <ds:schemaRef ds:uri="http://schemas.microsoft.com/VisualStudio/2011/storyboarding/control"/>
-  </ds:schemaRefs>
-</ds:datastoreItem>
-</file>
-
-<file path=customXml/itemProps21.xml><?xml version="1.0" encoding="utf-8"?>
-<ds:datastoreItem xmlns:ds="http://schemas.openxmlformats.org/officeDocument/2006/customXml" ds:itemID="{35128DAE-002C-4C6E-936F-3A4A0FD00A4D}">
-  <ds:schemaRefs>
-    <ds:schemaRef ds:uri="http://schemas.microsoft.com/VisualStudio/2011/storyboarding/control"/>
-  </ds:schemaRefs>
-</ds:datastoreItem>
-</file>
-
 <file path=customXml/itemProps22.xml><?xml version="1.0" encoding="utf-8"?>
-<ds:datastoreItem xmlns:ds="http://schemas.openxmlformats.org/officeDocument/2006/customXml" ds:itemID="{EB93A196-B759-4593-A93F-A43A64E07BBB}">
+<ds:datastoreItem xmlns:ds="http://schemas.openxmlformats.org/officeDocument/2006/customXml" ds:itemID="{C18EE418-8756-4166-9AFE-76D237F2A576}">
   <ds:schemaRefs>
     <ds:schemaRef ds:uri="http://schemas.microsoft.com/VisualStudio/2011/storyboarding/control"/>
   </ds:schemaRefs>
@@ -19016,7 +21300,7 @@
 </file>
 
 <file path=customXml/itemProps24.xml><?xml version="1.0" encoding="utf-8"?>
-<ds:datastoreItem xmlns:ds="http://schemas.openxmlformats.org/officeDocument/2006/customXml" ds:itemID="{C18EE418-8756-4166-9AFE-76D237F2A576}">
+<ds:datastoreItem xmlns:ds="http://schemas.openxmlformats.org/officeDocument/2006/customXml" ds:itemID="{75AB1E6F-A2B5-45A3-9769-33069D11639B}">
   <ds:schemaRefs>
     <ds:schemaRef ds:uri="http://schemas.microsoft.com/VisualStudio/2011/storyboarding/control"/>
   </ds:schemaRefs>
@@ -19024,6 +21308,30 @@
 </file>
 
 <file path=customXml/itemProps25.xml><?xml version="1.0" encoding="utf-8"?>
+<ds:datastoreItem xmlns:ds="http://schemas.openxmlformats.org/officeDocument/2006/customXml" ds:itemID="{A24D505E-F763-4187-B170-B0C455E3180F}">
+  <ds:schemaRefs>
+    <ds:schemaRef ds:uri="http://schemas.microsoft.com/VisualStudio/2011/storyboarding/control"/>
+  </ds:schemaRefs>
+</ds:datastoreItem>
+</file>
+
+<file path=customXml/itemProps3.xml><?xml version="1.0" encoding="utf-8"?>
+<ds:datastoreItem xmlns:ds="http://schemas.openxmlformats.org/officeDocument/2006/customXml" ds:itemID="{084C318E-C929-4C3E-B33D-A8A9042A119A}">
+  <ds:schemaRefs>
+    <ds:schemaRef ds:uri="http://schemas.microsoft.com/VisualStudio/2011/storyboarding/control"/>
+  </ds:schemaRefs>
+</ds:datastoreItem>
+</file>
+
+<file path=customXml/itemProps4.xml><?xml version="1.0" encoding="utf-8"?>
+<ds:datastoreItem xmlns:ds="http://schemas.openxmlformats.org/officeDocument/2006/customXml" ds:itemID="{6392601F-1C60-40B3-8481-32D2B50E6B0F}">
+  <ds:schemaRefs>
+    <ds:schemaRef ds:uri="http://schemas.microsoft.com/VisualStudio/2011/storyboarding/control"/>
+  </ds:schemaRefs>
+</ds:datastoreItem>
+</file>
+
+<file path=customXml/itemProps5.xml><?xml version="1.0" encoding="utf-8"?>
 <ds:datastoreItem xmlns:ds="http://schemas.openxmlformats.org/officeDocument/2006/customXml" ds:itemID="{92ABB21B-66F7-4314-B129-A4AE8845ED65}">
   <ds:schemaRefs>
     <ds:schemaRef ds:uri="http://schemas.microsoft.com/VisualStudio/2011/storyboarding/control"/>
@@ -19031,32 +21339,8 @@
 </ds:datastoreItem>
 </file>
 
-<file path=customXml/itemProps3.xml><?xml version="1.0" encoding="utf-8"?>
-<ds:datastoreItem xmlns:ds="http://schemas.openxmlformats.org/officeDocument/2006/customXml" ds:itemID="{A24D505E-F763-4187-B170-B0C455E3180F}">
-  <ds:schemaRefs>
-    <ds:schemaRef ds:uri="http://schemas.microsoft.com/VisualStudio/2011/storyboarding/control"/>
-  </ds:schemaRefs>
-</ds:datastoreItem>
-</file>
-
-<file path=customXml/itemProps4.xml><?xml version="1.0" encoding="utf-8"?>
-<ds:datastoreItem xmlns:ds="http://schemas.openxmlformats.org/officeDocument/2006/customXml" ds:itemID="{084C318E-C929-4C3E-B33D-A8A9042A119A}">
-  <ds:schemaRefs>
-    <ds:schemaRef ds:uri="http://schemas.microsoft.com/VisualStudio/2011/storyboarding/control"/>
-  </ds:schemaRefs>
-</ds:datastoreItem>
-</file>
-
-<file path=customXml/itemProps5.xml><?xml version="1.0" encoding="utf-8"?>
-<ds:datastoreItem xmlns:ds="http://schemas.openxmlformats.org/officeDocument/2006/customXml" ds:itemID="{6392601F-1C60-40B3-8481-32D2B50E6B0F}">
-  <ds:schemaRefs>
-    <ds:schemaRef ds:uri="http://schemas.microsoft.com/VisualStudio/2011/storyboarding/control"/>
-  </ds:schemaRefs>
-</ds:datastoreItem>
-</file>
-
 <file path=customXml/itemProps6.xml><?xml version="1.0" encoding="utf-8"?>
-<ds:datastoreItem xmlns:ds="http://schemas.openxmlformats.org/officeDocument/2006/customXml" ds:itemID="{800D81F8-4BC0-4834-B187-464530346FCD}">
+<ds:datastoreItem xmlns:ds="http://schemas.openxmlformats.org/officeDocument/2006/customXml" ds:itemID="{35128DAE-002C-4C6E-936F-3A4A0FD00A4D}">
   <ds:schemaRefs>
     <ds:schemaRef ds:uri="http://schemas.microsoft.com/VisualStudio/2011/storyboarding/control"/>
   </ds:schemaRefs>
@@ -19064,7 +21348,7 @@
 </file>
 
 <file path=customXml/itemProps7.xml><?xml version="1.0" encoding="utf-8"?>
-<ds:datastoreItem xmlns:ds="http://schemas.openxmlformats.org/officeDocument/2006/customXml" ds:itemID="{AADB52BB-F608-4EDE-9EE9-9CF85A7F98CA}">
+<ds:datastoreItem xmlns:ds="http://schemas.openxmlformats.org/officeDocument/2006/customXml" ds:itemID="{EB93A196-B759-4593-A93F-A43A64E07BBB}">
   <ds:schemaRefs>
     <ds:schemaRef ds:uri="http://schemas.microsoft.com/VisualStudio/2011/storyboarding/control"/>
   </ds:schemaRefs>
@@ -19072,7 +21356,7 @@
 </file>
 
 <file path=customXml/itemProps8.xml><?xml version="1.0" encoding="utf-8"?>
-<ds:datastoreItem xmlns:ds="http://schemas.openxmlformats.org/officeDocument/2006/customXml" ds:itemID="{5BF3A0E7-D0DC-4EC6-A56C-9FBFB70B3E8F}">
+<ds:datastoreItem xmlns:ds="http://schemas.openxmlformats.org/officeDocument/2006/customXml" ds:itemID="{135B7A6F-E387-4B16-9C6E-5C72ACF9A87B}">
   <ds:schemaRefs>
     <ds:schemaRef ds:uri="http://schemas.microsoft.com/VisualStudio/2011/storyboarding/control"/>
   </ds:schemaRefs>
@@ -19080,7 +21364,7 @@
 </file>
 
 <file path=customXml/itemProps9.xml><?xml version="1.0" encoding="utf-8"?>
-<ds:datastoreItem xmlns:ds="http://schemas.openxmlformats.org/officeDocument/2006/customXml" ds:itemID="{0C8D0A77-4BE1-44D5-AB76-099BA878F4AC}">
+<ds:datastoreItem xmlns:ds="http://schemas.openxmlformats.org/officeDocument/2006/customXml" ds:itemID="{271DBD6E-E2A5-48DB-9773-ABBFC6987ED4}">
   <ds:schemaRefs>
     <ds:schemaRef ds:uri="http://schemas.microsoft.com/VisualStudio/2011/storyboarding/control"/>
   </ds:schemaRefs>

--- a/RGBMusicPresentation.pptx
+++ b/RGBMusicPresentation.pptx
@@ -2,38 +2,40 @@
 <file path=ppt/presentation.xml><?xml version="1.0" encoding="utf-8"?>
 <p:presentation xmlns:a="http://schemas.openxmlformats.org/drawingml/2006/main" xmlns:r="http://schemas.openxmlformats.org/officeDocument/2006/relationships" xmlns:p="http://schemas.openxmlformats.org/presentationml/2006/main" saveSubsetFonts="1">
   <p:sldMasterIdLst>
-    <p:sldMasterId id="2147483660" r:id="rId26"/>
+    <p:sldMasterId id="2147483660" r:id="rId28"/>
   </p:sldMasterIdLst>
   <p:notesMasterIdLst>
-    <p:notesMasterId r:id="rId53"/>
+    <p:notesMasterId r:id="rId57"/>
   </p:notesMasterIdLst>
   <p:sldIdLst>
-    <p:sldId id="269" r:id="rId27"/>
-    <p:sldId id="257" r:id="rId28"/>
-    <p:sldId id="282" r:id="rId29"/>
-    <p:sldId id="283" r:id="rId30"/>
-    <p:sldId id="284" r:id="rId31"/>
-    <p:sldId id="285" r:id="rId32"/>
-    <p:sldId id="286" r:id="rId33"/>
-    <p:sldId id="287" r:id="rId34"/>
-    <p:sldId id="289" r:id="rId35"/>
-    <p:sldId id="288" r:id="rId36"/>
-    <p:sldId id="260" r:id="rId37"/>
-    <p:sldId id="281" r:id="rId38"/>
-    <p:sldId id="270" r:id="rId39"/>
-    <p:sldId id="271" r:id="rId40"/>
-    <p:sldId id="261" r:id="rId41"/>
-    <p:sldId id="275" r:id="rId42"/>
-    <p:sldId id="272" r:id="rId43"/>
-    <p:sldId id="263" r:id="rId44"/>
-    <p:sldId id="268" r:id="rId45"/>
-    <p:sldId id="277" r:id="rId46"/>
-    <p:sldId id="278" r:id="rId47"/>
-    <p:sldId id="279" r:id="rId48"/>
-    <p:sldId id="280" r:id="rId49"/>
-    <p:sldId id="265" r:id="rId50"/>
-    <p:sldId id="259" r:id="rId51"/>
-    <p:sldId id="267" r:id="rId52"/>
+    <p:sldId id="269" r:id="rId29"/>
+    <p:sldId id="257" r:id="rId30"/>
+    <p:sldId id="282" r:id="rId31"/>
+    <p:sldId id="283" r:id="rId32"/>
+    <p:sldId id="284" r:id="rId33"/>
+    <p:sldId id="285" r:id="rId34"/>
+    <p:sldId id="286" r:id="rId35"/>
+    <p:sldId id="287" r:id="rId36"/>
+    <p:sldId id="289" r:id="rId37"/>
+    <p:sldId id="288" r:id="rId38"/>
+    <p:sldId id="260" r:id="rId39"/>
+    <p:sldId id="281" r:id="rId40"/>
+    <p:sldId id="270" r:id="rId41"/>
+    <p:sldId id="271" r:id="rId42"/>
+    <p:sldId id="261" r:id="rId43"/>
+    <p:sldId id="275" r:id="rId44"/>
+    <p:sldId id="272" r:id="rId45"/>
+    <p:sldId id="263" r:id="rId46"/>
+    <p:sldId id="268" r:id="rId47"/>
+    <p:sldId id="292" r:id="rId48"/>
+    <p:sldId id="291" r:id="rId49"/>
+    <p:sldId id="277" r:id="rId50"/>
+    <p:sldId id="278" r:id="rId51"/>
+    <p:sldId id="279" r:id="rId52"/>
+    <p:sldId id="280" r:id="rId53"/>
+    <p:sldId id="265" r:id="rId54"/>
+    <p:sldId id="259" r:id="rId55"/>
+    <p:sldId id="267" r:id="rId56"/>
   </p:sldIdLst>
   <p:sldSz cx="12192000" cy="6858000"/>
   <p:notesSz cx="6858000" cy="9144000"/>
@@ -3176,7 +3178,7 @@
           <a:p>
             <a:fld id="{E915A3F3-128A-4D96-B02F-ECDB675C7CC8}" type="datetimeFigureOut">
               <a:rPr lang="en-US" smtClean="0"/>
-              <a:t>12/15/2018</a:t>
+              <a:t>12/17/2018</a:t>
             </a:fld>
             <a:endParaRPr lang="en-US"/>
           </a:p>
@@ -3487,6 +3489,10 @@
           <a:bodyPr/>
           <a:lstStyle/>
           <a:p>
+            <a:r>
+              <a:rPr lang="en-US" dirty="0" err="1" smtClean="0"/>
+              <a:t>oran</a:t>
+            </a:r>
             <a:endParaRPr lang="en-US" dirty="0"/>
           </a:p>
         </p:txBody>
@@ -3571,6 +3577,10 @@
           <a:bodyPr/>
           <a:lstStyle/>
           <a:p>
+            <a:r>
+              <a:rPr lang="en-US" dirty="0" err="1" smtClean="0"/>
+              <a:t>oran</a:t>
+            </a:r>
             <a:endParaRPr lang="he-IL" dirty="0"/>
           </a:p>
         </p:txBody>
@@ -3592,7 +3602,7 @@
           <a:p>
             <a:fld id="{AA9BED1A-8388-4503-8515-6BC02580799D}" type="slidenum">
               <a:rPr lang="en-US" smtClean="0"/>
-              <a:t>11</a:t>
+              <a:t>10</a:t>
             </a:fld>
             <a:endParaRPr lang="en-US"/>
           </a:p>
@@ -3601,7 +3611,7 @@
     </p:spTree>
     <p:extLst>
       <p:ext uri="{BB962C8B-B14F-4D97-AF65-F5344CB8AC3E}">
-        <p14:creationId xmlns:p14="http://schemas.microsoft.com/office/powerpoint/2010/main" val="1797094355"/>
+        <p14:creationId xmlns:p14="http://schemas.microsoft.com/office/powerpoint/2010/main" val="3071332509"/>
       </p:ext>
     </p:extLst>
   </p:cSld>
@@ -3655,36 +3665,30 @@
           <a:bodyPr/>
           <a:lstStyle/>
           <a:p>
-            <a:r>
-              <a:rPr lang="he-IL" sz="1200" b="0" i="0" u="none" strike="noStrike" kern="1200" baseline="0" dirty="0">
-                <a:solidFill>
-                  <a:schemeClr val="tx1"/>
-                </a:solidFill>
-                <a:latin typeface="+mn-lt"/>
-                <a:ea typeface="+mn-ea"/>
-                <a:cs typeface="+mn-cs"/>
-              </a:rPr>
-              <a:t>תמצית עבודות דומות המתארת בצורה מדויקת את מה נעשה העבודות קודמות, מה הן</a:t>
-            </a:r>
-          </a:p>
-          <a:p>
-            <a:r>
-              <a:rPr lang="he-IL" sz="1200" b="0" i="0" u="none" strike="noStrike" kern="1200" baseline="0" dirty="0">
-                <a:solidFill>
-                  <a:schemeClr val="tx1"/>
-                </a:solidFill>
-                <a:latin typeface="+mn-lt"/>
-                <a:ea typeface="+mn-ea"/>
-                <a:cs typeface="+mn-cs"/>
-              </a:rPr>
-              <a:t>פתרו או הביעו, יתרונותיהן וחסרונותיהן.</a:t>
-            </a:r>
-          </a:p>
-          <a:p>
-            <a:pPr marL="171450" indent="-171450">
-              <a:buFont typeface="Arial" panose="020B0604020202020204" pitchFamily="34" charset="0"/>
-              <a:buChar char="•"/>
+            <a:pPr marL="0" marR="0" lvl="0" indent="0" algn="l" defTabSz="914400" rtl="0" eaLnBrk="1" fontAlgn="auto" latinLnBrk="0" hangingPunct="1">
+              <a:lnSpc>
+                <a:spcPct val="100000"/>
+              </a:lnSpc>
+              <a:spcBef>
+                <a:spcPts val="0"/>
+              </a:spcBef>
+              <a:spcAft>
+                <a:spcPts val="0"/>
+              </a:spcAft>
+              <a:buClrTx/>
+              <a:buSzTx/>
+              <a:buFontTx/>
+              <a:buNone/>
+              <a:tabLst/>
+              <a:defRPr/>
             </a:pPr>
+            <a:r>
+              <a:rPr lang="en-US" dirty="0" err="1" smtClean="0"/>
+              <a:t>oran</a:t>
+            </a:r>
+            <a:endParaRPr lang="he-IL" dirty="0" smtClean="0"/>
+          </a:p>
+          <a:p>
             <a:endParaRPr lang="he-IL" dirty="0"/>
           </a:p>
         </p:txBody>
@@ -3706,7 +3710,7 @@
           <a:p>
             <a:fld id="{AA9BED1A-8388-4503-8515-6BC02580799D}" type="slidenum">
               <a:rPr lang="en-US" smtClean="0"/>
-              <a:t>12</a:t>
+              <a:t>11</a:t>
             </a:fld>
             <a:endParaRPr lang="en-US"/>
           </a:p>
@@ -3715,7 +3719,7 @@
     </p:spTree>
     <p:extLst>
       <p:ext uri="{BB962C8B-B14F-4D97-AF65-F5344CB8AC3E}">
-        <p14:creationId xmlns:p14="http://schemas.microsoft.com/office/powerpoint/2010/main" val="298110142"/>
+        <p14:creationId xmlns:p14="http://schemas.microsoft.com/office/powerpoint/2010/main" val="1797094355"/>
       </p:ext>
     </p:extLst>
   </p:cSld>
@@ -3770,6 +3774,40 @@
           <a:lstStyle/>
           <a:p>
             <a:r>
+              <a:rPr lang="en-US" sz="1200" b="0" i="0" u="none" strike="noStrike" kern="1200" baseline="0" dirty="0" smtClean="0">
+                <a:solidFill>
+                  <a:schemeClr val="tx1"/>
+                </a:solidFill>
+                <a:latin typeface="+mn-lt"/>
+                <a:ea typeface="+mn-ea"/>
+                <a:cs typeface="+mn-cs"/>
+              </a:rPr>
+              <a:t>Zehavit</a:t>
+            </a:r>
+          </a:p>
+          <a:p>
+            <a:endParaRPr lang="en-US" sz="1200" b="0" i="0" u="none" strike="noStrike" kern="1200" baseline="0" dirty="0" smtClean="0">
+              <a:solidFill>
+                <a:schemeClr val="tx1"/>
+              </a:solidFill>
+              <a:latin typeface="+mn-lt"/>
+              <a:ea typeface="+mn-ea"/>
+              <a:cs typeface="+mn-cs"/>
+            </a:endParaRPr>
+          </a:p>
+          <a:p>
+            <a:r>
+              <a:rPr lang="he-IL" sz="1200" b="0" i="0" u="none" strike="noStrike" kern="1200" baseline="0" dirty="0" smtClean="0">
+                <a:solidFill>
+                  <a:schemeClr val="tx1"/>
+                </a:solidFill>
+                <a:latin typeface="+mn-lt"/>
+                <a:ea typeface="+mn-ea"/>
+                <a:cs typeface="+mn-cs"/>
+              </a:rPr>
+              <a:t>תמצית </a:t>
+            </a:r>
+            <a:r>
               <a:rPr lang="he-IL" sz="1200" b="0" i="0" u="none" strike="noStrike" kern="1200" baseline="0" dirty="0">
                 <a:solidFill>
                   <a:schemeClr val="tx1"/>
@@ -3778,7 +3816,7 @@
                 <a:ea typeface="+mn-ea"/>
                 <a:cs typeface="+mn-cs"/>
               </a:rPr>
-              <a:t>תמצית עבודות דומות המתארת בצורה מדויקת את מה נעשה העבודות קודמות, מה הן</a:t>
+              <a:t>עבודות דומות המתארת בצורה מדויקת את מה נעשה העבודות קודמות, מה הן</a:t>
             </a:r>
           </a:p>
           <a:p>
@@ -3820,7 +3858,7 @@
           <a:p>
             <a:fld id="{AA9BED1A-8388-4503-8515-6BC02580799D}" type="slidenum">
               <a:rPr lang="en-US" smtClean="0"/>
-              <a:t>13</a:t>
+              <a:t>12</a:t>
             </a:fld>
             <a:endParaRPr lang="en-US"/>
           </a:p>
@@ -3829,7 +3867,7 @@
     </p:spTree>
     <p:extLst>
       <p:ext uri="{BB962C8B-B14F-4D97-AF65-F5344CB8AC3E}">
-        <p14:creationId xmlns:p14="http://schemas.microsoft.com/office/powerpoint/2010/main" val="392647567"/>
+        <p14:creationId xmlns:p14="http://schemas.microsoft.com/office/powerpoint/2010/main" val="298110142"/>
       </p:ext>
     </p:extLst>
   </p:cSld>
@@ -3883,6 +3921,81 @@
           <a:bodyPr/>
           <a:lstStyle/>
           <a:p>
+            <a:pPr marL="0" marR="0" lvl="0" indent="0" algn="l" defTabSz="914400" rtl="0" eaLnBrk="1" fontAlgn="auto" latinLnBrk="0" hangingPunct="1">
+              <a:lnSpc>
+                <a:spcPct val="100000"/>
+              </a:lnSpc>
+              <a:spcBef>
+                <a:spcPts val="0"/>
+              </a:spcBef>
+              <a:spcAft>
+                <a:spcPts val="0"/>
+              </a:spcAft>
+              <a:buClrTx/>
+              <a:buSzTx/>
+              <a:buFontTx/>
+              <a:buNone/>
+              <a:tabLst/>
+              <a:defRPr/>
+            </a:pPr>
+            <a:r>
+              <a:rPr lang="en-US" dirty="0" err="1" smtClean="0"/>
+              <a:t>oran</a:t>
+            </a:r>
+            <a:endParaRPr lang="he-IL" dirty="0" smtClean="0"/>
+          </a:p>
+          <a:p>
+            <a:endParaRPr lang="en-US" sz="1200" b="0" i="0" u="none" strike="noStrike" kern="1200" baseline="0" dirty="0" smtClean="0">
+              <a:solidFill>
+                <a:schemeClr val="tx1"/>
+              </a:solidFill>
+              <a:latin typeface="+mn-lt"/>
+              <a:ea typeface="+mn-ea"/>
+              <a:cs typeface="+mn-cs"/>
+            </a:endParaRPr>
+          </a:p>
+          <a:p>
+            <a:r>
+              <a:rPr lang="he-IL" sz="1200" b="0" i="0" u="none" strike="noStrike" kern="1200" baseline="0" dirty="0" smtClean="0">
+                <a:solidFill>
+                  <a:schemeClr val="tx1"/>
+                </a:solidFill>
+                <a:latin typeface="+mn-lt"/>
+                <a:ea typeface="+mn-ea"/>
+                <a:cs typeface="+mn-cs"/>
+              </a:rPr>
+              <a:t>תמצית </a:t>
+            </a:r>
+            <a:r>
+              <a:rPr lang="he-IL" sz="1200" b="0" i="0" u="none" strike="noStrike" kern="1200" baseline="0" dirty="0">
+                <a:solidFill>
+                  <a:schemeClr val="tx1"/>
+                </a:solidFill>
+                <a:latin typeface="+mn-lt"/>
+                <a:ea typeface="+mn-ea"/>
+                <a:cs typeface="+mn-cs"/>
+              </a:rPr>
+              <a:t>עבודות דומות המתארת בצורה מדויקת את מה נעשה העבודות קודמות, מה הן</a:t>
+            </a:r>
+          </a:p>
+          <a:p>
+            <a:r>
+              <a:rPr lang="he-IL" sz="1200" b="0" i="0" u="none" strike="noStrike" kern="1200" baseline="0" dirty="0">
+                <a:solidFill>
+                  <a:schemeClr val="tx1"/>
+                </a:solidFill>
+                <a:latin typeface="+mn-lt"/>
+                <a:ea typeface="+mn-ea"/>
+                <a:cs typeface="+mn-cs"/>
+              </a:rPr>
+              <a:t>פתרו או הביעו, יתרונותיהן וחסרונותיהן.</a:t>
+            </a:r>
+          </a:p>
+          <a:p>
+            <a:pPr marL="171450" indent="-171450">
+              <a:buFont typeface="Arial" panose="020B0604020202020204" pitchFamily="34" charset="0"/>
+              <a:buChar char="•"/>
+            </a:pPr>
             <a:endParaRPr lang="he-IL" dirty="0"/>
           </a:p>
         </p:txBody>
@@ -3904,7 +4017,7 @@
           <a:p>
             <a:fld id="{AA9BED1A-8388-4503-8515-6BC02580799D}" type="slidenum">
               <a:rPr lang="en-US" smtClean="0"/>
-              <a:t>15</a:t>
+              <a:t>13</a:t>
             </a:fld>
             <a:endParaRPr lang="en-US"/>
           </a:p>
@@ -3913,7 +4026,7 @@
     </p:spTree>
     <p:extLst>
       <p:ext uri="{BB962C8B-B14F-4D97-AF65-F5344CB8AC3E}">
-        <p14:creationId xmlns:p14="http://schemas.microsoft.com/office/powerpoint/2010/main" val="2325970450"/>
+        <p14:creationId xmlns:p14="http://schemas.microsoft.com/office/powerpoint/2010/main" val="392647567"/>
       </p:ext>
     </p:extLst>
   </p:cSld>
@@ -3967,6 +4080,30 @@
           <a:bodyPr/>
           <a:lstStyle/>
           <a:p>
+            <a:pPr marL="0" marR="0" lvl="0" indent="0" algn="l" defTabSz="914400" rtl="0" eaLnBrk="1" fontAlgn="auto" latinLnBrk="0" hangingPunct="1">
+              <a:lnSpc>
+                <a:spcPct val="100000"/>
+              </a:lnSpc>
+              <a:spcBef>
+                <a:spcPts val="0"/>
+              </a:spcBef>
+              <a:spcAft>
+                <a:spcPts val="0"/>
+              </a:spcAft>
+              <a:buClrTx/>
+              <a:buSzTx/>
+              <a:buFontTx/>
+              <a:buNone/>
+              <a:tabLst/>
+              <a:defRPr/>
+            </a:pPr>
+            <a:r>
+              <a:rPr lang="en-US" dirty="0" err="1" smtClean="0"/>
+              <a:t>oran</a:t>
+            </a:r>
+            <a:endParaRPr lang="he-IL" dirty="0" smtClean="0"/>
+          </a:p>
+          <a:p>
             <a:endParaRPr lang="he-IL" dirty="0"/>
           </a:p>
         </p:txBody>
@@ -3988,7 +4125,7 @@
           <a:p>
             <a:fld id="{AA9BED1A-8388-4503-8515-6BC02580799D}" type="slidenum">
               <a:rPr lang="en-US" smtClean="0"/>
-              <a:t>16</a:t>
+              <a:t>14</a:t>
             </a:fld>
             <a:endParaRPr lang="en-US"/>
           </a:p>
@@ -3997,7 +4134,7 @@
     </p:spTree>
     <p:extLst>
       <p:ext uri="{BB962C8B-B14F-4D97-AF65-F5344CB8AC3E}">
-        <p14:creationId xmlns:p14="http://schemas.microsoft.com/office/powerpoint/2010/main" val="2928336136"/>
+        <p14:creationId xmlns:p14="http://schemas.microsoft.com/office/powerpoint/2010/main" val="4041795246"/>
       </p:ext>
     </p:extLst>
   </p:cSld>
@@ -4051,42 +4188,31 @@
           <a:bodyPr/>
           <a:lstStyle/>
           <a:p>
-            <a:r>
-              <a:rPr lang="he-IL" sz="1200" b="0" i="0" u="none" strike="noStrike" kern="1200" baseline="0" dirty="0">
-                <a:solidFill>
-                  <a:schemeClr val="tx1"/>
-                </a:solidFill>
-                <a:latin typeface="+mn-lt"/>
-                <a:ea typeface="+mn-ea"/>
-                <a:cs typeface="+mn-cs"/>
-              </a:rPr>
-              <a:t>יתרונות הפתרון על פני פתרונות אחרים, או הבדלים עיקריים.</a:t>
-            </a:r>
-            <a:endParaRPr lang="en-US" sz="1200" b="0" i="0" u="none" strike="noStrike" kern="1200" baseline="0" dirty="0">
-              <a:solidFill>
-                <a:schemeClr val="tx1"/>
-              </a:solidFill>
-              <a:latin typeface="+mn-lt"/>
-              <a:ea typeface="+mn-ea"/>
-              <a:cs typeface="+mn-cs"/>
-            </a:endParaRPr>
-          </a:p>
-          <a:p>
-            <a:endParaRPr lang="en-US" sz="1200" b="0" i="0" u="none" strike="noStrike" kern="1200" baseline="0" dirty="0">
-              <a:solidFill>
-                <a:schemeClr val="tx1"/>
-              </a:solidFill>
-              <a:latin typeface="+mn-lt"/>
-              <a:ea typeface="+mn-ea"/>
-              <a:cs typeface="+mn-cs"/>
-            </a:endParaRPr>
-          </a:p>
-          <a:p>
-            <a:r>
-              <a:rPr lang="he-IL" dirty="0"/>
-              <a:t>היתרון האחרון שהתוכנה שלנו באמת שונה מהקודמת, כלומר היא כן מחדשת מבחינת מה אפשר ליצור איתה ואילו אפשרויות היא מספקת למשתמש</a:t>
-            </a:r>
-            <a:endParaRPr lang="en-US" dirty="0"/>
+            <a:pPr marL="0" marR="0" lvl="0" indent="0" algn="l" defTabSz="914400" rtl="0" eaLnBrk="1" fontAlgn="auto" latinLnBrk="0" hangingPunct="1">
+              <a:lnSpc>
+                <a:spcPct val="100000"/>
+              </a:lnSpc>
+              <a:spcBef>
+                <a:spcPts val="0"/>
+              </a:spcBef>
+              <a:spcAft>
+                <a:spcPts val="0"/>
+              </a:spcAft>
+              <a:buClrTx/>
+              <a:buSzTx/>
+              <a:buFontTx/>
+              <a:buNone/>
+              <a:tabLst/>
+              <a:defRPr/>
+            </a:pPr>
+            <a:r>
+              <a:rPr lang="en-US" dirty="0" err="1" smtClean="0"/>
+              <a:t>oran</a:t>
+            </a:r>
+            <a:endParaRPr lang="he-IL" dirty="0" smtClean="0"/>
+          </a:p>
+          <a:p>
+            <a:endParaRPr lang="he-IL" dirty="0"/>
           </a:p>
         </p:txBody>
       </p:sp>
@@ -4107,7 +4233,7 @@
           <a:p>
             <a:fld id="{AA9BED1A-8388-4503-8515-6BC02580799D}" type="slidenum">
               <a:rPr lang="en-US" smtClean="0"/>
-              <a:t>17</a:t>
+              <a:t>15</a:t>
             </a:fld>
             <a:endParaRPr lang="en-US"/>
           </a:p>
@@ -4116,7 +4242,7 @@
     </p:spTree>
     <p:extLst>
       <p:ext uri="{BB962C8B-B14F-4D97-AF65-F5344CB8AC3E}">
-        <p14:creationId xmlns:p14="http://schemas.microsoft.com/office/powerpoint/2010/main" val="724550080"/>
+        <p14:creationId xmlns:p14="http://schemas.microsoft.com/office/powerpoint/2010/main" val="2325970450"/>
       </p:ext>
     </p:extLst>
   </p:cSld>
@@ -4170,6 +4296,30 @@
           <a:bodyPr/>
           <a:lstStyle/>
           <a:p>
+            <a:pPr marL="0" marR="0" lvl="0" indent="0" algn="l" defTabSz="914400" rtl="0" eaLnBrk="1" fontAlgn="auto" latinLnBrk="0" hangingPunct="1">
+              <a:lnSpc>
+                <a:spcPct val="100000"/>
+              </a:lnSpc>
+              <a:spcBef>
+                <a:spcPts val="0"/>
+              </a:spcBef>
+              <a:spcAft>
+                <a:spcPts val="0"/>
+              </a:spcAft>
+              <a:buClrTx/>
+              <a:buSzTx/>
+              <a:buFontTx/>
+              <a:buNone/>
+              <a:tabLst/>
+              <a:defRPr/>
+            </a:pPr>
+            <a:r>
+              <a:rPr lang="en-US" dirty="0" err="1" smtClean="0"/>
+              <a:t>oran</a:t>
+            </a:r>
+            <a:endParaRPr lang="he-IL" dirty="0" smtClean="0"/>
+          </a:p>
+          <a:p>
             <a:endParaRPr lang="he-IL" dirty="0"/>
           </a:p>
         </p:txBody>
@@ -4191,7 +4341,7 @@
           <a:p>
             <a:fld id="{AA9BED1A-8388-4503-8515-6BC02580799D}" type="slidenum">
               <a:rPr lang="en-US" smtClean="0"/>
-              <a:t>18</a:t>
+              <a:t>16</a:t>
             </a:fld>
             <a:endParaRPr lang="en-US"/>
           </a:p>
@@ -4200,7 +4350,7 @@
     </p:spTree>
     <p:extLst>
       <p:ext uri="{BB962C8B-B14F-4D97-AF65-F5344CB8AC3E}">
-        <p14:creationId xmlns:p14="http://schemas.microsoft.com/office/powerpoint/2010/main" val="2359959504"/>
+        <p14:creationId xmlns:p14="http://schemas.microsoft.com/office/powerpoint/2010/main" val="2928336136"/>
       </p:ext>
     </p:extLst>
   </p:cSld>
@@ -4254,7 +4404,87 @@
           <a:bodyPr/>
           <a:lstStyle/>
           <a:p>
-            <a:endParaRPr lang="he-IL" dirty="0"/>
+            <a:pPr marL="0" marR="0" lvl="0" indent="0" algn="l" defTabSz="914400" rtl="0" eaLnBrk="1" fontAlgn="auto" latinLnBrk="0" hangingPunct="1">
+              <a:lnSpc>
+                <a:spcPct val="100000"/>
+              </a:lnSpc>
+              <a:spcBef>
+                <a:spcPts val="0"/>
+              </a:spcBef>
+              <a:spcAft>
+                <a:spcPts val="0"/>
+              </a:spcAft>
+              <a:buClrTx/>
+              <a:buSzTx/>
+              <a:buFontTx/>
+              <a:buNone/>
+              <a:tabLst/>
+              <a:defRPr/>
+            </a:pPr>
+            <a:r>
+              <a:rPr lang="en-US" dirty="0" err="1" smtClean="0"/>
+              <a:t>oran</a:t>
+            </a:r>
+            <a:endParaRPr lang="he-IL" dirty="0" smtClean="0"/>
+          </a:p>
+          <a:p>
+            <a:endParaRPr lang="en-US" sz="1200" b="0" i="0" u="none" strike="noStrike" kern="1200" baseline="0" dirty="0" smtClean="0">
+              <a:solidFill>
+                <a:schemeClr val="tx1"/>
+              </a:solidFill>
+              <a:latin typeface="+mn-lt"/>
+              <a:ea typeface="+mn-ea"/>
+              <a:cs typeface="+mn-cs"/>
+            </a:endParaRPr>
+          </a:p>
+          <a:p>
+            <a:r>
+              <a:rPr lang="he-IL" sz="1200" b="0" i="0" u="none" strike="noStrike" kern="1200" baseline="0" dirty="0" smtClean="0">
+                <a:solidFill>
+                  <a:schemeClr val="tx1"/>
+                </a:solidFill>
+                <a:latin typeface="+mn-lt"/>
+                <a:ea typeface="+mn-ea"/>
+                <a:cs typeface="+mn-cs"/>
+              </a:rPr>
+              <a:t>יתרונות </a:t>
+            </a:r>
+            <a:r>
+              <a:rPr lang="he-IL" sz="1200" b="0" i="0" u="none" strike="noStrike" kern="1200" baseline="0" dirty="0">
+                <a:solidFill>
+                  <a:schemeClr val="tx1"/>
+                </a:solidFill>
+                <a:latin typeface="+mn-lt"/>
+                <a:ea typeface="+mn-ea"/>
+                <a:cs typeface="+mn-cs"/>
+              </a:rPr>
+              <a:t>הפתרון על פני פתרונות אחרים, או הבדלים עיקריים.</a:t>
+            </a:r>
+            <a:endParaRPr lang="en-US" sz="1200" b="0" i="0" u="none" strike="noStrike" kern="1200" baseline="0" dirty="0">
+              <a:solidFill>
+                <a:schemeClr val="tx1"/>
+              </a:solidFill>
+              <a:latin typeface="+mn-lt"/>
+              <a:ea typeface="+mn-ea"/>
+              <a:cs typeface="+mn-cs"/>
+            </a:endParaRPr>
+          </a:p>
+          <a:p>
+            <a:endParaRPr lang="en-US" sz="1200" b="0" i="0" u="none" strike="noStrike" kern="1200" baseline="0" dirty="0">
+              <a:solidFill>
+                <a:schemeClr val="tx1"/>
+              </a:solidFill>
+              <a:latin typeface="+mn-lt"/>
+              <a:ea typeface="+mn-ea"/>
+              <a:cs typeface="+mn-cs"/>
+            </a:endParaRPr>
+          </a:p>
+          <a:p>
+            <a:r>
+              <a:rPr lang="he-IL" dirty="0"/>
+              <a:t>היתרון האחרון שהתוכנה שלנו באמת שונה מהקודמת, כלומר היא כן מחדשת מבחינת מה אפשר ליצור איתה ואילו אפשרויות היא מספקת למשתמש</a:t>
+            </a:r>
+            <a:endParaRPr lang="en-US" dirty="0"/>
           </a:p>
         </p:txBody>
       </p:sp>
@@ -4275,7 +4505,7 @@
           <a:p>
             <a:fld id="{AA9BED1A-8388-4503-8515-6BC02580799D}" type="slidenum">
               <a:rPr lang="en-US" smtClean="0"/>
-              <a:t>19</a:t>
+              <a:t>17</a:t>
             </a:fld>
             <a:endParaRPr lang="en-US"/>
           </a:p>
@@ -4284,7 +4514,7 @@
     </p:spTree>
     <p:extLst>
       <p:ext uri="{BB962C8B-B14F-4D97-AF65-F5344CB8AC3E}">
-        <p14:creationId xmlns:p14="http://schemas.microsoft.com/office/powerpoint/2010/main" val="2099752890"/>
+        <p14:creationId xmlns:p14="http://schemas.microsoft.com/office/powerpoint/2010/main" val="724550080"/>
       </p:ext>
     </p:extLst>
   </p:cSld>
@@ -4338,6 +4568,30 @@
           <a:bodyPr/>
           <a:lstStyle/>
           <a:p>
+            <a:pPr marL="0" marR="0" lvl="0" indent="0" algn="l" defTabSz="914400" rtl="0" eaLnBrk="1" fontAlgn="auto" latinLnBrk="0" hangingPunct="1">
+              <a:lnSpc>
+                <a:spcPct val="100000"/>
+              </a:lnSpc>
+              <a:spcBef>
+                <a:spcPts val="0"/>
+              </a:spcBef>
+              <a:spcAft>
+                <a:spcPts val="0"/>
+              </a:spcAft>
+              <a:buClrTx/>
+              <a:buSzTx/>
+              <a:buFontTx/>
+              <a:buNone/>
+              <a:tabLst/>
+              <a:defRPr/>
+            </a:pPr>
+            <a:r>
+              <a:rPr lang="en-US" dirty="0" err="1" smtClean="0"/>
+              <a:t>oran</a:t>
+            </a:r>
+            <a:endParaRPr lang="he-IL" dirty="0" smtClean="0"/>
+          </a:p>
+          <a:p>
             <a:endParaRPr lang="he-IL" dirty="0"/>
           </a:p>
         </p:txBody>
@@ -4359,7 +4613,7 @@
           <a:p>
             <a:fld id="{AA9BED1A-8388-4503-8515-6BC02580799D}" type="slidenum">
               <a:rPr lang="en-US" smtClean="0"/>
-              <a:t>20</a:t>
+              <a:t>18</a:t>
             </a:fld>
             <a:endParaRPr lang="en-US"/>
           </a:p>
@@ -4368,7 +4622,7 @@
     </p:spTree>
     <p:extLst>
       <p:ext uri="{BB962C8B-B14F-4D97-AF65-F5344CB8AC3E}">
-        <p14:creationId xmlns:p14="http://schemas.microsoft.com/office/powerpoint/2010/main" val="293015316"/>
+        <p14:creationId xmlns:p14="http://schemas.microsoft.com/office/powerpoint/2010/main" val="2359959504"/>
       </p:ext>
     </p:extLst>
   </p:cSld>
@@ -4422,6 +4676,30 @@
           <a:bodyPr/>
           <a:lstStyle/>
           <a:p>
+            <a:pPr marL="0" marR="0" lvl="0" indent="0" algn="l" defTabSz="914400" rtl="0" eaLnBrk="1" fontAlgn="auto" latinLnBrk="0" hangingPunct="1">
+              <a:lnSpc>
+                <a:spcPct val="100000"/>
+              </a:lnSpc>
+              <a:spcBef>
+                <a:spcPts val="0"/>
+              </a:spcBef>
+              <a:spcAft>
+                <a:spcPts val="0"/>
+              </a:spcAft>
+              <a:buClrTx/>
+              <a:buSzTx/>
+              <a:buFontTx/>
+              <a:buNone/>
+              <a:tabLst/>
+              <a:defRPr/>
+            </a:pPr>
+            <a:r>
+              <a:rPr lang="en-US" dirty="0" err="1" smtClean="0"/>
+              <a:t>oran</a:t>
+            </a:r>
+            <a:endParaRPr lang="he-IL" dirty="0" smtClean="0"/>
+          </a:p>
+          <a:p>
             <a:endParaRPr lang="he-IL" dirty="0"/>
           </a:p>
         </p:txBody>
@@ -4443,7 +4721,7 @@
           <a:p>
             <a:fld id="{AA9BED1A-8388-4503-8515-6BC02580799D}" type="slidenum">
               <a:rPr lang="en-US" smtClean="0"/>
-              <a:t>21</a:t>
+              <a:t>19</a:t>
             </a:fld>
             <a:endParaRPr lang="en-US"/>
           </a:p>
@@ -4452,7 +4730,7 @@
     </p:spTree>
     <p:extLst>
       <p:ext uri="{BB962C8B-B14F-4D97-AF65-F5344CB8AC3E}">
-        <p14:creationId xmlns:p14="http://schemas.microsoft.com/office/powerpoint/2010/main" val="1995724405"/>
+        <p14:creationId xmlns:p14="http://schemas.microsoft.com/office/powerpoint/2010/main" val="2099752890"/>
       </p:ext>
     </p:extLst>
   </p:cSld>
@@ -4506,10 +4784,10 @@
           <a:bodyPr/>
           <a:lstStyle/>
           <a:p>
-            <a:pPr marL="171450" indent="-171450">
-              <a:buFont typeface="Arial" panose="020B0604020202020204" pitchFamily="34" charset="0"/>
-              <a:buChar char="•"/>
-            </a:pPr>
+            <a:r>
+              <a:rPr lang="en-US" dirty="0" err="1" smtClean="0"/>
+              <a:t>oran</a:t>
+            </a:r>
             <a:endParaRPr lang="he-IL" dirty="0"/>
           </a:p>
         </p:txBody>
@@ -4531,7 +4809,7 @@
           <a:p>
             <a:fld id="{AA9BED1A-8388-4503-8515-6BC02580799D}" type="slidenum">
               <a:rPr lang="en-US" smtClean="0"/>
-              <a:t>3</a:t>
+              <a:t>2</a:t>
             </a:fld>
             <a:endParaRPr lang="en-US"/>
           </a:p>
@@ -4540,7 +4818,7 @@
     </p:spTree>
     <p:extLst>
       <p:ext uri="{BB962C8B-B14F-4D97-AF65-F5344CB8AC3E}">
-        <p14:creationId xmlns:p14="http://schemas.microsoft.com/office/powerpoint/2010/main" val="2765687072"/>
+        <p14:creationId xmlns:p14="http://schemas.microsoft.com/office/powerpoint/2010/main" val="3167085967"/>
       </p:ext>
     </p:extLst>
   </p:cSld>
@@ -4594,6 +4872,30 @@
           <a:bodyPr/>
           <a:lstStyle/>
           <a:p>
+            <a:pPr marL="0" marR="0" lvl="0" indent="0" algn="l" defTabSz="914400" rtl="0" eaLnBrk="1" fontAlgn="auto" latinLnBrk="0" hangingPunct="1">
+              <a:lnSpc>
+                <a:spcPct val="100000"/>
+              </a:lnSpc>
+              <a:spcBef>
+                <a:spcPts val="0"/>
+              </a:spcBef>
+              <a:spcAft>
+                <a:spcPts val="0"/>
+              </a:spcAft>
+              <a:buClrTx/>
+              <a:buSzTx/>
+              <a:buFontTx/>
+              <a:buNone/>
+              <a:tabLst/>
+              <a:defRPr/>
+            </a:pPr>
+            <a:r>
+              <a:rPr lang="en-US" dirty="0" err="1" smtClean="0"/>
+              <a:t>oran</a:t>
+            </a:r>
+            <a:endParaRPr lang="he-IL" dirty="0" smtClean="0"/>
+          </a:p>
+          <a:p>
             <a:endParaRPr lang="he-IL" dirty="0"/>
           </a:p>
         </p:txBody>
@@ -4615,7 +4917,7 @@
           <a:p>
             <a:fld id="{AA9BED1A-8388-4503-8515-6BC02580799D}" type="slidenum">
               <a:rPr lang="en-US" smtClean="0"/>
-              <a:t>22</a:t>
+              <a:t>20</a:t>
             </a:fld>
             <a:endParaRPr lang="en-US"/>
           </a:p>
@@ -4624,7 +4926,7 @@
     </p:spTree>
     <p:extLst>
       <p:ext uri="{BB962C8B-B14F-4D97-AF65-F5344CB8AC3E}">
-        <p14:creationId xmlns:p14="http://schemas.microsoft.com/office/powerpoint/2010/main" val="3282002113"/>
+        <p14:creationId xmlns:p14="http://schemas.microsoft.com/office/powerpoint/2010/main" val="2324916791"/>
       </p:ext>
     </p:extLst>
   </p:cSld>
@@ -4699,7 +5001,7 @@
           <a:p>
             <a:fld id="{AA9BED1A-8388-4503-8515-6BC02580799D}" type="slidenum">
               <a:rPr lang="en-US" smtClean="0"/>
-              <a:t>23</a:t>
+              <a:t>21</a:t>
             </a:fld>
             <a:endParaRPr lang="en-US"/>
           </a:p>
@@ -4708,7 +5010,7 @@
     </p:spTree>
     <p:extLst>
       <p:ext uri="{BB962C8B-B14F-4D97-AF65-F5344CB8AC3E}">
-        <p14:creationId xmlns:p14="http://schemas.microsoft.com/office/powerpoint/2010/main" val="1656783475"/>
+        <p14:creationId xmlns:p14="http://schemas.microsoft.com/office/powerpoint/2010/main" val="1283643233"/>
       </p:ext>
     </p:extLst>
   </p:cSld>
@@ -4783,7 +5085,7 @@
           <a:p>
             <a:fld id="{AA9BED1A-8388-4503-8515-6BC02580799D}" type="slidenum">
               <a:rPr lang="en-US" smtClean="0"/>
-              <a:t>24</a:t>
+              <a:t>22</a:t>
             </a:fld>
             <a:endParaRPr lang="en-US"/>
           </a:p>
@@ -4792,7 +5094,7 @@
     </p:spTree>
     <p:extLst>
       <p:ext uri="{BB962C8B-B14F-4D97-AF65-F5344CB8AC3E}">
-        <p14:creationId xmlns:p14="http://schemas.microsoft.com/office/powerpoint/2010/main" val="2953944922"/>
+        <p14:creationId xmlns:p14="http://schemas.microsoft.com/office/powerpoint/2010/main" val="293015316"/>
       </p:ext>
     </p:extLst>
   </p:cSld>
@@ -4867,7 +5169,7 @@
           <a:p>
             <a:fld id="{AA9BED1A-8388-4503-8515-6BC02580799D}" type="slidenum">
               <a:rPr lang="en-US" smtClean="0"/>
-              <a:t>25</a:t>
+              <a:t>23</a:t>
             </a:fld>
             <a:endParaRPr lang="en-US"/>
           </a:p>
@@ -4876,7 +5178,7 @@
     </p:spTree>
     <p:extLst>
       <p:ext uri="{BB962C8B-B14F-4D97-AF65-F5344CB8AC3E}">
-        <p14:creationId xmlns:p14="http://schemas.microsoft.com/office/powerpoint/2010/main" val="4157221038"/>
+        <p14:creationId xmlns:p14="http://schemas.microsoft.com/office/powerpoint/2010/main" val="1995724405"/>
       </p:ext>
     </p:extLst>
   </p:cSld>
@@ -4951,7 +5253,367 @@
           <a:p>
             <a:fld id="{AA9BED1A-8388-4503-8515-6BC02580799D}" type="slidenum">
               <a:rPr lang="en-US" smtClean="0"/>
+              <a:t>24</a:t>
+            </a:fld>
+            <a:endParaRPr lang="en-US"/>
+          </a:p>
+        </p:txBody>
+      </p:sp>
+    </p:spTree>
+    <p:extLst>
+      <p:ext uri="{BB962C8B-B14F-4D97-AF65-F5344CB8AC3E}">
+        <p14:creationId xmlns:p14="http://schemas.microsoft.com/office/powerpoint/2010/main" val="3282002113"/>
+      </p:ext>
+    </p:extLst>
+  </p:cSld>
+  <p:clrMapOvr>
+    <a:masterClrMapping/>
+  </p:clrMapOvr>
+</p:notes>
+</file>
+
+<file path=ppt/notesSlides/notesSlide25.xml><?xml version="1.0" encoding="utf-8"?>
+<p:notes xmlns:a="http://schemas.openxmlformats.org/drawingml/2006/main" xmlns:r="http://schemas.openxmlformats.org/officeDocument/2006/relationships" xmlns:p="http://schemas.openxmlformats.org/presentationml/2006/main">
+  <p:cSld>
+    <p:spTree>
+      <p:nvGrpSpPr>
+        <p:cNvPr id="1" name=""/>
+        <p:cNvGrpSpPr/>
+        <p:nvPr/>
+      </p:nvGrpSpPr>
+      <p:grpSpPr>
+        <a:xfrm>
+          <a:off x="0" y="0"/>
+          <a:ext cx="0" cy="0"/>
+          <a:chOff x="0" y="0"/>
+          <a:chExt cx="0" cy="0"/>
+        </a:xfrm>
+      </p:grpSpPr>
+      <p:sp>
+        <p:nvSpPr>
+          <p:cNvPr id="2" name="Slide Image Placeholder 1"/>
+          <p:cNvSpPr>
+            <a:spLocks noGrp="1" noRot="1" noChangeAspect="1"/>
+          </p:cNvSpPr>
+          <p:nvPr>
+            <p:ph type="sldImg"/>
+          </p:nvPr>
+        </p:nvSpPr>
+        <p:spPr/>
+      </p:sp>
+      <p:sp>
+        <p:nvSpPr>
+          <p:cNvPr id="3" name="Notes Placeholder 2"/>
+          <p:cNvSpPr>
+            <a:spLocks noGrp="1"/>
+          </p:cNvSpPr>
+          <p:nvPr>
+            <p:ph type="body" idx="1"/>
+          </p:nvPr>
+        </p:nvSpPr>
+        <p:spPr/>
+        <p:txBody>
+          <a:bodyPr/>
+          <a:lstStyle/>
+          <a:p>
+            <a:endParaRPr lang="he-IL" dirty="0"/>
+          </a:p>
+        </p:txBody>
+      </p:sp>
+      <p:sp>
+        <p:nvSpPr>
+          <p:cNvPr id="4" name="Slide Number Placeholder 3"/>
+          <p:cNvSpPr>
+            <a:spLocks noGrp="1"/>
+          </p:cNvSpPr>
+          <p:nvPr>
+            <p:ph type="sldNum" sz="quarter" idx="10"/>
+          </p:nvPr>
+        </p:nvSpPr>
+        <p:spPr/>
+        <p:txBody>
+          <a:bodyPr/>
+          <a:lstStyle/>
+          <a:p>
+            <a:fld id="{AA9BED1A-8388-4503-8515-6BC02580799D}" type="slidenum">
+              <a:rPr lang="en-US" smtClean="0"/>
+              <a:t>25</a:t>
+            </a:fld>
+            <a:endParaRPr lang="en-US"/>
+          </a:p>
+        </p:txBody>
+      </p:sp>
+    </p:spTree>
+    <p:extLst>
+      <p:ext uri="{BB962C8B-B14F-4D97-AF65-F5344CB8AC3E}">
+        <p14:creationId xmlns:p14="http://schemas.microsoft.com/office/powerpoint/2010/main" val="1656783475"/>
+      </p:ext>
+    </p:extLst>
+  </p:cSld>
+  <p:clrMapOvr>
+    <a:masterClrMapping/>
+  </p:clrMapOvr>
+</p:notes>
+</file>
+
+<file path=ppt/notesSlides/notesSlide26.xml><?xml version="1.0" encoding="utf-8"?>
+<p:notes xmlns:a="http://schemas.openxmlformats.org/drawingml/2006/main" xmlns:r="http://schemas.openxmlformats.org/officeDocument/2006/relationships" xmlns:p="http://schemas.openxmlformats.org/presentationml/2006/main">
+  <p:cSld>
+    <p:spTree>
+      <p:nvGrpSpPr>
+        <p:cNvPr id="1" name=""/>
+        <p:cNvGrpSpPr/>
+        <p:nvPr/>
+      </p:nvGrpSpPr>
+      <p:grpSpPr>
+        <a:xfrm>
+          <a:off x="0" y="0"/>
+          <a:ext cx="0" cy="0"/>
+          <a:chOff x="0" y="0"/>
+          <a:chExt cx="0" cy="0"/>
+        </a:xfrm>
+      </p:grpSpPr>
+      <p:sp>
+        <p:nvSpPr>
+          <p:cNvPr id="2" name="Slide Image Placeholder 1"/>
+          <p:cNvSpPr>
+            <a:spLocks noGrp="1" noRot="1" noChangeAspect="1"/>
+          </p:cNvSpPr>
+          <p:nvPr>
+            <p:ph type="sldImg"/>
+          </p:nvPr>
+        </p:nvSpPr>
+        <p:spPr/>
+      </p:sp>
+      <p:sp>
+        <p:nvSpPr>
+          <p:cNvPr id="3" name="Notes Placeholder 2"/>
+          <p:cNvSpPr>
+            <a:spLocks noGrp="1"/>
+          </p:cNvSpPr>
+          <p:nvPr>
+            <p:ph type="body" idx="1"/>
+          </p:nvPr>
+        </p:nvSpPr>
+        <p:spPr/>
+        <p:txBody>
+          <a:bodyPr/>
+          <a:lstStyle/>
+          <a:p>
+            <a:pPr marL="0" marR="0" lvl="0" indent="0" algn="l" defTabSz="914400" rtl="0" eaLnBrk="1" fontAlgn="auto" latinLnBrk="0" hangingPunct="1">
+              <a:lnSpc>
+                <a:spcPct val="100000"/>
+              </a:lnSpc>
+              <a:spcBef>
+                <a:spcPts val="0"/>
+              </a:spcBef>
+              <a:spcAft>
+                <a:spcPts val="0"/>
+              </a:spcAft>
+              <a:buClrTx/>
+              <a:buSzTx/>
+              <a:buFontTx/>
+              <a:buNone/>
+              <a:tabLst/>
+              <a:defRPr/>
+            </a:pPr>
+            <a:r>
+              <a:rPr lang="en-US" dirty="0" err="1" smtClean="0"/>
+              <a:t>oran</a:t>
+            </a:r>
+            <a:endParaRPr lang="he-IL" dirty="0" smtClean="0"/>
+          </a:p>
+          <a:p>
+            <a:endParaRPr lang="he-IL" dirty="0"/>
+          </a:p>
+        </p:txBody>
+      </p:sp>
+      <p:sp>
+        <p:nvSpPr>
+          <p:cNvPr id="4" name="Slide Number Placeholder 3"/>
+          <p:cNvSpPr>
+            <a:spLocks noGrp="1"/>
+          </p:cNvSpPr>
+          <p:nvPr>
+            <p:ph type="sldNum" sz="quarter" idx="10"/>
+          </p:nvPr>
+        </p:nvSpPr>
+        <p:spPr/>
+        <p:txBody>
+          <a:bodyPr/>
+          <a:lstStyle/>
+          <a:p>
+            <a:fld id="{AA9BED1A-8388-4503-8515-6BC02580799D}" type="slidenum">
+              <a:rPr lang="en-US" smtClean="0"/>
               <a:t>26</a:t>
+            </a:fld>
+            <a:endParaRPr lang="en-US"/>
+          </a:p>
+        </p:txBody>
+      </p:sp>
+    </p:spTree>
+    <p:extLst>
+      <p:ext uri="{BB962C8B-B14F-4D97-AF65-F5344CB8AC3E}">
+        <p14:creationId xmlns:p14="http://schemas.microsoft.com/office/powerpoint/2010/main" val="2953944922"/>
+      </p:ext>
+    </p:extLst>
+  </p:cSld>
+  <p:clrMapOvr>
+    <a:masterClrMapping/>
+  </p:clrMapOvr>
+</p:notes>
+</file>
+
+<file path=ppt/notesSlides/notesSlide27.xml><?xml version="1.0" encoding="utf-8"?>
+<p:notes xmlns:a="http://schemas.openxmlformats.org/drawingml/2006/main" xmlns:r="http://schemas.openxmlformats.org/officeDocument/2006/relationships" xmlns:p="http://schemas.openxmlformats.org/presentationml/2006/main">
+  <p:cSld>
+    <p:spTree>
+      <p:nvGrpSpPr>
+        <p:cNvPr id="1" name=""/>
+        <p:cNvGrpSpPr/>
+        <p:nvPr/>
+      </p:nvGrpSpPr>
+      <p:grpSpPr>
+        <a:xfrm>
+          <a:off x="0" y="0"/>
+          <a:ext cx="0" cy="0"/>
+          <a:chOff x="0" y="0"/>
+          <a:chExt cx="0" cy="0"/>
+        </a:xfrm>
+      </p:grpSpPr>
+      <p:sp>
+        <p:nvSpPr>
+          <p:cNvPr id="2" name="Slide Image Placeholder 1"/>
+          <p:cNvSpPr>
+            <a:spLocks noGrp="1" noRot="1" noChangeAspect="1"/>
+          </p:cNvSpPr>
+          <p:nvPr>
+            <p:ph type="sldImg"/>
+          </p:nvPr>
+        </p:nvSpPr>
+        <p:spPr/>
+      </p:sp>
+      <p:sp>
+        <p:nvSpPr>
+          <p:cNvPr id="3" name="Notes Placeholder 2"/>
+          <p:cNvSpPr>
+            <a:spLocks noGrp="1"/>
+          </p:cNvSpPr>
+          <p:nvPr>
+            <p:ph type="body" idx="1"/>
+          </p:nvPr>
+        </p:nvSpPr>
+        <p:spPr/>
+        <p:txBody>
+          <a:bodyPr/>
+          <a:lstStyle/>
+          <a:p>
+            <a:endParaRPr lang="he-IL" dirty="0"/>
+          </a:p>
+        </p:txBody>
+      </p:sp>
+      <p:sp>
+        <p:nvSpPr>
+          <p:cNvPr id="4" name="Slide Number Placeholder 3"/>
+          <p:cNvSpPr>
+            <a:spLocks noGrp="1"/>
+          </p:cNvSpPr>
+          <p:nvPr>
+            <p:ph type="sldNum" sz="quarter" idx="10"/>
+          </p:nvPr>
+        </p:nvSpPr>
+        <p:spPr/>
+        <p:txBody>
+          <a:bodyPr/>
+          <a:lstStyle/>
+          <a:p>
+            <a:fld id="{AA9BED1A-8388-4503-8515-6BC02580799D}" type="slidenum">
+              <a:rPr lang="en-US" smtClean="0"/>
+              <a:t>27</a:t>
+            </a:fld>
+            <a:endParaRPr lang="en-US"/>
+          </a:p>
+        </p:txBody>
+      </p:sp>
+    </p:spTree>
+    <p:extLst>
+      <p:ext uri="{BB962C8B-B14F-4D97-AF65-F5344CB8AC3E}">
+        <p14:creationId xmlns:p14="http://schemas.microsoft.com/office/powerpoint/2010/main" val="4157221038"/>
+      </p:ext>
+    </p:extLst>
+  </p:cSld>
+  <p:clrMapOvr>
+    <a:masterClrMapping/>
+  </p:clrMapOvr>
+</p:notes>
+</file>
+
+<file path=ppt/notesSlides/notesSlide28.xml><?xml version="1.0" encoding="utf-8"?>
+<p:notes xmlns:a="http://schemas.openxmlformats.org/drawingml/2006/main" xmlns:r="http://schemas.openxmlformats.org/officeDocument/2006/relationships" xmlns:p="http://schemas.openxmlformats.org/presentationml/2006/main">
+  <p:cSld>
+    <p:spTree>
+      <p:nvGrpSpPr>
+        <p:cNvPr id="1" name=""/>
+        <p:cNvGrpSpPr/>
+        <p:nvPr/>
+      </p:nvGrpSpPr>
+      <p:grpSpPr>
+        <a:xfrm>
+          <a:off x="0" y="0"/>
+          <a:ext cx="0" cy="0"/>
+          <a:chOff x="0" y="0"/>
+          <a:chExt cx="0" cy="0"/>
+        </a:xfrm>
+      </p:grpSpPr>
+      <p:sp>
+        <p:nvSpPr>
+          <p:cNvPr id="2" name="Slide Image Placeholder 1"/>
+          <p:cNvSpPr>
+            <a:spLocks noGrp="1" noRot="1" noChangeAspect="1"/>
+          </p:cNvSpPr>
+          <p:nvPr>
+            <p:ph type="sldImg"/>
+          </p:nvPr>
+        </p:nvSpPr>
+        <p:spPr/>
+      </p:sp>
+      <p:sp>
+        <p:nvSpPr>
+          <p:cNvPr id="3" name="Notes Placeholder 2"/>
+          <p:cNvSpPr>
+            <a:spLocks noGrp="1"/>
+          </p:cNvSpPr>
+          <p:nvPr>
+            <p:ph type="body" idx="1"/>
+          </p:nvPr>
+        </p:nvSpPr>
+        <p:spPr/>
+        <p:txBody>
+          <a:bodyPr/>
+          <a:lstStyle/>
+          <a:p>
+            <a:endParaRPr lang="he-IL" dirty="0"/>
+          </a:p>
+        </p:txBody>
+      </p:sp>
+      <p:sp>
+        <p:nvSpPr>
+          <p:cNvPr id="4" name="Slide Number Placeholder 3"/>
+          <p:cNvSpPr>
+            <a:spLocks noGrp="1"/>
+          </p:cNvSpPr>
+          <p:nvPr>
+            <p:ph type="sldNum" sz="quarter" idx="10"/>
+          </p:nvPr>
+        </p:nvSpPr>
+        <p:spPr/>
+        <p:txBody>
+          <a:bodyPr/>
+          <a:lstStyle/>
+          <a:p>
+            <a:fld id="{AA9BED1A-8388-4503-8515-6BC02580799D}" type="slidenum">
+              <a:rPr lang="en-US" smtClean="0"/>
+              <a:t>28</a:t>
             </a:fld>
             <a:endParaRPr lang="en-US"/>
           </a:p>
@@ -5014,48 +5676,14 @@
           <a:bodyPr/>
           <a:lstStyle/>
           <a:p>
-            <a:r>
-              <a:rPr lang="he-IL" dirty="0" smtClean="0"/>
-              <a:t>להוסיף</a:t>
-            </a:r>
-            <a:r>
-              <a:rPr lang="he-IL" baseline="0" dirty="0" smtClean="0"/>
-              <a:t> בע"פ:</a:t>
-            </a:r>
-            <a:endParaRPr lang="en-US" baseline="0" dirty="0" smtClean="0"/>
-          </a:p>
-          <a:p>
-            <a:r>
-              <a:rPr lang="he-IL" baseline="0" dirty="0" smtClean="0"/>
-              <a:t>*אומן יכול "לראות" את המוזיקה שהוא יוצר</a:t>
-            </a:r>
-          </a:p>
-          <a:p>
-            <a:r>
-              <a:rPr lang="he-IL" baseline="0" dirty="0" smtClean="0"/>
-              <a:t>קהל יכול גם לראות את המוזיקה שהאומן מנגן</a:t>
-            </a:r>
-            <a:r>
-              <a:rPr lang="en-US" baseline="0" dirty="0" smtClean="0"/>
-              <a:t>*</a:t>
-            </a:r>
-            <a:endParaRPr lang="he-IL" baseline="0" dirty="0" smtClean="0"/>
-          </a:p>
-          <a:p>
-            <a:r>
-              <a:rPr lang="he-IL" dirty="0" smtClean="0"/>
-              <a:t>הנגשה</a:t>
-            </a:r>
-            <a:r>
-              <a:rPr lang="he-IL" baseline="0" dirty="0" smtClean="0"/>
-              <a:t> של יצירה והבנה של מוסיקה</a:t>
-            </a:r>
-            <a:r>
-              <a:rPr lang="en-US" baseline="0" dirty="0" smtClean="0"/>
-              <a:t>*</a:t>
-            </a:r>
-          </a:p>
-          <a:p>
+            <a:pPr marL="0" indent="0">
+              <a:buFont typeface="Arial" panose="020B0604020202020204" pitchFamily="34" charset="0"/>
+              <a:buNone/>
+            </a:pPr>
+            <a:r>
+              <a:rPr lang="en-US" dirty="0" err="1" smtClean="0"/>
+              <a:t>zehavit</a:t>
+            </a:r>
             <a:endParaRPr lang="he-IL" dirty="0"/>
           </a:p>
         </p:txBody>
@@ -5077,7 +5705,7 @@
           <a:p>
             <a:fld id="{AA9BED1A-8388-4503-8515-6BC02580799D}" type="slidenum">
               <a:rPr lang="en-US" smtClean="0"/>
-              <a:t>4</a:t>
+              <a:t>3</a:t>
             </a:fld>
             <a:endParaRPr lang="en-US"/>
           </a:p>
@@ -5086,7 +5714,7 @@
     </p:spTree>
     <p:extLst>
       <p:ext uri="{BB962C8B-B14F-4D97-AF65-F5344CB8AC3E}">
-        <p14:creationId xmlns:p14="http://schemas.microsoft.com/office/powerpoint/2010/main" val="3889358613"/>
+        <p14:creationId xmlns:p14="http://schemas.microsoft.com/office/powerpoint/2010/main" val="2765687072"/>
       </p:ext>
     </p:extLst>
   </p:cSld>
@@ -5140,39 +5768,79 @@
           <a:bodyPr/>
           <a:lstStyle/>
           <a:p>
-            <a:pPr marL="171450" indent="-171450">
-              <a:buFont typeface="Arial" panose="020B0604020202020204" pitchFamily="34" charset="0"/>
-              <a:buChar char="•"/>
+            <a:pPr marL="0" marR="0" lvl="0" indent="0" algn="l" defTabSz="914400" rtl="0" eaLnBrk="1" fontAlgn="auto" latinLnBrk="0" hangingPunct="1">
+              <a:lnSpc>
+                <a:spcPct val="100000"/>
+              </a:lnSpc>
+              <a:spcBef>
+                <a:spcPts val="0"/>
+              </a:spcBef>
+              <a:spcAft>
+                <a:spcPts val="0"/>
+              </a:spcAft>
+              <a:buClrTx/>
+              <a:buSzTx/>
+              <a:buFontTx/>
+              <a:buNone/>
+              <a:tabLst/>
+              <a:defRPr/>
             </a:pPr>
             <a:r>
+              <a:rPr lang="en-US" dirty="0" err="1" smtClean="0"/>
+              <a:t>zehavit</a:t>
+            </a:r>
+            <a:endParaRPr lang="he-IL" dirty="0" smtClean="0"/>
+          </a:p>
+          <a:p>
+            <a:endParaRPr lang="en-US" dirty="0" smtClean="0"/>
+          </a:p>
+          <a:p>
+            <a:r>
               <a:rPr lang="he-IL" dirty="0" smtClean="0"/>
-              <a:t>לתת</a:t>
+              <a:t>להוסיף</a:t>
             </a:r>
             <a:r>
               <a:rPr lang="he-IL" baseline="0" dirty="0" smtClean="0"/>
-              <a:t> דוגמה לגבי אורך הניגון – שנקבע רק עפ"י אורך הציור על ציר </a:t>
+              <a:t> </a:t>
+            </a:r>
+            <a:r>
+              <a:rPr lang="he-IL" baseline="0" dirty="0" smtClean="0"/>
+              <a:t>בע"פ:</a:t>
+            </a:r>
+            <a:endParaRPr lang="en-US" baseline="0" dirty="0" smtClean="0"/>
+          </a:p>
+          <a:p>
+            <a:r>
+              <a:rPr lang="he-IL" baseline="0" dirty="0" smtClean="0"/>
+              <a:t>*אומן יכול "לראות" את המוזיקה שהוא יוצר</a:t>
+            </a:r>
+          </a:p>
+          <a:p>
+            <a:r>
+              <a:rPr lang="he-IL" baseline="0" dirty="0" smtClean="0"/>
+              <a:t>קהל יכול גם לראות את המוזיקה שהאומן מנגן</a:t>
             </a:r>
             <a:r>
               <a:rPr lang="en-US" baseline="0" dirty="0" smtClean="0"/>
-              <a:t>X</a:t>
+              <a:t>*</a:t>
             </a:r>
             <a:endParaRPr lang="he-IL" baseline="0" dirty="0" smtClean="0"/>
           </a:p>
           <a:p>
-            <a:pPr marL="0" indent="0">
-              <a:buFont typeface="Arial" panose="020B0604020202020204" pitchFamily="34" charset="0"/>
-              <a:buNone/>
-            </a:pPr>
+            <a:r>
+              <a:rPr lang="he-IL" dirty="0" smtClean="0"/>
+              <a:t>הנגשה</a:t>
+            </a:r>
             <a:r>
               <a:rPr lang="he-IL" baseline="0" dirty="0" smtClean="0"/>
-              <a:t>למשל – מעגל </a:t>
-            </a:r>
-          </a:p>
-          <a:p>
-            <a:pPr marL="0" indent="0">
-              <a:buFont typeface="Arial" panose="020B0604020202020204" pitchFamily="34" charset="0"/>
-              <a:buNone/>
-            </a:pPr>
+              <a:t> של יצירה והבנה של מוסיקה</a:t>
+            </a:r>
+            <a:r>
+              <a:rPr lang="en-US" baseline="0" dirty="0" smtClean="0"/>
+              <a:t>*</a:t>
+            </a:r>
+          </a:p>
+          <a:p>
             <a:endParaRPr lang="he-IL" dirty="0"/>
           </a:p>
         </p:txBody>
@@ -5194,7 +5862,7 @@
           <a:p>
             <a:fld id="{AA9BED1A-8388-4503-8515-6BC02580799D}" type="slidenum">
               <a:rPr lang="en-US" smtClean="0"/>
-              <a:t>5</a:t>
+              <a:t>4</a:t>
             </a:fld>
             <a:endParaRPr lang="en-US"/>
           </a:p>
@@ -5203,7 +5871,7 @@
     </p:spTree>
     <p:extLst>
       <p:ext uri="{BB962C8B-B14F-4D97-AF65-F5344CB8AC3E}">
-        <p14:creationId xmlns:p14="http://schemas.microsoft.com/office/powerpoint/2010/main" val="4158613299"/>
+        <p14:creationId xmlns:p14="http://schemas.microsoft.com/office/powerpoint/2010/main" val="3889358613"/>
       </p:ext>
     </p:extLst>
   </p:cSld>
@@ -5257,18 +5925,35 @@
           <a:bodyPr/>
           <a:lstStyle/>
           <a:p>
+            <a:pPr marL="0" marR="0" lvl="0" indent="0" algn="l" defTabSz="914400" rtl="0" eaLnBrk="1" fontAlgn="auto" latinLnBrk="0" hangingPunct="1">
+              <a:lnSpc>
+                <a:spcPct val="100000"/>
+              </a:lnSpc>
+              <a:spcBef>
+                <a:spcPts val="0"/>
+              </a:spcBef>
+              <a:spcAft>
+                <a:spcPts val="0"/>
+              </a:spcAft>
+              <a:buClrTx/>
+              <a:buSzTx/>
+              <a:buFont typeface="Arial" panose="020B0604020202020204" pitchFamily="34" charset="0"/>
+              <a:buNone/>
+              <a:tabLst/>
+              <a:defRPr/>
+            </a:pPr>
+            <a:r>
+              <a:rPr lang="en-US" dirty="0" err="1" smtClean="0"/>
+              <a:t>zehavit</a:t>
+            </a:r>
+            <a:endParaRPr lang="he-IL" dirty="0" smtClean="0"/>
+          </a:p>
+          <a:p>
             <a:pPr marL="171450" indent="-171450">
               <a:buFont typeface="Arial" panose="020B0604020202020204" pitchFamily="34" charset="0"/>
               <a:buChar char="•"/>
             </a:pPr>
-            <a:r>
-              <a:rPr lang="en-US" dirty="0" smtClean="0"/>
-              <a:t>Hear the entire</a:t>
-            </a:r>
-            <a:r>
-              <a:rPr lang="en-US" baseline="0" dirty="0" smtClean="0"/>
-              <a:t> canvas – from left to right  + marks the currently played stroke </a:t>
-            </a:r>
+            <a:endParaRPr lang="en-US" dirty="0" smtClean="0"/>
           </a:p>
           <a:p>
             <a:pPr marL="171450" indent="-171450">
@@ -5276,9 +5961,22 @@
               <a:buChar char="•"/>
             </a:pPr>
             <a:r>
+              <a:rPr lang="he-IL" dirty="0" smtClean="0"/>
+              <a:t>לתת</a:t>
+            </a:r>
+            <a:r>
               <a:rPr lang="he-IL" baseline="0" dirty="0" smtClean="0"/>
-              <a:t>להסביר מתי כל שלב שימושי:</a:t>
-            </a:r>
+              <a:t> </a:t>
+            </a:r>
+            <a:r>
+              <a:rPr lang="he-IL" baseline="0" dirty="0" smtClean="0"/>
+              <a:t>דוגמה לגבי אורך הניגון – שנקבע רק עפ"י אורך הציור על ציר </a:t>
+            </a:r>
+            <a:r>
+              <a:rPr lang="en-US" baseline="0" dirty="0" smtClean="0"/>
+              <a:t>X</a:t>
+            </a:r>
+            <a:endParaRPr lang="he-IL" baseline="0" dirty="0" smtClean="0"/>
           </a:p>
           <a:p>
             <a:pPr marL="0" indent="0">
@@ -5287,44 +5985,13 @@
             </a:pPr>
             <a:r>
               <a:rPr lang="he-IL" baseline="0" dirty="0" smtClean="0"/>
-              <a:t>הראשון כדי לייצר מוזיקה ולהבין אותה</a:t>
+              <a:t>למשל – מעגל </a:t>
             </a:r>
           </a:p>
           <a:p>
             <a:pPr marL="0" indent="0">
               <a:buFont typeface="Arial" panose="020B0604020202020204" pitchFamily="34" charset="0"/>
               <a:buNone/>
-            </a:pPr>
-            <a:r>
-              <a:rPr lang="he-IL" baseline="0" dirty="0" smtClean="0"/>
-              <a:t>השני בהופעות בזמן אמת:</a:t>
-            </a:r>
-          </a:p>
-          <a:p>
-            <a:pPr marL="0" indent="0">
-              <a:buFont typeface="Arial" panose="020B0604020202020204" pitchFamily="34" charset="0"/>
-              <a:buNone/>
-            </a:pPr>
-            <a:r>
-              <a:rPr lang="he-IL" baseline="0" dirty="0" smtClean="0"/>
-              <a:t>או כדי להראות את המוסיקה שמתנגנת</a:t>
-            </a:r>
-          </a:p>
-          <a:p>
-            <a:pPr marL="0" indent="0">
-              <a:buFont typeface="Arial" panose="020B0604020202020204" pitchFamily="34" charset="0"/>
-              <a:buNone/>
-            </a:pPr>
-            <a:r>
-              <a:rPr lang="he-IL" baseline="0" dirty="0" smtClean="0"/>
-              <a:t>או במקום תווים, כהוראות לנגנים </a:t>
-            </a:r>
-            <a:endParaRPr lang="en-US" baseline="0" dirty="0" smtClean="0"/>
-          </a:p>
-          <a:p>
-            <a:pPr marL="171450" indent="-171450">
-              <a:buFont typeface="Arial" panose="020B0604020202020204" pitchFamily="34" charset="0"/>
-              <a:buChar char="•"/>
             </a:pPr>
             <a:endParaRPr lang="he-IL" dirty="0"/>
           </a:p>
@@ -5347,7 +6014,7 @@
           <a:p>
             <a:fld id="{AA9BED1A-8388-4503-8515-6BC02580799D}" type="slidenum">
               <a:rPr lang="en-US" smtClean="0"/>
-              <a:t>6</a:t>
+              <a:t>5</a:t>
             </a:fld>
             <a:endParaRPr lang="en-US"/>
           </a:p>
@@ -5356,7 +6023,7 @@
     </p:spTree>
     <p:extLst>
       <p:ext uri="{BB962C8B-B14F-4D97-AF65-F5344CB8AC3E}">
-        <p14:creationId xmlns:p14="http://schemas.microsoft.com/office/powerpoint/2010/main" val="4290254130"/>
+        <p14:creationId xmlns:p14="http://schemas.microsoft.com/office/powerpoint/2010/main" val="4158613299"/>
       </p:ext>
     </p:extLst>
   </p:cSld>
@@ -5410,13 +6077,48 @@
           <a:bodyPr/>
           <a:lstStyle/>
           <a:p>
+            <a:pPr marL="0" marR="0" lvl="0" indent="0" algn="l" defTabSz="914400" rtl="0" eaLnBrk="1" fontAlgn="auto" latinLnBrk="0" hangingPunct="1">
+              <a:lnSpc>
+                <a:spcPct val="100000"/>
+              </a:lnSpc>
+              <a:spcBef>
+                <a:spcPts val="0"/>
+              </a:spcBef>
+              <a:spcAft>
+                <a:spcPts val="0"/>
+              </a:spcAft>
+              <a:buClrTx/>
+              <a:buSzTx/>
+              <a:buFont typeface="Arial" panose="020B0604020202020204" pitchFamily="34" charset="0"/>
+              <a:buNone/>
+              <a:tabLst/>
+              <a:defRPr/>
+            </a:pPr>
+            <a:r>
+              <a:rPr lang="en-US" dirty="0" err="1" smtClean="0"/>
+              <a:t>zehavit</a:t>
+            </a:r>
+            <a:endParaRPr lang="he-IL" dirty="0" smtClean="0"/>
+          </a:p>
+          <a:p>
+            <a:pPr marL="0" indent="0">
+              <a:buFont typeface="Arial" panose="020B0604020202020204" pitchFamily="34" charset="0"/>
+              <a:buNone/>
+            </a:pPr>
+            <a:endParaRPr lang="en-US" dirty="0" smtClean="0"/>
+          </a:p>
+          <a:p>
             <a:pPr marL="171450" indent="-171450">
               <a:buFont typeface="Arial" panose="020B0604020202020204" pitchFamily="34" charset="0"/>
               <a:buChar char="•"/>
             </a:pPr>
             <a:r>
               <a:rPr lang="en-US" dirty="0" smtClean="0"/>
-              <a:t>Hear the entire</a:t>
+              <a:t>Hear </a:t>
+            </a:r>
+            <a:r>
+              <a:rPr lang="en-US" dirty="0" smtClean="0"/>
+              <a:t>the entire</a:t>
             </a:r>
             <a:r>
               <a:rPr lang="en-US" baseline="0" dirty="0" smtClean="0"/>
@@ -5500,7 +6202,7 @@
           <a:p>
             <a:fld id="{AA9BED1A-8388-4503-8515-6BC02580799D}" type="slidenum">
               <a:rPr lang="en-US" smtClean="0"/>
-              <a:t>7</a:t>
+              <a:t>6</a:t>
             </a:fld>
             <a:endParaRPr lang="en-US"/>
           </a:p>
@@ -5509,7 +6211,7 @@
     </p:spTree>
     <p:extLst>
       <p:ext uri="{BB962C8B-B14F-4D97-AF65-F5344CB8AC3E}">
-        <p14:creationId xmlns:p14="http://schemas.microsoft.com/office/powerpoint/2010/main" val="1771789855"/>
+        <p14:creationId xmlns:p14="http://schemas.microsoft.com/office/powerpoint/2010/main" val="4290254130"/>
       </p:ext>
     </p:extLst>
   </p:cSld>
@@ -5563,115 +6265,110 @@
           <a:bodyPr/>
           <a:lstStyle/>
           <a:p>
-            <a:r>
-              <a:rPr lang="he-IL" sz="1200" b="0" i="0" u="none" strike="noStrike" kern="1200" dirty="0" smtClean="0">
-                <a:solidFill>
-                  <a:schemeClr val="tx1"/>
-                </a:solidFill>
-                <a:effectLst/>
-                <a:latin typeface="+mn-lt"/>
-                <a:ea typeface="+mn-ea"/>
-                <a:cs typeface="+mn-cs"/>
-              </a:rPr>
-              <a:t>הסבר</a:t>
-            </a:r>
-            <a:r>
-              <a:rPr lang="he-IL" sz="1200" b="0" i="0" u="none" strike="noStrike" kern="1200" baseline="0" dirty="0" smtClean="0">
-                <a:solidFill>
-                  <a:schemeClr val="tx1"/>
-                </a:solidFill>
-                <a:effectLst/>
-                <a:latin typeface="+mn-lt"/>
-                <a:ea typeface="+mn-ea"/>
-                <a:cs typeface="+mn-cs"/>
-              </a:rPr>
-              <a:t> על הוידיאו:</a:t>
-            </a:r>
-            <a:endParaRPr lang="en-US" sz="1200" b="0" i="0" u="none" strike="noStrike" kern="1200" dirty="0" smtClean="0">
-              <a:solidFill>
-                <a:schemeClr val="tx1"/>
-              </a:solidFill>
-              <a:effectLst/>
-              <a:latin typeface="+mn-lt"/>
-              <a:ea typeface="+mn-ea"/>
-              <a:cs typeface="+mn-cs"/>
-            </a:endParaRPr>
-          </a:p>
-          <a:p>
-            <a:r>
-              <a:rPr lang="en-US" sz="1200" b="0" i="0" u="none" strike="noStrike" kern="1200" dirty="0" smtClean="0">
-                <a:solidFill>
-                  <a:schemeClr val="tx1"/>
-                </a:solidFill>
-                <a:effectLst/>
-                <a:latin typeface="+mn-lt"/>
-                <a:ea typeface="+mn-ea"/>
-                <a:cs typeface="+mn-cs"/>
-              </a:rPr>
-              <a:t>Intertwine is a three-movement piece entirely written using the Vuzik composing interface, specifically for an ensemble of </a:t>
-            </a:r>
-            <a:r>
-              <a:rPr lang="en-US" sz="1200" b="0" i="0" u="none" strike="noStrike" kern="1200" dirty="0" err="1" smtClean="0">
-                <a:solidFill>
-                  <a:schemeClr val="tx1"/>
-                </a:solidFill>
-                <a:effectLst/>
-                <a:latin typeface="+mn-lt"/>
-                <a:ea typeface="+mn-ea"/>
-                <a:cs typeface="+mn-cs"/>
-              </a:rPr>
-              <a:t>ChoirMob</a:t>
-            </a:r>
-            <a:r>
-              <a:rPr lang="en-US" sz="1200" b="0" i="0" u="none" strike="noStrike" kern="1200" dirty="0" smtClean="0">
-                <a:solidFill>
-                  <a:schemeClr val="tx1"/>
-                </a:solidFill>
-                <a:effectLst/>
-                <a:latin typeface="+mn-lt"/>
-                <a:ea typeface="+mn-ea"/>
-                <a:cs typeface="+mn-cs"/>
-              </a:rPr>
-              <a:t> performer</a:t>
-            </a:r>
-          </a:p>
-          <a:p>
-            <a:r>
-              <a:rPr lang="en-US" sz="1200" b="0" i="0" kern="1200" dirty="0" smtClean="0">
-                <a:solidFill>
-                  <a:schemeClr val="tx1"/>
-                </a:solidFill>
-                <a:effectLst/>
-                <a:latin typeface="+mn-lt"/>
-                <a:ea typeface="+mn-ea"/>
-                <a:cs typeface="+mn-cs"/>
-              </a:rPr>
-              <a:t>Choir Mob – </a:t>
-            </a:r>
-            <a:r>
-              <a:rPr lang="he-IL" sz="1200" b="0" i="0" kern="1200" dirty="0" smtClean="0">
-                <a:solidFill>
-                  <a:schemeClr val="tx1"/>
-                </a:solidFill>
-                <a:effectLst/>
-                <a:latin typeface="+mn-lt"/>
-                <a:ea typeface="+mn-ea"/>
-                <a:cs typeface="+mn-cs"/>
-              </a:rPr>
-              <a:t>אפליקציה לניגון</a:t>
-            </a:r>
-            <a:r>
-              <a:rPr lang="he-IL" sz="1200" b="0" i="0" kern="1200" baseline="0" dirty="0" smtClean="0">
-                <a:solidFill>
-                  <a:schemeClr val="tx1"/>
-                </a:solidFill>
-                <a:effectLst/>
-                <a:latin typeface="+mn-lt"/>
-                <a:ea typeface="+mn-ea"/>
-                <a:cs typeface="+mn-cs"/>
-              </a:rPr>
-              <a:t> כמקהלה, כל סמארטפון מייצר ניגון של כלי נגינה באמצעות טאץ'</a:t>
-            </a:r>
+            <a:pPr marL="0" marR="0" lvl="0" indent="0" algn="l" defTabSz="914400" rtl="0" eaLnBrk="1" fontAlgn="auto" latinLnBrk="0" hangingPunct="1">
+              <a:lnSpc>
+                <a:spcPct val="100000"/>
+              </a:lnSpc>
+              <a:spcBef>
+                <a:spcPts val="0"/>
+              </a:spcBef>
+              <a:spcAft>
+                <a:spcPts val="0"/>
+              </a:spcAft>
+              <a:buClrTx/>
+              <a:buSzTx/>
+              <a:buFont typeface="Arial" panose="020B0604020202020204" pitchFamily="34" charset="0"/>
+              <a:buNone/>
+              <a:tabLst/>
+              <a:defRPr/>
+            </a:pPr>
+            <a:r>
+              <a:rPr lang="en-US" dirty="0" err="1" smtClean="0"/>
+              <a:t>zehavit</a:t>
+            </a:r>
+            <a:endParaRPr lang="he-IL" dirty="0" smtClean="0"/>
+          </a:p>
+          <a:p>
+            <a:pPr marL="0" indent="0">
+              <a:buFont typeface="Arial" panose="020B0604020202020204" pitchFamily="34" charset="0"/>
+              <a:buNone/>
+            </a:pPr>
+            <a:endParaRPr lang="en-US" dirty="0" smtClean="0"/>
+          </a:p>
+          <a:p>
+            <a:pPr marL="171450" indent="-171450">
+              <a:buFont typeface="Arial" panose="020B0604020202020204" pitchFamily="34" charset="0"/>
+              <a:buChar char="•"/>
+            </a:pPr>
+            <a:r>
+              <a:rPr lang="en-US" dirty="0" smtClean="0"/>
+              <a:t>Hear </a:t>
+            </a:r>
+            <a:r>
+              <a:rPr lang="en-US" dirty="0" smtClean="0"/>
+              <a:t>the entire</a:t>
+            </a:r>
+            <a:r>
+              <a:rPr lang="en-US" baseline="0" dirty="0" smtClean="0"/>
+              <a:t> canvas – from left to right  + marks the currently played stroke </a:t>
+            </a:r>
+          </a:p>
+          <a:p>
+            <a:pPr marL="171450" indent="-171450">
+              <a:buFont typeface="Arial" panose="020B0604020202020204" pitchFamily="34" charset="0"/>
+              <a:buChar char="•"/>
+            </a:pPr>
+            <a:r>
+              <a:rPr lang="he-IL" baseline="0" dirty="0" smtClean="0"/>
+              <a:t>להסביר מתי כל שלב שימושי:</a:t>
+            </a:r>
+          </a:p>
+          <a:p>
+            <a:pPr marL="0" indent="0">
+              <a:buFont typeface="Arial" panose="020B0604020202020204" pitchFamily="34" charset="0"/>
+              <a:buNone/>
+            </a:pPr>
+            <a:r>
+              <a:rPr lang="he-IL" baseline="0" dirty="0" smtClean="0"/>
+              <a:t>הראשון כדי לייצר מוזיקה ולהבין אותה</a:t>
+            </a:r>
+          </a:p>
+          <a:p>
+            <a:pPr marL="0" indent="0">
+              <a:buFont typeface="Arial" panose="020B0604020202020204" pitchFamily="34" charset="0"/>
+              <a:buNone/>
+            </a:pPr>
+            <a:r>
+              <a:rPr lang="he-IL" baseline="0" dirty="0" smtClean="0"/>
+              <a:t>השני בהופעות בזמן אמת:</a:t>
+            </a:r>
+          </a:p>
+          <a:p>
+            <a:pPr marL="0" indent="0">
+              <a:buFont typeface="Arial" panose="020B0604020202020204" pitchFamily="34" charset="0"/>
+              <a:buNone/>
+            </a:pPr>
+            <a:r>
+              <a:rPr lang="he-IL" baseline="0" dirty="0" smtClean="0"/>
+              <a:t>או כדי להראות את המוסיקה שמתנגנת</a:t>
+            </a:r>
+          </a:p>
+          <a:p>
+            <a:pPr marL="0" indent="0">
+              <a:buFont typeface="Arial" panose="020B0604020202020204" pitchFamily="34" charset="0"/>
+              <a:buNone/>
+            </a:pPr>
+            <a:r>
+              <a:rPr lang="he-IL" baseline="0" dirty="0" smtClean="0"/>
+              <a:t>או במקום תווים, כהוראות לנגנים </a:t>
+            </a:r>
+            <a:endParaRPr lang="en-US" baseline="0" dirty="0" smtClean="0"/>
+          </a:p>
+          <a:p>
+            <a:pPr marL="171450" indent="-171450">
+              <a:buFont typeface="Arial" panose="020B0604020202020204" pitchFamily="34" charset="0"/>
+              <a:buChar char="•"/>
+            </a:pPr>
             <a:endParaRPr lang="he-IL" dirty="0"/>
           </a:p>
         </p:txBody>
@@ -5693,7 +6390,7 @@
           <a:p>
             <a:fld id="{AA9BED1A-8388-4503-8515-6BC02580799D}" type="slidenum">
               <a:rPr lang="en-US" smtClean="0"/>
-              <a:t>8</a:t>
+              <a:t>7</a:t>
             </a:fld>
             <a:endParaRPr lang="en-US"/>
           </a:p>
@@ -5702,7 +6399,7 @@
     </p:spTree>
     <p:extLst>
       <p:ext uri="{BB962C8B-B14F-4D97-AF65-F5344CB8AC3E}">
-        <p14:creationId xmlns:p14="http://schemas.microsoft.com/office/powerpoint/2010/main" val="38115288"/>
+        <p14:creationId xmlns:p14="http://schemas.microsoft.com/office/powerpoint/2010/main" val="1771789855"/>
       </p:ext>
     </p:extLst>
   </p:cSld>
@@ -5756,40 +6453,162 @@
           <a:bodyPr/>
           <a:lstStyle/>
           <a:p>
-            <a:r>
-              <a:rPr lang="he-IL" dirty="0" smtClean="0"/>
-              <a:t>להרחיב</a:t>
-            </a:r>
-            <a:r>
-              <a:rPr lang="he-IL" baseline="0" dirty="0" smtClean="0"/>
-              <a:t> בע"פ:</a:t>
-            </a:r>
-          </a:p>
-          <a:p>
-            <a:pPr marL="171450" indent="-171450">
-              <a:buFont typeface="Arial" panose="020B0604020202020204" pitchFamily="34" charset="0"/>
-              <a:buChar char="•"/>
+            <a:pPr marL="0" marR="0" lvl="0" indent="0" algn="l" defTabSz="914400" rtl="0" eaLnBrk="1" fontAlgn="auto" latinLnBrk="0" hangingPunct="1">
+              <a:lnSpc>
+                <a:spcPct val="100000"/>
+              </a:lnSpc>
+              <a:spcBef>
+                <a:spcPts val="0"/>
+              </a:spcBef>
+              <a:spcAft>
+                <a:spcPts val="0"/>
+              </a:spcAft>
+              <a:buClrTx/>
+              <a:buSzTx/>
+              <a:buFontTx/>
+              <a:buNone/>
+              <a:tabLst/>
+              <a:defRPr/>
             </a:pPr>
             <a:r>
-              <a:rPr lang="he-IL" baseline="0" dirty="0" smtClean="0"/>
-              <a:t>ככלי ללימוד ילדים:</a:t>
-            </a:r>
-          </a:p>
-          <a:p>
-            <a:pPr marL="0" indent="0">
-              <a:buFont typeface="Arial" panose="020B0604020202020204" pitchFamily="34" charset="0"/>
-              <a:buNone/>
-            </a:pPr>
-            <a:r>
-              <a:rPr lang="he-IL" baseline="0" dirty="0" smtClean="0"/>
-              <a:t>ממשיכים במחקר ומתייעצים עם מורים למוזיקה מה האתגרים של ילדים בתחום ואיך לפתור</a:t>
-            </a:r>
-          </a:p>
-          <a:p>
-            <a:pPr marL="0" indent="0">
-              <a:buFont typeface="Arial" panose="020B0604020202020204" pitchFamily="34" charset="0"/>
-              <a:buNone/>
-            </a:pPr>
+              <a:rPr lang="en-US" dirty="0" err="1" smtClean="0"/>
+              <a:t>zehavit</a:t>
+            </a:r>
+            <a:endParaRPr lang="he-IL" dirty="0" smtClean="0"/>
+          </a:p>
+          <a:p>
+            <a:endParaRPr lang="en-US" sz="1200" b="0" i="0" u="none" strike="noStrike" kern="1200" dirty="0" smtClean="0">
+              <a:solidFill>
+                <a:schemeClr val="tx1"/>
+              </a:solidFill>
+              <a:effectLst/>
+              <a:latin typeface="+mn-lt"/>
+              <a:ea typeface="+mn-ea"/>
+              <a:cs typeface="+mn-cs"/>
+            </a:endParaRPr>
+          </a:p>
+          <a:p>
+            <a:r>
+              <a:rPr lang="he-IL" sz="1200" b="0" i="0" u="none" strike="noStrike" kern="1200" dirty="0" smtClean="0">
+                <a:solidFill>
+                  <a:schemeClr val="tx1"/>
+                </a:solidFill>
+                <a:effectLst/>
+                <a:latin typeface="+mn-lt"/>
+                <a:ea typeface="+mn-ea"/>
+                <a:cs typeface="+mn-cs"/>
+              </a:rPr>
+              <a:t>הסבר</a:t>
+            </a:r>
+            <a:r>
+              <a:rPr lang="he-IL" sz="1200" b="0" i="0" u="none" strike="noStrike" kern="1200" baseline="0" dirty="0" smtClean="0">
+                <a:solidFill>
+                  <a:schemeClr val="tx1"/>
+                </a:solidFill>
+                <a:effectLst/>
+                <a:latin typeface="+mn-lt"/>
+                <a:ea typeface="+mn-ea"/>
+                <a:cs typeface="+mn-cs"/>
+              </a:rPr>
+              <a:t> </a:t>
+            </a:r>
+            <a:r>
+              <a:rPr lang="he-IL" sz="1200" b="0" i="0" u="none" strike="noStrike" kern="1200" baseline="0" dirty="0" smtClean="0">
+                <a:solidFill>
+                  <a:schemeClr val="tx1"/>
+                </a:solidFill>
+                <a:effectLst/>
+                <a:latin typeface="+mn-lt"/>
+                <a:ea typeface="+mn-ea"/>
+                <a:cs typeface="+mn-cs"/>
+              </a:rPr>
+              <a:t>על הוידיאו:</a:t>
+            </a:r>
+            <a:endParaRPr lang="en-US" sz="1200" b="0" i="0" u="none" strike="noStrike" kern="1200" dirty="0" smtClean="0">
+              <a:solidFill>
+                <a:schemeClr val="tx1"/>
+              </a:solidFill>
+              <a:effectLst/>
+              <a:latin typeface="+mn-lt"/>
+              <a:ea typeface="+mn-ea"/>
+              <a:cs typeface="+mn-cs"/>
+            </a:endParaRPr>
+          </a:p>
+          <a:p>
+            <a:r>
+              <a:rPr lang="en-US" sz="1200" b="0" i="0" u="none" strike="noStrike" kern="1200" dirty="0" smtClean="0">
+                <a:solidFill>
+                  <a:schemeClr val="tx1"/>
+                </a:solidFill>
+                <a:effectLst/>
+                <a:latin typeface="+mn-lt"/>
+                <a:ea typeface="+mn-ea"/>
+                <a:cs typeface="+mn-cs"/>
+              </a:rPr>
+              <a:t>Intertwine is a three-movement piece entirely written using the Vuzik composing interface, specifically for an ensemble of </a:t>
+            </a:r>
+            <a:r>
+              <a:rPr lang="en-US" sz="1200" b="0" i="0" u="none" strike="noStrike" kern="1200" dirty="0" err="1" smtClean="0">
+                <a:solidFill>
+                  <a:schemeClr val="tx1"/>
+                </a:solidFill>
+                <a:effectLst/>
+                <a:latin typeface="+mn-lt"/>
+                <a:ea typeface="+mn-ea"/>
+                <a:cs typeface="+mn-cs"/>
+              </a:rPr>
+              <a:t>ChoirMob</a:t>
+            </a:r>
+            <a:r>
+              <a:rPr lang="en-US" sz="1200" b="0" i="0" u="none" strike="noStrike" kern="1200" dirty="0" smtClean="0">
+                <a:solidFill>
+                  <a:schemeClr val="tx1"/>
+                </a:solidFill>
+                <a:effectLst/>
+                <a:latin typeface="+mn-lt"/>
+                <a:ea typeface="+mn-ea"/>
+                <a:cs typeface="+mn-cs"/>
+              </a:rPr>
+              <a:t> performer</a:t>
+            </a:r>
+          </a:p>
+          <a:p>
+            <a:r>
+              <a:rPr lang="en-US" sz="1200" b="0" i="0" kern="1200" dirty="0" smtClean="0">
+                <a:solidFill>
+                  <a:schemeClr val="tx1"/>
+                </a:solidFill>
+                <a:effectLst/>
+                <a:latin typeface="+mn-lt"/>
+                <a:ea typeface="+mn-ea"/>
+                <a:cs typeface="+mn-cs"/>
+              </a:rPr>
+              <a:t>Choir Mob – </a:t>
+            </a:r>
+            <a:r>
+              <a:rPr lang="he-IL" sz="1200" b="0" i="0" kern="1200" dirty="0" smtClean="0">
+                <a:solidFill>
+                  <a:schemeClr val="tx1"/>
+                </a:solidFill>
+                <a:effectLst/>
+                <a:latin typeface="+mn-lt"/>
+                <a:ea typeface="+mn-ea"/>
+                <a:cs typeface="+mn-cs"/>
+              </a:rPr>
+              <a:t>אפליקציה לניגון</a:t>
+            </a:r>
+            <a:r>
+              <a:rPr lang="he-IL" sz="1200" b="0" i="0" kern="1200" baseline="0" dirty="0" smtClean="0">
+                <a:solidFill>
+                  <a:schemeClr val="tx1"/>
+                </a:solidFill>
+                <a:effectLst/>
+                <a:latin typeface="+mn-lt"/>
+                <a:ea typeface="+mn-ea"/>
+                <a:cs typeface="+mn-cs"/>
+              </a:rPr>
+              <a:t> כמקהלה, כל סמארטפון מייצר ניגון של כלי נגינה באמצעות טאץ'</a:t>
+            </a:r>
             <a:endParaRPr lang="he-IL" dirty="0"/>
           </a:p>
         </p:txBody>
@@ -5811,7 +6630,7 @@
           <a:p>
             <a:fld id="{AA9BED1A-8388-4503-8515-6BC02580799D}" type="slidenum">
               <a:rPr lang="en-US" smtClean="0"/>
-              <a:t>9</a:t>
+              <a:t>8</a:t>
             </a:fld>
             <a:endParaRPr lang="en-US"/>
           </a:p>
@@ -5820,7 +6639,7 @@
     </p:spTree>
     <p:extLst>
       <p:ext uri="{BB962C8B-B14F-4D97-AF65-F5344CB8AC3E}">
-        <p14:creationId xmlns:p14="http://schemas.microsoft.com/office/powerpoint/2010/main" val="1135265732"/>
+        <p14:creationId xmlns:p14="http://schemas.microsoft.com/office/powerpoint/2010/main" val="38115288"/>
       </p:ext>
     </p:extLst>
   </p:cSld>
@@ -5874,6 +6693,71 @@
           <a:bodyPr/>
           <a:lstStyle/>
           <a:p>
+            <a:pPr marL="0" marR="0" lvl="0" indent="0" algn="l" defTabSz="914400" rtl="0" eaLnBrk="1" fontAlgn="auto" latinLnBrk="0" hangingPunct="1">
+              <a:lnSpc>
+                <a:spcPct val="100000"/>
+              </a:lnSpc>
+              <a:spcBef>
+                <a:spcPts val="0"/>
+              </a:spcBef>
+              <a:spcAft>
+                <a:spcPts val="0"/>
+              </a:spcAft>
+              <a:buClrTx/>
+              <a:buSzTx/>
+              <a:buFontTx/>
+              <a:buNone/>
+              <a:tabLst/>
+              <a:defRPr/>
+            </a:pPr>
+            <a:r>
+              <a:rPr lang="en-US" dirty="0" err="1" smtClean="0"/>
+              <a:t>zehavit</a:t>
+            </a:r>
+            <a:endParaRPr lang="he-IL" dirty="0" smtClean="0"/>
+          </a:p>
+          <a:p>
+            <a:endParaRPr lang="en-US" dirty="0" smtClean="0"/>
+          </a:p>
+          <a:p>
+            <a:r>
+              <a:rPr lang="he-IL" dirty="0" smtClean="0"/>
+              <a:t>להרחיב</a:t>
+            </a:r>
+            <a:r>
+              <a:rPr lang="he-IL" baseline="0" dirty="0" smtClean="0"/>
+              <a:t> </a:t>
+            </a:r>
+            <a:r>
+              <a:rPr lang="he-IL" baseline="0" dirty="0" smtClean="0"/>
+              <a:t>בע"פ:</a:t>
+            </a:r>
+          </a:p>
+          <a:p>
+            <a:pPr marL="171450" indent="-171450">
+              <a:buFont typeface="Arial" panose="020B0604020202020204" pitchFamily="34" charset="0"/>
+              <a:buChar char="•"/>
+            </a:pPr>
+            <a:r>
+              <a:rPr lang="he-IL" baseline="0" dirty="0" smtClean="0"/>
+              <a:t>ככלי ללימוד ילדים:</a:t>
+            </a:r>
+          </a:p>
+          <a:p>
+            <a:pPr marL="0" indent="0">
+              <a:buFont typeface="Arial" panose="020B0604020202020204" pitchFamily="34" charset="0"/>
+              <a:buNone/>
+            </a:pPr>
+            <a:r>
+              <a:rPr lang="he-IL" baseline="0" dirty="0" smtClean="0"/>
+              <a:t>ממשיכים במחקר ומתייעצים עם מורים למוזיקה מה האתגרים של ילדים בתחום ואיך לפתור</a:t>
+            </a:r>
+          </a:p>
+          <a:p>
+            <a:pPr marL="0" indent="0">
+              <a:buFont typeface="Arial" panose="020B0604020202020204" pitchFamily="34" charset="0"/>
+              <a:buNone/>
+            </a:pPr>
             <a:endParaRPr lang="he-IL" dirty="0"/>
           </a:p>
         </p:txBody>
@@ -5895,7 +6779,7 @@
           <a:p>
             <a:fld id="{AA9BED1A-8388-4503-8515-6BC02580799D}" type="slidenum">
               <a:rPr lang="en-US" smtClean="0"/>
-              <a:t>10</a:t>
+              <a:t>9</a:t>
             </a:fld>
             <a:endParaRPr lang="en-US"/>
           </a:p>
@@ -5904,7 +6788,7 @@
     </p:spTree>
     <p:extLst>
       <p:ext uri="{BB962C8B-B14F-4D97-AF65-F5344CB8AC3E}">
-        <p14:creationId xmlns:p14="http://schemas.microsoft.com/office/powerpoint/2010/main" val="3071332509"/>
+        <p14:creationId xmlns:p14="http://schemas.microsoft.com/office/powerpoint/2010/main" val="1135265732"/>
       </p:ext>
     </p:extLst>
   </p:cSld>
@@ -6317,7 +7201,7 @@
           <a:p>
             <a:fld id="{318D53EE-AD22-4BCC-B47B-45E9D925B68F}" type="datetimeFigureOut">
               <a:rPr lang="en-US" smtClean="0"/>
-              <a:t>12/15/2018</a:t>
+              <a:t>12/17/2018</a:t>
             </a:fld>
             <a:endParaRPr lang="en-US"/>
           </a:p>
@@ -6496,7 +7380,7 @@
           <a:p>
             <a:fld id="{318D53EE-AD22-4BCC-B47B-45E9D925B68F}" type="datetimeFigureOut">
               <a:rPr lang="en-US" smtClean="0"/>
-              <a:t>12/15/2018</a:t>
+              <a:t>12/17/2018</a:t>
             </a:fld>
             <a:endParaRPr lang="en-US"/>
           </a:p>
@@ -6676,7 +7560,7 @@
           <a:p>
             <a:fld id="{318D53EE-AD22-4BCC-B47B-45E9D925B68F}" type="datetimeFigureOut">
               <a:rPr lang="en-US" smtClean="0"/>
-              <a:t>12/15/2018</a:t>
+              <a:t>12/17/2018</a:t>
             </a:fld>
             <a:endParaRPr lang="en-US"/>
           </a:p>
@@ -6846,7 +7730,7 @@
           <a:p>
             <a:fld id="{318D53EE-AD22-4BCC-B47B-45E9D925B68F}" type="datetimeFigureOut">
               <a:rPr lang="en-US" smtClean="0"/>
-              <a:t>12/15/2018</a:t>
+              <a:t>12/17/2018</a:t>
             </a:fld>
             <a:endParaRPr lang="en-US"/>
           </a:p>
@@ -7159,7 +8043,7 @@
           <a:p>
             <a:fld id="{318D53EE-AD22-4BCC-B47B-45E9D925B68F}" type="datetimeFigureOut">
               <a:rPr lang="en-US" smtClean="0"/>
-              <a:t>12/15/2018</a:t>
+              <a:t>12/17/2018</a:t>
             </a:fld>
             <a:endParaRPr lang="en-US"/>
           </a:p>
@@ -7545,7 +8429,7 @@
           <a:p>
             <a:fld id="{318D53EE-AD22-4BCC-B47B-45E9D925B68F}" type="datetimeFigureOut">
               <a:rPr lang="en-US" smtClean="0"/>
-              <a:t>12/15/2018</a:t>
+              <a:t>12/17/2018</a:t>
             </a:fld>
             <a:endParaRPr lang="en-US"/>
           </a:p>
@@ -7979,7 +8863,7 @@
           <a:p>
             <a:fld id="{318D53EE-AD22-4BCC-B47B-45E9D925B68F}" type="datetimeFigureOut">
               <a:rPr lang="en-US" smtClean="0"/>
-              <a:t>12/15/2018</a:t>
+              <a:t>12/17/2018</a:t>
             </a:fld>
             <a:endParaRPr lang="en-US"/>
           </a:p>
@@ -8097,7 +8981,7 @@
           <a:p>
             <a:fld id="{318D53EE-AD22-4BCC-B47B-45E9D925B68F}" type="datetimeFigureOut">
               <a:rPr lang="en-US" smtClean="0"/>
-              <a:t>12/15/2018</a:t>
+              <a:t>12/17/2018</a:t>
             </a:fld>
             <a:endParaRPr lang="en-US"/>
           </a:p>
@@ -8192,7 +9076,7 @@
           <a:p>
             <a:fld id="{318D53EE-AD22-4BCC-B47B-45E9D925B68F}" type="datetimeFigureOut">
               <a:rPr lang="en-US" smtClean="0"/>
-              <a:t>12/15/2018</a:t>
+              <a:t>12/17/2018</a:t>
             </a:fld>
             <a:endParaRPr lang="en-US"/>
           </a:p>
@@ -8542,7 +9426,7 @@
           <a:p>
             <a:fld id="{318D53EE-AD22-4BCC-B47B-45E9D925B68F}" type="datetimeFigureOut">
               <a:rPr lang="en-US" smtClean="0"/>
-              <a:t>12/15/2018</a:t>
+              <a:t>12/17/2018</a:t>
             </a:fld>
             <a:endParaRPr lang="en-US"/>
           </a:p>
@@ -8967,7 +9851,7 @@
           <a:p>
             <a:fld id="{318D53EE-AD22-4BCC-B47B-45E9D925B68F}" type="datetimeFigureOut">
               <a:rPr lang="en-US" smtClean="0"/>
-              <a:t>12/15/2018</a:t>
+              <a:t>12/17/2018</a:t>
             </a:fld>
             <a:endParaRPr lang="en-US"/>
           </a:p>
@@ -9248,7 +10132,7 @@
           <a:p>
             <a:fld id="{318D53EE-AD22-4BCC-B47B-45E9D925B68F}" type="datetimeFigureOut">
               <a:rPr lang="en-US" smtClean="0"/>
-              <a:t>12/15/2018</a:t>
+              <a:t>12/17/2018</a:t>
             </a:fld>
             <a:endParaRPr lang="en-US"/>
           </a:p>
@@ -10318,21 +11202,13 @@
               <a:rPr lang="en-US" dirty="0" smtClean="0"/>
               <a:t>tone</a:t>
             </a:r>
+          </a:p>
+          <a:p>
+            <a:r>
+              <a:rPr lang="en-US" dirty="0" smtClean="0"/>
+              <a:t>Can be configured to average the RGB value using neighbors pixels   </a:t>
+            </a:r>
             <a:endParaRPr lang="en-US" dirty="0" smtClean="0"/>
-          </a:p>
-          <a:p>
-            <a:r>
-              <a:rPr lang="en-US" dirty="0" smtClean="0"/>
-              <a:t>Map from a set of pixels (</a:t>
-            </a:r>
-            <a:r>
-              <a:rPr lang="en-US" dirty="0" err="1" smtClean="0"/>
-              <a:t>i.e</a:t>
-            </a:r>
-            <a:r>
-              <a:rPr lang="en-US" dirty="0" smtClean="0"/>
-              <a:t> the surrounding pixels of the chosen pixel) to pitch or time duration</a:t>
-            </a:r>
           </a:p>
           <a:p>
             <a:pPr marL="0" indent="0">
@@ -10809,7 +11685,7 @@
           <p:nvPr/>
         </p:nvPicPr>
         <p:blipFill>
-          <a:blip r:embed="rId2">
+          <a:blip r:embed="rId3">
             <a:extLst>
               <a:ext uri="{28A0092B-C50C-407E-A947-70E740481C1C}">
                 <a14:useLocalDpi xmlns:a14="http://schemas.microsoft.com/office/drawing/2010/main" val="0"/>
@@ -10856,7 +11732,7 @@
           <p:nvPr/>
         </p:nvPicPr>
         <p:blipFill>
-          <a:blip r:embed="rId3" cstate="hqprint">
+          <a:blip r:embed="rId4" cstate="hqprint">
             <a:extLst>
               <a:ext uri="{28A0092B-C50C-407E-A947-70E740481C1C}">
                 <a14:useLocalDpi xmlns:a14="http://schemas.microsoft.com/office/drawing/2010/main" val="0"/>
@@ -10973,13 +11849,32 @@
               <a:rPr lang="en-US" dirty="0" smtClean="0"/>
               <a:t> – UI </a:t>
             </a:r>
-          </a:p>
-          <a:p>
+            <a:endParaRPr lang="en-US" dirty="0" smtClean="0"/>
+          </a:p>
+          <a:p>
+            <a:r>
+              <a:rPr lang="en-US" dirty="0" err="1" smtClean="0"/>
+              <a:t>SuperCollider</a:t>
+            </a:r>
             <a:r>
               <a:rPr lang="en-US" dirty="0" smtClean="0"/>
-              <a:t>OSC – to interact with SC for creating music </a:t>
+              <a:t> - as server</a:t>
             </a:r>
             <a:endParaRPr lang="en-US" dirty="0" smtClean="0"/>
+          </a:p>
+          <a:p>
+            <a:r>
+              <a:rPr lang="en-US" dirty="0" smtClean="0"/>
+              <a:t>OSC – </a:t>
+            </a:r>
+            <a:r>
+              <a:rPr lang="en-US" dirty="0" smtClean="0"/>
+              <a:t>as client to </a:t>
+            </a:r>
+            <a:r>
+              <a:rPr lang="en-US" dirty="0" smtClean="0"/>
+              <a:t>interact with SC for creating music </a:t>
+            </a:r>
           </a:p>
           <a:p>
             <a:r>
@@ -11409,7 +12304,7 @@
 </file>
 
 <file path=ppt/slides/slide19.xml><?xml version="1.0" encoding="utf-8"?>
-<p:sld xmlns:a="http://schemas.openxmlformats.org/drawingml/2006/main" xmlns:r="http://schemas.openxmlformats.org/officeDocument/2006/relationships" xmlns:p="http://schemas.openxmlformats.org/presentationml/2006/main">
+<p:sld xmlns:a="http://schemas.openxmlformats.org/drawingml/2006/main" xmlns:r="http://schemas.openxmlformats.org/officeDocument/2006/relationships" xmlns:p="http://schemas.openxmlformats.org/presentationml/2006/main" show="0">
   <p:cSld>
     <p:spTree>
       <p:nvGrpSpPr>
@@ -11537,6 +12432,14 @@
   <p:clrMapOvr>
     <a:masterClrMapping/>
   </p:clrMapOvr>
+  <mc:AlternateContent xmlns:mc="http://schemas.openxmlformats.org/markup-compatibility/2006">
+    <mc:Choice xmlns:p14="http://schemas.microsoft.com/office/powerpoint/2010/main" Requires="p14">
+      <p:transition spd="slow" p14:dur="2000"/>
+    </mc:Choice>
+    <mc:Fallback>
+      <p:transition spd="slow"/>
+    </mc:Fallback>
+  </mc:AlternateContent>
 </p:sld>
 </file>
 
@@ -11589,7 +12492,7 @@
             <a:r>
               <a:rPr lang="en-US" sz="7200" cap="all" dirty="0">
                 <a:blipFill>
-                  <a:blip r:embed="rId2">
+                  <a:blip r:embed="rId3">
                     <a:extLst>
                       <a:ext uri="{28A0092B-C50C-407E-A947-70E740481C1C}">
                         <a14:useLocalDpi xmlns:a14="http://schemas.microsoft.com/office/drawing/2010/main" val="0"/>
@@ -11672,7 +12575,7 @@
           <p:nvPr/>
         </p:nvPicPr>
         <p:blipFill>
-          <a:blip r:embed="rId3" cstate="hqprint">
+          <a:blip r:embed="rId4" cstate="hqprint">
             <a:extLst>
               <a:ext uri="{28A0092B-C50C-407E-A947-70E740481C1C}">
                 <a14:useLocalDpi xmlns:a14="http://schemas.microsoft.com/office/drawing/2010/main" val="0"/>
@@ -11719,6 +12622,148 @@
 
 <file path=ppt/slides/slide20.xml><?xml version="1.0" encoding="utf-8"?>
 <p:sld xmlns:a="http://schemas.openxmlformats.org/drawingml/2006/main" xmlns:r="http://schemas.openxmlformats.org/officeDocument/2006/relationships" xmlns:p="http://schemas.openxmlformats.org/presentationml/2006/main">
+  <p:cSld>
+    <p:spTree>
+      <p:nvGrpSpPr>
+        <p:cNvPr id="1" name=""/>
+        <p:cNvGrpSpPr/>
+        <p:nvPr/>
+      </p:nvGrpSpPr>
+      <p:grpSpPr>
+        <a:xfrm>
+          <a:off x="0" y="0"/>
+          <a:ext cx="0" cy="0"/>
+          <a:chOff x="0" y="0"/>
+          <a:chExt cx="0" cy="0"/>
+        </a:xfrm>
+      </p:grpSpPr>
+      <p:sp>
+        <p:nvSpPr>
+          <p:cNvPr id="4" name="TextBox 3">
+            <a:extLst>
+              <a:ext uri="{FF2B5EF4-FFF2-40B4-BE49-F238E27FC236}">
+                <a16:creationId xmlns:a16="http://schemas.microsoft.com/office/drawing/2014/main" id="{EA82BB0B-F4FE-4E3A-950F-688B5F349888}"/>
+              </a:ext>
+            </a:extLst>
+          </p:cNvPr>
+          <p:cNvSpPr txBox="1"/>
+          <p:nvPr/>
+        </p:nvSpPr>
+        <p:spPr>
+          <a:xfrm>
+            <a:off x="787234" y="2233944"/>
+            <a:ext cx="10105053" cy="1200329"/>
+          </a:xfrm>
+          <a:prstGeom prst="rect">
+            <a:avLst/>
+          </a:prstGeom>
+          <a:noFill/>
+        </p:spPr>
+        <p:txBody>
+          <a:bodyPr wrap="square" rtlCol="0">
+            <a:spAutoFit/>
+          </a:bodyPr>
+          <a:lstStyle/>
+          <a:p>
+            <a:pPr algn="ctr"/>
+            <a:r>
+              <a:rPr lang="en-US" sz="7200" cap="all" dirty="0" smtClean="0">
+                <a:blipFill>
+                  <a:blip r:embed="rId3">
+                    <a:extLst>
+                      <a:ext uri="{28A0092B-C50C-407E-A947-70E740481C1C}">
+                        <a14:useLocalDpi xmlns:a14="http://schemas.microsoft.com/office/drawing/2010/main" val="0"/>
+                      </a:ext>
+                    </a:extLst>
+                  </a:blip>
+                  <a:tile tx="6350" ty="-127000" sx="65000" sy="64000" flip="none" algn="tl"/>
+                </a:blipFill>
+                <a:latin typeface="+mj-lt"/>
+                <a:ea typeface="+mj-ea"/>
+                <a:cs typeface="+mj-cs"/>
+              </a:rPr>
+              <a:t>Phase 1 – Demo </a:t>
+            </a:r>
+            <a:endParaRPr lang="en-US" sz="7200" cap="all" dirty="0">
+              <a:blipFill>
+                <a:blip r:embed="rId3">
+                  <a:extLst>
+                    <a:ext uri="{28A0092B-C50C-407E-A947-70E740481C1C}">
+                      <a14:useLocalDpi xmlns:a14="http://schemas.microsoft.com/office/drawing/2010/main" val="0"/>
+                    </a:ext>
+                  </a:extLst>
+                </a:blip>
+                <a:tile tx="6350" ty="-127000" sx="65000" sy="64000" flip="none" algn="tl"/>
+              </a:blipFill>
+              <a:latin typeface="+mj-lt"/>
+              <a:ea typeface="+mj-ea"/>
+              <a:cs typeface="+mj-cs"/>
+            </a:endParaRPr>
+          </a:p>
+        </p:txBody>
+      </p:sp>
+      <p:pic>
+        <p:nvPicPr>
+          <p:cNvPr id="1026" name="Picture 2" descr="×ª××¦××ª ×ª××× × ×¢×××¨ âªmusic pixelâ¬â">
+            <a:extLst>
+              <a:ext uri="{FF2B5EF4-FFF2-40B4-BE49-F238E27FC236}">
+                <a16:creationId xmlns:a16="http://schemas.microsoft.com/office/drawing/2014/main" id="{6E043A9D-8C6E-412B-9610-EA3C9C02E538}"/>
+              </a:ext>
+            </a:extLst>
+          </p:cNvPr>
+          <p:cNvPicPr>
+            <a:picLocks noChangeAspect="1" noChangeArrowheads="1"/>
+          </p:cNvPicPr>
+          <p:nvPr/>
+        </p:nvPicPr>
+        <p:blipFill>
+          <a:blip r:embed="rId4" cstate="hqprint">
+            <a:extLst>
+              <a:ext uri="{28A0092B-C50C-407E-A947-70E740481C1C}">
+                <a14:useLocalDpi xmlns:a14="http://schemas.microsoft.com/office/drawing/2010/main" val="0"/>
+              </a:ext>
+            </a:extLst>
+          </a:blip>
+          <a:srcRect/>
+          <a:stretch>
+            <a:fillRect/>
+          </a:stretch>
+        </p:blipFill>
+        <p:spPr bwMode="auto">
+          <a:xfrm>
+            <a:off x="0" y="3938271"/>
+            <a:ext cx="1574469" cy="2478755"/>
+          </a:xfrm>
+          <a:prstGeom prst="rect">
+            <a:avLst/>
+          </a:prstGeom>
+          <a:noFill/>
+          <a:extLst>
+            <a:ext uri="{909E8E84-426E-40DD-AFC4-6F175D3DCCD1}">
+              <a14:hiddenFill xmlns:a14="http://schemas.microsoft.com/office/drawing/2010/main">
+                <a:solidFill>
+                  <a:srgbClr val="FFFFFF"/>
+                </a:solidFill>
+              </a14:hiddenFill>
+            </a:ext>
+          </a:extLst>
+        </p:spPr>
+      </p:pic>
+    </p:spTree>
+    <p:extLst>
+      <p:ext uri="{BB962C8B-B14F-4D97-AF65-F5344CB8AC3E}">
+        <p14:creationId xmlns:p14="http://schemas.microsoft.com/office/powerpoint/2010/main" val="2339164771"/>
+      </p:ext>
+    </p:extLst>
+  </p:cSld>
+  <p:clrMapOvr>
+    <a:masterClrMapping/>
+  </p:clrMapOvr>
+</p:sld>
+</file>
+
+<file path=ppt/slides/slide21.xml><?xml version="1.0" encoding="utf-8"?>
+<p:sld xmlns:a="http://schemas.openxmlformats.org/drawingml/2006/main" xmlns:r="http://schemas.openxmlformats.org/officeDocument/2006/relationships" xmlns:p="http://schemas.openxmlformats.org/presentationml/2006/main" show="0">
   <p:cSld>
     <p:spTree>
       <p:nvGrpSpPr>
@@ -12793,18 +13838,26 @@
     </p:spTree>
     <p:extLst>
       <p:ext uri="{BB962C8B-B14F-4D97-AF65-F5344CB8AC3E}">
-        <p14:creationId xmlns:p14="http://schemas.microsoft.com/office/powerpoint/2010/main" val="1778048316"/>
+        <p14:creationId xmlns:p14="http://schemas.microsoft.com/office/powerpoint/2010/main" val="1547644432"/>
       </p:ext>
     </p:extLst>
   </p:cSld>
   <p:clrMapOvr>
     <a:masterClrMapping/>
   </p:clrMapOvr>
+  <mc:AlternateContent xmlns:mc="http://schemas.openxmlformats.org/markup-compatibility/2006">
+    <mc:Choice xmlns:p14="http://schemas.microsoft.com/office/powerpoint/2010/main" Requires="p14">
+      <p:transition spd="slow" p14:dur="2000"/>
+    </mc:Choice>
+    <mc:Fallback>
+      <p:transition spd="slow"/>
+    </mc:Fallback>
+  </mc:AlternateContent>
 </p:sld>
 </file>
 
-<file path=ppt/slides/slide21.xml><?xml version="1.0" encoding="utf-8"?>
-<p:sld xmlns:a="http://schemas.openxmlformats.org/drawingml/2006/main" xmlns:r="http://schemas.openxmlformats.org/officeDocument/2006/relationships" xmlns:p="http://schemas.openxmlformats.org/presentationml/2006/main">
+<file path=ppt/slides/slide22.xml><?xml version="1.0" encoding="utf-8"?>
+<p:sld xmlns:a="http://schemas.openxmlformats.org/drawingml/2006/main" xmlns:r="http://schemas.openxmlformats.org/officeDocument/2006/relationships" xmlns:p="http://schemas.openxmlformats.org/presentationml/2006/main" show="0">
   <p:cSld>
     <p:spTree>
       <p:nvGrpSpPr>
@@ -13646,7 +14699,7 @@
           <p:nvPr/>
         </p:nvPicPr>
         <p:blipFill>
-          <a:blip r:embed="rId6" cstate="hqprint">
+          <a:blip r:embed="rId5" cstate="hqprint">
             <a:extLst>
               <a:ext uri="{28A0092B-C50C-407E-A947-70E740481C1C}">
                 <a14:useLocalDpi xmlns:a14="http://schemas.microsoft.com/office/drawing/2010/main" val="0"/>
@@ -13693,7 +14746,7 @@
           <p:nvPr/>
         </p:nvPicPr>
         <p:blipFill>
-          <a:blip r:embed="rId7">
+          <a:blip r:embed="rId6">
             <a:extLst>
               <a:ext uri="{28A0092B-C50C-407E-A947-70E740481C1C}">
                 <a14:useLocalDpi xmlns:a14="http://schemas.microsoft.com/office/drawing/2010/main" val="0"/>
@@ -13729,7 +14782,7 @@
           <p:nvPr/>
         </p:nvPicPr>
         <p:blipFill>
-          <a:blip r:embed="rId8">
+          <a:blip r:embed="rId7">
             <a:extLst>
               <a:ext uri="{28A0092B-C50C-407E-A947-70E740481C1C}">
                 <a14:useLocalDpi xmlns:a14="http://schemas.microsoft.com/office/drawing/2010/main" val="0"/>
@@ -13765,7 +14818,7 @@
           <p:nvPr/>
         </p:nvPicPr>
         <p:blipFill>
-          <a:blip r:embed="rId9" cstate="hqprint">
+          <a:blip r:embed="rId8" cstate="hqprint">
             <a:extLst>
               <a:ext uri="{28A0092B-C50C-407E-A947-70E740481C1C}">
                 <a14:useLocalDpi xmlns:a14="http://schemas.microsoft.com/office/drawing/2010/main" val="0"/>
@@ -13801,7 +14854,7 @@
           <p:nvPr/>
         </p:nvPicPr>
         <p:blipFill rotWithShape="1">
-          <a:blip r:embed="rId10">
+          <a:blip r:embed="rId9">
             <a:extLst>
               <a:ext uri="{28A0092B-C50C-407E-A947-70E740481C1C}">
                 <a14:useLocalDpi xmlns:a14="http://schemas.microsoft.com/office/drawing/2010/main" val="0"/>
@@ -13846,7 +14899,7 @@
           <p:nvPr/>
         </p:nvPicPr>
         <p:blipFill rotWithShape="1">
-          <a:blip r:embed="rId10">
+          <a:blip r:embed="rId9">
             <a:extLst>
               <a:ext uri="{28A0092B-C50C-407E-A947-70E740481C1C}">
                 <a14:useLocalDpi xmlns:a14="http://schemas.microsoft.com/office/drawing/2010/main" val="0"/>
@@ -13876,234 +14929,29 @@
           </a:extLst>
         </p:spPr>
       </p:pic>
-      <p:sp>
-        <p:nvSpPr>
-          <p:cNvPr id="22" name="MousePointer">
-            <a:extLst>
-              <a:ext uri="{FF2B5EF4-FFF2-40B4-BE49-F238E27FC236}">
-                <a16:creationId xmlns:a16="http://schemas.microsoft.com/office/drawing/2014/main" id="{D257A4DE-9690-4D92-99C3-F10391B5F671}"/>
-              </a:ext>
-            </a:extLst>
-          </p:cNvPr>
-          <p:cNvSpPr/>
-          <p:nvPr>
-            <p:custDataLst>
-              <p:custData r:id="rId3"/>
-            </p:custDataLst>
-          </p:nvPr>
-        </p:nvSpPr>
-        <p:spPr>
-          <a:xfrm rot="20359169">
-            <a:off x="5474254" y="3129907"/>
-            <a:ext cx="151053" cy="247694"/>
-          </a:xfrm>
-          <a:custGeom>
-            <a:avLst/>
-            <a:gdLst>
-              <a:gd name="connsiteX0" fmla="*/ 0 w 592890"/>
-              <a:gd name="connsiteY0" fmla="*/ 806746 h 997971"/>
-              <a:gd name="connsiteX1" fmla="*/ 296445 w 592890"/>
-              <a:gd name="connsiteY1" fmla="*/ 0 h 997971"/>
-              <a:gd name="connsiteX2" fmla="*/ 592890 w 592890"/>
-              <a:gd name="connsiteY2" fmla="*/ 806746 h 997971"/>
-              <a:gd name="connsiteX3" fmla="*/ 386188 w 592890"/>
-              <a:gd name="connsiteY3" fmla="*/ 806746 h 997971"/>
-              <a:gd name="connsiteX4" fmla="*/ 386188 w 592890"/>
-              <a:gd name="connsiteY4" fmla="*/ 997971 h 997971"/>
-              <a:gd name="connsiteX5" fmla="*/ 206702 w 592890"/>
-              <a:gd name="connsiteY5" fmla="*/ 997971 h 997971"/>
-              <a:gd name="connsiteX6" fmla="*/ 206702 w 592890"/>
-              <a:gd name="connsiteY6" fmla="*/ 806746 h 997971"/>
-              <a:gd name="connsiteX7" fmla="*/ 0 w 592890"/>
-              <a:gd name="connsiteY7" fmla="*/ 806746 h 997971"/>
-              <a:gd name="connsiteX0" fmla="*/ 0 w 592890"/>
-              <a:gd name="connsiteY0" fmla="*/ 806746 h 997971"/>
-              <a:gd name="connsiteX1" fmla="*/ 296445 w 592890"/>
-              <a:gd name="connsiteY1" fmla="*/ 0 h 997971"/>
-              <a:gd name="connsiteX2" fmla="*/ 592890 w 592890"/>
-              <a:gd name="connsiteY2" fmla="*/ 806746 h 997971"/>
-              <a:gd name="connsiteX3" fmla="*/ 386188 w 592890"/>
-              <a:gd name="connsiteY3" fmla="*/ 766438 h 997971"/>
-              <a:gd name="connsiteX4" fmla="*/ 386188 w 592890"/>
-              <a:gd name="connsiteY4" fmla="*/ 997971 h 997971"/>
-              <a:gd name="connsiteX5" fmla="*/ 206702 w 592890"/>
-              <a:gd name="connsiteY5" fmla="*/ 997971 h 997971"/>
-              <a:gd name="connsiteX6" fmla="*/ 206702 w 592890"/>
-              <a:gd name="connsiteY6" fmla="*/ 806746 h 997971"/>
-              <a:gd name="connsiteX7" fmla="*/ 0 w 592890"/>
-              <a:gd name="connsiteY7" fmla="*/ 806746 h 997971"/>
-              <a:gd name="connsiteX0" fmla="*/ 0 w 592890"/>
-              <a:gd name="connsiteY0" fmla="*/ 806746 h 997971"/>
-              <a:gd name="connsiteX1" fmla="*/ 296445 w 592890"/>
-              <a:gd name="connsiteY1" fmla="*/ 0 h 997971"/>
-              <a:gd name="connsiteX2" fmla="*/ 592890 w 592890"/>
-              <a:gd name="connsiteY2" fmla="*/ 806746 h 997971"/>
-              <a:gd name="connsiteX3" fmla="*/ 386188 w 592890"/>
-              <a:gd name="connsiteY3" fmla="*/ 766438 h 997971"/>
-              <a:gd name="connsiteX4" fmla="*/ 386188 w 592890"/>
-              <a:gd name="connsiteY4" fmla="*/ 997971 h 997971"/>
-              <a:gd name="connsiteX5" fmla="*/ 206702 w 592890"/>
-              <a:gd name="connsiteY5" fmla="*/ 997971 h 997971"/>
-              <a:gd name="connsiteX6" fmla="*/ 206702 w 592890"/>
-              <a:gd name="connsiteY6" fmla="*/ 764057 h 997971"/>
-              <a:gd name="connsiteX7" fmla="*/ 0 w 592890"/>
-              <a:gd name="connsiteY7" fmla="*/ 806746 h 997971"/>
-              <a:gd name="connsiteX0" fmla="*/ 0 w 592890"/>
-              <a:gd name="connsiteY0" fmla="*/ 806746 h 997971"/>
-              <a:gd name="connsiteX1" fmla="*/ 296445 w 592890"/>
-              <a:gd name="connsiteY1" fmla="*/ 0 h 997971"/>
-              <a:gd name="connsiteX2" fmla="*/ 592890 w 592890"/>
-              <a:gd name="connsiteY2" fmla="*/ 806746 h 997971"/>
-              <a:gd name="connsiteX3" fmla="*/ 386188 w 592890"/>
-              <a:gd name="connsiteY3" fmla="*/ 766438 h 997971"/>
-              <a:gd name="connsiteX4" fmla="*/ 386188 w 592890"/>
-              <a:gd name="connsiteY4" fmla="*/ 997971 h 997971"/>
-              <a:gd name="connsiteX5" fmla="*/ 206702 w 592890"/>
-              <a:gd name="connsiteY5" fmla="*/ 997971 h 997971"/>
-              <a:gd name="connsiteX6" fmla="*/ 206702 w 592890"/>
-              <a:gd name="connsiteY6" fmla="*/ 735333 h 997971"/>
-              <a:gd name="connsiteX7" fmla="*/ 0 w 592890"/>
-              <a:gd name="connsiteY7" fmla="*/ 806746 h 997971"/>
-              <a:gd name="connsiteX0" fmla="*/ 0 w 592890"/>
-              <a:gd name="connsiteY0" fmla="*/ 806746 h 997971"/>
-              <a:gd name="connsiteX1" fmla="*/ 296445 w 592890"/>
-              <a:gd name="connsiteY1" fmla="*/ 0 h 997971"/>
-              <a:gd name="connsiteX2" fmla="*/ 592890 w 592890"/>
-              <a:gd name="connsiteY2" fmla="*/ 806746 h 997971"/>
-              <a:gd name="connsiteX3" fmla="*/ 386188 w 592890"/>
-              <a:gd name="connsiteY3" fmla="*/ 730570 h 997971"/>
-              <a:gd name="connsiteX4" fmla="*/ 386188 w 592890"/>
-              <a:gd name="connsiteY4" fmla="*/ 997971 h 997971"/>
-              <a:gd name="connsiteX5" fmla="*/ 206702 w 592890"/>
-              <a:gd name="connsiteY5" fmla="*/ 997971 h 997971"/>
-              <a:gd name="connsiteX6" fmla="*/ 206702 w 592890"/>
-              <a:gd name="connsiteY6" fmla="*/ 735333 h 997971"/>
-              <a:gd name="connsiteX7" fmla="*/ 0 w 592890"/>
-              <a:gd name="connsiteY7" fmla="*/ 806746 h 997971"/>
-            </a:gdLst>
-            <a:ahLst/>
-            <a:cxnLst>
-              <a:cxn ang="0">
-                <a:pos x="connsiteX0" y="connsiteY0"/>
-              </a:cxn>
-              <a:cxn ang="0">
-                <a:pos x="connsiteX1" y="connsiteY1"/>
-              </a:cxn>
-              <a:cxn ang="0">
-                <a:pos x="connsiteX2" y="connsiteY2"/>
-              </a:cxn>
-              <a:cxn ang="0">
-                <a:pos x="connsiteX3" y="connsiteY3"/>
-              </a:cxn>
-              <a:cxn ang="0">
-                <a:pos x="connsiteX4" y="connsiteY4"/>
-              </a:cxn>
-              <a:cxn ang="0">
-                <a:pos x="connsiteX5" y="connsiteY5"/>
-              </a:cxn>
-              <a:cxn ang="0">
-                <a:pos x="connsiteX6" y="connsiteY6"/>
-              </a:cxn>
-              <a:cxn ang="0">
-                <a:pos x="connsiteX7" y="connsiteY7"/>
-              </a:cxn>
-            </a:cxnLst>
-            <a:rect l="l" t="t" r="r" b="b"/>
-            <a:pathLst>
-              <a:path w="592890" h="997971">
-                <a:moveTo>
-                  <a:pt x="0" y="806746"/>
-                </a:moveTo>
-                <a:lnTo>
-                  <a:pt x="296445" y="0"/>
-                </a:lnTo>
-                <a:lnTo>
-                  <a:pt x="592890" y="806746"/>
-                </a:lnTo>
-                <a:lnTo>
-                  <a:pt x="386188" y="730570"/>
-                </a:lnTo>
-                <a:lnTo>
-                  <a:pt x="386188" y="997971"/>
-                </a:lnTo>
-                <a:lnTo>
-                  <a:pt x="206702" y="997971"/>
-                </a:lnTo>
-                <a:lnTo>
-                  <a:pt x="206702" y="735333"/>
-                </a:lnTo>
-                <a:lnTo>
-                  <a:pt x="0" y="806746"/>
-                </a:lnTo>
-                <a:close/>
-              </a:path>
-            </a:pathLst>
-          </a:custGeom>
-          <a:solidFill>
-            <a:srgbClr val="FFFFFF"/>
-          </a:solidFill>
-          <a:ln w="3175">
-            <a:solidFill>
-              <a:srgbClr val="000000">
-                <a:lumMod val="85000"/>
-                <a:lumOff val="15000"/>
-              </a:srgbClr>
-            </a:solidFill>
-          </a:ln>
-          <a:effectLst>
-            <a:glow rad="139700">
-              <a:srgbClr val="F79646">
-                <a:satMod val="175000"/>
-                <a:alpha val="40000"/>
-              </a:srgbClr>
-            </a:glow>
-            <a:outerShdw blurRad="25400" dist="25400" dir="2040000" algn="tl" rotWithShape="0">
-              <a:prstClr val="black">
-                <a:alpha val="20000"/>
-              </a:prstClr>
-            </a:outerShdw>
-          </a:effectLst>
-        </p:spPr>
-        <p:style>
-          <a:lnRef idx="2">
-            <a:srgbClr val="4F81BD">
-              <a:shade val="50000"/>
-            </a:srgbClr>
-          </a:lnRef>
-          <a:fillRef idx="1">
-            <a:srgbClr val="4F81BD"/>
-          </a:fillRef>
-          <a:effectRef idx="0">
-            <a:srgbClr val="4F81BD"/>
-          </a:effectRef>
-          <a:fontRef idx="minor">
-            <a:srgbClr val="000000"/>
-          </a:fontRef>
-        </p:style>
-        <p:txBody>
-          <a:bodyPr lIns="97531" tIns="48766" rIns="97531" bIns="48766" rtlCol="0" anchor="ctr"/>
-          <a:lstStyle/>
-          <a:p>
-            <a:pPr algn="ctr"/>
-            <a:endParaRPr lang="en-US" dirty="0"/>
-          </a:p>
-        </p:txBody>
-      </p:sp>
     </p:spTree>
     <p:extLst>
       <p:ext uri="{BB962C8B-B14F-4D97-AF65-F5344CB8AC3E}">
-        <p14:creationId xmlns:p14="http://schemas.microsoft.com/office/powerpoint/2010/main" val="3213671631"/>
+        <p14:creationId xmlns:p14="http://schemas.microsoft.com/office/powerpoint/2010/main" val="1778048316"/>
       </p:ext>
     </p:extLst>
   </p:cSld>
   <p:clrMapOvr>
     <a:masterClrMapping/>
   </p:clrMapOvr>
+  <mc:AlternateContent xmlns:mc="http://schemas.openxmlformats.org/markup-compatibility/2006">
+    <mc:Choice xmlns:p14="http://schemas.microsoft.com/office/powerpoint/2010/main" Requires="p14">
+      <p:transition spd="slow" p14:dur="2000"/>
+    </mc:Choice>
+    <mc:Fallback>
+      <p:transition spd="slow"/>
+    </mc:Fallback>
+  </mc:AlternateContent>
 </p:sld>
 </file>
 
-<file path=ppt/slides/slide22.xml><?xml version="1.0" encoding="utf-8"?>
-<p:sld xmlns:a="http://schemas.openxmlformats.org/drawingml/2006/main" xmlns:r="http://schemas.openxmlformats.org/officeDocument/2006/relationships" xmlns:p="http://schemas.openxmlformats.org/presentationml/2006/main">
+<file path=ppt/slides/slide23.xml><?xml version="1.0" encoding="utf-8"?>
+<p:sld xmlns:a="http://schemas.openxmlformats.org/drawingml/2006/main" xmlns:r="http://schemas.openxmlformats.org/officeDocument/2006/relationships" xmlns:p="http://schemas.openxmlformats.org/presentationml/2006/main" show="0">
   <p:cSld>
     <p:spTree>
       <p:nvGrpSpPr>
@@ -14764,6 +15612,1313 @@
                 <a:ea typeface="+mn-ea"/>
                 <a:cs typeface="+mn-cs"/>
               </a:rPr>
+              <a:t>  </a:t>
+            </a:r>
+            <a:r>
+              <a:rPr kumimoji="0" lang="he-IL" sz="1200" b="0" i="0" u="none" strike="noStrike" kern="0" cap="none" spc="0" normalizeH="0" baseline="0" noProof="0" dirty="0">
+                <a:ln>
+                  <a:noFill/>
+                </a:ln>
+                <a:solidFill>
+                  <a:srgbClr val="000000">
+                    <a:lumMod val="75000"/>
+                    <a:lumOff val="25000"/>
+                  </a:srgbClr>
+                </a:solidFill>
+                <a:effectLst/>
+                <a:uLnTx/>
+                <a:uFillTx/>
+                <a:latin typeface="Segoe UI"/>
+                <a:ea typeface="+mn-ea"/>
+                <a:cs typeface="+mn-cs"/>
+              </a:rPr>
+              <a:t>     </a:t>
+            </a:r>
+            <a:r>
+              <a:rPr kumimoji="0" lang="en-US" sz="1200" b="0" i="0" u="none" strike="noStrike" kern="0" cap="none" spc="0" normalizeH="0" baseline="0" noProof="0" dirty="0">
+                <a:ln>
+                  <a:noFill/>
+                </a:ln>
+                <a:solidFill>
+                  <a:srgbClr val="000000">
+                    <a:lumMod val="75000"/>
+                    <a:lumOff val="25000"/>
+                  </a:srgbClr>
+                </a:solidFill>
+                <a:effectLst/>
+                <a:uLnTx/>
+                <a:uFillTx/>
+                <a:latin typeface="Segoe UI"/>
+                <a:ea typeface="+mn-ea"/>
+                <a:cs typeface="+mn-cs"/>
+              </a:rPr>
+              <a:t>File</a:t>
+            </a:r>
+            <a:r>
+              <a:rPr kumimoji="0" lang="en-US" sz="1200" b="0" i="0" u="none" strike="noStrike" kern="0" cap="none" spc="0" normalizeH="0" noProof="0" dirty="0">
+                <a:ln>
+                  <a:noFill/>
+                </a:ln>
+                <a:solidFill>
+                  <a:srgbClr val="000000">
+                    <a:lumMod val="75000"/>
+                    <a:lumOff val="25000"/>
+                  </a:srgbClr>
+                </a:solidFill>
+                <a:effectLst/>
+                <a:uLnTx/>
+                <a:uFillTx/>
+                <a:latin typeface="Segoe UI"/>
+                <a:ea typeface="+mn-ea"/>
+                <a:cs typeface="+mn-cs"/>
+              </a:rPr>
+              <a:t>     </a:t>
+            </a:r>
+            <a:r>
+              <a:rPr kumimoji="0" lang="he-IL" sz="1200" b="0" i="0" u="none" strike="noStrike" kern="0" cap="none" spc="0" normalizeH="0" noProof="0" dirty="0">
+                <a:ln>
+                  <a:noFill/>
+                </a:ln>
+                <a:solidFill>
+                  <a:srgbClr val="000000">
+                    <a:lumMod val="75000"/>
+                    <a:lumOff val="25000"/>
+                  </a:srgbClr>
+                </a:solidFill>
+                <a:effectLst/>
+                <a:uLnTx/>
+                <a:uFillTx/>
+                <a:latin typeface="Segoe UI"/>
+                <a:ea typeface="+mn-ea"/>
+                <a:cs typeface="+mn-cs"/>
+              </a:rPr>
+              <a:t>   </a:t>
+            </a:r>
+            <a:r>
+              <a:rPr kumimoji="0" lang="en-US" sz="1200" b="0" i="0" u="none" strike="noStrike" kern="0" cap="none" spc="0" normalizeH="0" noProof="0" dirty="0">
+                <a:ln>
+                  <a:noFill/>
+                </a:ln>
+                <a:solidFill>
+                  <a:srgbClr val="000000">
+                    <a:lumMod val="75000"/>
+                    <a:lumOff val="25000"/>
+                  </a:srgbClr>
+                </a:solidFill>
+                <a:effectLst/>
+                <a:uLnTx/>
+                <a:uFillTx/>
+                <a:latin typeface="Segoe UI"/>
+                <a:ea typeface="+mn-ea"/>
+                <a:cs typeface="+mn-cs"/>
+              </a:rPr>
+              <a:t>Help</a:t>
+            </a:r>
+            <a:endParaRPr kumimoji="0" lang="en-US" sz="1200" b="0" i="0" u="none" strike="noStrike" kern="0" cap="none" spc="0" normalizeH="0" baseline="0" noProof="0" dirty="0">
+              <a:ln>
+                <a:noFill/>
+              </a:ln>
+              <a:solidFill>
+                <a:srgbClr val="000000">
+                  <a:lumMod val="75000"/>
+                  <a:lumOff val="25000"/>
+                </a:srgbClr>
+              </a:solidFill>
+              <a:effectLst/>
+              <a:uLnTx/>
+              <a:uFillTx/>
+              <a:latin typeface="Segoe UI"/>
+              <a:ea typeface="+mn-ea"/>
+              <a:cs typeface="+mn-cs"/>
+            </a:endParaRPr>
+          </a:p>
+        </p:txBody>
+      </p:sp>
+      <p:sp>
+        <p:nvSpPr>
+          <p:cNvPr id="2" name="Title 1"/>
+          <p:cNvSpPr>
+            <a:spLocks noGrp="1"/>
+          </p:cNvSpPr>
+          <p:nvPr>
+            <p:ph type="title"/>
+          </p:nvPr>
+        </p:nvSpPr>
+        <p:spPr>
+          <a:xfrm>
+            <a:off x="1069848" y="484632"/>
+            <a:ext cx="10058400" cy="1609344"/>
+          </a:xfrm>
+        </p:spPr>
+        <p:txBody>
+          <a:bodyPr/>
+          <a:lstStyle/>
+          <a:p>
+            <a:r>
+              <a:rPr lang="en-US" dirty="0"/>
+              <a:t>UI scheme – </a:t>
+            </a:r>
+            <a:r>
+              <a:rPr lang="en-US" sz="4000" dirty="0">
+                <a:solidFill>
+                  <a:schemeClr val="accent1">
+                    <a:lumMod val="75000"/>
+                  </a:schemeClr>
+                </a:solidFill>
+              </a:rPr>
+              <a:t>MOCK (Before implementing)</a:t>
+            </a:r>
+            <a:endParaRPr lang="he-IL" dirty="0">
+              <a:solidFill>
+                <a:schemeClr val="accent1">
+                  <a:lumMod val="75000"/>
+                </a:schemeClr>
+              </a:solidFill>
+            </a:endParaRPr>
+          </a:p>
+        </p:txBody>
+      </p:sp>
+      <p:pic>
+        <p:nvPicPr>
+          <p:cNvPr id="4" name="Picture 2" descr="×ª××¦××ª ×ª××× × ×¢×××¨ âªmusic pixelâ¬â">
+            <a:extLst>
+              <a:ext uri="{FF2B5EF4-FFF2-40B4-BE49-F238E27FC236}">
+                <a16:creationId xmlns:a16="http://schemas.microsoft.com/office/drawing/2014/main" id="{A4FEC63E-33DC-4978-8B13-CA2C36BCF04B}"/>
+              </a:ext>
+            </a:extLst>
+          </p:cNvPr>
+          <p:cNvPicPr>
+            <a:picLocks noChangeAspect="1" noChangeArrowheads="1"/>
+          </p:cNvPicPr>
+          <p:nvPr/>
+        </p:nvPicPr>
+        <p:blipFill>
+          <a:blip r:embed="rId6" cstate="hqprint">
+            <a:extLst>
+              <a:ext uri="{28A0092B-C50C-407E-A947-70E740481C1C}">
+                <a14:useLocalDpi xmlns:a14="http://schemas.microsoft.com/office/drawing/2010/main" val="0"/>
+              </a:ext>
+            </a:extLst>
+          </a:blip>
+          <a:srcRect/>
+          <a:stretch>
+            <a:fillRect/>
+          </a:stretch>
+        </p:blipFill>
+        <p:spPr bwMode="auto">
+          <a:xfrm>
+            <a:off x="11288324" y="5128341"/>
+            <a:ext cx="663044" cy="1043859"/>
+          </a:xfrm>
+          <a:prstGeom prst="rect">
+            <a:avLst/>
+          </a:prstGeom>
+          <a:noFill/>
+          <a:extLst>
+            <a:ext uri="{909E8E84-426E-40DD-AFC4-6F175D3DCCD1}">
+              <a14:hiddenFill xmlns:a14="http://schemas.microsoft.com/office/drawing/2010/main">
+                <a:solidFill>
+                  <a:srgbClr val="FFFFFF"/>
+                </a:solidFill>
+              </a14:hiddenFill>
+            </a:ext>
+          </a:extLst>
+        </p:spPr>
+      </p:pic>
+      <p:pic>
+        <p:nvPicPr>
+          <p:cNvPr id="17" name="Picture 16" descr="A sunset over a city&#10;&#10;Description generated with very high confidence">
+            <a:extLst>
+              <a:ext uri="{FF2B5EF4-FFF2-40B4-BE49-F238E27FC236}">
+                <a16:creationId xmlns:a16="http://schemas.microsoft.com/office/drawing/2014/main" id="{6ADF78D2-B28A-45AC-9F78-2D1721F052D8}"/>
+              </a:ext>
+            </a:extLst>
+          </p:cNvPr>
+          <p:cNvPicPr>
+            <a:picLocks noChangeAspect="1"/>
+          </p:cNvPicPr>
+          <p:nvPr/>
+        </p:nvPicPr>
+        <p:blipFill>
+          <a:blip r:embed="rId7">
+            <a:extLst>
+              <a:ext uri="{28A0092B-C50C-407E-A947-70E740481C1C}">
+                <a14:useLocalDpi xmlns:a14="http://schemas.microsoft.com/office/drawing/2010/main" val="0"/>
+              </a:ext>
+            </a:extLst>
+          </a:blip>
+          <a:stretch>
+            <a:fillRect/>
+          </a:stretch>
+        </p:blipFill>
+        <p:spPr>
+          <a:xfrm>
+            <a:off x="3695375" y="2700248"/>
+            <a:ext cx="2932357" cy="2196940"/>
+          </a:xfrm>
+          <a:prstGeom prst="rect">
+            <a:avLst/>
+          </a:prstGeom>
+        </p:spPr>
+      </p:pic>
+      <p:pic>
+        <p:nvPicPr>
+          <p:cNvPr id="21" name="Picture 20" descr="A screen shot of a computer&#10;&#10;Description generated with high confidence">
+            <a:extLst>
+              <a:ext uri="{FF2B5EF4-FFF2-40B4-BE49-F238E27FC236}">
+                <a16:creationId xmlns:a16="http://schemas.microsoft.com/office/drawing/2014/main" id="{E45EE274-2CE8-42ED-A2CA-918D36949E9D}"/>
+              </a:ext>
+            </a:extLst>
+          </p:cNvPr>
+          <p:cNvPicPr>
+            <a:picLocks noChangeAspect="1"/>
+          </p:cNvPicPr>
+          <p:nvPr/>
+        </p:nvPicPr>
+        <p:blipFill>
+          <a:blip r:embed="rId8">
+            <a:extLst>
+              <a:ext uri="{28A0092B-C50C-407E-A947-70E740481C1C}">
+                <a14:useLocalDpi xmlns:a14="http://schemas.microsoft.com/office/drawing/2010/main" val="0"/>
+              </a:ext>
+            </a:extLst>
+          </a:blip>
+          <a:stretch>
+            <a:fillRect/>
+          </a:stretch>
+        </p:blipFill>
+        <p:spPr>
+          <a:xfrm>
+            <a:off x="6775106" y="3640669"/>
+            <a:ext cx="388575" cy="388575"/>
+          </a:xfrm>
+          <a:prstGeom prst="rect">
+            <a:avLst/>
+          </a:prstGeom>
+        </p:spPr>
+      </p:pic>
+      <p:pic>
+        <p:nvPicPr>
+          <p:cNvPr id="23" name="Picture 22" descr="A flat screen tv&#10;&#10;Description generated with high confidence">
+            <a:extLst>
+              <a:ext uri="{FF2B5EF4-FFF2-40B4-BE49-F238E27FC236}">
+                <a16:creationId xmlns:a16="http://schemas.microsoft.com/office/drawing/2014/main" id="{47DCD805-91D1-417F-89D0-17934147F239}"/>
+              </a:ext>
+            </a:extLst>
+          </p:cNvPr>
+          <p:cNvPicPr>
+            <a:picLocks noChangeAspect="1"/>
+          </p:cNvPicPr>
+          <p:nvPr/>
+        </p:nvPicPr>
+        <p:blipFill>
+          <a:blip r:embed="rId9" cstate="hqprint">
+            <a:extLst>
+              <a:ext uri="{28A0092B-C50C-407E-A947-70E740481C1C}">
+                <a14:useLocalDpi xmlns:a14="http://schemas.microsoft.com/office/drawing/2010/main" val="0"/>
+              </a:ext>
+            </a:extLst>
+          </a:blip>
+          <a:stretch>
+            <a:fillRect/>
+          </a:stretch>
+        </p:blipFill>
+        <p:spPr>
+          <a:xfrm>
+            <a:off x="3127928" y="3587890"/>
+            <a:ext cx="388575" cy="388575"/>
+          </a:xfrm>
+          <a:prstGeom prst="rect">
+            <a:avLst/>
+          </a:prstGeom>
+        </p:spPr>
+      </p:pic>
+      <p:pic>
+        <p:nvPicPr>
+          <p:cNvPr id="1026" name="Picture 2" descr="×ª××× × ×§×©××¨×">
+            <a:extLst>
+              <a:ext uri="{FF2B5EF4-FFF2-40B4-BE49-F238E27FC236}">
+                <a16:creationId xmlns:a16="http://schemas.microsoft.com/office/drawing/2014/main" id="{9E1628A4-69DE-4023-B51A-1C68426839BA}"/>
+              </a:ext>
+            </a:extLst>
+          </p:cNvPr>
+          <p:cNvPicPr>
+            <a:picLocks noChangeAspect="1" noChangeArrowheads="1"/>
+          </p:cNvPicPr>
+          <p:nvPr/>
+        </p:nvPicPr>
+        <p:blipFill rotWithShape="1">
+          <a:blip r:embed="rId10">
+            <a:extLst>
+              <a:ext uri="{28A0092B-C50C-407E-A947-70E740481C1C}">
+                <a14:useLocalDpi xmlns:a14="http://schemas.microsoft.com/office/drawing/2010/main" val="0"/>
+              </a:ext>
+            </a:extLst>
+          </a:blip>
+          <a:srcRect l="50237" r="25299"/>
+          <a:stretch/>
+        </p:blipFill>
+        <p:spPr bwMode="auto">
+          <a:xfrm>
+            <a:off x="4268272" y="5100323"/>
+            <a:ext cx="816788" cy="890328"/>
+          </a:xfrm>
+          <a:prstGeom prst="rect">
+            <a:avLst/>
+          </a:prstGeom>
+          <a:noFill/>
+          <a:extLst>
+            <a:ext uri="{909E8E84-426E-40DD-AFC4-6F175D3DCCD1}">
+              <a14:hiddenFill xmlns:a14="http://schemas.microsoft.com/office/drawing/2010/main">
+                <a:solidFill>
+                  <a:srgbClr val="FFFFFF"/>
+                </a:solidFill>
+              </a14:hiddenFill>
+            </a:ext>
+          </a:extLst>
+        </p:spPr>
+      </p:pic>
+      <p:pic>
+        <p:nvPicPr>
+          <p:cNvPr id="44" name="Picture 2" descr="×ª××× × ×§×©××¨×">
+            <a:extLst>
+              <a:ext uri="{FF2B5EF4-FFF2-40B4-BE49-F238E27FC236}">
+                <a16:creationId xmlns:a16="http://schemas.microsoft.com/office/drawing/2014/main" id="{59CFEFA1-0B67-407B-94E3-670BF2A8449E}"/>
+              </a:ext>
+            </a:extLst>
+          </p:cNvPr>
+          <p:cNvPicPr>
+            <a:picLocks noChangeAspect="1" noChangeArrowheads="1"/>
+          </p:cNvPicPr>
+          <p:nvPr/>
+        </p:nvPicPr>
+        <p:blipFill rotWithShape="1">
+          <a:blip r:embed="rId10">
+            <a:extLst>
+              <a:ext uri="{28A0092B-C50C-407E-A947-70E740481C1C}">
+                <a14:useLocalDpi xmlns:a14="http://schemas.microsoft.com/office/drawing/2010/main" val="0"/>
+              </a:ext>
+            </a:extLst>
+          </a:blip>
+          <a:srcRect l="74897"/>
+          <a:stretch/>
+        </p:blipFill>
+        <p:spPr bwMode="auto">
+          <a:xfrm>
+            <a:off x="5245124" y="5100323"/>
+            <a:ext cx="838109" cy="890328"/>
+          </a:xfrm>
+          <a:prstGeom prst="rect">
+            <a:avLst/>
+          </a:prstGeom>
+          <a:noFill/>
+          <a:extLst>
+            <a:ext uri="{909E8E84-426E-40DD-AFC4-6F175D3DCCD1}">
+              <a14:hiddenFill xmlns:a14="http://schemas.microsoft.com/office/drawing/2010/main">
+                <a:solidFill>
+                  <a:srgbClr val="FFFFFF"/>
+                </a:solidFill>
+              </a14:hiddenFill>
+            </a:ext>
+          </a:extLst>
+        </p:spPr>
+      </p:pic>
+      <p:sp>
+        <p:nvSpPr>
+          <p:cNvPr id="22" name="MousePointer">
+            <a:extLst>
+              <a:ext uri="{FF2B5EF4-FFF2-40B4-BE49-F238E27FC236}">
+                <a16:creationId xmlns:a16="http://schemas.microsoft.com/office/drawing/2014/main" id="{D257A4DE-9690-4D92-99C3-F10391B5F671}"/>
+              </a:ext>
+            </a:extLst>
+          </p:cNvPr>
+          <p:cNvSpPr/>
+          <p:nvPr>
+            <p:custDataLst>
+              <p:custData r:id="rId3"/>
+            </p:custDataLst>
+          </p:nvPr>
+        </p:nvSpPr>
+        <p:spPr>
+          <a:xfrm rot="20359169">
+            <a:off x="5474254" y="3129907"/>
+            <a:ext cx="151053" cy="247694"/>
+          </a:xfrm>
+          <a:custGeom>
+            <a:avLst/>
+            <a:gdLst>
+              <a:gd name="connsiteX0" fmla="*/ 0 w 592890"/>
+              <a:gd name="connsiteY0" fmla="*/ 806746 h 997971"/>
+              <a:gd name="connsiteX1" fmla="*/ 296445 w 592890"/>
+              <a:gd name="connsiteY1" fmla="*/ 0 h 997971"/>
+              <a:gd name="connsiteX2" fmla="*/ 592890 w 592890"/>
+              <a:gd name="connsiteY2" fmla="*/ 806746 h 997971"/>
+              <a:gd name="connsiteX3" fmla="*/ 386188 w 592890"/>
+              <a:gd name="connsiteY3" fmla="*/ 806746 h 997971"/>
+              <a:gd name="connsiteX4" fmla="*/ 386188 w 592890"/>
+              <a:gd name="connsiteY4" fmla="*/ 997971 h 997971"/>
+              <a:gd name="connsiteX5" fmla="*/ 206702 w 592890"/>
+              <a:gd name="connsiteY5" fmla="*/ 997971 h 997971"/>
+              <a:gd name="connsiteX6" fmla="*/ 206702 w 592890"/>
+              <a:gd name="connsiteY6" fmla="*/ 806746 h 997971"/>
+              <a:gd name="connsiteX7" fmla="*/ 0 w 592890"/>
+              <a:gd name="connsiteY7" fmla="*/ 806746 h 997971"/>
+              <a:gd name="connsiteX0" fmla="*/ 0 w 592890"/>
+              <a:gd name="connsiteY0" fmla="*/ 806746 h 997971"/>
+              <a:gd name="connsiteX1" fmla="*/ 296445 w 592890"/>
+              <a:gd name="connsiteY1" fmla="*/ 0 h 997971"/>
+              <a:gd name="connsiteX2" fmla="*/ 592890 w 592890"/>
+              <a:gd name="connsiteY2" fmla="*/ 806746 h 997971"/>
+              <a:gd name="connsiteX3" fmla="*/ 386188 w 592890"/>
+              <a:gd name="connsiteY3" fmla="*/ 766438 h 997971"/>
+              <a:gd name="connsiteX4" fmla="*/ 386188 w 592890"/>
+              <a:gd name="connsiteY4" fmla="*/ 997971 h 997971"/>
+              <a:gd name="connsiteX5" fmla="*/ 206702 w 592890"/>
+              <a:gd name="connsiteY5" fmla="*/ 997971 h 997971"/>
+              <a:gd name="connsiteX6" fmla="*/ 206702 w 592890"/>
+              <a:gd name="connsiteY6" fmla="*/ 806746 h 997971"/>
+              <a:gd name="connsiteX7" fmla="*/ 0 w 592890"/>
+              <a:gd name="connsiteY7" fmla="*/ 806746 h 997971"/>
+              <a:gd name="connsiteX0" fmla="*/ 0 w 592890"/>
+              <a:gd name="connsiteY0" fmla="*/ 806746 h 997971"/>
+              <a:gd name="connsiteX1" fmla="*/ 296445 w 592890"/>
+              <a:gd name="connsiteY1" fmla="*/ 0 h 997971"/>
+              <a:gd name="connsiteX2" fmla="*/ 592890 w 592890"/>
+              <a:gd name="connsiteY2" fmla="*/ 806746 h 997971"/>
+              <a:gd name="connsiteX3" fmla="*/ 386188 w 592890"/>
+              <a:gd name="connsiteY3" fmla="*/ 766438 h 997971"/>
+              <a:gd name="connsiteX4" fmla="*/ 386188 w 592890"/>
+              <a:gd name="connsiteY4" fmla="*/ 997971 h 997971"/>
+              <a:gd name="connsiteX5" fmla="*/ 206702 w 592890"/>
+              <a:gd name="connsiteY5" fmla="*/ 997971 h 997971"/>
+              <a:gd name="connsiteX6" fmla="*/ 206702 w 592890"/>
+              <a:gd name="connsiteY6" fmla="*/ 764057 h 997971"/>
+              <a:gd name="connsiteX7" fmla="*/ 0 w 592890"/>
+              <a:gd name="connsiteY7" fmla="*/ 806746 h 997971"/>
+              <a:gd name="connsiteX0" fmla="*/ 0 w 592890"/>
+              <a:gd name="connsiteY0" fmla="*/ 806746 h 997971"/>
+              <a:gd name="connsiteX1" fmla="*/ 296445 w 592890"/>
+              <a:gd name="connsiteY1" fmla="*/ 0 h 997971"/>
+              <a:gd name="connsiteX2" fmla="*/ 592890 w 592890"/>
+              <a:gd name="connsiteY2" fmla="*/ 806746 h 997971"/>
+              <a:gd name="connsiteX3" fmla="*/ 386188 w 592890"/>
+              <a:gd name="connsiteY3" fmla="*/ 766438 h 997971"/>
+              <a:gd name="connsiteX4" fmla="*/ 386188 w 592890"/>
+              <a:gd name="connsiteY4" fmla="*/ 997971 h 997971"/>
+              <a:gd name="connsiteX5" fmla="*/ 206702 w 592890"/>
+              <a:gd name="connsiteY5" fmla="*/ 997971 h 997971"/>
+              <a:gd name="connsiteX6" fmla="*/ 206702 w 592890"/>
+              <a:gd name="connsiteY6" fmla="*/ 735333 h 997971"/>
+              <a:gd name="connsiteX7" fmla="*/ 0 w 592890"/>
+              <a:gd name="connsiteY7" fmla="*/ 806746 h 997971"/>
+              <a:gd name="connsiteX0" fmla="*/ 0 w 592890"/>
+              <a:gd name="connsiteY0" fmla="*/ 806746 h 997971"/>
+              <a:gd name="connsiteX1" fmla="*/ 296445 w 592890"/>
+              <a:gd name="connsiteY1" fmla="*/ 0 h 997971"/>
+              <a:gd name="connsiteX2" fmla="*/ 592890 w 592890"/>
+              <a:gd name="connsiteY2" fmla="*/ 806746 h 997971"/>
+              <a:gd name="connsiteX3" fmla="*/ 386188 w 592890"/>
+              <a:gd name="connsiteY3" fmla="*/ 730570 h 997971"/>
+              <a:gd name="connsiteX4" fmla="*/ 386188 w 592890"/>
+              <a:gd name="connsiteY4" fmla="*/ 997971 h 997971"/>
+              <a:gd name="connsiteX5" fmla="*/ 206702 w 592890"/>
+              <a:gd name="connsiteY5" fmla="*/ 997971 h 997971"/>
+              <a:gd name="connsiteX6" fmla="*/ 206702 w 592890"/>
+              <a:gd name="connsiteY6" fmla="*/ 735333 h 997971"/>
+              <a:gd name="connsiteX7" fmla="*/ 0 w 592890"/>
+              <a:gd name="connsiteY7" fmla="*/ 806746 h 997971"/>
+            </a:gdLst>
+            <a:ahLst/>
+            <a:cxnLst>
+              <a:cxn ang="0">
+                <a:pos x="connsiteX0" y="connsiteY0"/>
+              </a:cxn>
+              <a:cxn ang="0">
+                <a:pos x="connsiteX1" y="connsiteY1"/>
+              </a:cxn>
+              <a:cxn ang="0">
+                <a:pos x="connsiteX2" y="connsiteY2"/>
+              </a:cxn>
+              <a:cxn ang="0">
+                <a:pos x="connsiteX3" y="connsiteY3"/>
+              </a:cxn>
+              <a:cxn ang="0">
+                <a:pos x="connsiteX4" y="connsiteY4"/>
+              </a:cxn>
+              <a:cxn ang="0">
+                <a:pos x="connsiteX5" y="connsiteY5"/>
+              </a:cxn>
+              <a:cxn ang="0">
+                <a:pos x="connsiteX6" y="connsiteY6"/>
+              </a:cxn>
+              <a:cxn ang="0">
+                <a:pos x="connsiteX7" y="connsiteY7"/>
+              </a:cxn>
+            </a:cxnLst>
+            <a:rect l="l" t="t" r="r" b="b"/>
+            <a:pathLst>
+              <a:path w="592890" h="997971">
+                <a:moveTo>
+                  <a:pt x="0" y="806746"/>
+                </a:moveTo>
+                <a:lnTo>
+                  <a:pt x="296445" y="0"/>
+                </a:lnTo>
+                <a:lnTo>
+                  <a:pt x="592890" y="806746"/>
+                </a:lnTo>
+                <a:lnTo>
+                  <a:pt x="386188" y="730570"/>
+                </a:lnTo>
+                <a:lnTo>
+                  <a:pt x="386188" y="997971"/>
+                </a:lnTo>
+                <a:lnTo>
+                  <a:pt x="206702" y="997971"/>
+                </a:lnTo>
+                <a:lnTo>
+                  <a:pt x="206702" y="735333"/>
+                </a:lnTo>
+                <a:lnTo>
+                  <a:pt x="0" y="806746"/>
+                </a:lnTo>
+                <a:close/>
+              </a:path>
+            </a:pathLst>
+          </a:custGeom>
+          <a:solidFill>
+            <a:srgbClr val="FFFFFF"/>
+          </a:solidFill>
+          <a:ln w="3175">
+            <a:solidFill>
+              <a:srgbClr val="000000">
+                <a:lumMod val="85000"/>
+                <a:lumOff val="15000"/>
+              </a:srgbClr>
+            </a:solidFill>
+          </a:ln>
+          <a:effectLst>
+            <a:glow rad="139700">
+              <a:srgbClr val="F79646">
+                <a:satMod val="175000"/>
+                <a:alpha val="40000"/>
+              </a:srgbClr>
+            </a:glow>
+            <a:outerShdw blurRad="25400" dist="25400" dir="2040000" algn="tl" rotWithShape="0">
+              <a:prstClr val="black">
+                <a:alpha val="20000"/>
+              </a:prstClr>
+            </a:outerShdw>
+          </a:effectLst>
+        </p:spPr>
+        <p:style>
+          <a:lnRef idx="2">
+            <a:srgbClr val="4F81BD">
+              <a:shade val="50000"/>
+            </a:srgbClr>
+          </a:lnRef>
+          <a:fillRef idx="1">
+            <a:srgbClr val="4F81BD"/>
+          </a:fillRef>
+          <a:effectRef idx="0">
+            <a:srgbClr val="4F81BD"/>
+          </a:effectRef>
+          <a:fontRef idx="minor">
+            <a:srgbClr val="000000"/>
+          </a:fontRef>
+        </p:style>
+        <p:txBody>
+          <a:bodyPr lIns="97531" tIns="48766" rIns="97531" bIns="48766" rtlCol="0" anchor="ctr"/>
+          <a:lstStyle/>
+          <a:p>
+            <a:pPr algn="ctr"/>
+            <a:endParaRPr lang="en-US" dirty="0"/>
+          </a:p>
+        </p:txBody>
+      </p:sp>
+    </p:spTree>
+    <p:extLst>
+      <p:ext uri="{BB962C8B-B14F-4D97-AF65-F5344CB8AC3E}">
+        <p14:creationId xmlns:p14="http://schemas.microsoft.com/office/powerpoint/2010/main" val="3213671631"/>
+      </p:ext>
+    </p:extLst>
+  </p:cSld>
+  <p:clrMapOvr>
+    <a:masterClrMapping/>
+  </p:clrMapOvr>
+  <mc:AlternateContent xmlns:mc="http://schemas.openxmlformats.org/markup-compatibility/2006">
+    <mc:Choice xmlns:p14="http://schemas.microsoft.com/office/powerpoint/2010/main" Requires="p14">
+      <p:transition spd="slow" p14:dur="2000"/>
+    </mc:Choice>
+    <mc:Fallback>
+      <p:transition spd="slow"/>
+    </mc:Fallback>
+  </mc:AlternateContent>
+</p:sld>
+</file>
+
+<file path=ppt/slides/slide24.xml><?xml version="1.0" encoding="utf-8"?>
+<p:sld xmlns:a="http://schemas.openxmlformats.org/drawingml/2006/main" xmlns:r="http://schemas.openxmlformats.org/officeDocument/2006/relationships" xmlns:p="http://schemas.openxmlformats.org/presentationml/2006/main" show="0">
+  <p:cSld>
+    <p:spTree>
+      <p:nvGrpSpPr>
+        <p:cNvPr id="1" name=""/>
+        <p:cNvGrpSpPr/>
+        <p:nvPr/>
+      </p:nvGrpSpPr>
+      <p:grpSpPr>
+        <a:xfrm>
+          <a:off x="0" y="0"/>
+          <a:ext cx="0" cy="0"/>
+          <a:chOff x="0" y="0"/>
+          <a:chExt cx="0" cy="0"/>
+        </a:xfrm>
+      </p:grpSpPr>
+      <p:grpSp>
+        <p:nvGrpSpPr>
+          <p:cNvPr id="5" name="Window">
+            <a:extLst>
+              <a:ext uri="{FF2B5EF4-FFF2-40B4-BE49-F238E27FC236}">
+                <a16:creationId xmlns:a16="http://schemas.microsoft.com/office/drawing/2014/main" id="{1F40398A-D061-4993-8AA1-CE7E9D8FA328}"/>
+              </a:ext>
+            </a:extLst>
+          </p:cNvPr>
+          <p:cNvGrpSpPr/>
+          <p:nvPr>
+            <p:custDataLst>
+              <p:custData r:id="rId1"/>
+            </p:custDataLst>
+          </p:nvPr>
+        </p:nvGrpSpPr>
+        <p:grpSpPr>
+          <a:xfrm>
+            <a:off x="2842282" y="1769557"/>
+            <a:ext cx="4593574" cy="4518751"/>
+            <a:chOff x="0" y="-26498"/>
+            <a:chExt cx="9144000" cy="6884498"/>
+          </a:xfrm>
+        </p:grpSpPr>
+        <p:grpSp>
+          <p:nvGrpSpPr>
+            <p:cNvPr id="6" name="Group 5">
+              <a:extLst>
+                <a:ext uri="{FF2B5EF4-FFF2-40B4-BE49-F238E27FC236}">
+                  <a16:creationId xmlns:a16="http://schemas.microsoft.com/office/drawing/2014/main" id="{8C3EBD16-0F07-45FA-B018-C4F177B218A0}"/>
+                </a:ext>
+              </a:extLst>
+            </p:cNvPr>
+            <p:cNvGrpSpPr/>
+            <p:nvPr/>
+          </p:nvGrpSpPr>
+          <p:grpSpPr>
+            <a:xfrm>
+              <a:off x="0" y="-26498"/>
+              <a:ext cx="9144000" cy="6884498"/>
+              <a:chOff x="0" y="-26498"/>
+              <a:chExt cx="9144000" cy="6884498"/>
+            </a:xfrm>
+          </p:grpSpPr>
+          <p:sp>
+            <p:nvSpPr>
+              <p:cNvPr id="14" name="Rectangle 13">
+                <a:extLst>
+                  <a:ext uri="{FF2B5EF4-FFF2-40B4-BE49-F238E27FC236}">
+                    <a16:creationId xmlns:a16="http://schemas.microsoft.com/office/drawing/2014/main" id="{99770E91-D522-411A-9F10-F93457AE6E7A}"/>
+                  </a:ext>
+                </a:extLst>
+              </p:cNvPr>
+              <p:cNvSpPr/>
+              <p:nvPr/>
+            </p:nvSpPr>
+            <p:spPr>
+              <a:xfrm>
+                <a:off x="0" y="0"/>
+                <a:ext cx="9144000" cy="6858000"/>
+              </a:xfrm>
+              <a:prstGeom prst="rect">
+                <a:avLst/>
+              </a:prstGeom>
+              <a:solidFill>
+                <a:srgbClr val="FFFFFF">
+                  <a:lumMod val="65000"/>
+                </a:srgbClr>
+              </a:solidFill>
+              <a:ln w="3175" cap="flat" cmpd="sng" algn="ctr">
+                <a:solidFill>
+                  <a:srgbClr val="000000">
+                    <a:lumMod val="50000"/>
+                    <a:lumOff val="50000"/>
+                  </a:srgbClr>
+                </a:solidFill>
+                <a:prstDash val="solid"/>
+              </a:ln>
+              <a:effectLst/>
+            </p:spPr>
+            <p:txBody>
+              <a:bodyPr rtlCol="0" anchor="ctr"/>
+              <a:lstStyle/>
+              <a:p>
+                <a:pPr algn="ctr"/>
+                <a:endParaRPr lang="en-US" sz="800" kern="0">
+                  <a:solidFill>
+                    <a:prstClr val="white"/>
+                  </a:solidFill>
+                  <a:latin typeface="Segoe UI"/>
+                </a:endParaRPr>
+              </a:p>
+            </p:txBody>
+          </p:sp>
+          <p:sp>
+            <p:nvSpPr>
+              <p:cNvPr id="15" name="Rectangle 14">
+                <a:extLst>
+                  <a:ext uri="{FF2B5EF4-FFF2-40B4-BE49-F238E27FC236}">
+                    <a16:creationId xmlns:a16="http://schemas.microsoft.com/office/drawing/2014/main" id="{F73C730F-274F-4FF3-B6F3-C0B4A2624E69}"/>
+                  </a:ext>
+                </a:extLst>
+              </p:cNvPr>
+              <p:cNvSpPr/>
+              <p:nvPr/>
+            </p:nvSpPr>
+            <p:spPr>
+              <a:xfrm>
+                <a:off x="76200" y="309484"/>
+                <a:ext cx="8991600" cy="6437733"/>
+              </a:xfrm>
+              <a:prstGeom prst="rect">
+                <a:avLst/>
+              </a:prstGeom>
+              <a:solidFill>
+                <a:sysClr val="window" lastClr="FFFFFF"/>
+              </a:solidFill>
+              <a:ln w="3175" cap="flat" cmpd="sng" algn="ctr">
+                <a:solidFill>
+                  <a:srgbClr val="000000">
+                    <a:lumMod val="50000"/>
+                    <a:lumOff val="50000"/>
+                  </a:srgbClr>
+                </a:solidFill>
+                <a:prstDash val="solid"/>
+              </a:ln>
+              <a:effectLst/>
+            </p:spPr>
+            <p:txBody>
+              <a:bodyPr rtlCol="0" anchor="ctr"/>
+              <a:lstStyle/>
+              <a:p>
+                <a:pPr algn="ctr"/>
+                <a:endParaRPr lang="en-US" sz="800" kern="0">
+                  <a:solidFill>
+                    <a:prstClr val="white"/>
+                  </a:solidFill>
+                  <a:latin typeface="Segoe UI"/>
+                </a:endParaRPr>
+              </a:p>
+            </p:txBody>
+          </p:sp>
+          <p:sp>
+            <p:nvSpPr>
+              <p:cNvPr id="16" name="WindowTitle">
+                <a:extLst>
+                  <a:ext uri="{FF2B5EF4-FFF2-40B4-BE49-F238E27FC236}">
+                    <a16:creationId xmlns:a16="http://schemas.microsoft.com/office/drawing/2014/main" id="{AF4BB876-1F1A-4336-9642-67A66A78AA32}"/>
+                  </a:ext>
+                </a:extLst>
+              </p:cNvPr>
+              <p:cNvSpPr txBox="1"/>
+              <p:nvPr/>
+            </p:nvSpPr>
+            <p:spPr>
+              <a:xfrm>
+                <a:off x="240975" y="-26498"/>
+                <a:ext cx="3027342" cy="351682"/>
+              </a:xfrm>
+              <a:prstGeom prst="rect">
+                <a:avLst/>
+              </a:prstGeom>
+              <a:noFill/>
+            </p:spPr>
+            <p:txBody>
+              <a:bodyPr wrap="square" lIns="45720" tIns="18288" rIns="91440" bIns="27432" rtlCol="0" anchor="ctr" anchorCtr="0">
+                <a:spAutoFit/>
+              </a:bodyPr>
+              <a:lstStyle/>
+              <a:p>
+                <a:r>
+                  <a:rPr lang="en-US" sz="1200" dirty="0">
+                    <a:solidFill>
+                      <a:prstClr val="white"/>
+                    </a:solidFill>
+                    <a:latin typeface="Segoe UI" pitchFamily="34" charset="0"/>
+                    <a:ea typeface="Segoe UI" pitchFamily="34" charset="0"/>
+                    <a:cs typeface="Segoe UI" pitchFamily="34" charset="0"/>
+                  </a:rPr>
+                  <a:t>RGB</a:t>
+                </a:r>
+                <a:r>
+                  <a:rPr lang="he-IL" sz="1200" dirty="0">
+                    <a:solidFill>
+                      <a:prstClr val="white"/>
+                    </a:solidFill>
+                    <a:latin typeface="Segoe UI" pitchFamily="34" charset="0"/>
+                    <a:ea typeface="Segoe UI" pitchFamily="34" charset="0"/>
+                    <a:cs typeface="Segoe UI" pitchFamily="34" charset="0"/>
+                  </a:rPr>
+                  <a:t> </a:t>
+                </a:r>
+                <a:r>
+                  <a:rPr lang="en-US" sz="1200" dirty="0">
+                    <a:solidFill>
+                      <a:prstClr val="white"/>
+                    </a:solidFill>
+                    <a:latin typeface="Segoe UI" pitchFamily="34" charset="0"/>
+                    <a:ea typeface="Segoe UI" pitchFamily="34" charset="0"/>
+                    <a:cs typeface="Segoe UI" pitchFamily="34" charset="0"/>
+                  </a:rPr>
+                  <a:t>Music</a:t>
+                </a:r>
+              </a:p>
+            </p:txBody>
+          </p:sp>
+        </p:grpSp>
+        <p:grpSp>
+          <p:nvGrpSpPr>
+            <p:cNvPr id="7" name="Minimize - Maximize - Close">
+              <a:extLst>
+                <a:ext uri="{FF2B5EF4-FFF2-40B4-BE49-F238E27FC236}">
+                  <a16:creationId xmlns:a16="http://schemas.microsoft.com/office/drawing/2014/main" id="{8F413EB3-AE2C-4EB6-9DB4-1E375E6D9119}"/>
+                </a:ext>
+              </a:extLst>
+            </p:cNvPr>
+            <p:cNvGrpSpPr/>
+            <p:nvPr/>
+          </p:nvGrpSpPr>
+          <p:grpSpPr>
+            <a:xfrm>
+              <a:off x="8632311" y="92599"/>
+              <a:ext cx="384527" cy="78032"/>
+              <a:chOff x="9347642" y="131588"/>
+              <a:chExt cx="384527" cy="78032"/>
+            </a:xfrm>
+          </p:grpSpPr>
+          <p:cxnSp>
+            <p:nvCxnSpPr>
+              <p:cNvPr id="9" name="Line">
+                <a:extLst>
+                  <a:ext uri="{FF2B5EF4-FFF2-40B4-BE49-F238E27FC236}">
+                    <a16:creationId xmlns:a16="http://schemas.microsoft.com/office/drawing/2014/main" id="{312FC7B2-F7B6-4337-8EFB-611B47F20B94}"/>
+                  </a:ext>
+                </a:extLst>
+              </p:cNvPr>
+              <p:cNvCxnSpPr/>
+              <p:nvPr/>
+            </p:nvCxnSpPr>
+            <p:spPr>
+              <a:xfrm>
+                <a:off x="9661396" y="131588"/>
+                <a:ext cx="70773" cy="76200"/>
+              </a:xfrm>
+              <a:prstGeom prst="line">
+                <a:avLst/>
+              </a:prstGeom>
+              <a:ln w="12700">
+                <a:solidFill>
+                  <a:srgbClr val="FFFFFF"/>
+                </a:solidFill>
+              </a:ln>
+            </p:spPr>
+            <p:style>
+              <a:lnRef idx="1">
+                <a:srgbClr val="4F81BD"/>
+              </a:lnRef>
+              <a:fillRef idx="0">
+                <a:srgbClr val="4F81BD"/>
+              </a:fillRef>
+              <a:effectRef idx="0">
+                <a:srgbClr val="4F81BD"/>
+              </a:effectRef>
+              <a:fontRef idx="minor">
+                <a:srgbClr val="000000"/>
+              </a:fontRef>
+            </p:style>
+          </p:cxnSp>
+          <p:cxnSp>
+            <p:nvCxnSpPr>
+              <p:cNvPr id="10" name="Line">
+                <a:extLst>
+                  <a:ext uri="{FF2B5EF4-FFF2-40B4-BE49-F238E27FC236}">
+                    <a16:creationId xmlns:a16="http://schemas.microsoft.com/office/drawing/2014/main" id="{0D509EB9-8574-464D-9B5C-9FA1766968D6}"/>
+                  </a:ext>
+                </a:extLst>
+              </p:cNvPr>
+              <p:cNvCxnSpPr/>
+              <p:nvPr/>
+            </p:nvCxnSpPr>
+            <p:spPr>
+              <a:xfrm flipH="1">
+                <a:off x="9661395" y="131588"/>
+                <a:ext cx="70773" cy="76200"/>
+              </a:xfrm>
+              <a:prstGeom prst="line">
+                <a:avLst/>
+              </a:prstGeom>
+              <a:ln w="12700">
+                <a:solidFill>
+                  <a:srgbClr val="FFFFFF"/>
+                </a:solidFill>
+              </a:ln>
+            </p:spPr>
+            <p:style>
+              <a:lnRef idx="1">
+                <a:srgbClr val="4F81BD"/>
+              </a:lnRef>
+              <a:fillRef idx="0">
+                <a:srgbClr val="4F81BD"/>
+              </a:fillRef>
+              <a:effectRef idx="0">
+                <a:srgbClr val="4F81BD"/>
+              </a:effectRef>
+              <a:fontRef idx="minor">
+                <a:srgbClr val="000000"/>
+              </a:fontRef>
+            </p:style>
+          </p:cxnSp>
+          <p:sp>
+            <p:nvSpPr>
+              <p:cNvPr id="11" name="Line">
+                <a:extLst>
+                  <a:ext uri="{FF2B5EF4-FFF2-40B4-BE49-F238E27FC236}">
+                    <a16:creationId xmlns:a16="http://schemas.microsoft.com/office/drawing/2014/main" id="{25E0E5BB-FA99-4A47-9550-6685B40B8791}"/>
+                  </a:ext>
+                </a:extLst>
+              </p:cNvPr>
+              <p:cNvSpPr/>
+              <p:nvPr/>
+            </p:nvSpPr>
+            <p:spPr>
+              <a:xfrm rot="10800000" flipV="1">
+                <a:off x="9499472" y="143255"/>
+                <a:ext cx="91440" cy="9144"/>
+              </a:xfrm>
+              <a:prstGeom prst="rect">
+                <a:avLst/>
+              </a:prstGeom>
+              <a:solidFill>
+                <a:srgbClr val="919191"/>
+              </a:solidFill>
+              <a:ln w="3175">
+                <a:solidFill>
+                  <a:srgbClr val="FFFFFF"/>
+                </a:solidFill>
+              </a:ln>
+            </p:spPr>
+            <p:style>
+              <a:lnRef idx="2">
+                <a:srgbClr val="4F81BD">
+                  <a:shade val="50000"/>
+                </a:srgbClr>
+              </a:lnRef>
+              <a:fillRef idx="1001">
+                <a:srgbClr val="000000"/>
+              </a:fillRef>
+              <a:effectRef idx="0">
+                <a:srgbClr val="4F81BD"/>
+              </a:effectRef>
+              <a:fontRef idx="minor">
+                <a:srgbClr val="000000"/>
+              </a:fontRef>
+            </p:style>
+            <p:txBody>
+              <a:bodyPr rtlCol="0" anchor="ctr"/>
+              <a:lstStyle/>
+              <a:p>
+                <a:pPr algn="ctr"/>
+                <a:endParaRPr lang="en-US" dirty="0">
+                  <a:solidFill>
+                    <a:prstClr val="white"/>
+                  </a:solidFill>
+                </a:endParaRPr>
+              </a:p>
+            </p:txBody>
+          </p:sp>
+          <p:sp>
+            <p:nvSpPr>
+              <p:cNvPr id="12" name="Line">
+                <a:extLst>
+                  <a:ext uri="{FF2B5EF4-FFF2-40B4-BE49-F238E27FC236}">
+                    <a16:creationId xmlns:a16="http://schemas.microsoft.com/office/drawing/2014/main" id="{A1B02160-A007-47A5-9866-6E78C67E9853}"/>
+                  </a:ext>
+                </a:extLst>
+              </p:cNvPr>
+              <p:cNvSpPr/>
+              <p:nvPr/>
+            </p:nvSpPr>
+            <p:spPr>
+              <a:xfrm rot="10800000" flipV="1">
+                <a:off x="9498658" y="135261"/>
+                <a:ext cx="91440" cy="72527"/>
+              </a:xfrm>
+              <a:prstGeom prst="rect">
+                <a:avLst/>
+              </a:prstGeom>
+              <a:noFill/>
+              <a:ln w="12700">
+                <a:solidFill>
+                  <a:srgbClr val="FFFFFF"/>
+                </a:solidFill>
+              </a:ln>
+            </p:spPr>
+            <p:style>
+              <a:lnRef idx="2">
+                <a:srgbClr val="4F81BD">
+                  <a:shade val="50000"/>
+                </a:srgbClr>
+              </a:lnRef>
+              <a:fillRef idx="1001">
+                <a:srgbClr val="000000"/>
+              </a:fillRef>
+              <a:effectRef idx="0">
+                <a:srgbClr val="4F81BD"/>
+              </a:effectRef>
+              <a:fontRef idx="minor">
+                <a:srgbClr val="000000"/>
+              </a:fontRef>
+            </p:style>
+            <p:txBody>
+              <a:bodyPr rtlCol="0" anchor="ctr"/>
+              <a:lstStyle/>
+              <a:p>
+                <a:pPr algn="ctr"/>
+                <a:endParaRPr lang="en-US" dirty="0">
+                  <a:solidFill>
+                    <a:prstClr val="white"/>
+                  </a:solidFill>
+                </a:endParaRPr>
+              </a:p>
+            </p:txBody>
+          </p:sp>
+          <p:sp>
+            <p:nvSpPr>
+              <p:cNvPr id="13" name="Line">
+                <a:extLst>
+                  <a:ext uri="{FF2B5EF4-FFF2-40B4-BE49-F238E27FC236}">
+                    <a16:creationId xmlns:a16="http://schemas.microsoft.com/office/drawing/2014/main" id="{242673CD-4AB7-4C90-BF97-43781B2B12E2}"/>
+                  </a:ext>
+                </a:extLst>
+              </p:cNvPr>
+              <p:cNvSpPr/>
+              <p:nvPr/>
+            </p:nvSpPr>
+            <p:spPr>
+              <a:xfrm rot="10800000" flipV="1">
+                <a:off x="9347642" y="200476"/>
+                <a:ext cx="91440" cy="9144"/>
+              </a:xfrm>
+              <a:prstGeom prst="rect">
+                <a:avLst/>
+              </a:prstGeom>
+              <a:solidFill>
+                <a:srgbClr val="919191"/>
+              </a:solidFill>
+              <a:ln w="3175">
+                <a:solidFill>
+                  <a:srgbClr val="FFFFFF"/>
+                </a:solidFill>
+              </a:ln>
+            </p:spPr>
+            <p:style>
+              <a:lnRef idx="2">
+                <a:srgbClr val="4F81BD">
+                  <a:shade val="50000"/>
+                </a:srgbClr>
+              </a:lnRef>
+              <a:fillRef idx="1001">
+                <a:srgbClr val="000000"/>
+              </a:fillRef>
+              <a:effectRef idx="0">
+                <a:srgbClr val="4F81BD"/>
+              </a:effectRef>
+              <a:fontRef idx="minor">
+                <a:srgbClr val="000000"/>
+              </a:fontRef>
+            </p:style>
+            <p:txBody>
+              <a:bodyPr rtlCol="0" anchor="ctr"/>
+              <a:lstStyle/>
+              <a:p>
+                <a:pPr algn="ctr"/>
+                <a:endParaRPr lang="en-US" dirty="0">
+                  <a:solidFill>
+                    <a:prstClr val="white"/>
+                  </a:solidFill>
+                </a:endParaRPr>
+              </a:p>
+            </p:txBody>
+          </p:sp>
+        </p:grpSp>
+        <p:sp>
+          <p:nvSpPr>
+            <p:cNvPr id="8" name="Oval 7">
+              <a:extLst>
+                <a:ext uri="{FF2B5EF4-FFF2-40B4-BE49-F238E27FC236}">
+                  <a16:creationId xmlns:a16="http://schemas.microsoft.com/office/drawing/2014/main" id="{8EAAF468-16D5-4097-9AFB-F08743CC73A9}"/>
+                </a:ext>
+              </a:extLst>
+            </p:cNvPr>
+            <p:cNvSpPr/>
+            <p:nvPr/>
+          </p:nvSpPr>
+          <p:spPr>
+            <a:xfrm>
+              <a:off x="83477" y="80065"/>
+              <a:ext cx="145536" cy="150875"/>
+            </a:xfrm>
+            <a:prstGeom prst="ellipse">
+              <a:avLst/>
+            </a:prstGeom>
+            <a:gradFill flip="none" rotWithShape="1">
+              <a:gsLst>
+                <a:gs pos="91000">
+                  <a:srgbClr val="FFFFFF">
+                    <a:lumMod val="85000"/>
+                  </a:srgbClr>
+                </a:gs>
+                <a:gs pos="36000">
+                  <a:srgbClr val="FFFFFF">
+                    <a:lumMod val="95000"/>
+                  </a:srgbClr>
+                </a:gs>
+                <a:gs pos="100000">
+                  <a:srgbClr val="FFFFFF">
+                    <a:lumMod val="95000"/>
+                  </a:srgbClr>
+                </a:gs>
+              </a:gsLst>
+              <a:lin ang="5400000" scaled="0"/>
+              <a:tileRect/>
+            </a:gradFill>
+            <a:ln w="3175">
+              <a:solidFill>
+                <a:srgbClr val="000000">
+                  <a:lumMod val="50000"/>
+                  <a:lumOff val="50000"/>
+                </a:srgbClr>
+              </a:solidFill>
+            </a:ln>
+            <a:effectLst/>
+          </p:spPr>
+          <p:style>
+            <a:lnRef idx="2">
+              <a:srgbClr val="4F81BD">
+                <a:shade val="50000"/>
+              </a:srgbClr>
+            </a:lnRef>
+            <a:fillRef idx="1">
+              <a:srgbClr val="4F81BD"/>
+            </a:fillRef>
+            <a:effectRef idx="0">
+              <a:srgbClr val="4F81BD"/>
+            </a:effectRef>
+            <a:fontRef idx="minor">
+              <a:srgbClr val="000000"/>
+            </a:fontRef>
+          </p:style>
+          <p:txBody>
+            <a:bodyPr lIns="97531" tIns="48766" rIns="97531" bIns="48766" rtlCol="0" anchor="ctr"/>
+            <a:lstStyle/>
+            <a:p>
+              <a:pPr algn="ctr"/>
+              <a:endParaRPr lang="en-US">
+                <a:solidFill>
+                  <a:prstClr val="white"/>
+                </a:solidFill>
+              </a:endParaRPr>
+            </a:p>
+          </p:txBody>
+        </p:sp>
+      </p:grpSp>
+      <p:sp>
+        <p:nvSpPr>
+          <p:cNvPr id="54" name="Content">
+            <a:extLst>
+              <a:ext uri="{FF2B5EF4-FFF2-40B4-BE49-F238E27FC236}">
+                <a16:creationId xmlns:a16="http://schemas.microsoft.com/office/drawing/2014/main" id="{2A15BC3B-D6DC-41A3-9FE1-0B0DA0132B8D}"/>
+              </a:ext>
+            </a:extLst>
+          </p:cNvPr>
+          <p:cNvSpPr/>
+          <p:nvPr>
+            <p:custDataLst>
+              <p:custData r:id="rId2"/>
+            </p:custDataLst>
+          </p:nvPr>
+        </p:nvSpPr>
+        <p:spPr>
+          <a:xfrm>
+            <a:off x="2880730" y="1985457"/>
+            <a:ext cx="4516845" cy="228600"/>
+          </a:xfrm>
+          <a:prstGeom prst="rect">
+            <a:avLst/>
+          </a:prstGeom>
+          <a:solidFill>
+            <a:srgbClr val="FFFFFF">
+              <a:lumMod val="95000"/>
+            </a:srgbClr>
+          </a:solidFill>
+          <a:ln w="3175" cap="flat" cmpd="sng" algn="ctr">
+            <a:solidFill>
+              <a:srgbClr val="FFFFFF">
+                <a:lumMod val="50000"/>
+              </a:srgbClr>
+            </a:solidFill>
+            <a:prstDash val="solid"/>
+          </a:ln>
+          <a:effectLst/>
+        </p:spPr>
+        <p:txBody>
+          <a:bodyPr rot="0" spcFirstLastPara="0" vertOverflow="overflow" horzOverflow="overflow" vert="horz" wrap="square" lIns="45720" tIns="45720" rIns="91440" bIns="45720" numCol="1" spcCol="0" rtlCol="0" fromWordArt="0" anchor="ctr" anchorCtr="0" forceAA="0" compatLnSpc="1">
+            <a:prstTxWarp prst="textNoShape">
+              <a:avLst/>
+            </a:prstTxWarp>
+            <a:noAutofit/>
+          </a:bodyPr>
+          <a:lstStyle/>
+          <a:p>
+            <a:pPr marL="0" marR="0" indent="0" defTabSz="914400" eaLnBrk="1" fontAlgn="auto" latinLnBrk="0" hangingPunct="1">
+              <a:lnSpc>
+                <a:spcPct val="100000"/>
+              </a:lnSpc>
+              <a:spcBef>
+                <a:spcPts val="0"/>
+              </a:spcBef>
+              <a:spcAft>
+                <a:spcPts val="0"/>
+              </a:spcAft>
+              <a:buClrTx/>
+              <a:buSzTx/>
+              <a:buFontTx/>
+              <a:buNone/>
+              <a:tabLst/>
+            </a:pPr>
+            <a:r>
+              <a:rPr kumimoji="0" lang="en-US" sz="1200" b="0" i="0" u="none" strike="noStrike" kern="0" cap="none" spc="0" normalizeH="0" baseline="0" noProof="0" dirty="0">
+                <a:ln>
+                  <a:noFill/>
+                </a:ln>
+                <a:solidFill>
+                  <a:srgbClr val="000000">
+                    <a:lumMod val="75000"/>
+                    <a:lumOff val="25000"/>
+                  </a:srgbClr>
+                </a:solidFill>
+                <a:effectLst/>
+                <a:uLnTx/>
+                <a:uFillTx/>
+                <a:latin typeface="Segoe UI"/>
+                <a:ea typeface="+mn-ea"/>
+                <a:cs typeface="+mn-cs"/>
+              </a:rPr>
               <a:t>  File</a:t>
             </a:r>
             <a:r>
@@ -15462,11 +17617,19 @@
   <p:clrMapOvr>
     <a:masterClrMapping/>
   </p:clrMapOvr>
+  <mc:AlternateContent xmlns:mc="http://schemas.openxmlformats.org/markup-compatibility/2006">
+    <mc:Choice xmlns:p14="http://schemas.microsoft.com/office/powerpoint/2010/main" Requires="p14">
+      <p:transition spd="slow" p14:dur="2000"/>
+    </mc:Choice>
+    <mc:Fallback>
+      <p:transition spd="slow"/>
+    </mc:Fallback>
+  </mc:AlternateContent>
 </p:sld>
 </file>
 
-<file path=ppt/slides/slide23.xml><?xml version="1.0" encoding="utf-8"?>
-<p:sld xmlns:a="http://schemas.openxmlformats.org/drawingml/2006/main" xmlns:r="http://schemas.openxmlformats.org/officeDocument/2006/relationships" xmlns:p="http://schemas.openxmlformats.org/presentationml/2006/main">
+<file path=ppt/slides/slide25.xml><?xml version="1.0" encoding="utf-8"?>
+<p:sld xmlns:a="http://schemas.openxmlformats.org/drawingml/2006/main" xmlns:r="http://schemas.openxmlformats.org/officeDocument/2006/relationships" xmlns:p="http://schemas.openxmlformats.org/presentationml/2006/main" show="0">
   <p:cSld>
     <p:spTree>
       <p:nvGrpSpPr>
@@ -18817,324 +20980,14 @@
   <p:clrMapOvr>
     <a:masterClrMapping/>
   </p:clrMapOvr>
-</p:sld>
-</file>
-
-<file path=ppt/slides/slide24.xml><?xml version="1.0" encoding="utf-8"?>
-<p:sld xmlns:a="http://schemas.openxmlformats.org/drawingml/2006/main" xmlns:r="http://schemas.openxmlformats.org/officeDocument/2006/relationships" xmlns:p="http://schemas.openxmlformats.org/presentationml/2006/main">
-  <p:cSld>
-    <p:spTree>
-      <p:nvGrpSpPr>
-        <p:cNvPr id="1" name=""/>
-        <p:cNvGrpSpPr/>
-        <p:nvPr/>
-      </p:nvGrpSpPr>
-      <p:grpSpPr>
-        <a:xfrm>
-          <a:off x="0" y="0"/>
-          <a:ext cx="0" cy="0"/>
-          <a:chOff x="0" y="0"/>
-          <a:chExt cx="0" cy="0"/>
-        </a:xfrm>
-      </p:grpSpPr>
-      <p:sp>
-        <p:nvSpPr>
-          <p:cNvPr id="2" name="Title 1"/>
-          <p:cNvSpPr>
-            <a:spLocks noGrp="1"/>
-          </p:cNvSpPr>
-          <p:nvPr>
-            <p:ph type="title"/>
-          </p:nvPr>
-        </p:nvSpPr>
-        <p:spPr/>
-        <p:txBody>
-          <a:bodyPr/>
-          <a:lstStyle/>
-          <a:p>
-            <a:r>
-              <a:rPr lang="en-US" smtClean="0"/>
-              <a:t>Project timeline</a:t>
-            </a:r>
-            <a:endParaRPr lang="he-IL" dirty="0"/>
-          </a:p>
-        </p:txBody>
-      </p:sp>
-      <p:sp>
-        <p:nvSpPr>
-          <p:cNvPr id="3" name="Content Placeholder 2"/>
-          <p:cNvSpPr>
-            <a:spLocks noGrp="1"/>
-          </p:cNvSpPr>
-          <p:nvPr>
-            <p:ph idx="1"/>
-          </p:nvPr>
-        </p:nvSpPr>
-        <p:spPr/>
-        <p:txBody>
-          <a:bodyPr/>
-          <a:lstStyle/>
-          <a:p>
-            <a:r>
-              <a:rPr lang="en-US" dirty="0" smtClean="0"/>
-              <a:t>Phase 1:</a:t>
-            </a:r>
-          </a:p>
-          <a:p>
-            <a:pPr lvl="1"/>
-            <a:r>
-              <a:rPr lang="en-US" dirty="0" smtClean="0"/>
-              <a:t>Implement an engine that creates a sound based on the RGB of the current pixel (according to mouse location)</a:t>
-            </a:r>
-          </a:p>
-          <a:p>
-            <a:r>
-              <a:rPr lang="en-US" dirty="0" smtClean="0"/>
-              <a:t>Phase 2:</a:t>
-            </a:r>
-          </a:p>
-          <a:p>
-            <a:pPr lvl="1"/>
-            <a:r>
-              <a:rPr lang="en-US" dirty="0" smtClean="0"/>
-              <a:t>Add UI and logic for user input: Sliders, selection of instrument, etc. </a:t>
-            </a:r>
-          </a:p>
-          <a:p>
-            <a:pPr lvl="1"/>
-            <a:r>
-              <a:rPr lang="en-US" dirty="0" smtClean="0"/>
-              <a:t>Record the music created </a:t>
-            </a:r>
-          </a:p>
-          <a:p>
-            <a:r>
-              <a:rPr lang="en-US" dirty="0" smtClean="0"/>
-              <a:t>Phase 3:</a:t>
-            </a:r>
-          </a:p>
-          <a:p>
-            <a:pPr lvl="1"/>
-            <a:r>
-              <a:rPr lang="en-US" dirty="0" smtClean="0"/>
-              <a:t>Add support for creating a music using multiple pictures </a:t>
-            </a:r>
-          </a:p>
-          <a:p>
-            <a:pPr lvl="1"/>
-            <a:endParaRPr lang="he-IL" dirty="0"/>
-          </a:p>
-        </p:txBody>
-      </p:sp>
-    </p:spTree>
-    <p:extLst>
-      <p:ext uri="{BB962C8B-B14F-4D97-AF65-F5344CB8AC3E}">
-        <p14:creationId xmlns:p14="http://schemas.microsoft.com/office/powerpoint/2010/main" val="174399316"/>
-      </p:ext>
-    </p:extLst>
-  </p:cSld>
-  <p:clrMapOvr>
-    <a:masterClrMapping/>
-  </p:clrMapOvr>
-</p:sld>
-</file>
-
-<file path=ppt/slides/slide25.xml><?xml version="1.0" encoding="utf-8"?>
-<p:sld xmlns:a="http://schemas.openxmlformats.org/drawingml/2006/main" xmlns:r="http://schemas.openxmlformats.org/officeDocument/2006/relationships" xmlns:p="http://schemas.openxmlformats.org/presentationml/2006/main">
-  <p:cSld>
-    <p:spTree>
-      <p:nvGrpSpPr>
-        <p:cNvPr id="1" name=""/>
-        <p:cNvGrpSpPr/>
-        <p:nvPr/>
-      </p:nvGrpSpPr>
-      <p:grpSpPr>
-        <a:xfrm>
-          <a:off x="0" y="0"/>
-          <a:ext cx="0" cy="0"/>
-          <a:chOff x="0" y="0"/>
-          <a:chExt cx="0" cy="0"/>
-        </a:xfrm>
-      </p:grpSpPr>
-      <p:sp>
-        <p:nvSpPr>
-          <p:cNvPr id="2" name="Title 1"/>
-          <p:cNvSpPr>
-            <a:spLocks noGrp="1"/>
-          </p:cNvSpPr>
-          <p:nvPr>
-            <p:ph type="title"/>
-          </p:nvPr>
-        </p:nvSpPr>
-        <p:spPr/>
-        <p:txBody>
-          <a:bodyPr/>
-          <a:lstStyle/>
-          <a:p>
-            <a:r>
-              <a:rPr lang="en-US" dirty="0" smtClean="0"/>
-              <a:t>Bibliography #1 </a:t>
-            </a:r>
-            <a:endParaRPr lang="he-IL" dirty="0"/>
-          </a:p>
-        </p:txBody>
-      </p:sp>
-      <p:sp>
-        <p:nvSpPr>
-          <p:cNvPr id="3" name="Content Placeholder 2"/>
-          <p:cNvSpPr>
-            <a:spLocks noGrp="1"/>
-          </p:cNvSpPr>
-          <p:nvPr>
-            <p:ph idx="1"/>
-          </p:nvPr>
-        </p:nvSpPr>
-        <p:spPr/>
-        <p:txBody>
-          <a:bodyPr>
-            <a:normAutofit/>
-          </a:bodyPr>
-          <a:lstStyle/>
-          <a:p>
-            <a:endParaRPr lang="en-US" dirty="0" smtClean="0"/>
-          </a:p>
-          <a:p>
-            <a:r>
-              <a:rPr lang="en-US" dirty="0" smtClean="0"/>
-              <a:t>We </a:t>
-            </a:r>
-            <a:r>
-              <a:rPr lang="en-US" dirty="0"/>
-              <a:t>were inspired by the video presented in class of “Geo shred preview”</a:t>
-            </a:r>
-          </a:p>
-          <a:p>
-            <a:pPr marL="0" indent="0">
-              <a:buNone/>
-            </a:pPr>
-            <a:r>
-              <a:rPr lang="en-US" dirty="0">
-                <a:hlinkClick r:id="rId3"/>
-              </a:rPr>
-              <a:t>https://www.youtube.com/watch?v=CDLA8B8BkbQ</a:t>
-            </a:r>
-            <a:r>
-              <a:rPr lang="en-US" dirty="0"/>
-              <a:t> </a:t>
-            </a:r>
-          </a:p>
-          <a:p>
-            <a:pPr marL="0" indent="0">
-              <a:buNone/>
-            </a:pPr>
-            <a:r>
-              <a:rPr lang="en-US" dirty="0"/>
-              <a:t>Were you can see a musician play using a touch </a:t>
-            </a:r>
-            <a:r>
-              <a:rPr lang="en-US" dirty="0" smtClean="0"/>
-              <a:t>screen</a:t>
-            </a:r>
-          </a:p>
-          <a:p>
-            <a:r>
-              <a:rPr lang="en-US" dirty="0" smtClean="0"/>
-              <a:t>Vuzik</a:t>
-            </a:r>
-            <a:r>
-              <a:rPr lang="en-US" dirty="0"/>
-              <a:t> </a:t>
-            </a:r>
-            <a:r>
-              <a:rPr lang="en-US" dirty="0" smtClean="0"/>
-              <a:t>–A </a:t>
-            </a:r>
-            <a:r>
-              <a:rPr lang="en-US" dirty="0"/>
-              <a:t>PAINTING GRAPHIC SCORE INTERFACE FOR</a:t>
-            </a:r>
-          </a:p>
-          <a:p>
-            <a:pPr marL="0" indent="0">
-              <a:buNone/>
-            </a:pPr>
-            <a:r>
-              <a:rPr lang="en-US" dirty="0"/>
-              <a:t>COMPOSING AND CONTROL OF SOUND GENERATION</a:t>
-            </a:r>
-            <a:endParaRPr lang="en-US" dirty="0" smtClean="0"/>
-          </a:p>
-          <a:p>
-            <a:pPr marL="0" indent="0">
-              <a:buNone/>
-            </a:pPr>
-            <a:r>
-              <a:rPr lang="en-US" dirty="0" smtClean="0"/>
-              <a:t>Video: </a:t>
-            </a:r>
-            <a:r>
-              <a:rPr lang="en-US" dirty="0">
-                <a:hlinkClick r:id="rId4"/>
-              </a:rPr>
-              <a:t>https://</a:t>
-            </a:r>
-            <a:r>
-              <a:rPr lang="en-US" dirty="0" smtClean="0">
-                <a:hlinkClick r:id="rId4"/>
-              </a:rPr>
-              <a:t>www.youtube.com/watch?v=Oq7c43mZYdY</a:t>
-            </a:r>
-            <a:r>
-              <a:rPr lang="en-US" dirty="0" smtClean="0"/>
-              <a:t> </a:t>
-            </a:r>
-          </a:p>
-          <a:p>
-            <a:pPr marL="0" indent="0">
-              <a:buNone/>
-            </a:pPr>
-            <a:r>
-              <a:rPr lang="en-US" dirty="0" err="1" smtClean="0"/>
-              <a:t>Paper:</a:t>
-            </a:r>
-            <a:r>
-              <a:rPr lang="en-US" dirty="0" err="1" smtClean="0">
-                <a:hlinkClick r:id="rId5"/>
-              </a:rPr>
-              <a:t>https</a:t>
-            </a:r>
-            <a:r>
-              <a:rPr lang="en-US" dirty="0">
-                <a:hlinkClick r:id="rId5"/>
-              </a:rPr>
-              <a:t>://quod.lib.umich.edu/cache//</a:t>
-            </a:r>
-            <a:r>
-              <a:rPr lang="en-US" dirty="0" smtClean="0">
-                <a:hlinkClick r:id="rId5"/>
-              </a:rPr>
-              <a:t>b/b/p/bbp2372.2012.108/bbp2372.2012.108.pdf#page=4;zoom=75</a:t>
-            </a:r>
-            <a:endParaRPr lang="he-IL" dirty="0" smtClean="0"/>
-          </a:p>
-          <a:p>
-            <a:pPr marL="0" indent="0">
-              <a:buNone/>
-            </a:pPr>
-            <a:endParaRPr lang="he-IL" dirty="0"/>
-          </a:p>
-        </p:txBody>
-      </p:sp>
-    </p:spTree>
-    <p:extLst>
-      <p:ext uri="{BB962C8B-B14F-4D97-AF65-F5344CB8AC3E}">
-        <p14:creationId xmlns:p14="http://schemas.microsoft.com/office/powerpoint/2010/main" val="1051116822"/>
-      </p:ext>
-    </p:extLst>
-  </p:cSld>
-  <p:clrMapOvr>
-    <a:masterClrMapping/>
-  </p:clrMapOvr>
+  <mc:AlternateContent xmlns:mc="http://schemas.openxmlformats.org/markup-compatibility/2006">
+    <mc:Choice xmlns:p14="http://schemas.microsoft.com/office/powerpoint/2010/main" Requires="p14">
+      <p:transition spd="slow" p14:dur="2000"/>
+    </mc:Choice>
+    <mc:Fallback>
+      <p:transition spd="slow"/>
+    </mc:Fallback>
+  </mc:AlternateContent>
 </p:sld>
 </file>
 
@@ -19171,8 +21024,140 @@
           <a:lstStyle/>
           <a:p>
             <a:r>
+              <a:rPr lang="en-US" smtClean="0"/>
+              <a:t>Project timeline</a:t>
+            </a:r>
+            <a:endParaRPr lang="he-IL" dirty="0"/>
+          </a:p>
+        </p:txBody>
+      </p:sp>
+      <p:sp>
+        <p:nvSpPr>
+          <p:cNvPr id="3" name="Content Placeholder 2"/>
+          <p:cNvSpPr>
+            <a:spLocks noGrp="1"/>
+          </p:cNvSpPr>
+          <p:nvPr>
+            <p:ph idx="1"/>
+          </p:nvPr>
+        </p:nvSpPr>
+        <p:spPr/>
+        <p:txBody>
+          <a:bodyPr/>
+          <a:lstStyle/>
+          <a:p>
+            <a:r>
               <a:rPr lang="en-US" dirty="0" smtClean="0"/>
-              <a:t>Bibliography #2 </a:t>
+              <a:t>Phase 1:</a:t>
+            </a:r>
+          </a:p>
+          <a:p>
+            <a:pPr lvl="1"/>
+            <a:r>
+              <a:rPr lang="en-US" dirty="0" smtClean="0"/>
+              <a:t>Implement an engine that creates a sound based on the RGB of the current pixel (according to mouse location)</a:t>
+            </a:r>
+          </a:p>
+          <a:p>
+            <a:r>
+              <a:rPr lang="en-US" dirty="0" smtClean="0"/>
+              <a:t>Phase 2:</a:t>
+            </a:r>
+          </a:p>
+          <a:p>
+            <a:pPr lvl="1"/>
+            <a:r>
+              <a:rPr lang="en-US" dirty="0" smtClean="0"/>
+              <a:t>Add UI and logic for user input: Sliders, selection of instrument, etc. </a:t>
+            </a:r>
+            <a:endParaRPr lang="en-US" dirty="0" smtClean="0"/>
+          </a:p>
+          <a:p>
+            <a:pPr lvl="1"/>
+            <a:r>
+              <a:rPr lang="en-US" dirty="0" smtClean="0"/>
+              <a:t>Support configuration of using neighbors pixels </a:t>
+            </a:r>
+            <a:endParaRPr lang="en-US" dirty="0" smtClean="0"/>
+          </a:p>
+          <a:p>
+            <a:pPr lvl="1"/>
+            <a:r>
+              <a:rPr lang="en-US" dirty="0" smtClean="0"/>
+              <a:t>Record the music created </a:t>
+            </a:r>
+          </a:p>
+          <a:p>
+            <a:r>
+              <a:rPr lang="en-US" dirty="0" smtClean="0"/>
+              <a:t>Phase </a:t>
+            </a:r>
+            <a:r>
+              <a:rPr lang="en-US" dirty="0" smtClean="0"/>
+              <a:t>3:</a:t>
+            </a:r>
+          </a:p>
+          <a:p>
+            <a:pPr lvl="1"/>
+            <a:r>
+              <a:rPr lang="en-US" dirty="0" smtClean="0"/>
+              <a:t>Add support for creating a music using multiple pictures</a:t>
+            </a:r>
+          </a:p>
+          <a:p>
+            <a:pPr lvl="1"/>
+            <a:endParaRPr lang="he-IL" dirty="0"/>
+          </a:p>
+        </p:txBody>
+      </p:sp>
+    </p:spTree>
+    <p:extLst>
+      <p:ext uri="{BB962C8B-B14F-4D97-AF65-F5344CB8AC3E}">
+        <p14:creationId xmlns:p14="http://schemas.microsoft.com/office/powerpoint/2010/main" val="174399316"/>
+      </p:ext>
+    </p:extLst>
+  </p:cSld>
+  <p:clrMapOvr>
+    <a:masterClrMapping/>
+  </p:clrMapOvr>
+</p:sld>
+</file>
+
+<file path=ppt/slides/slide27.xml><?xml version="1.0" encoding="utf-8"?>
+<p:sld xmlns:a="http://schemas.openxmlformats.org/drawingml/2006/main" xmlns:r="http://schemas.openxmlformats.org/officeDocument/2006/relationships" xmlns:p="http://schemas.openxmlformats.org/presentationml/2006/main" show="0">
+  <p:cSld>
+    <p:spTree>
+      <p:nvGrpSpPr>
+        <p:cNvPr id="1" name=""/>
+        <p:cNvGrpSpPr/>
+        <p:nvPr/>
+      </p:nvGrpSpPr>
+      <p:grpSpPr>
+        <a:xfrm>
+          <a:off x="0" y="0"/>
+          <a:ext cx="0" cy="0"/>
+          <a:chOff x="0" y="0"/>
+          <a:chExt cx="0" cy="0"/>
+        </a:xfrm>
+      </p:grpSpPr>
+      <p:sp>
+        <p:nvSpPr>
+          <p:cNvPr id="2" name="Title 1"/>
+          <p:cNvSpPr>
+            <a:spLocks noGrp="1"/>
+          </p:cNvSpPr>
+          <p:nvPr>
+            <p:ph type="title"/>
+          </p:nvPr>
+        </p:nvSpPr>
+        <p:spPr/>
+        <p:txBody>
+          <a:bodyPr/>
+          <a:lstStyle/>
+          <a:p>
+            <a:r>
+              <a:rPr lang="en-US" dirty="0" smtClean="0"/>
+              <a:t>Bibliography #1 </a:t>
             </a:r>
             <a:endParaRPr lang="he-IL" dirty="0"/>
           </a:p>
@@ -19200,6 +21185,213 @@
           <a:p>
             <a:r>
               <a:rPr lang="en-US" dirty="0" smtClean="0"/>
+              <a:t>We </a:t>
+            </a:r>
+            <a:r>
+              <a:rPr lang="en-US" dirty="0"/>
+              <a:t>were inspired by the video presented in class of “Geo shred preview”</a:t>
+            </a:r>
+          </a:p>
+          <a:p>
+            <a:pPr marL="0" indent="0">
+              <a:buNone/>
+            </a:pPr>
+            <a:r>
+              <a:rPr lang="en-US" dirty="0">
+                <a:hlinkClick r:id="rId3"/>
+              </a:rPr>
+              <a:t>https://www.youtube.com/watch?v=CDLA8B8BkbQ</a:t>
+            </a:r>
+            <a:r>
+              <a:rPr lang="en-US" dirty="0"/>
+              <a:t> </a:t>
+            </a:r>
+          </a:p>
+          <a:p>
+            <a:pPr marL="0" indent="0">
+              <a:buNone/>
+            </a:pPr>
+            <a:r>
+              <a:rPr lang="en-US" dirty="0"/>
+              <a:t>Were you can see a musician play using a touch </a:t>
+            </a:r>
+            <a:r>
+              <a:rPr lang="en-US" dirty="0" smtClean="0"/>
+              <a:t>screen</a:t>
+            </a:r>
+          </a:p>
+          <a:p>
+            <a:r>
+              <a:rPr lang="en-US" dirty="0" smtClean="0"/>
+              <a:t>Vuzik</a:t>
+            </a:r>
+            <a:r>
+              <a:rPr lang="en-US" dirty="0"/>
+              <a:t> </a:t>
+            </a:r>
+            <a:r>
+              <a:rPr lang="en-US" dirty="0" smtClean="0"/>
+              <a:t>–A </a:t>
+            </a:r>
+            <a:r>
+              <a:rPr lang="en-US" dirty="0"/>
+              <a:t>PAINTING GRAPHIC SCORE INTERFACE FOR</a:t>
+            </a:r>
+          </a:p>
+          <a:p>
+            <a:pPr marL="0" indent="0">
+              <a:buNone/>
+            </a:pPr>
+            <a:r>
+              <a:rPr lang="en-US" dirty="0"/>
+              <a:t>COMPOSING AND CONTROL OF SOUND GENERATION</a:t>
+            </a:r>
+            <a:endParaRPr lang="en-US" dirty="0" smtClean="0"/>
+          </a:p>
+          <a:p>
+            <a:pPr marL="0" indent="0">
+              <a:buNone/>
+            </a:pPr>
+            <a:r>
+              <a:rPr lang="en-US" dirty="0" smtClean="0"/>
+              <a:t>Video: </a:t>
+            </a:r>
+            <a:r>
+              <a:rPr lang="en-US" dirty="0">
+                <a:hlinkClick r:id="rId4"/>
+              </a:rPr>
+              <a:t>https://</a:t>
+            </a:r>
+            <a:r>
+              <a:rPr lang="en-US" dirty="0" smtClean="0">
+                <a:hlinkClick r:id="rId4"/>
+              </a:rPr>
+              <a:t>www.youtube.com/watch?v=Oq7c43mZYdY</a:t>
+            </a:r>
+            <a:r>
+              <a:rPr lang="en-US" dirty="0" smtClean="0"/>
+              <a:t> </a:t>
+            </a:r>
+          </a:p>
+          <a:p>
+            <a:pPr marL="0" indent="0">
+              <a:buNone/>
+            </a:pPr>
+            <a:r>
+              <a:rPr lang="en-US" dirty="0" err="1" smtClean="0"/>
+              <a:t>Paper:</a:t>
+            </a:r>
+            <a:r>
+              <a:rPr lang="en-US" dirty="0" err="1" smtClean="0">
+                <a:hlinkClick r:id="rId5"/>
+              </a:rPr>
+              <a:t>https</a:t>
+            </a:r>
+            <a:r>
+              <a:rPr lang="en-US" dirty="0">
+                <a:hlinkClick r:id="rId5"/>
+              </a:rPr>
+              <a:t>://quod.lib.umich.edu/cache//</a:t>
+            </a:r>
+            <a:r>
+              <a:rPr lang="en-US" dirty="0" smtClean="0">
+                <a:hlinkClick r:id="rId5"/>
+              </a:rPr>
+              <a:t>b/b/p/bbp2372.2012.108/bbp2372.2012.108.pdf#page=4;zoom=75</a:t>
+            </a:r>
+            <a:endParaRPr lang="he-IL" dirty="0" smtClean="0"/>
+          </a:p>
+          <a:p>
+            <a:pPr marL="0" indent="0">
+              <a:buNone/>
+            </a:pPr>
+            <a:endParaRPr lang="he-IL" dirty="0"/>
+          </a:p>
+        </p:txBody>
+      </p:sp>
+    </p:spTree>
+    <p:extLst>
+      <p:ext uri="{BB962C8B-B14F-4D97-AF65-F5344CB8AC3E}">
+        <p14:creationId xmlns:p14="http://schemas.microsoft.com/office/powerpoint/2010/main" val="1051116822"/>
+      </p:ext>
+    </p:extLst>
+  </p:cSld>
+  <p:clrMapOvr>
+    <a:masterClrMapping/>
+  </p:clrMapOvr>
+  <mc:AlternateContent xmlns:mc="http://schemas.openxmlformats.org/markup-compatibility/2006">
+    <mc:Choice xmlns:p14="http://schemas.microsoft.com/office/powerpoint/2010/main" Requires="p14">
+      <p:transition spd="slow" p14:dur="2000"/>
+    </mc:Choice>
+    <mc:Fallback>
+      <p:transition spd="slow"/>
+    </mc:Fallback>
+  </mc:AlternateContent>
+</p:sld>
+</file>
+
+<file path=ppt/slides/slide28.xml><?xml version="1.0" encoding="utf-8"?>
+<p:sld xmlns:a="http://schemas.openxmlformats.org/drawingml/2006/main" xmlns:r="http://schemas.openxmlformats.org/officeDocument/2006/relationships" xmlns:p="http://schemas.openxmlformats.org/presentationml/2006/main" show="0">
+  <p:cSld>
+    <p:spTree>
+      <p:nvGrpSpPr>
+        <p:cNvPr id="1" name=""/>
+        <p:cNvGrpSpPr/>
+        <p:nvPr/>
+      </p:nvGrpSpPr>
+      <p:grpSpPr>
+        <a:xfrm>
+          <a:off x="0" y="0"/>
+          <a:ext cx="0" cy="0"/>
+          <a:chOff x="0" y="0"/>
+          <a:chExt cx="0" cy="0"/>
+        </a:xfrm>
+      </p:grpSpPr>
+      <p:sp>
+        <p:nvSpPr>
+          <p:cNvPr id="2" name="Title 1"/>
+          <p:cNvSpPr>
+            <a:spLocks noGrp="1"/>
+          </p:cNvSpPr>
+          <p:nvPr>
+            <p:ph type="title"/>
+          </p:nvPr>
+        </p:nvSpPr>
+        <p:spPr/>
+        <p:txBody>
+          <a:bodyPr/>
+          <a:lstStyle/>
+          <a:p>
+            <a:r>
+              <a:rPr lang="en-US" dirty="0" smtClean="0"/>
+              <a:t>Bibliography #2 </a:t>
+            </a:r>
+            <a:endParaRPr lang="he-IL" dirty="0"/>
+          </a:p>
+        </p:txBody>
+      </p:sp>
+      <p:sp>
+        <p:nvSpPr>
+          <p:cNvPr id="3" name="Content Placeholder 2"/>
+          <p:cNvSpPr>
+            <a:spLocks noGrp="1"/>
+          </p:cNvSpPr>
+          <p:nvPr>
+            <p:ph idx="1"/>
+          </p:nvPr>
+        </p:nvSpPr>
+        <p:spPr/>
+        <p:txBody>
+          <a:bodyPr>
+            <a:normAutofit/>
+          </a:bodyPr>
+          <a:lstStyle/>
+          <a:p>
+            <a:endParaRPr lang="en-US" dirty="0" smtClean="0"/>
+          </a:p>
+          <a:p>
+            <a:r>
+              <a:rPr lang="en-US" dirty="0" smtClean="0"/>
               <a:t>Musical Sonification of Super High Frequency </a:t>
             </a:r>
             <a:r>
@@ -19302,6 +21494,14 @@
   <p:clrMapOvr>
     <a:masterClrMapping/>
   </p:clrMapOvr>
+  <mc:AlternateContent xmlns:mc="http://schemas.openxmlformats.org/markup-compatibility/2006">
+    <mc:Choice xmlns:p14="http://schemas.microsoft.com/office/powerpoint/2010/main" Requires="p14">
+      <p:transition spd="slow" p14:dur="2000"/>
+    </mc:Choice>
+    <mc:Fallback>
+      <p:transition spd="slow"/>
+    </mc:Fallback>
+  </mc:AlternateContent>
 </p:sld>
 </file>
 
@@ -21015,29 +23215,95 @@
 
 <file path=customXml/item1.xml><?xml version="1.0" encoding="utf-8"?>
 <Control xmlns="http://schemas.microsoft.com/VisualStudio/2011/storyboarding/control">
-  <Id Name="System.Storyboarding.WindowsDesktop.MenuBar" Revision="1" Stencil="System.Storyboarding.WindowsDesktop" StencilVersion="0.1"/>
+  <Id Name="System.Storyboarding.Common.TextInput" Revision="1" Stencil="System.Storyboarding.Common" StencilVersion="0.1"/>
 </Control>
 </file>
 
 <file path=customXml/item10.xml><?xml version="1.0" encoding="utf-8"?>
 <Control xmlns="http://schemas.microsoft.com/VisualStudio/2011/storyboarding/control">
-  <Id Name="System.Storyboarding.WindowsDesktop.MenuBar" Revision="1" Stencil="System.Storyboarding.WindowsDesktop" StencilVersion="0.1"/>
+  <Id Name="System.Storyboarding.WindowsApps.WindowsAppsListBox" Revision="1" Stencil="System.Storyboarding.WindowsApps" StencilVersion="0.1"/>
 </Control>
 </file>
 
 <file path=customXml/item11.xml><?xml version="1.0" encoding="utf-8"?>
 <Control xmlns="http://schemas.microsoft.com/VisualStudio/2011/storyboarding/control">
-  <Id Name="System.Storyboarding.Common.DragSelection" Revision="1" Stencil="System.Storyboarding.Common" StencilVersion="0.1"/>
+  <Id Name="System.Storyboarding.Common.Text" Revision="1" Stencil="System.Storyboarding.Common" StencilVersion="0.1"/>
 </Control>
 </file>
 
 <file path=customXml/item12.xml><?xml version="1.0" encoding="utf-8"?>
 <Control xmlns="http://schemas.microsoft.com/VisualStudio/2011/storyboarding/control">
+  <Id Name="System.Storyboarding.Common.CheckBoxUnchecked" Revision="1" Stencil="System.Storyboarding.Common" StencilVersion="0.1"/>
+</Control>
+</file>
+
+<file path=customXml/item13.xml><?xml version="1.0" encoding="utf-8"?>
+<Control xmlns="http://schemas.microsoft.com/VisualStudio/2011/storyboarding/control">
+  <Id Name="System.Storyboarding.WindowsDesktop.MenuBar" Revision="1" Stencil="System.Storyboarding.WindowsDesktop" StencilVersion="0.1"/>
+</Control>
+</file>
+
+<file path=customXml/item14.xml><?xml version="1.0" encoding="utf-8"?>
+<Control xmlns="http://schemas.microsoft.com/VisualStudio/2011/storyboarding/control">
   <Id Name="5e505f8e-b0aa-429a-bb4c-92ab0e8a8ee6" RevisionId="d2083f08-ba4f-4330-87aa-e4d23a4443d7" Stencil="172d6d98-e5c9-42e9-a209-79f7a94bbd38" StencilRevisionId="00000000-0000-0000-0000-000000000000" StencilVersion="0.0"/>
 </Control>
 </file>
 
-<file path=customXml/item13.xml><?xml version="1.0" encoding="utf-8"?>
+<file path=customXml/item15.xml><?xml version="1.0" encoding="utf-8"?>
+<Control xmlns="http://schemas.microsoft.com/VisualStudio/2011/storyboarding/control">
+  <Id Name="System.Storyboarding.WindowsDesktop.FileMenu" Revision="1" Stencil="System.Storyboarding.WindowsDesktop" StencilVersion="0.1"/>
+</Control>
+</file>
+
+<file path=customXml/item16.xml><?xml version="1.0" encoding="utf-8"?>
+<Control xmlns="http://schemas.microsoft.com/VisualStudio/2011/storyboarding/control">
+  <Id Name="System.Storyboarding.Backgrounds.Window" Revision="1" Stencil="System.Storyboarding.Backgrounds" StencilVersion="0.1"/>
+</Control>
+</file>
+
+<file path=customXml/item17.xml><?xml version="1.0" encoding="utf-8"?>
+<Control xmlns="http://schemas.microsoft.com/VisualStudio/2011/storyboarding/control">
+  <Id Name="System.Storyboarding.Common.CheckBoxUnchecked" Revision="1" Stencil="System.Storyboarding.Common" StencilVersion="0.1"/>
+</Control>
+</file>
+
+<file path=customXml/item18.xml><?xml version="1.0" encoding="utf-8"?>
+<Control xmlns="http://schemas.microsoft.com/VisualStudio/2011/storyboarding/control">
+  <Id Name="System.Storyboarding.WindowsDesktop.MenuBar" Revision="1" Stencil="System.Storyboarding.WindowsDesktop" StencilVersion="0.1"/>
+</Control>
+</file>
+
+<file path=customXml/item19.xml><?xml version="1.0" encoding="utf-8"?>
+<Control xmlns="http://schemas.microsoft.com/VisualStudio/2011/storyboarding/control">
+  <Id Name="System.Storyboarding.Common.TextInput" Revision="1" Stencil="System.Storyboarding.Common" StencilVersion="0.1"/>
+</Control>
+</file>
+
+<file path=customXml/item2.xml><?xml version="1.0" encoding="utf-8"?>
+<Control xmlns="http://schemas.microsoft.com/VisualStudio/2011/storyboarding/control">
+  <Id Name="System.Storyboarding.Backgrounds.Window" Revision="1" Stencil="System.Storyboarding.Backgrounds" StencilVersion="0.1"/>
+</Control>
+</file>
+
+<file path=customXml/item20.xml><?xml version="1.0" encoding="utf-8"?>
+<Control xmlns="http://schemas.microsoft.com/VisualStudio/2011/storyboarding/control">
+  <Id Name="System.Storyboarding.Backgrounds.Window" Revision="1" Stencil="System.Storyboarding.Backgrounds" StencilVersion="0.1"/>
+</Control>
+</file>
+
+<file path=customXml/item21.xml><?xml version="1.0" encoding="utf-8"?>
+<Control xmlns="http://schemas.microsoft.com/VisualStudio/2011/storyboarding/control">
+  <Id Name="System.Storyboarding.Common.Slider" Revision="1" Stencil="System.Storyboarding.Common" StencilVersion="0.1"/>
+</Control>
+</file>
+
+<file path=customXml/item22.xml><?xml version="1.0" encoding="utf-8"?>
+<Control xmlns="http://schemas.microsoft.com/VisualStudio/2011/storyboarding/control">
+  <Id Name="System.Storyboarding.WindowsDesktop.MenuBar" Revision="1" Stencil="System.Storyboarding.WindowsDesktop" StencilVersion="0.1"/>
+</Control>
+</file>
+
+<file path=customXml/item23.xml><?xml version="1.0" encoding="utf-8"?>
 <p:properties xmlns:p="http://schemas.microsoft.com/office/2006/metadata/properties" xmlns:xsi="http://www.w3.org/2001/XMLSchema-instance" xmlns:pc="http://schemas.microsoft.com/office/infopath/2007/PartnerControls">
   <documentManagement>
     <_dlc_DocId xmlns="b4ebf394-daf6-497a-96c5-a2f8c10b38cf">TT6HZDVJM2HV-178-321</_dlc_DocId>
@@ -21049,79 +23315,25 @@
 </p:properties>
 </file>
 
-<file path=customXml/item14.xml><?xml version="1.0" encoding="utf-8"?>
-<Control xmlns="http://schemas.microsoft.com/VisualStudio/2011/storyboarding/control">
-  <Id Name="System.Storyboarding.WindowsApps.WindowsAppsListBox" Revision="1" Stencil="System.Storyboarding.WindowsApps" StencilVersion="0.1"/>
-</Control>
-</file>
-
-<file path=customXml/item15.xml><?xml version="1.0" encoding="utf-8"?>
+<file path=customXml/item24.xml><?xml version="1.0" encoding="utf-8"?>
 <Control xmlns="http://schemas.microsoft.com/VisualStudio/2011/storyboarding/control">
   <Id Name="System.Storyboarding.Backgrounds.Window" Revision="1" Stencil="System.Storyboarding.Backgrounds" StencilVersion="0.1"/>
 </Control>
 </file>
 
-<file path=customXml/item16.xml><?xml version="1.0" encoding="utf-8"?>
+<file path=customXml/item25.xml><?xml version="1.0" encoding="utf-8"?>
 <Control xmlns="http://schemas.microsoft.com/VisualStudio/2011/storyboarding/control">
-  <Id Name="System.Storyboarding.Common.CheckBoxUnchecked" Revision="1" Stencil="System.Storyboarding.Common" StencilVersion="0.1"/>
+  <Id Name="System.Storyboarding.Common.CheckBoxChecked" Revision="1" Stencil="System.Storyboarding.Common" StencilVersion="0.1"/>
 </Control>
 </file>
 
-<file path=customXml/item17.xml><?xml version="1.0" encoding="utf-8"?>
+<file path=customXml/item26.xml><?xml version="1.0" encoding="utf-8"?>
 <Control xmlns="http://schemas.microsoft.com/VisualStudio/2011/storyboarding/control">
   <Id Name="System.Storyboarding.WindowsDesktop.FileMenu" Revision="1" Stencil="System.Storyboarding.WindowsDesktop" StencilVersion="0.1"/>
 </Control>
 </file>
 
-<file path=customXml/item18.xml><?xml version="1.0" encoding="utf-8"?>
-<Control xmlns="http://schemas.microsoft.com/VisualStudio/2011/storyboarding/control">
-  <Id Name="System.Storyboarding.Backgrounds.Window" Revision="1" Stencil="System.Storyboarding.Backgrounds" StencilVersion="0.1"/>
-</Control>
-</file>
-
-<file path=customXml/item19.xml><?xml version="1.0" encoding="utf-8"?>
-<Control xmlns="http://schemas.microsoft.com/VisualStudio/2011/storyboarding/control">
-  <Id Name="System.Storyboarding.WindowsDesktop.MenuBar" Revision="1" Stencil="System.Storyboarding.WindowsDesktop" StencilVersion="0.1"/>
-</Control>
-</file>
-
-<file path=customXml/item2.xml><?xml version="1.0" encoding="utf-8"?>
-<Control xmlns="http://schemas.microsoft.com/VisualStudio/2011/storyboarding/control">
-  <Id Name="System.Storyboarding.Backgrounds.Window" Revision="1" Stencil="System.Storyboarding.Backgrounds" StencilVersion="0.1"/>
-</Control>
-</file>
-
-<file path=customXml/item20.xml><?xml version="1.0" encoding="utf-8"?>
-<Control xmlns="http://schemas.microsoft.com/VisualStudio/2011/storyboarding/control">
-  <Id Name="System.Storyboarding.Common.CheckBoxUnchecked" Revision="1" Stencil="System.Storyboarding.Common" StencilVersion="0.1"/>
-</Control>
-</file>
-
-<file path=customXml/item21.xml><?xml version="1.0" encoding="utf-8"?>
-<Control xmlns="http://schemas.microsoft.com/VisualStudio/2011/storyboarding/control">
-  <Id Name="System.Storyboarding.Common.CheckBoxChecked" Revision="1" Stencil="System.Storyboarding.Common" StencilVersion="0.1"/>
-</Control>
-</file>
-
-<file path=customXml/item22.xml><?xml version="1.0" encoding="utf-8"?>
-<Control xmlns="http://schemas.microsoft.com/VisualStudio/2011/storyboarding/control">
-  <Id Name="System.Storyboarding.Common.Text" Revision="1" Stencil="System.Storyboarding.Common" StencilVersion="0.1"/>
-</Control>
-</file>
-
-<file path=customXml/item23.xml><?xml version="1.0" encoding="utf-8"?>
-<Control xmlns="http://schemas.microsoft.com/VisualStudio/2011/storyboarding/control">
-  <Id Name="System.Storyboarding.Common.Slider" Revision="1" Stencil="System.Storyboarding.Common" StencilVersion="0.1"/>
-</Control>
-</file>
-
-<file path=customXml/item24.xml><?xml version="1.0" encoding="utf-8"?>
-<Control xmlns="http://schemas.microsoft.com/VisualStudio/2011/storyboarding/control">
-  <Id Name="System.Storyboarding.WindowsDesktop.DialogBox" Revision="1" Stencil="System.Storyboarding.WindowsDesktop" StencilVersion="0.1"/>
-</Control>
-</file>
-
-<file path=customXml/item25.xml><?xml version="1.0" encoding="utf-8"?>
+<file path=customXml/item27.xml><?xml version="1.0" encoding="utf-8"?>
 <Control xmlns="http://schemas.microsoft.com/VisualStudio/2011/storyboarding/control">
   <Id Name="System.Storyboarding.Backgrounds.Window" Revision="1" Stencil="System.Storyboarding.Backgrounds" StencilVersion="0.1"/>
 </Control>
@@ -21129,37 +23341,37 @@
 
 <file path=customXml/item3.xml><?xml version="1.0" encoding="utf-8"?>
 <Control xmlns="http://schemas.microsoft.com/VisualStudio/2011/storyboarding/control">
-  <Id Name="System.Storyboarding.WindowsDesktop.MenuBar" Revision="1" Stencil="System.Storyboarding.WindowsDesktop" StencilVersion="0.1"/>
+  <Id Name="System.Storyboarding.Common.CheckBoxUnchecked" Revision="1" Stencil="System.Storyboarding.Common" StencilVersion="0.1"/>
 </Control>
 </file>
 
 <file path=customXml/item4.xml><?xml version="1.0" encoding="utf-8"?>
 <Control xmlns="http://schemas.microsoft.com/VisualStudio/2011/storyboarding/control">
-  <Id Name="System.Storyboarding.Common.MousePointer" Revision="1" Stencil="System.Storyboarding.Common" StencilVersion="0.1"/>
+  <Id Name="System.Storyboarding.Common.DragSelection" Revision="1" Stencil="System.Storyboarding.Common" StencilVersion="0.1"/>
 </Control>
 </file>
 
 <file path=customXml/item5.xml><?xml version="1.0" encoding="utf-8"?>
 <Control xmlns="http://schemas.microsoft.com/VisualStudio/2011/storyboarding/control">
-  <Id Name="System.Storyboarding.Common.CheckBoxChecked" Revision="1" Stencil="System.Storyboarding.Common" StencilVersion="0.1"/>
+  <Id Name="System.Storyboarding.WindowsDesktop.DialogBox" Revision="1" Stencil="System.Storyboarding.WindowsDesktop" StencilVersion="0.1"/>
 </Control>
 </file>
 
 <file path=customXml/item6.xml><?xml version="1.0" encoding="utf-8"?>
 <Control xmlns="http://schemas.microsoft.com/VisualStudio/2011/storyboarding/control">
-  <Id Name="System.Storyboarding.Common.TextInput" Revision="1" Stencil="System.Storyboarding.Common" StencilVersion="0.1"/>
+  <Id Name="System.Storyboarding.Common.CheckBoxChecked" Revision="1" Stencil="System.Storyboarding.Common" StencilVersion="0.1"/>
 </Control>
 </file>
 
 <file path=customXml/item7.xml><?xml version="1.0" encoding="utf-8"?>
 <Control xmlns="http://schemas.microsoft.com/VisualStudio/2011/storyboarding/control">
-  <Id Name="System.Storyboarding.Common.TextInput" Revision="1" Stencil="System.Storyboarding.Common" StencilVersion="0.1"/>
+  <Id Name="System.Storyboarding.WindowsDesktop.MenuBar" Revision="1" Stencil="System.Storyboarding.WindowsDesktop" StencilVersion="0.1"/>
 </Control>
 </file>
 
 <file path=customXml/item8.xml><?xml version="1.0" encoding="utf-8"?>
 <Control xmlns="http://schemas.microsoft.com/VisualStudio/2011/storyboarding/control">
-  <Id Name="System.Storyboarding.Common.CheckBoxUnchecked" Revision="1" Stencil="System.Storyboarding.Common" StencilVersion="0.1"/>
+  <Id Name="System.Storyboarding.Common.MousePointer" Revision="1" Stencil="System.Storyboarding.Common" StencilVersion="0.1"/>
 </Control>
 </file>
 
@@ -21170,6 +23382,78 @@
 </file>
 
 <file path=customXml/itemProps1.xml><?xml version="1.0" encoding="utf-8"?>
+<ds:datastoreItem xmlns:ds="http://schemas.openxmlformats.org/officeDocument/2006/customXml" ds:itemID="{EB93A196-B759-4593-A93F-A43A64E07BBB}">
+  <ds:schemaRefs>
+    <ds:schemaRef ds:uri="http://schemas.microsoft.com/VisualStudio/2011/storyboarding/control"/>
+  </ds:schemaRefs>
+</ds:datastoreItem>
+</file>
+
+<file path=customXml/itemProps10.xml><?xml version="1.0" encoding="utf-8"?>
+<ds:datastoreItem xmlns:ds="http://schemas.openxmlformats.org/officeDocument/2006/customXml" ds:itemID="{6AD7DCC7-FD22-482F-BE87-3EB39C4561D8}">
+  <ds:schemaRefs>
+    <ds:schemaRef ds:uri="http://schemas.microsoft.com/VisualStudio/2011/storyboarding/control"/>
+  </ds:schemaRefs>
+</ds:datastoreItem>
+</file>
+
+<file path=customXml/itemProps11.xml><?xml version="1.0" encoding="utf-8"?>
+<ds:datastoreItem xmlns:ds="http://schemas.openxmlformats.org/officeDocument/2006/customXml" ds:itemID="{C18EE418-8756-4166-9AFE-76D237F2A576}">
+  <ds:schemaRefs>
+    <ds:schemaRef ds:uri="http://schemas.microsoft.com/VisualStudio/2011/storyboarding/control"/>
+  </ds:schemaRefs>
+</ds:datastoreItem>
+</file>
+
+<file path=customXml/itemProps12.xml><?xml version="1.0" encoding="utf-8"?>
+<ds:datastoreItem xmlns:ds="http://schemas.openxmlformats.org/officeDocument/2006/customXml" ds:itemID="{135B7A6F-E387-4B16-9C6E-5C72ACF9A87B}">
+  <ds:schemaRefs>
+    <ds:schemaRef ds:uri="http://schemas.microsoft.com/VisualStudio/2011/storyboarding/control"/>
+  </ds:schemaRefs>
+</ds:datastoreItem>
+</file>
+
+<file path=customXml/itemProps13.xml><?xml version="1.0" encoding="utf-8"?>
+<ds:datastoreItem xmlns:ds="http://schemas.openxmlformats.org/officeDocument/2006/customXml" ds:itemID="{084C318E-C929-4C3E-B33D-A8A9042A119A}">
+  <ds:schemaRefs>
+    <ds:schemaRef ds:uri="http://schemas.microsoft.com/VisualStudio/2011/storyboarding/control"/>
+  </ds:schemaRefs>
+</ds:datastoreItem>
+</file>
+
+<file path=customXml/itemProps14.xml><?xml version="1.0" encoding="utf-8"?>
+<ds:datastoreItem xmlns:ds="http://schemas.openxmlformats.org/officeDocument/2006/customXml" ds:itemID="{A41DB21A-AE9E-4B14-B182-EA560F7D74DA}">
+  <ds:schemaRefs>
+    <ds:schemaRef ds:uri="http://schemas.microsoft.com/VisualStudio/2011/storyboarding/control"/>
+  </ds:schemaRefs>
+</ds:datastoreItem>
+</file>
+
+<file path=customXml/itemProps15.xml><?xml version="1.0" encoding="utf-8"?>
+<ds:datastoreItem xmlns:ds="http://schemas.openxmlformats.org/officeDocument/2006/customXml" ds:itemID="{5BF3A0E7-D0DC-4EC6-A56C-9FBFB70B3E8F}">
+  <ds:schemaRefs>
+    <ds:schemaRef ds:uri="http://schemas.microsoft.com/VisualStudio/2011/storyboarding/control"/>
+  </ds:schemaRefs>
+</ds:datastoreItem>
+</file>
+
+<file path=customXml/itemProps16.xml><?xml version="1.0" encoding="utf-8"?>
+<ds:datastoreItem xmlns:ds="http://schemas.openxmlformats.org/officeDocument/2006/customXml" ds:itemID="{A24D505E-F763-4187-B170-B0C455E3180F}">
+  <ds:schemaRefs>
+    <ds:schemaRef ds:uri="http://schemas.microsoft.com/VisualStudio/2011/storyboarding/control"/>
+  </ds:schemaRefs>
+</ds:datastoreItem>
+</file>
+
+<file path=customXml/itemProps17.xml><?xml version="1.0" encoding="utf-8"?>
+<ds:datastoreItem xmlns:ds="http://schemas.openxmlformats.org/officeDocument/2006/customXml" ds:itemID="{B08AF36E-067A-4DBE-A512-235742A49236}">
+  <ds:schemaRefs>
+    <ds:schemaRef ds:uri="http://schemas.microsoft.com/VisualStudio/2011/storyboarding/control"/>
+  </ds:schemaRefs>
+</ds:datastoreItem>
+</file>
+
+<file path=customXml/itemProps18.xml><?xml version="1.0" encoding="utf-8"?>
 <ds:datastoreItem xmlns:ds="http://schemas.openxmlformats.org/officeDocument/2006/customXml" ds:itemID="{D2F8A09A-65EA-406E-ACCF-200333A101C8}">
   <ds:schemaRefs>
     <ds:schemaRef ds:uri="http://schemas.microsoft.com/VisualStudio/2011/storyboarding/control"/>
@@ -21177,82 +23461,8 @@
 </ds:datastoreItem>
 </file>
 
-<file path=customXml/itemProps10.xml><?xml version="1.0" encoding="utf-8"?>
-<ds:datastoreItem xmlns:ds="http://schemas.openxmlformats.org/officeDocument/2006/customXml" ds:itemID="{F17BCBC9-D052-4DCC-B880-C7D71C65394C}">
-  <ds:schemaRefs>
-    <ds:schemaRef ds:uri="http://schemas.microsoft.com/VisualStudio/2011/storyboarding/control"/>
-  </ds:schemaRefs>
-</ds:datastoreItem>
-</file>
-
-<file path=customXml/itemProps11.xml><?xml version="1.0" encoding="utf-8"?>
-<ds:datastoreItem xmlns:ds="http://schemas.openxmlformats.org/officeDocument/2006/customXml" ds:itemID="{A0C0B854-DCE0-4777-A6A2-6AA42FCBDEF9}">
-  <ds:schemaRefs>
-    <ds:schemaRef ds:uri="http://schemas.microsoft.com/VisualStudio/2011/storyboarding/control"/>
-  </ds:schemaRefs>
-</ds:datastoreItem>
-</file>
-
-<file path=customXml/itemProps12.xml><?xml version="1.0" encoding="utf-8"?>
-<ds:datastoreItem xmlns:ds="http://schemas.openxmlformats.org/officeDocument/2006/customXml" ds:itemID="{A41DB21A-AE9E-4B14-B182-EA560F7D74DA}">
-  <ds:schemaRefs>
-    <ds:schemaRef ds:uri="http://schemas.microsoft.com/VisualStudio/2011/storyboarding/control"/>
-  </ds:schemaRefs>
-</ds:datastoreItem>
-</file>
-
-<file path=customXml/itemProps13.xml><?xml version="1.0" encoding="utf-8"?>
-<ds:datastoreItem xmlns:ds="http://schemas.openxmlformats.org/officeDocument/2006/customXml" ds:itemID="{49DAEECD-CB3A-4D8D-8233-CD4F0C808F6C}">
-  <ds:schemaRefs>
-    <ds:schemaRef ds:uri="http://schemas.microsoft.com/office/2006/metadata/properties"/>
-    <ds:schemaRef ds:uri="http://schemas.microsoft.com/office/infopath/2007/PartnerControls"/>
-    <ds:schemaRef ds:uri="b4ebf394-daf6-497a-96c5-a2f8c10b38cf"/>
-  </ds:schemaRefs>
-</ds:datastoreItem>
-</file>
-
-<file path=customXml/itemProps14.xml><?xml version="1.0" encoding="utf-8"?>
-<ds:datastoreItem xmlns:ds="http://schemas.openxmlformats.org/officeDocument/2006/customXml" ds:itemID="{6AD7DCC7-FD22-482F-BE87-3EB39C4561D8}">
-  <ds:schemaRefs>
-    <ds:schemaRef ds:uri="http://schemas.microsoft.com/VisualStudio/2011/storyboarding/control"/>
-  </ds:schemaRefs>
-</ds:datastoreItem>
-</file>
-
-<file path=customXml/itemProps15.xml><?xml version="1.0" encoding="utf-8"?>
-<ds:datastoreItem xmlns:ds="http://schemas.openxmlformats.org/officeDocument/2006/customXml" ds:itemID="{0C8D0A77-4BE1-44D5-AB76-099BA878F4AC}">
-  <ds:schemaRefs>
-    <ds:schemaRef ds:uri="http://schemas.microsoft.com/VisualStudio/2011/storyboarding/control"/>
-  </ds:schemaRefs>
-</ds:datastoreItem>
-</file>
-
-<file path=customXml/itemProps16.xml><?xml version="1.0" encoding="utf-8"?>
-<ds:datastoreItem xmlns:ds="http://schemas.openxmlformats.org/officeDocument/2006/customXml" ds:itemID="{6B61DC19-A233-4A2E-9FD7-A5620DB62F2D}">
-  <ds:schemaRefs>
-    <ds:schemaRef ds:uri="http://schemas.microsoft.com/VisualStudio/2011/storyboarding/control"/>
-  </ds:schemaRefs>
-</ds:datastoreItem>
-</file>
-
-<file path=customXml/itemProps17.xml><?xml version="1.0" encoding="utf-8"?>
-<ds:datastoreItem xmlns:ds="http://schemas.openxmlformats.org/officeDocument/2006/customXml" ds:itemID="{5BF3A0E7-D0DC-4EC6-A56C-9FBFB70B3E8F}">
-  <ds:schemaRefs>
-    <ds:schemaRef ds:uri="http://schemas.microsoft.com/VisualStudio/2011/storyboarding/control"/>
-  </ds:schemaRefs>
-</ds:datastoreItem>
-</file>
-
-<file path=customXml/itemProps18.xml><?xml version="1.0" encoding="utf-8"?>
-<ds:datastoreItem xmlns:ds="http://schemas.openxmlformats.org/officeDocument/2006/customXml" ds:itemID="{08117E05-8279-40B2-8C98-17BD47CF047C}">
-  <ds:schemaRefs>
-    <ds:schemaRef ds:uri="http://schemas.microsoft.com/VisualStudio/2011/storyboarding/control"/>
-  </ds:schemaRefs>
-</ds:datastoreItem>
-</file>
-
 <file path=customXml/itemProps19.xml><?xml version="1.0" encoding="utf-8"?>
-<ds:datastoreItem xmlns:ds="http://schemas.openxmlformats.org/officeDocument/2006/customXml" ds:itemID="{AADB52BB-F608-4EDE-9EE9-9CF85A7F98CA}">
+<ds:datastoreItem xmlns:ds="http://schemas.openxmlformats.org/officeDocument/2006/customXml" ds:itemID="{35128DAE-002C-4C6E-936F-3A4A0FD00A4D}">
   <ds:schemaRefs>
     <ds:schemaRef ds:uri="http://schemas.microsoft.com/VisualStudio/2011/storyboarding/control"/>
   </ds:schemaRefs>
@@ -21268,7 +23478,7 @@
 </file>
 
 <file path=customXml/itemProps20.xml><?xml version="1.0" encoding="utf-8"?>
-<ds:datastoreItem xmlns:ds="http://schemas.openxmlformats.org/officeDocument/2006/customXml" ds:itemID="{B08AF36E-067A-4DBE-A512-235742A49236}">
+<ds:datastoreItem xmlns:ds="http://schemas.openxmlformats.org/officeDocument/2006/customXml" ds:itemID="{0C8D0A77-4BE1-44D5-AB76-099BA878F4AC}">
   <ds:schemaRefs>
     <ds:schemaRef ds:uri="http://schemas.microsoft.com/VisualStudio/2011/storyboarding/control"/>
   </ds:schemaRefs>
@@ -21276,6 +23486,40 @@
 </file>
 
 <file path=customXml/itemProps21.xml><?xml version="1.0" encoding="utf-8"?>
+<ds:datastoreItem xmlns:ds="http://schemas.openxmlformats.org/officeDocument/2006/customXml" ds:itemID="{01B050F6-999B-4666-861C-EA1AC91B6246}">
+  <ds:schemaRefs>
+    <ds:schemaRef ds:uri="http://schemas.microsoft.com/VisualStudio/2011/storyboarding/control"/>
+  </ds:schemaRefs>
+</ds:datastoreItem>
+</file>
+
+<file path=customXml/itemProps22.xml><?xml version="1.0" encoding="utf-8"?>
+<ds:datastoreItem xmlns:ds="http://schemas.openxmlformats.org/officeDocument/2006/customXml" ds:itemID="{F17BCBC9-D052-4DCC-B880-C7D71C65394C}">
+  <ds:schemaRefs>
+    <ds:schemaRef ds:uri="http://schemas.microsoft.com/VisualStudio/2011/storyboarding/control"/>
+  </ds:schemaRefs>
+</ds:datastoreItem>
+</file>
+
+<file path=customXml/itemProps23.xml><?xml version="1.0" encoding="utf-8"?>
+<ds:datastoreItem xmlns:ds="http://schemas.openxmlformats.org/officeDocument/2006/customXml" ds:itemID="{49DAEECD-CB3A-4D8D-8233-CD4F0C808F6C}">
+  <ds:schemaRefs>
+    <ds:schemaRef ds:uri="http://schemas.microsoft.com/office/2006/metadata/properties"/>
+    <ds:schemaRef ds:uri="http://schemas.microsoft.com/office/infopath/2007/PartnerControls"/>
+    <ds:schemaRef ds:uri="b4ebf394-daf6-497a-96c5-a2f8c10b38cf"/>
+  </ds:schemaRefs>
+</ds:datastoreItem>
+</file>
+
+<file path=customXml/itemProps24.xml><?xml version="1.0" encoding="utf-8"?>
+<ds:datastoreItem xmlns:ds="http://schemas.openxmlformats.org/officeDocument/2006/customXml" ds:itemID="{08117E05-8279-40B2-8C98-17BD47CF047C}">
+  <ds:schemaRefs>
+    <ds:schemaRef ds:uri="http://schemas.microsoft.com/VisualStudio/2011/storyboarding/control"/>
+  </ds:schemaRefs>
+</ds:datastoreItem>
+</file>
+
+<file path=customXml/itemProps25.xml><?xml version="1.0" encoding="utf-8"?>
 <ds:datastoreItem xmlns:ds="http://schemas.openxmlformats.org/officeDocument/2006/customXml" ds:itemID="{2CC5C6A2-55D6-45C9-B025-9707686F78B4}">
   <ds:schemaRefs>
     <ds:schemaRef ds:uri="http://schemas.microsoft.com/VisualStudio/2011/storyboarding/control"/>
@@ -21283,23 +23527,39 @@
 </ds:datastoreItem>
 </file>
 
-<file path=customXml/itemProps22.xml><?xml version="1.0" encoding="utf-8"?>
-<ds:datastoreItem xmlns:ds="http://schemas.openxmlformats.org/officeDocument/2006/customXml" ds:itemID="{C18EE418-8756-4166-9AFE-76D237F2A576}">
+<file path=customXml/itemProps26.xml><?xml version="1.0" encoding="utf-8"?>
+<ds:datastoreItem xmlns:ds="http://schemas.openxmlformats.org/officeDocument/2006/customXml" ds:itemID="{571A17D7-CD8F-4425-8141-DC78CCC5344C}">
   <ds:schemaRefs>
     <ds:schemaRef ds:uri="http://schemas.microsoft.com/VisualStudio/2011/storyboarding/control"/>
   </ds:schemaRefs>
 </ds:datastoreItem>
 </file>
 
-<file path=customXml/itemProps23.xml><?xml version="1.0" encoding="utf-8"?>
-<ds:datastoreItem xmlns:ds="http://schemas.openxmlformats.org/officeDocument/2006/customXml" ds:itemID="{01B050F6-999B-4666-861C-EA1AC91B6246}">
+<file path=customXml/itemProps27.xml><?xml version="1.0" encoding="utf-8"?>
+<ds:datastoreItem xmlns:ds="http://schemas.openxmlformats.org/officeDocument/2006/customXml" ds:itemID="{D038A533-7D3D-486B-A97F-3F7D2D473704}">
   <ds:schemaRefs>
     <ds:schemaRef ds:uri="http://schemas.microsoft.com/VisualStudio/2011/storyboarding/control"/>
   </ds:schemaRefs>
 </ds:datastoreItem>
 </file>
 
-<file path=customXml/itemProps24.xml><?xml version="1.0" encoding="utf-8"?>
+<file path=customXml/itemProps3.xml><?xml version="1.0" encoding="utf-8"?>
+<ds:datastoreItem xmlns:ds="http://schemas.openxmlformats.org/officeDocument/2006/customXml" ds:itemID="{6B61DC19-A233-4A2E-9FD7-A5620DB62F2D}">
+  <ds:schemaRefs>
+    <ds:schemaRef ds:uri="http://schemas.microsoft.com/VisualStudio/2011/storyboarding/control"/>
+  </ds:schemaRefs>
+</ds:datastoreItem>
+</file>
+
+<file path=customXml/itemProps4.xml><?xml version="1.0" encoding="utf-8"?>
+<ds:datastoreItem xmlns:ds="http://schemas.openxmlformats.org/officeDocument/2006/customXml" ds:itemID="{A0C0B854-DCE0-4777-A6A2-6AA42FCBDEF9}">
+  <ds:schemaRefs>
+    <ds:schemaRef ds:uri="http://schemas.microsoft.com/VisualStudio/2011/storyboarding/control"/>
+  </ds:schemaRefs>
+</ds:datastoreItem>
+</file>
+
+<file path=customXml/itemProps5.xml><?xml version="1.0" encoding="utf-8"?>
 <ds:datastoreItem xmlns:ds="http://schemas.openxmlformats.org/officeDocument/2006/customXml" ds:itemID="{75AB1E6F-A2B5-45A3-9769-33069D11639B}">
   <ds:schemaRefs>
     <ds:schemaRef ds:uri="http://schemas.microsoft.com/VisualStudio/2011/storyboarding/control"/>
@@ -21307,31 +23567,7 @@
 </ds:datastoreItem>
 </file>
 
-<file path=customXml/itemProps25.xml><?xml version="1.0" encoding="utf-8"?>
-<ds:datastoreItem xmlns:ds="http://schemas.openxmlformats.org/officeDocument/2006/customXml" ds:itemID="{A24D505E-F763-4187-B170-B0C455E3180F}">
-  <ds:schemaRefs>
-    <ds:schemaRef ds:uri="http://schemas.microsoft.com/VisualStudio/2011/storyboarding/control"/>
-  </ds:schemaRefs>
-</ds:datastoreItem>
-</file>
-
-<file path=customXml/itemProps3.xml><?xml version="1.0" encoding="utf-8"?>
-<ds:datastoreItem xmlns:ds="http://schemas.openxmlformats.org/officeDocument/2006/customXml" ds:itemID="{084C318E-C929-4C3E-B33D-A8A9042A119A}">
-  <ds:schemaRefs>
-    <ds:schemaRef ds:uri="http://schemas.microsoft.com/VisualStudio/2011/storyboarding/control"/>
-  </ds:schemaRefs>
-</ds:datastoreItem>
-</file>
-
-<file path=customXml/itemProps4.xml><?xml version="1.0" encoding="utf-8"?>
-<ds:datastoreItem xmlns:ds="http://schemas.openxmlformats.org/officeDocument/2006/customXml" ds:itemID="{6392601F-1C60-40B3-8481-32D2B50E6B0F}">
-  <ds:schemaRefs>
-    <ds:schemaRef ds:uri="http://schemas.microsoft.com/VisualStudio/2011/storyboarding/control"/>
-  </ds:schemaRefs>
-</ds:datastoreItem>
-</file>
-
-<file path=customXml/itemProps5.xml><?xml version="1.0" encoding="utf-8"?>
+<file path=customXml/itemProps6.xml><?xml version="1.0" encoding="utf-8"?>
 <ds:datastoreItem xmlns:ds="http://schemas.openxmlformats.org/officeDocument/2006/customXml" ds:itemID="{92ABB21B-66F7-4314-B129-A4AE8845ED65}">
   <ds:schemaRefs>
     <ds:schemaRef ds:uri="http://schemas.microsoft.com/VisualStudio/2011/storyboarding/control"/>
@@ -21339,16 +23575,8 @@
 </ds:datastoreItem>
 </file>
 
-<file path=customXml/itemProps6.xml><?xml version="1.0" encoding="utf-8"?>
-<ds:datastoreItem xmlns:ds="http://schemas.openxmlformats.org/officeDocument/2006/customXml" ds:itemID="{35128DAE-002C-4C6E-936F-3A4A0FD00A4D}">
-  <ds:schemaRefs>
-    <ds:schemaRef ds:uri="http://schemas.microsoft.com/VisualStudio/2011/storyboarding/control"/>
-  </ds:schemaRefs>
-</ds:datastoreItem>
-</file>
-
 <file path=customXml/itemProps7.xml><?xml version="1.0" encoding="utf-8"?>
-<ds:datastoreItem xmlns:ds="http://schemas.openxmlformats.org/officeDocument/2006/customXml" ds:itemID="{EB93A196-B759-4593-A93F-A43A64E07BBB}">
+<ds:datastoreItem xmlns:ds="http://schemas.openxmlformats.org/officeDocument/2006/customXml" ds:itemID="{AADB52BB-F608-4EDE-9EE9-9CF85A7F98CA}">
   <ds:schemaRefs>
     <ds:schemaRef ds:uri="http://schemas.microsoft.com/VisualStudio/2011/storyboarding/control"/>
   </ds:schemaRefs>
@@ -21356,7 +23584,7 @@
 </file>
 
 <file path=customXml/itemProps8.xml><?xml version="1.0" encoding="utf-8"?>
-<ds:datastoreItem xmlns:ds="http://schemas.openxmlformats.org/officeDocument/2006/customXml" ds:itemID="{135B7A6F-E387-4B16-9C6E-5C72ACF9A87B}">
+<ds:datastoreItem xmlns:ds="http://schemas.openxmlformats.org/officeDocument/2006/customXml" ds:itemID="{6392601F-1C60-40B3-8481-32D2B50E6B0F}">
   <ds:schemaRefs>
     <ds:schemaRef ds:uri="http://schemas.microsoft.com/VisualStudio/2011/storyboarding/control"/>
   </ds:schemaRefs>
